--- a/design/condor.pptx
+++ b/design/condor.pptx
@@ -13,10 +13,12 @@
     <p:sldId id="259" r:id="rId7"/>
     <p:sldId id="262" r:id="rId8"/>
     <p:sldId id="263" r:id="rId9"/>
-    <p:sldId id="264" r:id="rId10"/>
-    <p:sldId id="265" r:id="rId11"/>
-    <p:sldId id="267" r:id="rId12"/>
-    <p:sldId id="266" r:id="rId13"/>
+    <p:sldId id="267" r:id="rId10"/>
+    <p:sldId id="268" r:id="rId11"/>
+    <p:sldId id="269" r:id="rId12"/>
+    <p:sldId id="264" r:id="rId13"/>
+    <p:sldId id="265" r:id="rId14"/>
+    <p:sldId id="266" r:id="rId15"/>
   </p:sldIdLst>
   <p:sldSz cx="12192000" cy="6858000"/>
   <p:notesSz cx="6858000" cy="9144000"/>
@@ -3443,10 +3445,10 @@
       </p:grpSpPr>
       <p:sp>
         <p:nvSpPr>
-          <p:cNvPr id="5" name="Title 4">
-            <a:extLst>
-              <a:ext uri="{FF2B5EF4-FFF2-40B4-BE49-F238E27FC236}">
-                <a16:creationId xmlns:a16="http://schemas.microsoft.com/office/drawing/2014/main" id="{C087BC3B-13B3-5540-8EA1-F3BF9E46EFB6}"/>
+          <p:cNvPr id="2" name="Title 1">
+            <a:extLst>
+              <a:ext uri="{FF2B5EF4-FFF2-40B4-BE49-F238E27FC236}">
+                <a16:creationId xmlns:a16="http://schemas.microsoft.com/office/drawing/2014/main" id="{C184CE4F-BB77-C6E9-E8AA-A85AD2BA4162}"/>
               </a:ext>
             </a:extLst>
           </p:cNvPr>
@@ -3464,17 +3466,17 @@
           <a:p>
             <a:r>
               <a:rPr lang="en-US" dirty="0"/>
-              <a:t>Model definitions are symbolic</a:t>
-            </a:r>
-          </a:p>
-        </p:txBody>
-      </p:sp>
-      <p:sp>
-        <p:nvSpPr>
-          <p:cNvPr id="6" name="Content Placeholder 5">
-            <a:extLst>
-              <a:ext uri="{FF2B5EF4-FFF2-40B4-BE49-F238E27FC236}">
-                <a16:creationId xmlns:a16="http://schemas.microsoft.com/office/drawing/2014/main" id="{EB83C715-B66A-1BB6-5439-D15566309ECD}"/>
+              <a:t>Layer boundaries</a:t>
+            </a:r>
+          </a:p>
+        </p:txBody>
+      </p:sp>
+      <p:sp>
+        <p:nvSpPr>
+          <p:cNvPr id="3" name="Content Placeholder 2">
+            <a:extLst>
+              <a:ext uri="{FF2B5EF4-FFF2-40B4-BE49-F238E27FC236}">
+                <a16:creationId xmlns:a16="http://schemas.microsoft.com/office/drawing/2014/main" id="{ED41409C-9E3E-B30E-4DA1-5BD501551F5D}"/>
               </a:ext>
             </a:extLst>
           </p:cNvPr>
@@ -3485,40 +3487,116 @@
             <p:ph idx="1"/>
           </p:nvPr>
         </p:nvSpPr>
-        <p:spPr/>
-        <p:txBody>
-          <a:bodyPr/>
+        <p:spPr>
+          <a:xfrm>
+            <a:off x="838200" y="1813268"/>
+            <a:ext cx="10515600" cy="4351338"/>
+          </a:xfrm>
+        </p:spPr>
+        <p:txBody>
+          <a:bodyPr>
+            <a:normAutofit fontScale="77500" lnSpcReduction="20000"/>
+          </a:bodyPr>
           <a:lstStyle/>
           <a:p>
             <a:r>
               <a:rPr lang="en-US" dirty="0"/>
-              <a:t>For most mathematical models, this is what you want</a:t>
+              <a:t>Models use Fields generate elements (symbol atoms/leaves) for system input and build expressions for system output/internal solver computation using model-based, unary, and binary operations</a:t>
             </a:r>
           </a:p>
           <a:p>
             <a:r>
               <a:rPr lang="en-US" dirty="0"/>
-              <a:t>Conditionals: Use float-casting of </a:t>
+              <a:t>Implementation for each model template provides two interfaces between the Model layer and symbolic backend:</a:t>
+            </a:r>
+          </a:p>
+          <a:p>
+            <a:pPr lvl="1"/>
+            <a:r>
+              <a:rPr lang="en-US" dirty="0"/>
+              <a:t>Generates a symbolic operator for the model so symbolic backend can propagate derivatives through model [“model-based operator”]</a:t>
+            </a:r>
+          </a:p>
+          <a:p>
+            <a:pPr lvl="1"/>
+            <a:r>
+              <a:rPr lang="en-US" dirty="0"/>
+              <a:t>Generates a numeric callable for the model so the model can be evaluated numerically; typically requires generating numerical callable for internal fields (and gradients) and passing that to the solver</a:t>
+            </a:r>
+          </a:p>
+          <a:p>
+            <a:pPr lvl="1"/>
+            <a:r>
+              <a:rPr lang="en-US" dirty="0"/>
+              <a:t>For </a:t>
             </a:r>
             <a:r>
               <a:rPr lang="en-US" dirty="0" err="1"/>
-              <a:t>boolean</a:t>
+              <a:t>casadi</a:t>
             </a:r>
             <a:r>
               <a:rPr lang="en-US" dirty="0"/>
-              <a:t> expressions to construct piecewise models instead of if-else flow control</a:t>
-            </a:r>
-          </a:p>
-          <a:p>
+              <a:t>, the “callback” performs both and only requires numerical implementation and metadata – likely typical</a:t>
+            </a:r>
+          </a:p>
+          <a:p>
+            <a:pPr lvl="2"/>
             <a:r>
               <a:rPr lang="en-US" dirty="0"/>
-              <a:t>higher-level interfaces: settings module</a:t>
-            </a:r>
-          </a:p>
-          <a:p>
+              <a:t>implementation should primarily be responsible for collecting/flattening fields</a:t>
+            </a:r>
+          </a:p>
+          <a:p>
+            <a:pPr lvl="2"/>
             <a:r>
               <a:rPr lang="en-US" dirty="0"/>
-              <a:t>If you need a lot of conditionals, loops, and interface logic maybe you need a new template, implementation, and/or solver</a:t>
+              <a:t>custom callbacks should generate </a:t>
+            </a:r>
+            <a:r>
+              <a:rPr lang="en-US" dirty="0" err="1"/>
+              <a:t>callables</a:t>
+            </a:r>
+            <a:r>
+              <a:rPr lang="en-US" dirty="0"/>
+              <a:t> to pass to solver; </a:t>
+            </a:r>
+            <a:r>
+              <a:rPr lang="en-US" dirty="0" err="1"/>
+              <a:t>casadi.callback.eval</a:t>
+            </a:r>
+            <a:r>
+              <a:rPr lang="en-US" dirty="0"/>
+              <a:t> should just call solver with </a:t>
+            </a:r>
+            <a:r>
+              <a:rPr lang="en-US" dirty="0" err="1"/>
+              <a:t>args</a:t>
+            </a:r>
+            <a:r>
+              <a:rPr lang="en-US" dirty="0"/>
+              <a:t> – only ever sees numeric, </a:t>
+            </a:r>
+            <a:r>
+              <a:rPr lang="en-US" dirty="0" err="1"/>
+              <a:t>casadi</a:t>
+            </a:r>
+            <a:r>
+              <a:rPr lang="en-US" dirty="0"/>
+              <a:t> internals handle symbolic case</a:t>
+            </a:r>
+          </a:p>
+          <a:p>
+            <a:pPr lvl="2"/>
+            <a:r>
+              <a:rPr lang="en-US" dirty="0"/>
+              <a:t>solver should only interface with numeric callable</a:t>
+            </a:r>
+          </a:p>
+          <a:p>
+            <a:pPr lvl="1"/>
+            <a:r>
+              <a:rPr lang="en-US" dirty="0"/>
+              <a:t>--&gt; Bind both symbolic and numeric results to model instance</a:t>
             </a:r>
           </a:p>
           <a:p>
@@ -3532,7 +3610,7 @@
     </p:spTree>
     <p:extLst>
       <p:ext uri="{BB962C8B-B14F-4D97-AF65-F5344CB8AC3E}">
-        <p14:creationId xmlns:p14="http://schemas.microsoft.com/office/powerpoint/2010/main" val="661565378"/>
+        <p14:creationId xmlns:p14="http://schemas.microsoft.com/office/powerpoint/2010/main" val="703169601"/>
       </p:ext>
     </p:extLst>
   </p:cSld>
@@ -3564,7 +3642,7 @@
           <p:cNvPr id="2" name="Title 1">
             <a:extLst>
               <a:ext uri="{FF2B5EF4-FFF2-40B4-BE49-F238E27FC236}">
-                <a16:creationId xmlns:a16="http://schemas.microsoft.com/office/drawing/2014/main" id="{618ED72A-EEC7-6FA7-3162-A2C0786615F0}"/>
+                <a16:creationId xmlns:a16="http://schemas.microsoft.com/office/drawing/2014/main" id="{0F994556-3671-80AE-F917-ECDD9B0763AA}"/>
               </a:ext>
             </a:extLst>
           </p:cNvPr>
@@ -3580,133 +3658,42 @@
           <a:bodyPr/>
           <a:lstStyle/>
           <a:p>
+            <a:endParaRPr lang="en-US"/>
+          </a:p>
+        </p:txBody>
+      </p:sp>
+      <p:sp>
+        <p:nvSpPr>
+          <p:cNvPr id="3" name="Content Placeholder 2">
+            <a:extLst>
+              <a:ext uri="{FF2B5EF4-FFF2-40B4-BE49-F238E27FC236}">
+                <a16:creationId xmlns:a16="http://schemas.microsoft.com/office/drawing/2014/main" id="{F132F232-6851-386C-298F-F3F85B184588}"/>
+              </a:ext>
+            </a:extLst>
+          </p:cNvPr>
+          <p:cNvSpPr>
+            <a:spLocks noGrp="1"/>
+          </p:cNvSpPr>
+          <p:nvPr>
+            <p:ph idx="1"/>
+          </p:nvPr>
+        </p:nvSpPr>
+        <p:spPr/>
+        <p:txBody>
+          <a:bodyPr/>
+          <a:lstStyle/>
+          <a:p>
             <a:r>
               <a:rPr lang="en-US" dirty="0"/>
-              <a:t>Backend</a:t>
-            </a:r>
-          </a:p>
-        </p:txBody>
-      </p:sp>
-      <p:sp>
-        <p:nvSpPr>
-          <p:cNvPr id="3" name="Content Placeholder 2">
-            <a:extLst>
-              <a:ext uri="{FF2B5EF4-FFF2-40B4-BE49-F238E27FC236}">
-                <a16:creationId xmlns:a16="http://schemas.microsoft.com/office/drawing/2014/main" id="{27582A0D-875E-1205-4384-5ADCE0637C82}"/>
-              </a:ext>
-            </a:extLst>
-          </p:cNvPr>
-          <p:cNvSpPr>
-            <a:spLocks noGrp="1"/>
-          </p:cNvSpPr>
-          <p:nvPr>
-            <p:ph idx="1"/>
-          </p:nvPr>
-        </p:nvSpPr>
-        <p:spPr/>
-        <p:txBody>
-          <a:bodyPr>
-            <a:normAutofit/>
-          </a:bodyPr>
-          <a:lstStyle/>
-          <a:p>
-            <a:r>
-              <a:rPr lang="en-US" dirty="0"/>
-              <a:t>Currently using </a:t>
-            </a:r>
-            <a:r>
-              <a:rPr lang="en-US" dirty="0" err="1"/>
-              <a:t>casadi</a:t>
-            </a:r>
-            <a:r>
-              <a:rPr lang="en-US" dirty="0"/>
-              <a:t> because it ships with all required functionality:</a:t>
-            </a:r>
-          </a:p>
-          <a:p>
-            <a:pPr lvl="1"/>
-            <a:r>
-              <a:rPr lang="en-US" dirty="0"/>
-              <a:t>Easily represent symbolic elements, condor Models, and expressions</a:t>
-            </a:r>
-          </a:p>
-          <a:p>
-            <a:pPr lvl="1"/>
-            <a:r>
-              <a:rPr lang="en-US" dirty="0"/>
-              <a:t>Propagate derivatives through symbolic expression tree</a:t>
-            </a:r>
-          </a:p>
-          <a:p>
-            <a:pPr lvl="1"/>
-            <a:r>
-              <a:rPr lang="en-US" dirty="0"/>
-              <a:t>Generate C code for numerical evaluation of expression tree</a:t>
-            </a:r>
-          </a:p>
-          <a:p>
-            <a:pPr lvl="1"/>
-            <a:r>
-              <a:rPr lang="en-US" dirty="0"/>
-              <a:t>Provides interfaces to IPOPT solvers at the C level</a:t>
-            </a:r>
-          </a:p>
-          <a:p>
-            <a:r>
-              <a:rPr lang="en-US" dirty="0"/>
-              <a:t>Other backends (e.g., </a:t>
-            </a:r>
-            <a:r>
-              <a:rPr lang="en-US" dirty="0" err="1"/>
-              <a:t>SymPy</a:t>
-            </a:r>
-            <a:r>
-              <a:rPr lang="en-US" dirty="0"/>
-              <a:t>, </a:t>
-            </a:r>
-            <a:r>
-              <a:rPr lang="en-US" dirty="0" err="1"/>
-              <a:t>Aesara</a:t>
-            </a:r>
-            <a:r>
-              <a:rPr lang="en-US" dirty="0"/>
-              <a:t>, </a:t>
-            </a:r>
-            <a:r>
-              <a:rPr lang="en-US" dirty="0" err="1"/>
-              <a:t>etc</a:t>
-            </a:r>
-            <a:r>
-              <a:rPr lang="en-US" dirty="0"/>
-              <a:t>) could be used, but some of the required functionality may need to be developed</a:t>
-            </a:r>
-          </a:p>
-          <a:p>
-            <a:r>
-              <a:rPr lang="en-US" dirty="0"/>
-              <a:t>To use a new backend, new implementation layer will be required to generate </a:t>
-            </a:r>
-            <a:r>
-              <a:rPr lang="en-US" dirty="0" err="1"/>
-              <a:t>callables</a:t>
-            </a:r>
-            <a:r>
-              <a:rPr lang="en-US" dirty="0"/>
-              <a:t> for model (and derivatives) to pass to solvers</a:t>
-            </a:r>
-          </a:p>
-          <a:p>
-            <a:endParaRPr lang="en-US" dirty="0"/>
-          </a:p>
-          <a:p>
-            <a:endParaRPr lang="en-US" dirty="0"/>
+              <a:t>Implementations</a:t>
+            </a:r>
           </a:p>
         </p:txBody>
       </p:sp>
     </p:spTree>
     <p:extLst>
       <p:ext uri="{BB962C8B-B14F-4D97-AF65-F5344CB8AC3E}">
-        <p14:creationId xmlns:p14="http://schemas.microsoft.com/office/powerpoint/2010/main" val="3462162729"/>
+        <p14:creationId xmlns:p14="http://schemas.microsoft.com/office/powerpoint/2010/main" val="711145115"/>
       </p:ext>
     </p:extLst>
   </p:cSld>
@@ -3738,7 +3725,7 @@
           <p:cNvPr id="2" name="Title 1">
             <a:extLst>
               <a:ext uri="{FF2B5EF4-FFF2-40B4-BE49-F238E27FC236}">
-                <a16:creationId xmlns:a16="http://schemas.microsoft.com/office/drawing/2014/main" id="{D33284C7-B24E-2E94-2496-441AFD4BF094}"/>
+                <a16:creationId xmlns:a16="http://schemas.microsoft.com/office/drawing/2014/main" id="{FE6D9A2D-06E5-48F6-1577-770301591992}"/>
               </a:ext>
             </a:extLst>
           </p:cNvPr>
@@ -3756,49 +3743,40 @@
           <a:p>
             <a:r>
               <a:rPr lang="en-US" dirty="0"/>
-              <a:t>Gascon</a:t>
-            </a:r>
-          </a:p>
-        </p:txBody>
-      </p:sp>
-      <p:sp>
-        <p:nvSpPr>
-          <p:cNvPr id="3" name="Content Placeholder 2">
-            <a:extLst>
-              <a:ext uri="{FF2B5EF4-FFF2-40B4-BE49-F238E27FC236}">
-                <a16:creationId xmlns:a16="http://schemas.microsoft.com/office/drawing/2014/main" id="{1838E21D-C0DA-E154-7DA5-3EDF78A495AD}"/>
-              </a:ext>
-            </a:extLst>
-          </p:cNvPr>
-          <p:cNvSpPr>
-            <a:spLocks noGrp="1"/>
-          </p:cNvSpPr>
-          <p:nvPr>
-            <p:ph idx="1"/>
+              <a:t>The Model layer</a:t>
+            </a:r>
+          </a:p>
+        </p:txBody>
+      </p:sp>
+      <p:sp>
+        <p:nvSpPr>
+          <p:cNvPr id="5" name="Text Placeholder 4">
+            <a:extLst>
+              <a:ext uri="{FF2B5EF4-FFF2-40B4-BE49-F238E27FC236}">
+                <a16:creationId xmlns:a16="http://schemas.microsoft.com/office/drawing/2014/main" id="{6EB103A5-F7DD-6D05-B116-1400B827FD7C}"/>
+              </a:ext>
+            </a:extLst>
+          </p:cNvPr>
+          <p:cNvSpPr>
+            <a:spLocks noGrp="1"/>
+          </p:cNvSpPr>
+          <p:nvPr>
+            <p:ph type="body" sz="half" idx="2"/>
           </p:nvPr>
         </p:nvSpPr>
         <p:spPr/>
         <p:txBody>
-          <a:bodyPr/>
-          <a:lstStyle/>
-          <a:p>
-            <a:r>
-              <a:rPr lang="en-US" dirty="0"/>
-              <a:t>GASP Advancement using Symbolics in </a:t>
-            </a:r>
-            <a:r>
-              <a:rPr lang="en-US" dirty="0" err="1"/>
-              <a:t>CONdor</a:t>
-            </a:r>
-            <a:endParaRPr lang="en-US" dirty="0"/>
-          </a:p>
+          <a:bodyPr>
+            <a:normAutofit lnSpcReduction="10000"/>
+          </a:bodyPr>
+          <a:lstStyle/>
           <a:p>
             <a:pPr marL="0" indent="0">
               <a:buNone/>
             </a:pPr>
             <a:r>
               <a:rPr lang="en-US" dirty="0"/>
-              <a:t>	  …Analysis and Supplemental modeling…</a:t>
+              <a:t>User Model classes inherit from a Model template</a:t>
             </a:r>
           </a:p>
           <a:p>
@@ -3807,3703 +3785,16 @@
             </a:pPr>
             <a:r>
               <a:rPr lang="en-US" dirty="0"/>
-              <a:t>			  … Substitutable models? Solutions? Etc.</a:t>
-            </a:r>
-          </a:p>
-          <a:p>
-            <a:r>
-              <a:rPr lang="en-US" dirty="0"/>
-              <a:t>Demonstrate achievement of condor goals by giving two under-graduate summer interns 10 weeks to re-implement </a:t>
-            </a:r>
-            <a:r>
-              <a:rPr lang="en-US" dirty="0" err="1"/>
-              <a:t>GASPy</a:t>
-            </a:r>
-            <a:r>
-              <a:rPr lang="en-US" dirty="0"/>
-              <a:t>, which took a team of experienced engineers 2+ years to implement</a:t>
-            </a:r>
-          </a:p>
-          <a:p>
-            <a:r>
-              <a:rPr lang="en-US" dirty="0"/>
-              <a:t>Fastest path to solve EPFD’s coupled optimization problem</a:t>
-            </a:r>
-          </a:p>
-        </p:txBody>
-      </p:sp>
-    </p:spTree>
-    <p:extLst>
-      <p:ext uri="{BB962C8B-B14F-4D97-AF65-F5344CB8AC3E}">
-        <p14:creationId xmlns:p14="http://schemas.microsoft.com/office/powerpoint/2010/main" val="611900226"/>
-      </p:ext>
-    </p:extLst>
-  </p:cSld>
-  <p:clrMapOvr>
-    <a:masterClrMapping/>
-  </p:clrMapOvr>
-</p:sld>
-</file>
-
-<file path=ppt/slides/slide2.xml><?xml version="1.0" encoding="utf-8"?>
-<p:sld xmlns:a="http://schemas.openxmlformats.org/drawingml/2006/main" xmlns:r="http://schemas.openxmlformats.org/officeDocument/2006/relationships" xmlns:p="http://schemas.openxmlformats.org/presentationml/2006/main">
-  <p:cSld>
-    <p:spTree>
-      <p:nvGrpSpPr>
-        <p:cNvPr id="1" name=""/>
-        <p:cNvGrpSpPr/>
-        <p:nvPr/>
-      </p:nvGrpSpPr>
-      <p:grpSpPr>
-        <a:xfrm>
-          <a:off x="0" y="0"/>
-          <a:ext cx="0" cy="0"/>
-          <a:chOff x="0" y="0"/>
-          <a:chExt cx="0" cy="0"/>
-        </a:xfrm>
-      </p:grpSpPr>
-      <p:sp>
-        <p:nvSpPr>
-          <p:cNvPr id="2" name="Title 1">
-            <a:extLst>
-              <a:ext uri="{FF2B5EF4-FFF2-40B4-BE49-F238E27FC236}">
-                <a16:creationId xmlns:a16="http://schemas.microsoft.com/office/drawing/2014/main" id="{D6634B2A-B7C3-DBA9-41F4-C6FAEB76B5C4}"/>
-              </a:ext>
-            </a:extLst>
-          </p:cNvPr>
-          <p:cNvSpPr>
-            <a:spLocks noGrp="1"/>
-          </p:cNvSpPr>
-          <p:nvPr>
-            <p:ph type="title"/>
-          </p:nvPr>
-        </p:nvSpPr>
-        <p:spPr/>
-        <p:txBody>
-          <a:bodyPr/>
-          <a:lstStyle/>
-          <a:p>
-            <a:r>
-              <a:rPr lang="en-US" dirty="0"/>
-              <a:t>Motivation</a:t>
-            </a:r>
-          </a:p>
-        </p:txBody>
-      </p:sp>
-      <p:sp>
-        <p:nvSpPr>
-          <p:cNvPr id="3" name="Content Placeholder 2">
-            <a:extLst>
-              <a:ext uri="{FF2B5EF4-FFF2-40B4-BE49-F238E27FC236}">
-                <a16:creationId xmlns:a16="http://schemas.microsoft.com/office/drawing/2014/main" id="{C66EE1AC-09BB-6F2B-8C86-FEE00A71D57A}"/>
-              </a:ext>
-            </a:extLst>
-          </p:cNvPr>
-          <p:cNvSpPr>
-            <a:spLocks noGrp="1"/>
-          </p:cNvSpPr>
-          <p:nvPr>
-            <p:ph idx="1"/>
-          </p:nvPr>
-        </p:nvSpPr>
-        <p:spPr/>
-        <p:txBody>
-          <a:bodyPr/>
-          <a:lstStyle/>
-          <a:p>
-            <a:r>
-              <a:rPr lang="en-US" dirty="0">
-                <a:cs typeface="Calibri"/>
-              </a:rPr>
-              <a:t>There are multiple programs/projects within the Agency that are interested in MDAO and 6DOF vehicle simulations.</a:t>
-            </a:r>
-          </a:p>
-          <a:p>
-            <a:pPr lvl="1"/>
-            <a:r>
-              <a:rPr lang="en-US" dirty="0">
-                <a:cs typeface="Calibri"/>
-              </a:rPr>
-              <a:t>ARMD: 1) EPFD, 2) AATT, 3) IASP, 4) SFD</a:t>
-            </a:r>
-          </a:p>
-          <a:p>
-            <a:pPr lvl="1"/>
-            <a:r>
-              <a:rPr lang="en-US" dirty="0">
-                <a:cs typeface="Calibri"/>
-              </a:rPr>
-              <a:t>HEOMD/NESC: Orion, HLS, </a:t>
-            </a:r>
-            <a:r>
-              <a:rPr lang="en-US" dirty="0" err="1">
-                <a:cs typeface="Calibri"/>
-              </a:rPr>
-              <a:t>etc</a:t>
-            </a:r>
-            <a:endParaRPr lang="en-US" dirty="0">
-              <a:cs typeface="Calibri"/>
-            </a:endParaRPr>
-          </a:p>
-          <a:p>
-            <a:r>
-              <a:rPr lang="en-US" dirty="0"/>
-              <a:t>EPFD in particular has 3+ years of investment in a SOTA optimization framework without achieving the performance, robustness, or even flexibility of heritage tools; no delivery of promised solution to coupled optimization problem</a:t>
-            </a:r>
-          </a:p>
-        </p:txBody>
-      </p:sp>
-    </p:spTree>
-    <p:extLst>
-      <p:ext uri="{BB962C8B-B14F-4D97-AF65-F5344CB8AC3E}">
-        <p14:creationId xmlns:p14="http://schemas.microsoft.com/office/powerpoint/2010/main" val="1045520080"/>
-      </p:ext>
-    </p:extLst>
-  </p:cSld>
-  <p:clrMapOvr>
-    <a:masterClrMapping/>
-  </p:clrMapOvr>
-</p:sld>
-</file>
-
-<file path=ppt/slides/slide3.xml><?xml version="1.0" encoding="utf-8"?>
-<p:sld xmlns:a="http://schemas.openxmlformats.org/drawingml/2006/main" xmlns:r="http://schemas.openxmlformats.org/officeDocument/2006/relationships" xmlns:p="http://schemas.openxmlformats.org/presentationml/2006/main">
-  <p:cSld>
-    <p:spTree>
-      <p:nvGrpSpPr>
-        <p:cNvPr id="1" name=""/>
-        <p:cNvGrpSpPr/>
-        <p:nvPr/>
-      </p:nvGrpSpPr>
-      <p:grpSpPr>
-        <a:xfrm>
-          <a:off x="0" y="0"/>
-          <a:ext cx="0" cy="0"/>
-          <a:chOff x="0" y="0"/>
-          <a:chExt cx="0" cy="0"/>
-        </a:xfrm>
-      </p:grpSpPr>
-      <p:sp>
-        <p:nvSpPr>
-          <p:cNvPr id="2" name="Title 1">
-            <a:extLst>
-              <a:ext uri="{FF2B5EF4-FFF2-40B4-BE49-F238E27FC236}">
-                <a16:creationId xmlns:a16="http://schemas.microsoft.com/office/drawing/2014/main" id="{8AAFB3F0-A980-0038-CEEC-4DEEFD69CE8B}"/>
-              </a:ext>
-            </a:extLst>
-          </p:cNvPr>
-          <p:cNvSpPr>
-            <a:spLocks noGrp="1"/>
-          </p:cNvSpPr>
-          <p:nvPr>
-            <p:ph type="title"/>
-          </p:nvPr>
-        </p:nvSpPr>
-        <p:spPr/>
-        <p:txBody>
-          <a:bodyPr/>
-          <a:lstStyle/>
-          <a:p>
-            <a:r>
-              <a:rPr lang="en-US" dirty="0"/>
-              <a:t>If you could start from “scratch,” what would you do?</a:t>
-            </a:r>
-          </a:p>
-        </p:txBody>
-      </p:sp>
-      <p:sp>
-        <p:nvSpPr>
-          <p:cNvPr id="3" name="Content Placeholder 2">
-            <a:extLst>
-              <a:ext uri="{FF2B5EF4-FFF2-40B4-BE49-F238E27FC236}">
-                <a16:creationId xmlns:a16="http://schemas.microsoft.com/office/drawing/2014/main" id="{582A253E-71E2-C582-DBCA-DE660EF5A588}"/>
-              </a:ext>
-            </a:extLst>
-          </p:cNvPr>
-          <p:cNvSpPr>
-            <a:spLocks noGrp="1"/>
-          </p:cNvSpPr>
-          <p:nvPr>
-            <p:ph idx="1"/>
-          </p:nvPr>
-        </p:nvSpPr>
-        <p:spPr/>
-        <p:txBody>
-          <a:bodyPr>
-            <a:normAutofit fontScale="92500" lnSpcReduction="20000"/>
-          </a:bodyPr>
-          <a:lstStyle/>
-          <a:p>
-            <a:r>
-              <a:rPr lang="en-US" dirty="0">
-                <a:cs typeface="Calibri"/>
-              </a:rPr>
-              <a:t>Leverage existing computational technology from the Machine Learning (ML) and Artificial Intelligent (AI) community</a:t>
-            </a:r>
-          </a:p>
-          <a:p>
-            <a:pPr lvl="1"/>
-            <a:r>
-              <a:rPr lang="en-US" dirty="0">
-                <a:cs typeface="Calibri"/>
-              </a:rPr>
-              <a:t>Automatic Differentiation (AD)</a:t>
-            </a:r>
-          </a:p>
-          <a:p>
-            <a:pPr lvl="1"/>
-            <a:r>
-              <a:rPr lang="en-US" dirty="0">
-                <a:cs typeface="Calibri"/>
-              </a:rPr>
-              <a:t>Code generation/Computational acceleration</a:t>
-            </a:r>
-          </a:p>
-          <a:p>
-            <a:r>
-              <a:rPr lang="en-US" dirty="0">
-                <a:cs typeface="Calibri"/>
-              </a:rPr>
-              <a:t>Leveraging existing best practices for library design: Application development code should be ….</a:t>
-            </a:r>
-          </a:p>
-          <a:p>
-            <a:pPr lvl="2"/>
-            <a:r>
-              <a:rPr lang="en-US" dirty="0">
-                <a:cs typeface="Calibri"/>
-              </a:rPr>
-              <a:t>Concise</a:t>
-            </a:r>
-          </a:p>
-          <a:p>
-            <a:pPr lvl="3"/>
-            <a:r>
-              <a:rPr lang="en-US" dirty="0">
-                <a:cs typeface="Calibri"/>
-              </a:rPr>
-              <a:t>“Expressive” coding means less typing for the developer, focus is on actual modeling</a:t>
-            </a:r>
-          </a:p>
-          <a:p>
-            <a:pPr lvl="3"/>
-            <a:r>
-              <a:rPr lang="en-US" dirty="0">
-                <a:cs typeface="Calibri"/>
-              </a:rPr>
-              <a:t>Let the computer handle the repetitive part of writing code leading to less opportunity for human error</a:t>
-            </a:r>
-          </a:p>
-          <a:p>
-            <a:pPr lvl="2"/>
-            <a:r>
-              <a:rPr lang="en-US" dirty="0">
-                <a:cs typeface="Calibri"/>
-              </a:rPr>
-              <a:t>Well organized </a:t>
-            </a:r>
-          </a:p>
-          <a:p>
-            <a:pPr lvl="3"/>
-            <a:r>
-              <a:rPr lang="en-US" dirty="0">
-                <a:cs typeface="Calibri"/>
-              </a:rPr>
-              <a:t>Separation of distinct code by purpose (e.g. a model vs. numerical algorithm/tuning)</a:t>
-            </a:r>
-          </a:p>
-          <a:p>
-            <a:pPr lvl="3"/>
-            <a:r>
-              <a:rPr lang="en-US" dirty="0">
-                <a:cs typeface="Calibri"/>
-              </a:rPr>
-              <a:t>Easier to read, write, and debug code</a:t>
-            </a:r>
-          </a:p>
-          <a:p>
-            <a:pPr lvl="3"/>
-            <a:r>
-              <a:rPr lang="en-US" dirty="0">
-                <a:cs typeface="Calibri"/>
-              </a:rPr>
-              <a:t>Easier maintenance, only change code in a single location = DRY (don’t repeat yourself) code</a:t>
-            </a:r>
-          </a:p>
-          <a:p>
-            <a:r>
-              <a:rPr lang="en-US" dirty="0">
-                <a:cs typeface="Calibri"/>
-              </a:rPr>
-              <a:t>Key: don’t start from scratch! </a:t>
-            </a:r>
-          </a:p>
-          <a:p>
-            <a:pPr lvl="3"/>
-            <a:endParaRPr lang="en-US" dirty="0"/>
-          </a:p>
-        </p:txBody>
-      </p:sp>
-    </p:spTree>
-    <p:extLst>
-      <p:ext uri="{BB962C8B-B14F-4D97-AF65-F5344CB8AC3E}">
-        <p14:creationId xmlns:p14="http://schemas.microsoft.com/office/powerpoint/2010/main" val="1552816342"/>
-      </p:ext>
-    </p:extLst>
-  </p:cSld>
-  <p:clrMapOvr>
-    <a:masterClrMapping/>
-  </p:clrMapOvr>
-</p:sld>
-</file>
-
-<file path=ppt/slides/slide4.xml><?xml version="1.0" encoding="utf-8"?>
-<p:sld xmlns:a="http://schemas.openxmlformats.org/drawingml/2006/main" xmlns:r="http://schemas.openxmlformats.org/officeDocument/2006/relationships" xmlns:p="http://schemas.openxmlformats.org/presentationml/2006/main">
-  <p:cSld>
-    <p:spTree>
-      <p:nvGrpSpPr>
-        <p:cNvPr id="1" name=""/>
-        <p:cNvGrpSpPr/>
-        <p:nvPr/>
-      </p:nvGrpSpPr>
-      <p:grpSpPr>
-        <a:xfrm>
-          <a:off x="0" y="0"/>
-          <a:ext cx="0" cy="0"/>
-          <a:chOff x="0" y="0"/>
-          <a:chExt cx="0" cy="0"/>
-        </a:xfrm>
-      </p:grpSpPr>
-      <p:sp>
-        <p:nvSpPr>
-          <p:cNvPr id="2" name="Title 1">
-            <a:extLst>
-              <a:ext uri="{FF2B5EF4-FFF2-40B4-BE49-F238E27FC236}">
-                <a16:creationId xmlns:a16="http://schemas.microsoft.com/office/drawing/2014/main" id="{DAD2BB2B-0BC4-CA34-9227-19D20E9C4078}"/>
-              </a:ext>
-            </a:extLst>
-          </p:cNvPr>
-          <p:cNvSpPr>
-            <a:spLocks noGrp="1"/>
-          </p:cNvSpPr>
-          <p:nvPr>
-            <p:ph type="title"/>
-          </p:nvPr>
-        </p:nvSpPr>
-        <p:spPr/>
-        <p:txBody>
-          <a:bodyPr/>
-          <a:lstStyle/>
-          <a:p>
-            <a:r>
-              <a:rPr lang="en-US" dirty="0"/>
-              <a:t>Documentation-driven design</a:t>
-            </a:r>
-          </a:p>
-        </p:txBody>
-      </p:sp>
-      <p:sp>
-        <p:nvSpPr>
-          <p:cNvPr id="3" name="Content Placeholder 2">
-            <a:extLst>
-              <a:ext uri="{FF2B5EF4-FFF2-40B4-BE49-F238E27FC236}">
-                <a16:creationId xmlns:a16="http://schemas.microsoft.com/office/drawing/2014/main" id="{532F9831-961E-1CC2-A117-9702DB1CF047}"/>
-              </a:ext>
-            </a:extLst>
-          </p:cNvPr>
-          <p:cNvSpPr>
-            <a:spLocks noGrp="1"/>
-          </p:cNvSpPr>
-          <p:nvPr>
-            <p:ph idx="1"/>
-          </p:nvPr>
-        </p:nvSpPr>
-        <p:spPr/>
-        <p:txBody>
-          <a:bodyPr/>
-          <a:lstStyle/>
-          <a:p>
-            <a:endParaRPr lang="en-US" dirty="0"/>
-          </a:p>
-        </p:txBody>
-      </p:sp>
-      <p:sp>
-        <p:nvSpPr>
-          <p:cNvPr id="4" name="Rectangle 3">
-            <a:extLst>
-              <a:ext uri="{FF2B5EF4-FFF2-40B4-BE49-F238E27FC236}">
-                <a16:creationId xmlns:a16="http://schemas.microsoft.com/office/drawing/2014/main" id="{2FF6D1F6-26EE-C56D-A2BF-B96DE24BAAD5}"/>
-              </a:ext>
-            </a:extLst>
-          </p:cNvPr>
-          <p:cNvSpPr/>
-          <p:nvPr/>
-        </p:nvSpPr>
-        <p:spPr>
-          <a:xfrm>
-            <a:off x="6084561" y="4144577"/>
-            <a:ext cx="242374" cy="369332"/>
-          </a:xfrm>
-          <a:prstGeom prst="rect">
-            <a:avLst/>
-          </a:prstGeom>
-        </p:spPr>
-        <p:txBody>
-          <a:bodyPr wrap="none">
-            <a:spAutoFit/>
-          </a:bodyPr>
-          <a:lstStyle/>
-          <a:p>
-            <a:r>
-              <a:rPr lang="en-US">
-                <a:solidFill>
-                  <a:srgbClr val="000000"/>
-                </a:solidFill>
-                <a:latin typeface="Times New Roman" panose="02020603050405020304" pitchFamily="18" charset="0"/>
-              </a:rPr>
-              <a:t> </a:t>
-            </a:r>
-            <a:endParaRPr lang="en-US"/>
-          </a:p>
-        </p:txBody>
-      </p:sp>
-      <p:sp>
-        <p:nvSpPr>
-          <p:cNvPr id="5" name="Rectangle 4">
-            <a:extLst>
-              <a:ext uri="{FF2B5EF4-FFF2-40B4-BE49-F238E27FC236}">
-                <a16:creationId xmlns:a16="http://schemas.microsoft.com/office/drawing/2014/main" id="{74C4B6AB-7D38-FA92-81FA-4A816ADC793F}"/>
-              </a:ext>
-            </a:extLst>
-          </p:cNvPr>
-          <p:cNvSpPr/>
-          <p:nvPr/>
-        </p:nvSpPr>
-        <p:spPr>
-          <a:xfrm>
-            <a:off x="609600" y="1722437"/>
-            <a:ext cx="6934200" cy="4830761"/>
-          </a:xfrm>
-          <a:prstGeom prst="rect">
-            <a:avLst/>
-          </a:prstGeom>
-          <a:solidFill>
-            <a:schemeClr val="tx1">
-              <a:lumMod val="75000"/>
-            </a:schemeClr>
-          </a:solidFill>
-          <a:ln>
-            <a:solidFill>
-              <a:schemeClr val="tx1"/>
-            </a:solidFill>
-          </a:ln>
-        </p:spPr>
-        <p:style>
-          <a:lnRef idx="2">
-            <a:schemeClr val="accent1">
-              <a:shade val="50000"/>
-            </a:schemeClr>
-          </a:lnRef>
-          <a:fillRef idx="1">
-            <a:schemeClr val="accent1"/>
-          </a:fillRef>
-          <a:effectRef idx="0">
-            <a:schemeClr val="accent1"/>
-          </a:effectRef>
-          <a:fontRef idx="minor">
-            <a:schemeClr val="lt1"/>
-          </a:fontRef>
-        </p:style>
-        <p:txBody>
-          <a:bodyPr rtlCol="0" anchor="ctr"/>
-          <a:lstStyle/>
-          <a:p>
-            <a:pPr algn="ctr"/>
-            <a:endParaRPr lang="en-US" dirty="0"/>
-          </a:p>
-        </p:txBody>
-      </p:sp>
-      <p:sp>
-        <p:nvSpPr>
-          <p:cNvPr id="6" name="TextBox 5">
-            <a:extLst>
-              <a:ext uri="{FF2B5EF4-FFF2-40B4-BE49-F238E27FC236}">
-                <a16:creationId xmlns:a16="http://schemas.microsoft.com/office/drawing/2014/main" id="{9AA36D89-6A96-8DD0-ADD7-88981BC62F9B}"/>
-              </a:ext>
-            </a:extLst>
-          </p:cNvPr>
-          <p:cNvSpPr txBox="1"/>
-          <p:nvPr/>
-        </p:nvSpPr>
-        <p:spPr>
-          <a:xfrm>
-            <a:off x="3430044" y="1307926"/>
-            <a:ext cx="1827756" cy="461665"/>
-          </a:xfrm>
-          <a:prstGeom prst="rect">
-            <a:avLst/>
-          </a:prstGeom>
-          <a:noFill/>
-        </p:spPr>
-        <p:txBody>
-          <a:bodyPr wrap="square" rtlCol="0">
-            <a:spAutoFit/>
-          </a:bodyPr>
-          <a:lstStyle/>
-          <a:p>
-            <a:r>
-              <a:rPr lang="en-US" sz="2400" err="1"/>
-              <a:t>OpenMDAO</a:t>
-            </a:r>
-            <a:r>
-              <a:rPr lang="en-US"/>
-              <a:t> </a:t>
-            </a:r>
-          </a:p>
-        </p:txBody>
-      </p:sp>
-      <p:sp>
-        <p:nvSpPr>
-          <p:cNvPr id="7" name="Rectangle 6">
-            <a:extLst>
-              <a:ext uri="{FF2B5EF4-FFF2-40B4-BE49-F238E27FC236}">
-                <a16:creationId xmlns:a16="http://schemas.microsoft.com/office/drawing/2014/main" id="{9A51D719-90E6-70C5-7C99-68C80DB35C6A}"/>
-              </a:ext>
-            </a:extLst>
-          </p:cNvPr>
-          <p:cNvSpPr/>
-          <p:nvPr/>
-        </p:nvSpPr>
-        <p:spPr>
-          <a:xfrm>
-            <a:off x="7848600" y="1722438"/>
-            <a:ext cx="4038600" cy="4830761"/>
-          </a:xfrm>
-          <a:prstGeom prst="rect">
-            <a:avLst/>
-          </a:prstGeom>
-          <a:solidFill>
-            <a:srgbClr val="FFC000"/>
-          </a:solidFill>
-          <a:ln>
-            <a:solidFill>
-              <a:schemeClr val="tx1"/>
-            </a:solidFill>
-          </a:ln>
-        </p:spPr>
-        <p:style>
-          <a:lnRef idx="2">
-            <a:schemeClr val="accent1">
-              <a:shade val="50000"/>
-            </a:schemeClr>
-          </a:lnRef>
-          <a:fillRef idx="1">
-            <a:schemeClr val="accent1"/>
-          </a:fillRef>
-          <a:effectRef idx="0">
-            <a:schemeClr val="accent1"/>
-          </a:effectRef>
-          <a:fontRef idx="minor">
-            <a:schemeClr val="lt1"/>
-          </a:fontRef>
-        </p:style>
-        <p:txBody>
-          <a:bodyPr rtlCol="0" anchor="ctr"/>
-          <a:lstStyle/>
-          <a:p>
-            <a:pPr algn="ctr"/>
-            <a:endParaRPr lang="en-US"/>
-          </a:p>
-        </p:txBody>
-      </p:sp>
-      <p:sp>
-        <p:nvSpPr>
-          <p:cNvPr id="8" name="TextBox 7">
-            <a:extLst>
-              <a:ext uri="{FF2B5EF4-FFF2-40B4-BE49-F238E27FC236}">
-                <a16:creationId xmlns:a16="http://schemas.microsoft.com/office/drawing/2014/main" id="{3119663B-BF32-D0FC-9804-72BF2A05F44F}"/>
-              </a:ext>
-            </a:extLst>
-          </p:cNvPr>
-          <p:cNvSpPr txBox="1"/>
-          <p:nvPr/>
-        </p:nvSpPr>
-        <p:spPr>
-          <a:xfrm>
-            <a:off x="9449844" y="1307926"/>
-            <a:ext cx="1827756" cy="461665"/>
-          </a:xfrm>
-          <a:prstGeom prst="rect">
-            <a:avLst/>
-          </a:prstGeom>
-          <a:noFill/>
-        </p:spPr>
-        <p:txBody>
-          <a:bodyPr wrap="square" rtlCol="0">
-            <a:spAutoFit/>
-          </a:bodyPr>
-          <a:lstStyle/>
-          <a:p>
-            <a:r>
-              <a:rPr lang="en-US" sz="2400">
-                <a:solidFill>
-                  <a:srgbClr val="FF8E07"/>
-                </a:solidFill>
-              </a:rPr>
-              <a:t>Condor</a:t>
-            </a:r>
-            <a:r>
-              <a:rPr lang="en-US" sz="2400">
-                <a:solidFill>
-                  <a:srgbClr val="FF8E07"/>
-                </a:solidFill>
-                <a:effectLst>
-                  <a:outerShdw blurRad="38100" dist="38100" dir="2700000" algn="tl">
-                    <a:srgbClr val="000000">
-                      <a:alpha val="43137"/>
-                    </a:srgbClr>
-                  </a:outerShdw>
-                </a:effectLst>
-              </a:rPr>
-              <a:t> </a:t>
-            </a:r>
-          </a:p>
-        </p:txBody>
-      </p:sp>
-      <p:sp>
-        <p:nvSpPr>
-          <p:cNvPr id="9" name="TextBox 8">
-            <a:extLst>
-              <a:ext uri="{FF2B5EF4-FFF2-40B4-BE49-F238E27FC236}">
-                <a16:creationId xmlns:a16="http://schemas.microsoft.com/office/drawing/2014/main" id="{72F3D59B-2CDB-2605-44BB-7672F9BBDFF5}"/>
-              </a:ext>
-            </a:extLst>
-          </p:cNvPr>
-          <p:cNvSpPr txBox="1"/>
-          <p:nvPr/>
-        </p:nvSpPr>
-        <p:spPr>
-          <a:xfrm>
-            <a:off x="5827636" y="1769591"/>
-            <a:ext cx="1681422" cy="553998"/>
-          </a:xfrm>
-          <a:prstGeom prst="rect">
-            <a:avLst/>
-          </a:prstGeom>
-          <a:solidFill>
-            <a:schemeClr val="bg2"/>
-          </a:solidFill>
-        </p:spPr>
-        <p:txBody>
-          <a:bodyPr wrap="none" lIns="45720" tIns="0" rIns="45720" bIns="0" rtlCol="0">
-            <a:spAutoFit/>
-          </a:bodyPr>
-          <a:lstStyle/>
-          <a:p>
-            <a:pPr algn="r"/>
-            <a:r>
-              <a:rPr lang="en-US" b="1" dirty="0">
-                <a:solidFill>
-                  <a:srgbClr val="FFFF00"/>
-                </a:solidFill>
-              </a:rPr>
-              <a:t>99 Lines</a:t>
-            </a:r>
-          </a:p>
-          <a:p>
-            <a:pPr algn="r"/>
-            <a:r>
-              <a:rPr lang="en-US" b="1" dirty="0">
-                <a:solidFill>
-                  <a:srgbClr val="FFFF00"/>
-                </a:solidFill>
-              </a:rPr>
-              <a:t>2,188 Characters</a:t>
-            </a:r>
-          </a:p>
-        </p:txBody>
-      </p:sp>
-      <p:sp>
-        <p:nvSpPr>
-          <p:cNvPr id="10" name="TextBox 9">
-            <a:extLst>
-              <a:ext uri="{FF2B5EF4-FFF2-40B4-BE49-F238E27FC236}">
-                <a16:creationId xmlns:a16="http://schemas.microsoft.com/office/drawing/2014/main" id="{4F6CE453-9872-1AEF-ED5D-4C057B1F910D}"/>
-              </a:ext>
-            </a:extLst>
-          </p:cNvPr>
-          <p:cNvSpPr txBox="1"/>
-          <p:nvPr/>
-        </p:nvSpPr>
-        <p:spPr>
-          <a:xfrm>
-            <a:off x="10307586" y="1769591"/>
-            <a:ext cx="1505092" cy="553998"/>
-          </a:xfrm>
-          <a:prstGeom prst="rect">
-            <a:avLst/>
-          </a:prstGeom>
-          <a:solidFill>
-            <a:schemeClr val="bg2"/>
-          </a:solidFill>
-        </p:spPr>
-        <p:txBody>
-          <a:bodyPr wrap="none" lIns="45720" tIns="0" rIns="45720" bIns="0" rtlCol="0">
-            <a:spAutoFit/>
-          </a:bodyPr>
-          <a:lstStyle/>
-          <a:p>
-            <a:pPr algn="r"/>
-            <a:r>
-              <a:rPr lang="en-US" b="1" dirty="0">
-                <a:solidFill>
-                  <a:srgbClr val="FFFF00"/>
-                </a:solidFill>
-              </a:rPr>
-              <a:t>39 Lines</a:t>
-            </a:r>
-          </a:p>
-          <a:p>
-            <a:pPr algn="r"/>
-            <a:r>
-              <a:rPr lang="en-US" b="1" dirty="0">
-                <a:solidFill>
-                  <a:srgbClr val="FFFF00"/>
-                </a:solidFill>
-              </a:rPr>
-              <a:t>612 Characters</a:t>
-            </a:r>
-          </a:p>
-        </p:txBody>
-      </p:sp>
-      <p:pic>
-        <p:nvPicPr>
-          <p:cNvPr id="11" name="Picture 10" descr="Text&#10;&#10;Description automatically generated">
-            <a:extLst>
-              <a:ext uri="{FF2B5EF4-FFF2-40B4-BE49-F238E27FC236}">
-                <a16:creationId xmlns:a16="http://schemas.microsoft.com/office/drawing/2014/main" id="{FCC1EDA9-E8EC-0DF4-5B05-1C0AF94E2BDC}"/>
-              </a:ext>
-            </a:extLst>
-          </p:cNvPr>
-          <p:cNvPicPr>
-            <a:picLocks noChangeAspect="1"/>
-          </p:cNvPicPr>
-          <p:nvPr/>
-        </p:nvPicPr>
-        <p:blipFill rotWithShape="1">
-          <a:blip r:embed="rId2">
-            <a:extLst>
-              <a:ext uri="{28A0092B-C50C-407E-A947-70E740481C1C}">
-                <a14:useLocalDpi xmlns:a14="http://schemas.microsoft.com/office/drawing/2010/main" val="0"/>
-              </a:ext>
-            </a:extLst>
-          </a:blip>
-          <a:srcRect r="15461"/>
-          <a:stretch/>
-        </p:blipFill>
-        <p:spPr>
-          <a:xfrm>
-            <a:off x="860493" y="1835895"/>
-            <a:ext cx="3483429" cy="2051685"/>
-          </a:xfrm>
-          <a:prstGeom prst="rect">
-            <a:avLst/>
-          </a:prstGeom>
-          <a:ln w="28575">
-            <a:solidFill>
-              <a:schemeClr val="tx1"/>
-            </a:solidFill>
-          </a:ln>
-        </p:spPr>
-      </p:pic>
-      <p:pic>
-        <p:nvPicPr>
-          <p:cNvPr id="12" name="Picture 11" descr="Text&#10;&#10;Description automatically generated">
-            <a:extLst>
-              <a:ext uri="{FF2B5EF4-FFF2-40B4-BE49-F238E27FC236}">
-                <a16:creationId xmlns:a16="http://schemas.microsoft.com/office/drawing/2014/main" id="{AFE182B8-7D9F-AD5F-793C-DD1B822EE170}"/>
-              </a:ext>
-            </a:extLst>
-          </p:cNvPr>
-          <p:cNvPicPr>
-            <a:picLocks noChangeAspect="1"/>
-          </p:cNvPicPr>
-          <p:nvPr/>
-        </p:nvPicPr>
-        <p:blipFill rotWithShape="1">
-          <a:blip r:embed="rId3">
-            <a:extLst>
-              <a:ext uri="{28A0092B-C50C-407E-A947-70E740481C1C}">
-                <a14:useLocalDpi xmlns:a14="http://schemas.microsoft.com/office/drawing/2010/main" val="0"/>
-              </a:ext>
-            </a:extLst>
-          </a:blip>
-          <a:srcRect l="-277" t="-327" r="22885" b="327"/>
-          <a:stretch/>
-        </p:blipFill>
-        <p:spPr>
-          <a:xfrm>
-            <a:off x="1093499" y="2577627"/>
-            <a:ext cx="3189009" cy="1943100"/>
-          </a:xfrm>
-          <a:prstGeom prst="rect">
-            <a:avLst/>
-          </a:prstGeom>
-          <a:ln w="28575">
-            <a:solidFill>
-              <a:schemeClr val="tx1"/>
-            </a:solidFill>
-          </a:ln>
-        </p:spPr>
-      </p:pic>
-      <p:pic>
-        <p:nvPicPr>
-          <p:cNvPr id="13" name="Picture 12" descr="Text&#10;&#10;Description automatically generated">
-            <a:extLst>
-              <a:ext uri="{FF2B5EF4-FFF2-40B4-BE49-F238E27FC236}">
-                <a16:creationId xmlns:a16="http://schemas.microsoft.com/office/drawing/2014/main" id="{C25A5B58-E84E-E164-5F95-AF169E5A0673}"/>
-              </a:ext>
-            </a:extLst>
-          </p:cNvPr>
-          <p:cNvPicPr>
-            <a:picLocks noChangeAspect="1"/>
-          </p:cNvPicPr>
-          <p:nvPr/>
-        </p:nvPicPr>
-        <p:blipFill rotWithShape="1">
-          <a:blip r:embed="rId4">
-            <a:extLst>
-              <a:ext uri="{28A0092B-C50C-407E-A947-70E740481C1C}">
-                <a14:useLocalDpi xmlns:a14="http://schemas.microsoft.com/office/drawing/2010/main" val="0"/>
-              </a:ext>
-            </a:extLst>
-          </a:blip>
-          <a:srcRect r="9506"/>
-          <a:stretch/>
-        </p:blipFill>
-        <p:spPr>
-          <a:xfrm>
-            <a:off x="1697527" y="2939368"/>
-            <a:ext cx="3728820" cy="3354705"/>
-          </a:xfrm>
-          <a:prstGeom prst="rect">
-            <a:avLst/>
-          </a:prstGeom>
-          <a:ln w="28575">
-            <a:solidFill>
-              <a:schemeClr val="tx1"/>
-            </a:solidFill>
-          </a:ln>
-        </p:spPr>
-      </p:pic>
-      <p:pic>
-        <p:nvPicPr>
-          <p:cNvPr id="14" name="Picture 13" descr="Text&#10;&#10;Description automatically generated">
-            <a:extLst>
-              <a:ext uri="{FF2B5EF4-FFF2-40B4-BE49-F238E27FC236}">
-                <a16:creationId xmlns:a16="http://schemas.microsoft.com/office/drawing/2014/main" id="{68D30490-6C40-36C5-71CD-0DD5D77412A0}"/>
-              </a:ext>
-            </a:extLst>
-          </p:cNvPr>
-          <p:cNvPicPr>
-            <a:picLocks noChangeAspect="1"/>
-          </p:cNvPicPr>
-          <p:nvPr/>
-        </p:nvPicPr>
-        <p:blipFill rotWithShape="1">
-          <a:blip r:embed="rId5">
-            <a:extLst>
-              <a:ext uri="{28A0092B-C50C-407E-A947-70E740481C1C}">
-                <a14:useLocalDpi xmlns:a14="http://schemas.microsoft.com/office/drawing/2010/main" val="0"/>
-              </a:ext>
-            </a:extLst>
-          </a:blip>
-          <a:srcRect r="18094"/>
-          <a:stretch/>
-        </p:blipFill>
-        <p:spPr>
-          <a:xfrm>
-            <a:off x="3592172" y="3520284"/>
-            <a:ext cx="3374944" cy="1291590"/>
-          </a:xfrm>
-          <a:prstGeom prst="rect">
-            <a:avLst/>
-          </a:prstGeom>
-          <a:ln w="28575">
-            <a:solidFill>
-              <a:schemeClr val="tx1"/>
-            </a:solidFill>
-          </a:ln>
-        </p:spPr>
-      </p:pic>
-      <p:pic>
-        <p:nvPicPr>
-          <p:cNvPr id="15" name="Picture 14" descr="Text&#10;&#10;Description automatically generated">
-            <a:extLst>
-              <a:ext uri="{FF2B5EF4-FFF2-40B4-BE49-F238E27FC236}">
-                <a16:creationId xmlns:a16="http://schemas.microsoft.com/office/drawing/2014/main" id="{D6BAEB03-5332-5E97-434D-FE405197269A}"/>
-              </a:ext>
-            </a:extLst>
-          </p:cNvPr>
-          <p:cNvPicPr>
-            <a:picLocks noChangeAspect="1"/>
-          </p:cNvPicPr>
-          <p:nvPr/>
-        </p:nvPicPr>
-        <p:blipFill rotWithShape="1">
-          <a:blip r:embed="rId6">
-            <a:extLst>
-              <a:ext uri="{28A0092B-C50C-407E-A947-70E740481C1C}">
-                <a14:useLocalDpi xmlns:a14="http://schemas.microsoft.com/office/drawing/2010/main" val="0"/>
-              </a:ext>
-            </a:extLst>
-          </a:blip>
-          <a:srcRect l="-1" t="3963" r="38687" b="2684"/>
-          <a:stretch/>
-        </p:blipFill>
-        <p:spPr>
-          <a:xfrm>
-            <a:off x="4928749" y="4357391"/>
-            <a:ext cx="2526407" cy="2118049"/>
-          </a:xfrm>
-          <a:prstGeom prst="rect">
-            <a:avLst/>
-          </a:prstGeom>
-          <a:ln w="28575">
-            <a:solidFill>
-              <a:schemeClr val="tx1"/>
-            </a:solidFill>
-          </a:ln>
-        </p:spPr>
-      </p:pic>
-      <p:pic>
-        <p:nvPicPr>
-          <p:cNvPr id="16" name="Picture 15" descr="Text&#10;&#10;Description automatically generated">
-            <a:extLst>
-              <a:ext uri="{FF2B5EF4-FFF2-40B4-BE49-F238E27FC236}">
-                <a16:creationId xmlns:a16="http://schemas.microsoft.com/office/drawing/2014/main" id="{0114ACE6-ED4B-89D9-8036-24E337F10215}"/>
-              </a:ext>
-            </a:extLst>
-          </p:cNvPr>
-          <p:cNvPicPr>
-            <a:picLocks noChangeAspect="1"/>
-          </p:cNvPicPr>
-          <p:nvPr/>
-        </p:nvPicPr>
-        <p:blipFill rotWithShape="1">
-          <a:blip r:embed="rId7">
-            <a:extLst>
-              <a:ext uri="{28A0092B-C50C-407E-A947-70E740481C1C}">
-                <a14:useLocalDpi xmlns:a14="http://schemas.microsoft.com/office/drawing/2010/main" val="0"/>
-              </a:ext>
-            </a:extLst>
-          </a:blip>
-          <a:srcRect t="1872" r="28527" b="1662"/>
-          <a:stretch/>
-        </p:blipFill>
-        <p:spPr>
-          <a:xfrm>
-            <a:off x="8002085" y="2376141"/>
-            <a:ext cx="2841626" cy="4133202"/>
-          </a:xfrm>
-          <a:prstGeom prst="rect">
-            <a:avLst/>
-          </a:prstGeom>
-          <a:ln w="28575">
-            <a:solidFill>
-              <a:srgbClr val="FF0000"/>
-            </a:solidFill>
-          </a:ln>
-        </p:spPr>
-      </p:pic>
-    </p:spTree>
-    <p:extLst>
-      <p:ext uri="{BB962C8B-B14F-4D97-AF65-F5344CB8AC3E}">
-        <p14:creationId xmlns:p14="http://schemas.microsoft.com/office/powerpoint/2010/main" val="2986308953"/>
-      </p:ext>
-    </p:extLst>
-  </p:cSld>
-  <p:clrMapOvr>
-    <a:masterClrMapping/>
-  </p:clrMapOvr>
-</p:sld>
-</file>
-
-<file path=ppt/slides/slide5.xml><?xml version="1.0" encoding="utf-8"?>
-<p:sld xmlns:a="http://schemas.openxmlformats.org/drawingml/2006/main" xmlns:r="http://schemas.openxmlformats.org/officeDocument/2006/relationships" xmlns:p="http://schemas.openxmlformats.org/presentationml/2006/main">
-  <p:cSld>
-    <p:spTree>
-      <p:nvGrpSpPr>
-        <p:cNvPr id="1" name=""/>
-        <p:cNvGrpSpPr/>
-        <p:nvPr/>
-      </p:nvGrpSpPr>
-      <p:grpSpPr>
-        <a:xfrm>
-          <a:off x="0" y="0"/>
-          <a:ext cx="0" cy="0"/>
-          <a:chOff x="0" y="0"/>
-          <a:chExt cx="0" cy="0"/>
-        </a:xfrm>
-      </p:grpSpPr>
-      <p:sp>
-        <p:nvSpPr>
-          <p:cNvPr id="2" name="Title 1">
-            <a:extLst>
-              <a:ext uri="{FF2B5EF4-FFF2-40B4-BE49-F238E27FC236}">
-                <a16:creationId xmlns:a16="http://schemas.microsoft.com/office/drawing/2014/main" id="{6AD7870A-2041-908E-CC38-8DD9F0843FDD}"/>
-              </a:ext>
-            </a:extLst>
-          </p:cNvPr>
-          <p:cNvSpPr>
-            <a:spLocks noGrp="1"/>
-          </p:cNvSpPr>
-          <p:nvPr>
-            <p:ph type="title"/>
-          </p:nvPr>
-        </p:nvSpPr>
-        <p:spPr/>
-        <p:txBody>
-          <a:bodyPr/>
-          <a:lstStyle/>
-          <a:p>
-            <a:r>
-              <a:rPr lang="en-US" dirty="0"/>
-              <a:t>Decide how user code should look then make it possible</a:t>
-            </a:r>
-          </a:p>
-        </p:txBody>
-      </p:sp>
-      <p:sp>
-        <p:nvSpPr>
-          <p:cNvPr id="3" name="Content Placeholder 2">
-            <a:extLst>
-              <a:ext uri="{FF2B5EF4-FFF2-40B4-BE49-F238E27FC236}">
-                <a16:creationId xmlns:a16="http://schemas.microsoft.com/office/drawing/2014/main" id="{0BEDBA44-8A09-E6F6-34C1-F6B9AD6CB8DE}"/>
-              </a:ext>
-            </a:extLst>
-          </p:cNvPr>
-          <p:cNvSpPr>
-            <a:spLocks noGrp="1"/>
-          </p:cNvSpPr>
-          <p:nvPr>
-            <p:ph idx="1"/>
-          </p:nvPr>
-        </p:nvSpPr>
-        <p:spPr/>
-        <p:txBody>
-          <a:bodyPr/>
-          <a:lstStyle/>
-          <a:p>
-            <a:endParaRPr lang="en-US"/>
-          </a:p>
-        </p:txBody>
-      </p:sp>
-      <p:sp>
-        <p:nvSpPr>
-          <p:cNvPr id="4" name="Slide Number Placeholder 3">
-            <a:extLst>
-              <a:ext uri="{FF2B5EF4-FFF2-40B4-BE49-F238E27FC236}">
-                <a16:creationId xmlns:a16="http://schemas.microsoft.com/office/drawing/2014/main" id="{409A554E-34C1-357F-9D10-5937F0D315F8}"/>
-              </a:ext>
-            </a:extLst>
-          </p:cNvPr>
-          <p:cNvSpPr>
-            <a:spLocks noGrp="1"/>
-          </p:cNvSpPr>
-          <p:nvPr>
-            <p:ph type="sldNum" sz="quarter" idx="12"/>
-          </p:nvPr>
-        </p:nvSpPr>
-        <p:spPr>
-          <a:xfrm>
-            <a:off x="9347200" y="6689728"/>
-            <a:ext cx="2844800" cy="168275"/>
-          </a:xfrm>
-        </p:spPr>
-        <p:txBody>
-          <a:bodyPr/>
-          <a:lstStyle/>
-          <a:p>
-            <a:fld id="{0422AE60-2A93-495E-B3FF-8895B4A7E71D}" type="slidenum">
-              <a:rPr lang="en-US" smtClean="0"/>
-              <a:pPr/>
-              <a:t>5</a:t>
-            </a:fld>
-            <a:endParaRPr lang="en-US"/>
-          </a:p>
-        </p:txBody>
-      </p:sp>
-      <p:sp>
-        <p:nvSpPr>
-          <p:cNvPr id="5" name="Rectangle 4">
-            <a:extLst>
-              <a:ext uri="{FF2B5EF4-FFF2-40B4-BE49-F238E27FC236}">
-                <a16:creationId xmlns:a16="http://schemas.microsoft.com/office/drawing/2014/main" id="{EB9DA0EB-80DB-D08E-4515-FFDC9C73E7E3}"/>
-              </a:ext>
-            </a:extLst>
-          </p:cNvPr>
-          <p:cNvSpPr/>
-          <p:nvPr/>
-        </p:nvSpPr>
-        <p:spPr>
-          <a:xfrm>
-            <a:off x="6084561" y="4144578"/>
-            <a:ext cx="520606" cy="124821"/>
-          </a:xfrm>
-          <a:prstGeom prst="rect">
-            <a:avLst/>
-          </a:prstGeom>
-        </p:spPr>
-        <p:txBody>
-          <a:bodyPr wrap="none">
-            <a:spAutoFit/>
-          </a:bodyPr>
-          <a:lstStyle/>
-          <a:p>
-            <a:r>
-              <a:rPr lang="en-US">
-                <a:solidFill>
-                  <a:srgbClr val="000000"/>
-                </a:solidFill>
-                <a:latin typeface="Times New Roman" panose="02020603050405020304" pitchFamily="18" charset="0"/>
-              </a:rPr>
-              <a:t> </a:t>
-            </a:r>
-            <a:endParaRPr lang="en-US"/>
-          </a:p>
-        </p:txBody>
-      </p:sp>
-      <p:sp>
-        <p:nvSpPr>
-          <p:cNvPr id="7" name="Rectangle 6">
-            <a:extLst>
-              <a:ext uri="{FF2B5EF4-FFF2-40B4-BE49-F238E27FC236}">
-                <a16:creationId xmlns:a16="http://schemas.microsoft.com/office/drawing/2014/main" id="{7565EFEE-D65C-05D9-AB94-400242D8DD61}"/>
-              </a:ext>
-            </a:extLst>
-          </p:cNvPr>
-          <p:cNvSpPr/>
-          <p:nvPr/>
-        </p:nvSpPr>
-        <p:spPr>
-          <a:xfrm>
-            <a:off x="170513" y="1722437"/>
-            <a:ext cx="8969328" cy="4892967"/>
-          </a:xfrm>
-          <a:prstGeom prst="rect">
-            <a:avLst/>
-          </a:prstGeom>
-          <a:solidFill>
-            <a:schemeClr val="tx1">
-              <a:lumMod val="75000"/>
-            </a:schemeClr>
-          </a:solidFill>
-          <a:ln>
-            <a:solidFill>
-              <a:schemeClr val="tx1"/>
-            </a:solidFill>
-          </a:ln>
-        </p:spPr>
-        <p:style>
-          <a:lnRef idx="2">
-            <a:schemeClr val="accent1">
-              <a:shade val="50000"/>
-            </a:schemeClr>
-          </a:lnRef>
-          <a:fillRef idx="1">
-            <a:schemeClr val="accent1"/>
-          </a:fillRef>
-          <a:effectRef idx="0">
-            <a:schemeClr val="accent1"/>
-          </a:effectRef>
-          <a:fontRef idx="minor">
-            <a:schemeClr val="lt1"/>
-          </a:fontRef>
-        </p:style>
-        <p:txBody>
-          <a:bodyPr rtlCol="0" anchor="ctr"/>
-          <a:lstStyle/>
-          <a:p>
-            <a:pPr algn="ctr"/>
-            <a:endParaRPr lang="en-US" dirty="0"/>
-          </a:p>
-        </p:txBody>
-      </p:sp>
-      <p:sp>
-        <p:nvSpPr>
-          <p:cNvPr id="8" name="TextBox 7">
-            <a:extLst>
-              <a:ext uri="{FF2B5EF4-FFF2-40B4-BE49-F238E27FC236}">
-                <a16:creationId xmlns:a16="http://schemas.microsoft.com/office/drawing/2014/main" id="{8374D8C1-A564-9106-4E98-DDB59E26DDDE}"/>
-              </a:ext>
-            </a:extLst>
-          </p:cNvPr>
-          <p:cNvSpPr txBox="1"/>
-          <p:nvPr/>
-        </p:nvSpPr>
-        <p:spPr>
-          <a:xfrm>
-            <a:off x="5267645" y="1309036"/>
-            <a:ext cx="1827756" cy="461665"/>
-          </a:xfrm>
-          <a:prstGeom prst="rect">
-            <a:avLst/>
-          </a:prstGeom>
-          <a:noFill/>
-        </p:spPr>
-        <p:txBody>
-          <a:bodyPr wrap="square" rtlCol="0">
-            <a:spAutoFit/>
-          </a:bodyPr>
-          <a:lstStyle/>
-          <a:p>
-            <a:r>
-              <a:rPr lang="en-US" sz="2400" dirty="0" err="1"/>
-              <a:t>OpenMDAO</a:t>
-            </a:r>
-            <a:r>
-              <a:rPr lang="en-US" dirty="0"/>
-              <a:t> </a:t>
-            </a:r>
-          </a:p>
-        </p:txBody>
-      </p:sp>
-      <p:sp>
-        <p:nvSpPr>
-          <p:cNvPr id="9" name="Rectangle 8">
-            <a:extLst>
-              <a:ext uri="{FF2B5EF4-FFF2-40B4-BE49-F238E27FC236}">
-                <a16:creationId xmlns:a16="http://schemas.microsoft.com/office/drawing/2014/main" id="{B7005FC1-1925-C553-9B27-FA407E378304}"/>
-              </a:ext>
-            </a:extLst>
-          </p:cNvPr>
-          <p:cNvSpPr/>
-          <p:nvPr/>
-        </p:nvSpPr>
-        <p:spPr>
-          <a:xfrm>
-            <a:off x="9269963" y="1677430"/>
-            <a:ext cx="2806436" cy="4937974"/>
-          </a:xfrm>
-          <a:prstGeom prst="rect">
-            <a:avLst/>
-          </a:prstGeom>
-          <a:solidFill>
-            <a:srgbClr val="FFC000"/>
-          </a:solidFill>
-          <a:ln>
-            <a:solidFill>
-              <a:schemeClr val="tx1"/>
-            </a:solidFill>
-          </a:ln>
-        </p:spPr>
-        <p:style>
-          <a:lnRef idx="2">
-            <a:schemeClr val="accent1">
-              <a:shade val="50000"/>
-            </a:schemeClr>
-          </a:lnRef>
-          <a:fillRef idx="1">
-            <a:schemeClr val="accent1"/>
-          </a:fillRef>
-          <a:effectRef idx="0">
-            <a:schemeClr val="accent1"/>
-          </a:effectRef>
-          <a:fontRef idx="minor">
-            <a:schemeClr val="lt1"/>
-          </a:fontRef>
-        </p:style>
-        <p:txBody>
-          <a:bodyPr rtlCol="0" anchor="ctr"/>
-          <a:lstStyle/>
-          <a:p>
-            <a:pPr algn="ctr"/>
-            <a:endParaRPr lang="en-US"/>
-          </a:p>
-        </p:txBody>
-      </p:sp>
-      <p:sp>
-        <p:nvSpPr>
-          <p:cNvPr id="10" name="TextBox 9">
-            <a:extLst>
-              <a:ext uri="{FF2B5EF4-FFF2-40B4-BE49-F238E27FC236}">
-                <a16:creationId xmlns:a16="http://schemas.microsoft.com/office/drawing/2014/main" id="{721B8453-859A-61CE-19CF-98284C8A98DD}"/>
-              </a:ext>
-            </a:extLst>
-          </p:cNvPr>
-          <p:cNvSpPr txBox="1"/>
-          <p:nvPr/>
-        </p:nvSpPr>
-        <p:spPr>
-          <a:xfrm>
-            <a:off x="8881188" y="1273285"/>
-            <a:ext cx="1827756" cy="507832"/>
-          </a:xfrm>
-          <a:prstGeom prst="rect">
-            <a:avLst/>
-          </a:prstGeom>
-          <a:noFill/>
-        </p:spPr>
-        <p:txBody>
-          <a:bodyPr wrap="square" rtlCol="0">
-            <a:spAutoFit/>
-          </a:bodyPr>
-          <a:lstStyle/>
-          <a:p>
-            <a:pPr algn="ctr"/>
-            <a:r>
-              <a:rPr lang="en-US" sz="2400" dirty="0">
-                <a:solidFill>
-                  <a:srgbClr val="FF8E07"/>
-                </a:solidFill>
-              </a:rPr>
-              <a:t>Condor</a:t>
-            </a:r>
-            <a:r>
-              <a:rPr lang="en-US" sz="2400" dirty="0">
-                <a:solidFill>
-                  <a:srgbClr val="FF8E07"/>
-                </a:solidFill>
-                <a:effectLst>
-                  <a:outerShdw blurRad="38100" dist="38100" dir="2700000" algn="tl">
-                    <a:srgbClr val="000000">
-                      <a:alpha val="43137"/>
-                    </a:srgbClr>
-                  </a:outerShdw>
-                </a:effectLst>
-              </a:rPr>
-              <a:t> </a:t>
-            </a:r>
-          </a:p>
-        </p:txBody>
-      </p:sp>
-      <p:sp>
-        <p:nvSpPr>
-          <p:cNvPr id="11" name="TextBox 10">
-            <a:extLst>
-              <a:ext uri="{FF2B5EF4-FFF2-40B4-BE49-F238E27FC236}">
-                <a16:creationId xmlns:a16="http://schemas.microsoft.com/office/drawing/2014/main" id="{24E24914-DD86-C151-78CD-2F24D9F6145A}"/>
-              </a:ext>
-            </a:extLst>
-          </p:cNvPr>
-          <p:cNvSpPr txBox="1"/>
-          <p:nvPr/>
-        </p:nvSpPr>
-        <p:spPr>
-          <a:xfrm>
-            <a:off x="5639550" y="3004458"/>
-            <a:ext cx="1964079" cy="309033"/>
-          </a:xfrm>
-          <a:prstGeom prst="rect">
-            <a:avLst/>
-          </a:prstGeom>
-          <a:noFill/>
-        </p:spPr>
-        <p:txBody>
-          <a:bodyPr wrap="square" rtlCol="0">
-            <a:spAutoFit/>
-          </a:bodyPr>
-          <a:lstStyle/>
-          <a:p>
-            <a:endParaRPr lang="en-US"/>
-          </a:p>
-        </p:txBody>
-      </p:sp>
-      <p:pic>
-        <p:nvPicPr>
-          <p:cNvPr id="12" name="Picture 11" descr="Text&#10;&#10;Description automatically generated">
-            <a:extLst>
-              <a:ext uri="{FF2B5EF4-FFF2-40B4-BE49-F238E27FC236}">
-                <a16:creationId xmlns:a16="http://schemas.microsoft.com/office/drawing/2014/main" id="{C163E35A-C662-CF44-A80F-36B700C73799}"/>
-              </a:ext>
-            </a:extLst>
-          </p:cNvPr>
-          <p:cNvPicPr>
-            <a:picLocks noChangeAspect="1"/>
-          </p:cNvPicPr>
-          <p:nvPr/>
-        </p:nvPicPr>
-        <p:blipFill rotWithShape="1">
-          <a:blip r:embed="rId2">
-            <a:extLst>
-              <a:ext uri="{28A0092B-C50C-407E-A947-70E740481C1C}">
-                <a14:useLocalDpi xmlns:a14="http://schemas.microsoft.com/office/drawing/2010/main" val="0"/>
-              </a:ext>
-            </a:extLst>
-          </a:blip>
-          <a:srcRect r="28527"/>
-          <a:stretch/>
-        </p:blipFill>
-        <p:spPr>
-          <a:xfrm>
-            <a:off x="9359396" y="2304203"/>
-            <a:ext cx="2622403" cy="3954071"/>
-          </a:xfrm>
-          <a:prstGeom prst="rect">
-            <a:avLst/>
-          </a:prstGeom>
-          <a:ln w="28575">
-            <a:solidFill>
-              <a:srgbClr val="FF0000"/>
-            </a:solidFill>
-          </a:ln>
-        </p:spPr>
-      </p:pic>
-      <p:pic>
-        <p:nvPicPr>
-          <p:cNvPr id="13" name="Picture 12" descr="Text&#10;&#10;Description automatically generated">
-            <a:extLst>
-              <a:ext uri="{FF2B5EF4-FFF2-40B4-BE49-F238E27FC236}">
-                <a16:creationId xmlns:a16="http://schemas.microsoft.com/office/drawing/2014/main" id="{655A7394-2B5B-73F7-249C-915DAF6B40C1}"/>
-              </a:ext>
-            </a:extLst>
-          </p:cNvPr>
-          <p:cNvPicPr>
-            <a:picLocks noChangeAspect="1"/>
-          </p:cNvPicPr>
-          <p:nvPr/>
-        </p:nvPicPr>
-        <p:blipFill rotWithShape="1">
-          <a:blip r:embed="rId3">
-            <a:extLst>
-              <a:ext uri="{28A0092B-C50C-407E-A947-70E740481C1C}">
-                <a14:useLocalDpi xmlns:a14="http://schemas.microsoft.com/office/drawing/2010/main" val="0"/>
-              </a:ext>
-            </a:extLst>
-          </a:blip>
-          <a:srcRect l="1699" r="15460"/>
-          <a:stretch/>
-        </p:blipFill>
-        <p:spPr>
-          <a:xfrm>
-            <a:off x="258150" y="1807131"/>
-            <a:ext cx="3413454" cy="2051685"/>
-          </a:xfrm>
-          <a:prstGeom prst="rect">
-            <a:avLst/>
-          </a:prstGeom>
-          <a:ln w="28575">
-            <a:solidFill>
-              <a:schemeClr val="tx1"/>
-            </a:solidFill>
-          </a:ln>
-        </p:spPr>
-      </p:pic>
-      <p:pic>
-        <p:nvPicPr>
-          <p:cNvPr id="14" name="Picture 13" descr="Text&#10;&#10;Description automatically generated">
-            <a:extLst>
-              <a:ext uri="{FF2B5EF4-FFF2-40B4-BE49-F238E27FC236}">
-                <a16:creationId xmlns:a16="http://schemas.microsoft.com/office/drawing/2014/main" id="{D82E1852-9697-ABC4-665B-272E7B572877}"/>
-              </a:ext>
-            </a:extLst>
-          </p:cNvPr>
-          <p:cNvPicPr>
-            <a:picLocks noChangeAspect="1"/>
-          </p:cNvPicPr>
-          <p:nvPr/>
-        </p:nvPicPr>
-        <p:blipFill rotWithShape="1">
-          <a:blip r:embed="rId4">
-            <a:extLst>
-              <a:ext uri="{28A0092B-C50C-407E-A947-70E740481C1C}">
-                <a14:useLocalDpi xmlns:a14="http://schemas.microsoft.com/office/drawing/2010/main" val="0"/>
-              </a:ext>
-            </a:extLst>
-          </a:blip>
-          <a:srcRect l="1421" t="-327" r="22885" b="327"/>
-          <a:stretch/>
-        </p:blipFill>
-        <p:spPr>
-          <a:xfrm>
-            <a:off x="286401" y="3944297"/>
-            <a:ext cx="3119034" cy="1943100"/>
-          </a:xfrm>
-          <a:prstGeom prst="rect">
-            <a:avLst/>
-          </a:prstGeom>
-          <a:ln w="28575">
-            <a:solidFill>
-              <a:schemeClr val="tx1"/>
-            </a:solidFill>
-          </a:ln>
-        </p:spPr>
-      </p:pic>
-      <p:pic>
-        <p:nvPicPr>
-          <p:cNvPr id="15" name="Picture 14" descr="Text&#10;&#10;Description automatically generated">
-            <a:extLst>
-              <a:ext uri="{FF2B5EF4-FFF2-40B4-BE49-F238E27FC236}">
-                <a16:creationId xmlns:a16="http://schemas.microsoft.com/office/drawing/2014/main" id="{E97F74C8-51B8-ED53-AF3C-DF0398921E92}"/>
-              </a:ext>
-            </a:extLst>
-          </p:cNvPr>
-          <p:cNvPicPr>
-            <a:picLocks noChangeAspect="1"/>
-          </p:cNvPicPr>
-          <p:nvPr/>
-        </p:nvPicPr>
-        <p:blipFill rotWithShape="1">
-          <a:blip r:embed="rId5">
-            <a:extLst>
-              <a:ext uri="{28A0092B-C50C-407E-A947-70E740481C1C}">
-                <a14:useLocalDpi xmlns:a14="http://schemas.microsoft.com/office/drawing/2010/main" val="0"/>
-              </a:ext>
-            </a:extLst>
-          </a:blip>
-          <a:srcRect l="1377" r="9506"/>
-          <a:stretch/>
-        </p:blipFill>
-        <p:spPr>
-          <a:xfrm>
-            <a:off x="3803784" y="1807131"/>
-            <a:ext cx="3672078" cy="3354705"/>
-          </a:xfrm>
-          <a:prstGeom prst="rect">
-            <a:avLst/>
-          </a:prstGeom>
-          <a:ln w="28575">
-            <a:solidFill>
-              <a:schemeClr val="tx1"/>
-            </a:solidFill>
-          </a:ln>
-        </p:spPr>
-      </p:pic>
-      <p:pic>
-        <p:nvPicPr>
-          <p:cNvPr id="16" name="Picture 15" descr="Text&#10;&#10;Description automatically generated">
-            <a:extLst>
-              <a:ext uri="{FF2B5EF4-FFF2-40B4-BE49-F238E27FC236}">
-                <a16:creationId xmlns:a16="http://schemas.microsoft.com/office/drawing/2014/main" id="{AD734129-E83A-E10E-5CDC-DC7AAB128425}"/>
-              </a:ext>
-            </a:extLst>
-          </p:cNvPr>
-          <p:cNvPicPr>
-            <a:picLocks noChangeAspect="1"/>
-          </p:cNvPicPr>
-          <p:nvPr/>
-        </p:nvPicPr>
-        <p:blipFill rotWithShape="1">
-          <a:blip r:embed="rId6">
-            <a:extLst>
-              <a:ext uri="{28A0092B-C50C-407E-A947-70E740481C1C}">
-                <a14:useLocalDpi xmlns:a14="http://schemas.microsoft.com/office/drawing/2010/main" val="0"/>
-              </a:ext>
-            </a:extLst>
-          </a:blip>
-          <a:srcRect r="18094" b="4334"/>
-          <a:stretch/>
-        </p:blipFill>
-        <p:spPr>
-          <a:xfrm>
-            <a:off x="2832055" y="5303260"/>
-            <a:ext cx="3374944" cy="1235610"/>
-          </a:xfrm>
-          <a:prstGeom prst="rect">
-            <a:avLst/>
-          </a:prstGeom>
-          <a:ln w="28575">
-            <a:solidFill>
-              <a:schemeClr val="tx1"/>
-            </a:solidFill>
-          </a:ln>
-        </p:spPr>
-      </p:pic>
-      <p:pic>
-        <p:nvPicPr>
-          <p:cNvPr id="17" name="Picture 16" descr="Text&#10;&#10;Description automatically generated">
-            <a:extLst>
-              <a:ext uri="{FF2B5EF4-FFF2-40B4-BE49-F238E27FC236}">
-                <a16:creationId xmlns:a16="http://schemas.microsoft.com/office/drawing/2014/main" id="{D0B6D1AE-34BA-485B-4A09-1D84921FC601}"/>
-              </a:ext>
-            </a:extLst>
-          </p:cNvPr>
-          <p:cNvPicPr>
-            <a:picLocks noChangeAspect="1"/>
-          </p:cNvPicPr>
-          <p:nvPr/>
-        </p:nvPicPr>
-        <p:blipFill rotWithShape="1">
-          <a:blip r:embed="rId7">
-            <a:extLst>
-              <a:ext uri="{28A0092B-C50C-407E-A947-70E740481C1C}">
-                <a14:useLocalDpi xmlns:a14="http://schemas.microsoft.com/office/drawing/2010/main" val="0"/>
-              </a:ext>
-            </a:extLst>
-          </a:blip>
-          <a:srcRect r="33153"/>
-          <a:stretch/>
-        </p:blipFill>
-        <p:spPr>
-          <a:xfrm>
-            <a:off x="6329436" y="4242025"/>
-            <a:ext cx="2754416" cy="2268855"/>
-          </a:xfrm>
-          <a:prstGeom prst="rect">
-            <a:avLst/>
-          </a:prstGeom>
-          <a:ln w="28575">
-            <a:solidFill>
-              <a:schemeClr val="tx1"/>
-            </a:solidFill>
-          </a:ln>
-        </p:spPr>
-      </p:pic>
-      <p:sp>
-        <p:nvSpPr>
-          <p:cNvPr id="18" name="TextBox 17">
-            <a:extLst>
-              <a:ext uri="{FF2B5EF4-FFF2-40B4-BE49-F238E27FC236}">
-                <a16:creationId xmlns:a16="http://schemas.microsoft.com/office/drawing/2014/main" id="{60E9C8C8-5200-5A2A-51C2-95C701C90882}"/>
-              </a:ext>
-            </a:extLst>
-          </p:cNvPr>
-          <p:cNvSpPr txBox="1"/>
-          <p:nvPr/>
-        </p:nvSpPr>
-        <p:spPr>
-          <a:xfrm>
-            <a:off x="7587031" y="1783806"/>
-            <a:ext cx="1509516" cy="492443"/>
-          </a:xfrm>
-          <a:prstGeom prst="rect">
-            <a:avLst/>
-          </a:prstGeom>
-          <a:solidFill>
-            <a:schemeClr val="bg2"/>
-          </a:solidFill>
-        </p:spPr>
-        <p:txBody>
-          <a:bodyPr wrap="none" lIns="45720" tIns="0" rIns="45720" bIns="0" rtlCol="0">
-            <a:spAutoFit/>
-          </a:bodyPr>
-          <a:lstStyle/>
-          <a:p>
-            <a:pPr algn="r"/>
-            <a:r>
-              <a:rPr lang="en-US" sz="1600" b="1" dirty="0">
-                <a:solidFill>
-                  <a:srgbClr val="FFFF00"/>
-                </a:solidFill>
-              </a:rPr>
-              <a:t>99 Lines</a:t>
-            </a:r>
-          </a:p>
-          <a:p>
-            <a:pPr algn="r"/>
-            <a:r>
-              <a:rPr lang="en-US" sz="1600" b="1" dirty="0">
-                <a:solidFill>
-                  <a:srgbClr val="FFFF00"/>
-                </a:solidFill>
-              </a:rPr>
-              <a:t>2,188 Characters</a:t>
-            </a:r>
-          </a:p>
-        </p:txBody>
-      </p:sp>
-      <p:sp>
-        <p:nvSpPr>
-          <p:cNvPr id="19" name="TextBox 18">
-            <a:extLst>
-              <a:ext uri="{FF2B5EF4-FFF2-40B4-BE49-F238E27FC236}">
-                <a16:creationId xmlns:a16="http://schemas.microsoft.com/office/drawing/2014/main" id="{055F7372-B136-445C-1AE5-2EEA988BCDD9}"/>
-              </a:ext>
-            </a:extLst>
-          </p:cNvPr>
-          <p:cNvSpPr txBox="1"/>
-          <p:nvPr/>
-        </p:nvSpPr>
-        <p:spPr>
-          <a:xfrm>
-            <a:off x="10664900" y="1755242"/>
-            <a:ext cx="1352422" cy="492443"/>
-          </a:xfrm>
-          <a:prstGeom prst="rect">
-            <a:avLst/>
-          </a:prstGeom>
-          <a:solidFill>
-            <a:schemeClr val="bg2"/>
-          </a:solidFill>
-        </p:spPr>
-        <p:txBody>
-          <a:bodyPr wrap="none" lIns="45720" tIns="0" rIns="45720" bIns="0" rtlCol="0">
-            <a:spAutoFit/>
-          </a:bodyPr>
-          <a:lstStyle/>
-          <a:p>
-            <a:pPr algn="r"/>
-            <a:r>
-              <a:rPr lang="en-US" sz="1600" b="1" dirty="0">
-                <a:solidFill>
-                  <a:srgbClr val="FFFF00"/>
-                </a:solidFill>
-              </a:rPr>
-              <a:t>39 Lines</a:t>
-            </a:r>
-          </a:p>
-          <a:p>
-            <a:pPr algn="r"/>
-            <a:r>
-              <a:rPr lang="en-US" sz="1600" b="1" dirty="0">
-                <a:solidFill>
-                  <a:srgbClr val="FFFF00"/>
-                </a:solidFill>
-              </a:rPr>
-              <a:t>612 Characters</a:t>
-            </a:r>
-          </a:p>
-        </p:txBody>
-      </p:sp>
-    </p:spTree>
-    <p:extLst>
-      <p:ext uri="{BB962C8B-B14F-4D97-AF65-F5344CB8AC3E}">
-        <p14:creationId xmlns:p14="http://schemas.microsoft.com/office/powerpoint/2010/main" val="3768155072"/>
-      </p:ext>
-    </p:extLst>
-  </p:cSld>
-  <p:clrMapOvr>
-    <a:masterClrMapping/>
-  </p:clrMapOvr>
-</p:sld>
-</file>
-
-<file path=ppt/slides/slide6.xml><?xml version="1.0" encoding="utf-8"?>
-<p:sld xmlns:a="http://schemas.openxmlformats.org/drawingml/2006/main" xmlns:r="http://schemas.openxmlformats.org/officeDocument/2006/relationships" xmlns:p="http://schemas.openxmlformats.org/presentationml/2006/main">
-  <p:cSld>
-    <p:spTree>
-      <p:nvGrpSpPr>
-        <p:cNvPr id="1" name=""/>
-        <p:cNvGrpSpPr/>
-        <p:nvPr/>
-      </p:nvGrpSpPr>
-      <p:grpSpPr>
-        <a:xfrm>
-          <a:off x="0" y="0"/>
-          <a:ext cx="0" cy="0"/>
-          <a:chOff x="0" y="0"/>
-          <a:chExt cx="0" cy="0"/>
-        </a:xfrm>
-      </p:grpSpPr>
-      <p:sp>
-        <p:nvSpPr>
-          <p:cNvPr id="2" name="Title 1">
-            <a:extLst>
-              <a:ext uri="{FF2B5EF4-FFF2-40B4-BE49-F238E27FC236}">
-                <a16:creationId xmlns:a16="http://schemas.microsoft.com/office/drawing/2014/main" id="{5C9F59D0-33F3-CA82-290D-83585308DE0D}"/>
-              </a:ext>
-            </a:extLst>
-          </p:cNvPr>
-          <p:cNvSpPr>
-            <a:spLocks noGrp="1"/>
-          </p:cNvSpPr>
-          <p:nvPr>
-            <p:ph type="title"/>
-          </p:nvPr>
-        </p:nvSpPr>
-        <p:spPr/>
-        <p:txBody>
-          <a:bodyPr/>
-          <a:lstStyle/>
-          <a:p>
-            <a:r>
-              <a:rPr lang="en-US" dirty="0"/>
-              <a:t>First draft</a:t>
-            </a:r>
-          </a:p>
-        </p:txBody>
-      </p:sp>
-      <p:sp>
-        <p:nvSpPr>
-          <p:cNvPr id="3" name="Content Placeholder 2">
-            <a:extLst>
-              <a:ext uri="{FF2B5EF4-FFF2-40B4-BE49-F238E27FC236}">
-                <a16:creationId xmlns:a16="http://schemas.microsoft.com/office/drawing/2014/main" id="{4E1E9633-2823-8ECF-63C3-4DCF7FB3DF6A}"/>
-              </a:ext>
-            </a:extLst>
-          </p:cNvPr>
-          <p:cNvSpPr>
-            <a:spLocks noGrp="1"/>
-          </p:cNvSpPr>
-          <p:nvPr>
-            <p:ph idx="1"/>
-          </p:nvPr>
-        </p:nvSpPr>
-        <p:spPr/>
-        <p:txBody>
-          <a:bodyPr/>
-          <a:lstStyle/>
-          <a:p>
-            <a:r>
-              <a:rPr lang="en-US" dirty="0">
-                <a:cs typeface="Calibri"/>
-              </a:rPr>
-              <a:t>Leverage existing technology: </a:t>
-            </a:r>
-            <a:r>
-              <a:rPr lang="en-US" sz="2800" dirty="0">
-                <a:cs typeface="Calibri"/>
-              </a:rPr>
-              <a:t>AI/ML communities know how to efficiently solve models for gradient-based optimization.</a:t>
-            </a:r>
-          </a:p>
-        </p:txBody>
-      </p:sp>
-      <p:sp>
-        <p:nvSpPr>
-          <p:cNvPr id="4" name="Rectangle 3">
-            <a:extLst>
-              <a:ext uri="{FF2B5EF4-FFF2-40B4-BE49-F238E27FC236}">
-                <a16:creationId xmlns:a16="http://schemas.microsoft.com/office/drawing/2014/main" id="{0FED833F-1FFC-B810-EFFD-6FE9FEA6F3BA}"/>
-              </a:ext>
-            </a:extLst>
-          </p:cNvPr>
-          <p:cNvSpPr/>
-          <p:nvPr/>
-        </p:nvSpPr>
-        <p:spPr>
-          <a:xfrm>
-            <a:off x="2562290" y="2778316"/>
-            <a:ext cx="2095276" cy="1196488"/>
-          </a:xfrm>
-          <a:prstGeom prst="rect">
-            <a:avLst/>
-          </a:prstGeom>
-        </p:spPr>
-        <p:style>
-          <a:lnRef idx="2">
-            <a:schemeClr val="accent1">
-              <a:shade val="50000"/>
-            </a:schemeClr>
-          </a:lnRef>
-          <a:fillRef idx="1">
-            <a:schemeClr val="accent1"/>
-          </a:fillRef>
-          <a:effectRef idx="0">
-            <a:schemeClr val="accent1"/>
-          </a:effectRef>
-          <a:fontRef idx="minor">
-            <a:schemeClr val="lt1"/>
-          </a:fontRef>
-        </p:style>
-        <p:txBody>
-          <a:bodyPr rtlCol="0" anchor="ctr"/>
-          <a:lstStyle/>
-          <a:p>
-            <a:pPr algn="ctr"/>
-            <a:r>
-              <a:rPr lang="en-US" sz="2000"/>
-              <a:t>Rapid model development in Python</a:t>
-            </a:r>
-          </a:p>
-        </p:txBody>
-      </p:sp>
-      <p:sp>
-        <p:nvSpPr>
-          <p:cNvPr id="5" name="Rectangle 4">
-            <a:extLst>
-              <a:ext uri="{FF2B5EF4-FFF2-40B4-BE49-F238E27FC236}">
-                <a16:creationId xmlns:a16="http://schemas.microsoft.com/office/drawing/2014/main" id="{03E587E1-301B-BB05-7666-1BDE541B39BC}"/>
-              </a:ext>
-            </a:extLst>
-          </p:cNvPr>
-          <p:cNvSpPr/>
-          <p:nvPr/>
-        </p:nvSpPr>
-        <p:spPr>
-          <a:xfrm>
-            <a:off x="4459009" y="4233999"/>
-            <a:ext cx="1753423" cy="1196488"/>
-          </a:xfrm>
-          <a:prstGeom prst="rect">
-            <a:avLst/>
-          </a:prstGeom>
-        </p:spPr>
-        <p:style>
-          <a:lnRef idx="2">
-            <a:schemeClr val="accent1">
-              <a:shade val="50000"/>
-            </a:schemeClr>
-          </a:lnRef>
-          <a:fillRef idx="1">
-            <a:schemeClr val="accent1"/>
-          </a:fillRef>
-          <a:effectRef idx="0">
-            <a:schemeClr val="accent1"/>
-          </a:effectRef>
-          <a:fontRef idx="minor">
-            <a:schemeClr val="lt1"/>
-          </a:fontRef>
-        </p:style>
-        <p:txBody>
-          <a:bodyPr rtlCol="0" anchor="ctr"/>
-          <a:lstStyle/>
-          <a:p>
-            <a:pPr algn="ctr"/>
-            <a:r>
-              <a:rPr lang="en-US" sz="2000"/>
-              <a:t>Symbolic and Automatic Differentiation</a:t>
-            </a:r>
-          </a:p>
-        </p:txBody>
-      </p:sp>
-      <p:sp>
-        <p:nvSpPr>
-          <p:cNvPr id="6" name="Rectangle 5">
-            <a:extLst>
-              <a:ext uri="{FF2B5EF4-FFF2-40B4-BE49-F238E27FC236}">
-                <a16:creationId xmlns:a16="http://schemas.microsoft.com/office/drawing/2014/main" id="{E198C556-3CB0-6F51-A11B-E40C5DF5050B}"/>
-              </a:ext>
-            </a:extLst>
-          </p:cNvPr>
-          <p:cNvSpPr/>
-          <p:nvPr/>
-        </p:nvSpPr>
-        <p:spPr>
-          <a:xfrm>
-            <a:off x="7735330" y="2734962"/>
-            <a:ext cx="3229093" cy="1754848"/>
-          </a:xfrm>
-          <a:prstGeom prst="rect">
-            <a:avLst/>
-          </a:prstGeom>
-        </p:spPr>
-        <p:style>
-          <a:lnRef idx="2">
-            <a:schemeClr val="accent1">
-              <a:shade val="50000"/>
-            </a:schemeClr>
-          </a:lnRef>
-          <a:fillRef idx="1">
-            <a:schemeClr val="accent1"/>
-          </a:fillRef>
-          <a:effectRef idx="0">
-            <a:schemeClr val="accent1"/>
-          </a:effectRef>
-          <a:fontRef idx="minor">
-            <a:schemeClr val="lt1"/>
-          </a:fontRef>
-        </p:style>
-        <p:txBody>
-          <a:bodyPr rtlCol="0" anchor="ctr"/>
-          <a:lstStyle/>
-          <a:p>
-            <a:pPr algn="ctr"/>
-            <a:r>
-              <a:rPr lang="en-US" sz="2000"/>
-              <a:t>Computation acceleration:</a:t>
-            </a:r>
-          </a:p>
-          <a:p>
-            <a:pPr marL="285750" indent="-285750">
-              <a:buFont typeface="Arial" panose="020B0604020202020204" pitchFamily="34" charset="0"/>
-              <a:buChar char="•"/>
-            </a:pPr>
-            <a:r>
-              <a:rPr lang="en-US" sz="2000"/>
-              <a:t>Compiled C/Fortran</a:t>
-            </a:r>
-          </a:p>
-          <a:p>
-            <a:pPr marL="285750" indent="-285750">
-              <a:buFont typeface="Arial" panose="020B0604020202020204" pitchFamily="34" charset="0"/>
-              <a:buChar char="•"/>
-            </a:pPr>
-            <a:r>
-              <a:rPr lang="en-US" sz="2000"/>
-              <a:t>GPU and distributed HPC</a:t>
-            </a:r>
-          </a:p>
-        </p:txBody>
-      </p:sp>
-      <p:sp>
-        <p:nvSpPr>
-          <p:cNvPr id="7" name="Rectangle 6">
-            <a:extLst>
-              <a:ext uri="{FF2B5EF4-FFF2-40B4-BE49-F238E27FC236}">
-                <a16:creationId xmlns:a16="http://schemas.microsoft.com/office/drawing/2014/main" id="{265858CD-044A-70F2-9C38-78A91D8F1B32}"/>
-              </a:ext>
-            </a:extLst>
-          </p:cNvPr>
-          <p:cNvSpPr/>
-          <p:nvPr/>
-        </p:nvSpPr>
-        <p:spPr>
-          <a:xfrm>
-            <a:off x="8148272" y="4741671"/>
-            <a:ext cx="2563904" cy="1196488"/>
-          </a:xfrm>
-          <a:prstGeom prst="rect">
-            <a:avLst/>
-          </a:prstGeom>
-        </p:spPr>
-        <p:style>
-          <a:lnRef idx="2">
-            <a:schemeClr val="accent1">
-              <a:shade val="50000"/>
-            </a:schemeClr>
-          </a:lnRef>
-          <a:fillRef idx="1">
-            <a:schemeClr val="accent1"/>
-          </a:fillRef>
-          <a:effectRef idx="0">
-            <a:schemeClr val="accent1"/>
-          </a:effectRef>
-          <a:fontRef idx="minor">
-            <a:schemeClr val="lt1"/>
-          </a:fontRef>
-        </p:style>
-        <p:txBody>
-          <a:bodyPr rtlCol="0" anchor="ctr"/>
-          <a:lstStyle/>
-          <a:p>
-            <a:pPr algn="ctr"/>
-            <a:r>
-              <a:rPr lang="en-US" sz="2000"/>
-              <a:t>Automatic interfacing to well-known </a:t>
-            </a:r>
-            <a:r>
-              <a:rPr lang="en-US" sz="2000" i="1"/>
-              <a:t>solvers</a:t>
-            </a:r>
-          </a:p>
-        </p:txBody>
-      </p:sp>
-      <p:cxnSp>
-        <p:nvCxnSpPr>
-          <p:cNvPr id="8" name="Straight Arrow Connector 7">
-            <a:extLst>
-              <a:ext uri="{FF2B5EF4-FFF2-40B4-BE49-F238E27FC236}">
-                <a16:creationId xmlns:a16="http://schemas.microsoft.com/office/drawing/2014/main" id="{D33CE526-A882-E937-BCC7-3C0DDA39F070}"/>
-              </a:ext>
-            </a:extLst>
-          </p:cNvPr>
-          <p:cNvCxnSpPr>
-            <a:cxnSpLocks/>
-            <a:stCxn id="4" idx="3"/>
-            <a:endCxn id="5" idx="0"/>
-          </p:cNvCxnSpPr>
-          <p:nvPr/>
-        </p:nvCxnSpPr>
-        <p:spPr>
-          <a:xfrm>
-            <a:off x="4657566" y="3376560"/>
-            <a:ext cx="678155" cy="857439"/>
-          </a:xfrm>
-          <a:prstGeom prst="straightConnector1">
-            <a:avLst/>
-          </a:prstGeom>
-          <a:ln>
-            <a:tailEnd type="triangle"/>
-          </a:ln>
-        </p:spPr>
-        <p:style>
-          <a:lnRef idx="1">
-            <a:schemeClr val="accent1"/>
-          </a:lnRef>
-          <a:fillRef idx="0">
-            <a:schemeClr val="accent1"/>
-          </a:fillRef>
-          <a:effectRef idx="0">
-            <a:schemeClr val="accent1"/>
-          </a:effectRef>
-          <a:fontRef idx="minor">
-            <a:schemeClr val="tx1"/>
-          </a:fontRef>
-        </p:style>
-      </p:cxnSp>
-      <p:cxnSp>
-        <p:nvCxnSpPr>
-          <p:cNvPr id="9" name="Straight Arrow Connector 8">
-            <a:extLst>
-              <a:ext uri="{FF2B5EF4-FFF2-40B4-BE49-F238E27FC236}">
-                <a16:creationId xmlns:a16="http://schemas.microsoft.com/office/drawing/2014/main" id="{5B158186-2D45-05BB-FB12-C6A12036B54C}"/>
-              </a:ext>
-            </a:extLst>
-          </p:cNvPr>
-          <p:cNvCxnSpPr>
-            <a:cxnSpLocks/>
-            <a:stCxn id="4" idx="3"/>
-            <a:endCxn id="7" idx="1"/>
-          </p:cNvCxnSpPr>
-          <p:nvPr/>
-        </p:nvCxnSpPr>
-        <p:spPr>
-          <a:xfrm>
-            <a:off x="4657566" y="3376560"/>
-            <a:ext cx="3490706" cy="1963355"/>
-          </a:xfrm>
-          <a:prstGeom prst="straightConnector1">
-            <a:avLst/>
-          </a:prstGeom>
-          <a:ln>
-            <a:tailEnd type="triangle"/>
-          </a:ln>
-        </p:spPr>
-        <p:style>
-          <a:lnRef idx="1">
-            <a:schemeClr val="accent1"/>
-          </a:lnRef>
-          <a:fillRef idx="0">
-            <a:schemeClr val="accent1"/>
-          </a:fillRef>
-          <a:effectRef idx="0">
-            <a:schemeClr val="accent1"/>
-          </a:effectRef>
-          <a:fontRef idx="minor">
-            <a:schemeClr val="tx1"/>
-          </a:fontRef>
-        </p:style>
-      </p:cxnSp>
-      <p:cxnSp>
-        <p:nvCxnSpPr>
-          <p:cNvPr id="10" name="Straight Arrow Connector 9">
-            <a:extLst>
-              <a:ext uri="{FF2B5EF4-FFF2-40B4-BE49-F238E27FC236}">
-                <a16:creationId xmlns:a16="http://schemas.microsoft.com/office/drawing/2014/main" id="{F8CD3DE3-F75F-413D-39C6-4635C4F0392F}"/>
-              </a:ext>
-            </a:extLst>
-          </p:cNvPr>
-          <p:cNvCxnSpPr>
-            <a:cxnSpLocks/>
-            <a:stCxn id="4" idx="3"/>
-            <a:endCxn id="6" idx="1"/>
-          </p:cNvCxnSpPr>
-          <p:nvPr/>
-        </p:nvCxnSpPr>
-        <p:spPr>
-          <a:xfrm>
-            <a:off x="4657566" y="3376560"/>
-            <a:ext cx="3077764" cy="235826"/>
-          </a:xfrm>
-          <a:prstGeom prst="straightConnector1">
-            <a:avLst/>
-          </a:prstGeom>
-          <a:ln>
-            <a:tailEnd type="triangle"/>
-          </a:ln>
-        </p:spPr>
-        <p:style>
-          <a:lnRef idx="1">
-            <a:schemeClr val="accent1"/>
-          </a:lnRef>
-          <a:fillRef idx="0">
-            <a:schemeClr val="accent1"/>
-          </a:fillRef>
-          <a:effectRef idx="0">
-            <a:schemeClr val="accent1"/>
-          </a:effectRef>
-          <a:fontRef idx="minor">
-            <a:schemeClr val="tx1"/>
-          </a:fontRef>
-        </p:style>
-      </p:cxnSp>
-      <p:cxnSp>
-        <p:nvCxnSpPr>
-          <p:cNvPr id="11" name="Straight Arrow Connector 10">
-            <a:extLst>
-              <a:ext uri="{FF2B5EF4-FFF2-40B4-BE49-F238E27FC236}">
-                <a16:creationId xmlns:a16="http://schemas.microsoft.com/office/drawing/2014/main" id="{EF5C91D9-FEAB-C007-9CA5-4E3FEEE544B9}"/>
-              </a:ext>
-            </a:extLst>
-          </p:cNvPr>
-          <p:cNvCxnSpPr>
-            <a:cxnSpLocks/>
-            <a:stCxn id="5" idx="3"/>
-            <a:endCxn id="6" idx="1"/>
-          </p:cNvCxnSpPr>
-          <p:nvPr/>
-        </p:nvCxnSpPr>
-        <p:spPr>
-          <a:xfrm flipV="1">
-            <a:off x="6212432" y="3612386"/>
-            <a:ext cx="1522898" cy="1219857"/>
-          </a:xfrm>
-          <a:prstGeom prst="straightConnector1">
-            <a:avLst/>
-          </a:prstGeom>
-          <a:ln>
-            <a:tailEnd type="triangle"/>
-          </a:ln>
-        </p:spPr>
-        <p:style>
-          <a:lnRef idx="1">
-            <a:schemeClr val="accent1"/>
-          </a:lnRef>
-          <a:fillRef idx="0">
-            <a:schemeClr val="accent1"/>
-          </a:fillRef>
-          <a:effectRef idx="0">
-            <a:schemeClr val="accent1"/>
-          </a:effectRef>
-          <a:fontRef idx="minor">
-            <a:schemeClr val="tx1"/>
-          </a:fontRef>
-        </p:style>
-      </p:cxnSp>
-      <p:cxnSp>
-        <p:nvCxnSpPr>
-          <p:cNvPr id="12" name="Straight Arrow Connector 11">
-            <a:extLst>
-              <a:ext uri="{FF2B5EF4-FFF2-40B4-BE49-F238E27FC236}">
-                <a16:creationId xmlns:a16="http://schemas.microsoft.com/office/drawing/2014/main" id="{21D4D919-FEE7-5CB3-D5E5-D2B5D510D7EE}"/>
-              </a:ext>
-            </a:extLst>
-          </p:cNvPr>
-          <p:cNvCxnSpPr>
-            <a:cxnSpLocks/>
-            <a:stCxn id="5" idx="3"/>
-            <a:endCxn id="7" idx="1"/>
-          </p:cNvCxnSpPr>
-          <p:nvPr/>
-        </p:nvCxnSpPr>
-        <p:spPr>
-          <a:xfrm>
-            <a:off x="6212432" y="4832243"/>
-            <a:ext cx="1935840" cy="507672"/>
-          </a:xfrm>
-          <a:prstGeom prst="straightConnector1">
-            <a:avLst/>
-          </a:prstGeom>
-          <a:ln>
-            <a:tailEnd type="triangle"/>
-          </a:ln>
-        </p:spPr>
-        <p:style>
-          <a:lnRef idx="1">
-            <a:schemeClr val="accent1"/>
-          </a:lnRef>
-          <a:fillRef idx="0">
-            <a:schemeClr val="accent1"/>
-          </a:fillRef>
-          <a:effectRef idx="0">
-            <a:schemeClr val="accent1"/>
-          </a:effectRef>
-          <a:fontRef idx="minor">
-            <a:schemeClr val="tx1"/>
-          </a:fontRef>
-        </p:style>
-      </p:cxnSp>
-      <p:sp>
-        <p:nvSpPr>
-          <p:cNvPr id="13" name="Rectangle 12">
-            <a:extLst>
-              <a:ext uri="{FF2B5EF4-FFF2-40B4-BE49-F238E27FC236}">
-                <a16:creationId xmlns:a16="http://schemas.microsoft.com/office/drawing/2014/main" id="{5A835386-E84A-F672-3605-A104A3432185}"/>
-              </a:ext>
-            </a:extLst>
-          </p:cNvPr>
-          <p:cNvSpPr/>
-          <p:nvPr/>
-        </p:nvSpPr>
-        <p:spPr>
-          <a:xfrm>
-            <a:off x="2467476" y="5194991"/>
-            <a:ext cx="1458576" cy="1196488"/>
-          </a:xfrm>
-          <a:prstGeom prst="rect">
-            <a:avLst/>
-          </a:prstGeom>
-        </p:spPr>
-        <p:style>
-          <a:lnRef idx="2">
-            <a:schemeClr val="accent1">
-              <a:shade val="50000"/>
-            </a:schemeClr>
-          </a:lnRef>
-          <a:fillRef idx="1">
-            <a:schemeClr val="accent1"/>
-          </a:fillRef>
-          <a:effectRef idx="0">
-            <a:schemeClr val="accent1"/>
-          </a:effectRef>
-          <a:fontRef idx="minor">
-            <a:schemeClr val="lt1"/>
-          </a:fontRef>
-        </p:style>
-        <p:txBody>
-          <a:bodyPr rtlCol="0" anchor="ctr"/>
-          <a:lstStyle/>
-          <a:p>
-            <a:pPr algn="ctr"/>
-            <a:r>
-              <a:rPr lang="en-US" sz="2000" dirty="0"/>
-              <a:t>Facilitate interface to existing codes</a:t>
-            </a:r>
-          </a:p>
-        </p:txBody>
-      </p:sp>
-      <p:cxnSp>
-        <p:nvCxnSpPr>
-          <p:cNvPr id="14" name="Straight Arrow Connector 13">
-            <a:extLst>
-              <a:ext uri="{FF2B5EF4-FFF2-40B4-BE49-F238E27FC236}">
-                <a16:creationId xmlns:a16="http://schemas.microsoft.com/office/drawing/2014/main" id="{26767167-53DC-5172-FE16-63739E934C05}"/>
-              </a:ext>
-            </a:extLst>
-          </p:cNvPr>
-          <p:cNvCxnSpPr>
-            <a:stCxn id="6" idx="2"/>
-            <a:endCxn id="7" idx="0"/>
-          </p:cNvCxnSpPr>
-          <p:nvPr/>
-        </p:nvCxnSpPr>
-        <p:spPr>
-          <a:xfrm>
-            <a:off x="9349877" y="4489810"/>
-            <a:ext cx="80347" cy="251861"/>
-          </a:xfrm>
-          <a:prstGeom prst="straightConnector1">
-            <a:avLst/>
-          </a:prstGeom>
-          <a:ln>
-            <a:headEnd type="triangle"/>
-            <a:tailEnd type="triangle"/>
-          </a:ln>
-        </p:spPr>
-        <p:style>
-          <a:lnRef idx="1">
-            <a:schemeClr val="accent1"/>
-          </a:lnRef>
-          <a:fillRef idx="0">
-            <a:schemeClr val="accent1"/>
-          </a:fillRef>
-          <a:effectRef idx="0">
-            <a:schemeClr val="accent1"/>
-          </a:effectRef>
-          <a:fontRef idx="minor">
-            <a:schemeClr val="tx1"/>
-          </a:fontRef>
-        </p:style>
-      </p:cxnSp>
-      <p:cxnSp>
-        <p:nvCxnSpPr>
-          <p:cNvPr id="15" name="Straight Arrow Connector 14">
-            <a:extLst>
-              <a:ext uri="{FF2B5EF4-FFF2-40B4-BE49-F238E27FC236}">
-                <a16:creationId xmlns:a16="http://schemas.microsoft.com/office/drawing/2014/main" id="{294FEB13-68E6-AD56-2FC9-122A53E2FA7A}"/>
-              </a:ext>
-            </a:extLst>
-          </p:cNvPr>
-          <p:cNvCxnSpPr>
-            <a:cxnSpLocks/>
-            <a:stCxn id="13" idx="0"/>
-            <a:endCxn id="4" idx="2"/>
-          </p:cNvCxnSpPr>
-          <p:nvPr/>
-        </p:nvCxnSpPr>
-        <p:spPr>
-          <a:xfrm flipV="1">
-            <a:off x="3196764" y="3974804"/>
-            <a:ext cx="413164" cy="1220187"/>
-          </a:xfrm>
-          <a:prstGeom prst="straightConnector1">
-            <a:avLst/>
-          </a:prstGeom>
-          <a:ln>
-            <a:tailEnd type="triangle"/>
-          </a:ln>
-        </p:spPr>
-        <p:style>
-          <a:lnRef idx="1">
-            <a:schemeClr val="accent1"/>
-          </a:lnRef>
-          <a:fillRef idx="0">
-            <a:schemeClr val="accent1"/>
-          </a:fillRef>
-          <a:effectRef idx="0">
-            <a:schemeClr val="accent1"/>
-          </a:effectRef>
-          <a:fontRef idx="minor">
-            <a:schemeClr val="tx1"/>
-          </a:fontRef>
-        </p:style>
-      </p:cxnSp>
-      <p:cxnSp>
-        <p:nvCxnSpPr>
-          <p:cNvPr id="16" name="Straight Arrow Connector 15">
-            <a:extLst>
-              <a:ext uri="{FF2B5EF4-FFF2-40B4-BE49-F238E27FC236}">
-                <a16:creationId xmlns:a16="http://schemas.microsoft.com/office/drawing/2014/main" id="{8861E211-FC92-968F-4A22-F0FE5F88D475}"/>
-              </a:ext>
-            </a:extLst>
-          </p:cNvPr>
-          <p:cNvCxnSpPr>
-            <a:stCxn id="13" idx="3"/>
-            <a:endCxn id="7" idx="1"/>
-          </p:cNvCxnSpPr>
-          <p:nvPr/>
-        </p:nvCxnSpPr>
-        <p:spPr>
-          <a:xfrm flipV="1">
-            <a:off x="3926052" y="5339915"/>
-            <a:ext cx="4222220" cy="453320"/>
-          </a:xfrm>
-          <a:prstGeom prst="straightConnector1">
-            <a:avLst/>
-          </a:prstGeom>
-          <a:ln>
-            <a:tailEnd type="triangle"/>
-          </a:ln>
-        </p:spPr>
-        <p:style>
-          <a:lnRef idx="1">
-            <a:schemeClr val="accent1"/>
-          </a:lnRef>
-          <a:fillRef idx="0">
-            <a:schemeClr val="accent1"/>
-          </a:fillRef>
-          <a:effectRef idx="0">
-            <a:schemeClr val="accent1"/>
-          </a:effectRef>
-          <a:fontRef idx="minor">
-            <a:schemeClr val="tx1"/>
-          </a:fontRef>
-        </p:style>
-      </p:cxnSp>
-    </p:spTree>
-    <p:extLst>
-      <p:ext uri="{BB962C8B-B14F-4D97-AF65-F5344CB8AC3E}">
-        <p14:creationId xmlns:p14="http://schemas.microsoft.com/office/powerpoint/2010/main" val="2500313533"/>
-      </p:ext>
-    </p:extLst>
-  </p:cSld>
-  <p:clrMapOvr>
-    <a:masterClrMapping/>
-  </p:clrMapOvr>
-</p:sld>
-</file>
-
-<file path=ppt/slides/slide7.xml><?xml version="1.0" encoding="utf-8"?>
-<p:sld xmlns:a="http://schemas.openxmlformats.org/drawingml/2006/main" xmlns:r="http://schemas.openxmlformats.org/officeDocument/2006/relationships" xmlns:p="http://schemas.openxmlformats.org/presentationml/2006/main">
-  <p:cSld>
-    <p:spTree>
-      <p:nvGrpSpPr>
-        <p:cNvPr id="1" name=""/>
-        <p:cNvGrpSpPr/>
-        <p:nvPr/>
-      </p:nvGrpSpPr>
-      <p:grpSpPr>
-        <a:xfrm>
-          <a:off x="0" y="0"/>
-          <a:ext cx="0" cy="0"/>
-          <a:chOff x="0" y="0"/>
-          <a:chExt cx="0" cy="0"/>
-        </a:xfrm>
-      </p:grpSpPr>
-      <p:sp>
-        <p:nvSpPr>
-          <p:cNvPr id="2" name="Title 1">
-            <a:extLst>
-              <a:ext uri="{FF2B5EF4-FFF2-40B4-BE49-F238E27FC236}">
-                <a16:creationId xmlns:a16="http://schemas.microsoft.com/office/drawing/2014/main" id="{D3B14638-4C8A-8373-707F-027CE6DE6DD9}"/>
-              </a:ext>
-            </a:extLst>
-          </p:cNvPr>
-          <p:cNvSpPr>
-            <a:spLocks noGrp="1"/>
-          </p:cNvSpPr>
-          <p:nvPr>
-            <p:ph type="title"/>
-          </p:nvPr>
-        </p:nvSpPr>
-        <p:spPr/>
-        <p:txBody>
-          <a:bodyPr/>
-          <a:lstStyle/>
-          <a:p>
-            <a:r>
-              <a:rPr lang="en-US" dirty="0"/>
-              <a:t>Goals</a:t>
-            </a:r>
-          </a:p>
-        </p:txBody>
-      </p:sp>
-      <p:sp>
-        <p:nvSpPr>
-          <p:cNvPr id="3" name="Content Placeholder 2">
-            <a:extLst>
-              <a:ext uri="{FF2B5EF4-FFF2-40B4-BE49-F238E27FC236}">
-                <a16:creationId xmlns:a16="http://schemas.microsoft.com/office/drawing/2014/main" id="{B36EFDA3-88D0-D511-E3F7-625B340A0AD8}"/>
-              </a:ext>
-            </a:extLst>
-          </p:cNvPr>
-          <p:cNvSpPr>
-            <a:spLocks noGrp="1"/>
-          </p:cNvSpPr>
-          <p:nvPr>
-            <p:ph idx="1"/>
-          </p:nvPr>
-        </p:nvSpPr>
-        <p:spPr/>
-        <p:txBody>
-          <a:bodyPr>
-            <a:normAutofit lnSpcReduction="10000"/>
-          </a:bodyPr>
-          <a:lstStyle/>
-          <a:p>
-            <a:r>
-              <a:rPr lang="en-US" dirty="0">
-                <a:cs typeface="Calibri"/>
-              </a:rPr>
-              <a:t>Use pythonic patterns, built-ins, and existing libraries as much as possible</a:t>
-            </a:r>
-          </a:p>
-          <a:p>
-            <a:r>
-              <a:rPr lang="en-US" dirty="0">
-                <a:cs typeface="Calibri"/>
-              </a:rPr>
-              <a:t>Through Leveraging existing off-the-shelf (AI/ML) technology and best practices for code development</a:t>
-            </a:r>
-          </a:p>
-          <a:p>
-            <a:pPr marL="971550" lvl="1" indent="-514350">
-              <a:buFont typeface="+mj-lt"/>
-              <a:buAutoNum type="arabicPeriod"/>
-            </a:pPr>
-            <a:r>
-              <a:rPr lang="en-US" dirty="0">
-                <a:cs typeface="Calibri"/>
-              </a:rPr>
-              <a:t>Provide well vetted tools that can do Automatic Differentiation (AD)</a:t>
-            </a:r>
-          </a:p>
-          <a:p>
-            <a:pPr marL="971550" lvl="1" indent="-514350">
-              <a:buFont typeface="+mj-lt"/>
-              <a:buAutoNum type="arabicPeriod"/>
-            </a:pPr>
-            <a:r>
-              <a:rPr lang="en-US" dirty="0">
-                <a:cs typeface="Calibri"/>
-              </a:rPr>
-              <a:t>Reduce the time to code development both to upgrade existing code and to modify it to expand it capability</a:t>
-            </a:r>
-          </a:p>
-          <a:p>
-            <a:pPr marL="971550" lvl="1" indent="-514350">
-              <a:buFont typeface="+mj-lt"/>
-              <a:buAutoNum type="arabicPeriod"/>
-            </a:pPr>
-            <a:r>
-              <a:rPr lang="en-US" dirty="0">
-                <a:cs typeface="Calibri"/>
-              </a:rPr>
-              <a:t>Improve robustness of the tool chain due to the above benefits</a:t>
-            </a:r>
-          </a:p>
-          <a:p>
-            <a:pPr marL="971550" lvl="1" indent="-514350">
-              <a:buFont typeface="+mj-lt"/>
-              <a:buAutoNum type="arabicPeriod"/>
-            </a:pPr>
-            <a:r>
-              <a:rPr lang="en-US" dirty="0">
-                <a:cs typeface="Calibri"/>
-              </a:rPr>
-              <a:t>Speed up the CPU time to solutions due to Code generation/ Computational acceleration</a:t>
-            </a:r>
-          </a:p>
-          <a:p>
-            <a:r>
-              <a:rPr lang="en-US" dirty="0"/>
-              <a:t>Delivery of analysis! Not tool development</a:t>
-            </a:r>
-          </a:p>
-        </p:txBody>
-      </p:sp>
-    </p:spTree>
-    <p:extLst>
-      <p:ext uri="{BB962C8B-B14F-4D97-AF65-F5344CB8AC3E}">
-        <p14:creationId xmlns:p14="http://schemas.microsoft.com/office/powerpoint/2010/main" val="3707115595"/>
-      </p:ext>
-    </p:extLst>
-  </p:cSld>
-  <p:clrMapOvr>
-    <a:masterClrMapping/>
-  </p:clrMapOvr>
-</p:sld>
-</file>
-
-<file path=ppt/slides/slide8.xml><?xml version="1.0" encoding="utf-8"?>
-<p:sld xmlns:a="http://schemas.openxmlformats.org/drawingml/2006/main" xmlns:r="http://schemas.openxmlformats.org/officeDocument/2006/relationships" xmlns:p="http://schemas.openxmlformats.org/presentationml/2006/main">
-  <p:cSld>
-    <p:spTree>
-      <p:nvGrpSpPr>
-        <p:cNvPr id="1" name=""/>
-        <p:cNvGrpSpPr/>
-        <p:nvPr/>
-      </p:nvGrpSpPr>
-      <p:grpSpPr>
-        <a:xfrm>
-          <a:off x="0" y="0"/>
-          <a:ext cx="0" cy="0"/>
-          <a:chOff x="0" y="0"/>
-          <a:chExt cx="0" cy="0"/>
-        </a:xfrm>
-      </p:grpSpPr>
-      <p:sp>
-        <p:nvSpPr>
-          <p:cNvPr id="42" name="Freeform 41">
-            <a:extLst>
-              <a:ext uri="{FF2B5EF4-FFF2-40B4-BE49-F238E27FC236}">
-                <a16:creationId xmlns:a16="http://schemas.microsoft.com/office/drawing/2014/main" id="{8A4978F4-A867-51F3-6668-8967EBC39DE2}"/>
-              </a:ext>
-            </a:extLst>
-          </p:cNvPr>
-          <p:cNvSpPr/>
-          <p:nvPr/>
-        </p:nvSpPr>
-        <p:spPr>
-          <a:xfrm>
-            <a:off x="4261099" y="1690688"/>
-            <a:ext cx="7241059" cy="4868562"/>
-          </a:xfrm>
-          <a:custGeom>
-            <a:avLst/>
-            <a:gdLst>
-              <a:gd name="connsiteX0" fmla="*/ 2829697 w 7241059"/>
-              <a:gd name="connsiteY0" fmla="*/ 0 h 4868562"/>
-              <a:gd name="connsiteX1" fmla="*/ 2829697 w 7241059"/>
-              <a:gd name="connsiteY1" fmla="*/ 2619633 h 4868562"/>
-              <a:gd name="connsiteX2" fmla="*/ 0 w 7241059"/>
-              <a:gd name="connsiteY2" fmla="*/ 2619633 h 4868562"/>
-              <a:gd name="connsiteX3" fmla="*/ 0 w 7241059"/>
-              <a:gd name="connsiteY3" fmla="*/ 2434281 h 4868562"/>
-              <a:gd name="connsiteX4" fmla="*/ 0 w 7241059"/>
-              <a:gd name="connsiteY4" fmla="*/ 4868562 h 4868562"/>
-              <a:gd name="connsiteX5" fmla="*/ 123567 w 7241059"/>
-              <a:gd name="connsiteY5" fmla="*/ 4868562 h 4868562"/>
-              <a:gd name="connsiteX6" fmla="*/ 7241059 w 7241059"/>
-              <a:gd name="connsiteY6" fmla="*/ 4868562 h 4868562"/>
-              <a:gd name="connsiteX7" fmla="*/ 7241059 w 7241059"/>
-              <a:gd name="connsiteY7" fmla="*/ 0 h 4868562"/>
-              <a:gd name="connsiteX8" fmla="*/ 7080421 w 7241059"/>
-              <a:gd name="connsiteY8" fmla="*/ 0 h 4868562"/>
-              <a:gd name="connsiteX9" fmla="*/ 2829697 w 7241059"/>
-              <a:gd name="connsiteY9" fmla="*/ 0 h 4868562"/>
-              <a:gd name="connsiteX0" fmla="*/ 2829697 w 7241059"/>
-              <a:gd name="connsiteY0" fmla="*/ 0 h 4868562"/>
-              <a:gd name="connsiteX1" fmla="*/ 2829697 w 7241059"/>
-              <a:gd name="connsiteY1" fmla="*/ 2619633 h 4868562"/>
-              <a:gd name="connsiteX2" fmla="*/ 0 w 7241059"/>
-              <a:gd name="connsiteY2" fmla="*/ 2619633 h 4868562"/>
-              <a:gd name="connsiteX3" fmla="*/ 0 w 7241059"/>
-              <a:gd name="connsiteY3" fmla="*/ 2656702 h 4868562"/>
-              <a:gd name="connsiteX4" fmla="*/ 0 w 7241059"/>
-              <a:gd name="connsiteY4" fmla="*/ 4868562 h 4868562"/>
-              <a:gd name="connsiteX5" fmla="*/ 123567 w 7241059"/>
-              <a:gd name="connsiteY5" fmla="*/ 4868562 h 4868562"/>
-              <a:gd name="connsiteX6" fmla="*/ 7241059 w 7241059"/>
-              <a:gd name="connsiteY6" fmla="*/ 4868562 h 4868562"/>
-              <a:gd name="connsiteX7" fmla="*/ 7241059 w 7241059"/>
-              <a:gd name="connsiteY7" fmla="*/ 0 h 4868562"/>
-              <a:gd name="connsiteX8" fmla="*/ 7080421 w 7241059"/>
-              <a:gd name="connsiteY8" fmla="*/ 0 h 4868562"/>
-              <a:gd name="connsiteX9" fmla="*/ 2829697 w 7241059"/>
-              <a:gd name="connsiteY9" fmla="*/ 0 h 4868562"/>
-            </a:gdLst>
-            <a:ahLst/>
-            <a:cxnLst>
-              <a:cxn ang="0">
-                <a:pos x="connsiteX0" y="connsiteY0"/>
-              </a:cxn>
-              <a:cxn ang="0">
-                <a:pos x="connsiteX1" y="connsiteY1"/>
-              </a:cxn>
-              <a:cxn ang="0">
-                <a:pos x="connsiteX2" y="connsiteY2"/>
-              </a:cxn>
-              <a:cxn ang="0">
-                <a:pos x="connsiteX3" y="connsiteY3"/>
-              </a:cxn>
-              <a:cxn ang="0">
-                <a:pos x="connsiteX4" y="connsiteY4"/>
-              </a:cxn>
-              <a:cxn ang="0">
-                <a:pos x="connsiteX5" y="connsiteY5"/>
-              </a:cxn>
-              <a:cxn ang="0">
-                <a:pos x="connsiteX6" y="connsiteY6"/>
-              </a:cxn>
-              <a:cxn ang="0">
-                <a:pos x="connsiteX7" y="connsiteY7"/>
-              </a:cxn>
-              <a:cxn ang="0">
-                <a:pos x="connsiteX8" y="connsiteY8"/>
-              </a:cxn>
-              <a:cxn ang="0">
-                <a:pos x="connsiteX9" y="connsiteY9"/>
-              </a:cxn>
-            </a:cxnLst>
-            <a:rect l="l" t="t" r="r" b="b"/>
-            <a:pathLst>
-              <a:path w="7241059" h="4868562">
-                <a:moveTo>
-                  <a:pt x="2829697" y="0"/>
-                </a:moveTo>
-                <a:lnTo>
-                  <a:pt x="2829697" y="2619633"/>
-                </a:lnTo>
-                <a:lnTo>
-                  <a:pt x="0" y="2619633"/>
-                </a:lnTo>
-                <a:lnTo>
-                  <a:pt x="0" y="2656702"/>
-                </a:lnTo>
-                <a:lnTo>
-                  <a:pt x="0" y="4868562"/>
-                </a:lnTo>
-                <a:lnTo>
-                  <a:pt x="123567" y="4868562"/>
-                </a:lnTo>
-                <a:lnTo>
-                  <a:pt x="7241059" y="4868562"/>
-                </a:lnTo>
-                <a:lnTo>
-                  <a:pt x="7241059" y="0"/>
-                </a:lnTo>
-                <a:lnTo>
-                  <a:pt x="7080421" y="0"/>
-                </a:lnTo>
-                <a:lnTo>
-                  <a:pt x="2829697" y="0"/>
-                </a:lnTo>
-                <a:close/>
-              </a:path>
-            </a:pathLst>
-          </a:custGeom>
-          <a:noFill/>
-          <a:ln w="57150">
-            <a:solidFill>
-              <a:schemeClr val="accent6"/>
-            </a:solidFill>
-            <a:prstDash val="dash"/>
-          </a:ln>
-        </p:spPr>
-        <p:style>
-          <a:lnRef idx="2">
-            <a:schemeClr val="accent1">
-              <a:shade val="15000"/>
-            </a:schemeClr>
-          </a:lnRef>
-          <a:fillRef idx="1">
-            <a:schemeClr val="accent1"/>
-          </a:fillRef>
-          <a:effectRef idx="0">
-            <a:schemeClr val="accent1"/>
-          </a:effectRef>
-          <a:fontRef idx="minor">
-            <a:schemeClr val="lt1"/>
-          </a:fontRef>
-        </p:style>
-        <p:txBody>
-          <a:bodyPr rtlCol="0" anchor="ctr"/>
-          <a:lstStyle/>
-          <a:p>
-            <a:pPr algn="ctr"/>
-            <a:endParaRPr lang="en-US"/>
-          </a:p>
-        </p:txBody>
-      </p:sp>
-      <p:sp>
-        <p:nvSpPr>
-          <p:cNvPr id="2" name="Title 1">
-            <a:extLst>
-              <a:ext uri="{FF2B5EF4-FFF2-40B4-BE49-F238E27FC236}">
-                <a16:creationId xmlns:a16="http://schemas.microsoft.com/office/drawing/2014/main" id="{AE89C3A4-0F1B-40C9-363B-1DAA1C18C033}"/>
-              </a:ext>
-            </a:extLst>
-          </p:cNvPr>
-          <p:cNvSpPr>
-            <a:spLocks noGrp="1"/>
-          </p:cNvSpPr>
-          <p:nvPr>
-            <p:ph type="title"/>
-          </p:nvPr>
-        </p:nvSpPr>
-        <p:spPr/>
-        <p:txBody>
-          <a:bodyPr/>
-          <a:lstStyle/>
-          <a:p>
-            <a:r>
-              <a:rPr lang="en-US" dirty="0"/>
-              <a:t>DRY organization</a:t>
-            </a:r>
-          </a:p>
-        </p:txBody>
-      </p:sp>
-      <p:sp>
-        <p:nvSpPr>
-          <p:cNvPr id="4" name="Rectangle 3">
-            <a:extLst>
-              <a:ext uri="{FF2B5EF4-FFF2-40B4-BE49-F238E27FC236}">
-                <a16:creationId xmlns:a16="http://schemas.microsoft.com/office/drawing/2014/main" id="{486B6600-BFA8-1417-DE3C-C5D0E26597BB}"/>
-              </a:ext>
-            </a:extLst>
-          </p:cNvPr>
-          <p:cNvSpPr/>
-          <p:nvPr/>
-        </p:nvSpPr>
-        <p:spPr>
-          <a:xfrm>
-            <a:off x="1524000" y="1862359"/>
-            <a:ext cx="4572000" cy="558266"/>
-          </a:xfrm>
-          <a:prstGeom prst="rect">
-            <a:avLst/>
-          </a:prstGeom>
-        </p:spPr>
-        <p:style>
-          <a:lnRef idx="2">
-            <a:schemeClr val="accent1">
-              <a:shade val="15000"/>
-            </a:schemeClr>
-          </a:lnRef>
-          <a:fillRef idx="1">
-            <a:schemeClr val="accent1"/>
-          </a:fillRef>
-          <a:effectRef idx="0">
-            <a:schemeClr val="accent1"/>
-          </a:effectRef>
-          <a:fontRef idx="minor">
-            <a:schemeClr val="lt1"/>
-          </a:fontRef>
-        </p:style>
-        <p:txBody>
-          <a:bodyPr rtlCol="0" anchor="ctr"/>
-          <a:lstStyle/>
-          <a:p>
-            <a:pPr algn="ctr"/>
-            <a:r>
-              <a:rPr lang="en-US" dirty="0"/>
-              <a:t>Condor model layer: what users write to describe model</a:t>
-            </a:r>
-          </a:p>
-        </p:txBody>
-      </p:sp>
-      <p:sp>
-        <p:nvSpPr>
-          <p:cNvPr id="5" name="Rectangle 4">
-            <a:extLst>
-              <a:ext uri="{FF2B5EF4-FFF2-40B4-BE49-F238E27FC236}">
-                <a16:creationId xmlns:a16="http://schemas.microsoft.com/office/drawing/2014/main" id="{CAA542F1-FF77-C5A9-9D70-047F16C91770}"/>
-              </a:ext>
-            </a:extLst>
-          </p:cNvPr>
-          <p:cNvSpPr/>
-          <p:nvPr/>
-        </p:nvSpPr>
-        <p:spPr>
-          <a:xfrm>
-            <a:off x="1527208" y="2883999"/>
-            <a:ext cx="4572000" cy="1143000"/>
-          </a:xfrm>
-          <a:prstGeom prst="rect">
-            <a:avLst/>
-          </a:prstGeom>
-        </p:spPr>
-        <p:style>
-          <a:lnRef idx="2">
-            <a:schemeClr val="accent1">
-              <a:shade val="15000"/>
-            </a:schemeClr>
-          </a:lnRef>
-          <a:fillRef idx="1">
-            <a:schemeClr val="accent1"/>
-          </a:fillRef>
-          <a:effectRef idx="0">
-            <a:schemeClr val="accent1"/>
-          </a:effectRef>
-          <a:fontRef idx="minor">
-            <a:schemeClr val="lt1"/>
-          </a:fontRef>
-        </p:style>
-        <p:txBody>
-          <a:bodyPr rtlCol="0" anchor="ctr"/>
-          <a:lstStyle/>
-          <a:p>
-            <a:pPr algn="ctr"/>
-            <a:r>
-              <a:rPr lang="en-US" dirty="0"/>
-              <a:t>Implementation layer: interface between condor model; generates everything needed to call numerical solver/perform numerical evaluation</a:t>
-            </a:r>
-          </a:p>
-        </p:txBody>
-      </p:sp>
-      <p:sp>
-        <p:nvSpPr>
-          <p:cNvPr id="6" name="Rectangle 5">
-            <a:extLst>
-              <a:ext uri="{FF2B5EF4-FFF2-40B4-BE49-F238E27FC236}">
-                <a16:creationId xmlns:a16="http://schemas.microsoft.com/office/drawing/2014/main" id="{7E00F06E-6CF6-7903-DE98-179C4280EE97}"/>
-              </a:ext>
-            </a:extLst>
-          </p:cNvPr>
-          <p:cNvSpPr/>
-          <p:nvPr/>
-        </p:nvSpPr>
-        <p:spPr>
-          <a:xfrm>
-            <a:off x="1524000" y="4470965"/>
-            <a:ext cx="4572000" cy="1073229"/>
-          </a:xfrm>
-          <a:prstGeom prst="rect">
-            <a:avLst/>
-          </a:prstGeom>
-        </p:spPr>
-        <p:style>
-          <a:lnRef idx="2">
-            <a:schemeClr val="accent1">
-              <a:shade val="15000"/>
-            </a:schemeClr>
-          </a:lnRef>
-          <a:fillRef idx="1">
-            <a:schemeClr val="accent1"/>
-          </a:fillRef>
-          <a:effectRef idx="0">
-            <a:schemeClr val="accent1"/>
-          </a:effectRef>
-          <a:fontRef idx="minor">
-            <a:schemeClr val="lt1"/>
-          </a:fontRef>
-        </p:style>
-        <p:txBody>
-          <a:bodyPr rtlCol="0" anchor="ctr"/>
-          <a:lstStyle/>
-          <a:p>
-            <a:pPr algn="ctr"/>
-            <a:r>
-              <a:rPr lang="en-US" dirty="0"/>
-              <a:t>solver layer: (numerical) </a:t>
-            </a:r>
-            <a:r>
-              <a:rPr lang="en-US" dirty="0" err="1"/>
-              <a:t>algorithm+code</a:t>
-            </a:r>
-            <a:r>
-              <a:rPr lang="en-US" dirty="0"/>
-              <a:t> for most models, e.g., Newton’s method, IPOPT, SGM</a:t>
-            </a:r>
-          </a:p>
-        </p:txBody>
-      </p:sp>
-      <p:sp>
-        <p:nvSpPr>
-          <p:cNvPr id="7" name="Rectangle 6">
-            <a:extLst>
-              <a:ext uri="{FF2B5EF4-FFF2-40B4-BE49-F238E27FC236}">
-                <a16:creationId xmlns:a16="http://schemas.microsoft.com/office/drawing/2014/main" id="{90AD407C-9CAF-104E-7F6D-92C86F519501}"/>
-              </a:ext>
-            </a:extLst>
-          </p:cNvPr>
-          <p:cNvSpPr/>
-          <p:nvPr/>
-        </p:nvSpPr>
-        <p:spPr>
-          <a:xfrm>
-            <a:off x="7865586" y="2254075"/>
-            <a:ext cx="3177941" cy="558266"/>
-          </a:xfrm>
-          <a:prstGeom prst="rect">
-            <a:avLst/>
-          </a:prstGeom>
-        </p:spPr>
-        <p:style>
-          <a:lnRef idx="2">
-            <a:schemeClr val="accent1">
-              <a:shade val="15000"/>
-            </a:schemeClr>
-          </a:lnRef>
-          <a:fillRef idx="1">
-            <a:schemeClr val="accent1"/>
-          </a:fillRef>
-          <a:effectRef idx="0">
-            <a:schemeClr val="accent1"/>
-          </a:effectRef>
-          <a:fontRef idx="minor">
-            <a:schemeClr val="lt1"/>
-          </a:fontRef>
-        </p:style>
-        <p:txBody>
-          <a:bodyPr rtlCol="0" anchor="ctr"/>
-          <a:lstStyle/>
-          <a:p>
-            <a:pPr algn="ctr"/>
-            <a:r>
-              <a:rPr lang="en-US" dirty="0"/>
-              <a:t>Backend: </a:t>
-            </a:r>
-            <a:r>
-              <a:rPr lang="en-US" dirty="0" err="1">
-                <a:solidFill>
-                  <a:schemeClr val="accent6"/>
-                </a:solidFill>
-              </a:rPr>
-              <a:t>casadi</a:t>
-            </a:r>
-            <a:endParaRPr lang="en-US" dirty="0">
-              <a:solidFill>
-                <a:schemeClr val="accent6"/>
-              </a:solidFill>
-            </a:endParaRPr>
-          </a:p>
-        </p:txBody>
-      </p:sp>
-      <p:sp>
-        <p:nvSpPr>
-          <p:cNvPr id="8" name="Rectangle 7">
-            <a:extLst>
-              <a:ext uri="{FF2B5EF4-FFF2-40B4-BE49-F238E27FC236}">
-                <a16:creationId xmlns:a16="http://schemas.microsoft.com/office/drawing/2014/main" id="{707FB76C-A80A-7B86-5F60-E1EB67317088}"/>
-              </a:ext>
-            </a:extLst>
-          </p:cNvPr>
-          <p:cNvSpPr/>
-          <p:nvPr/>
-        </p:nvSpPr>
-        <p:spPr>
-          <a:xfrm>
-            <a:off x="7881629" y="2866386"/>
-            <a:ext cx="3177941" cy="906140"/>
-          </a:xfrm>
-          <a:prstGeom prst="rect">
-            <a:avLst/>
-          </a:prstGeom>
-        </p:spPr>
-        <p:style>
-          <a:lnRef idx="2">
-            <a:schemeClr val="accent1">
-              <a:shade val="15000"/>
-            </a:schemeClr>
-          </a:lnRef>
-          <a:fillRef idx="1">
-            <a:schemeClr val="accent1"/>
-          </a:fillRef>
-          <a:effectRef idx="0">
-            <a:schemeClr val="accent1"/>
-          </a:effectRef>
-          <a:fontRef idx="minor">
-            <a:schemeClr val="lt1"/>
-          </a:fontRef>
-        </p:style>
-        <p:txBody>
-          <a:bodyPr rtlCol="0" anchor="ctr"/>
-          <a:lstStyle/>
-          <a:p>
-            <a:pPr algn="ctr"/>
-            <a:r>
-              <a:rPr lang="en-US" dirty="0"/>
-              <a:t>represent elements from fields (i.e., inputs, outputs) and basic expressions (“symbols”)</a:t>
-            </a:r>
-          </a:p>
-        </p:txBody>
-      </p:sp>
-      <p:sp>
-        <p:nvSpPr>
-          <p:cNvPr id="9" name="Rectangle 8">
-            <a:extLst>
-              <a:ext uri="{FF2B5EF4-FFF2-40B4-BE49-F238E27FC236}">
-                <a16:creationId xmlns:a16="http://schemas.microsoft.com/office/drawing/2014/main" id="{5253DFE0-78B3-6F91-A10F-B607F925BE43}"/>
-              </a:ext>
-            </a:extLst>
-          </p:cNvPr>
-          <p:cNvSpPr/>
-          <p:nvPr/>
-        </p:nvSpPr>
-        <p:spPr>
-          <a:xfrm>
-            <a:off x="7865586" y="3826571"/>
-            <a:ext cx="3177941" cy="1199557"/>
-          </a:xfrm>
-          <a:prstGeom prst="rect">
-            <a:avLst/>
-          </a:prstGeom>
-        </p:spPr>
-        <p:style>
-          <a:lnRef idx="2">
-            <a:schemeClr val="accent1">
-              <a:shade val="15000"/>
-            </a:schemeClr>
-          </a:lnRef>
-          <a:fillRef idx="1">
-            <a:schemeClr val="accent1"/>
-          </a:fillRef>
-          <a:effectRef idx="0">
-            <a:schemeClr val="accent1"/>
-          </a:effectRef>
-          <a:fontRef idx="minor">
-            <a:schemeClr val="lt1"/>
-          </a:fontRef>
-        </p:style>
-        <p:txBody>
-          <a:bodyPr rtlCol="0" anchor="ctr"/>
-          <a:lstStyle/>
-          <a:p>
-            <a:pPr algn="ctr"/>
-            <a:r>
-              <a:rPr lang="en-US" dirty="0"/>
-              <a:t>Represent models as “advanced” expressions (e.g., </a:t>
-            </a:r>
-            <a:r>
-              <a:rPr lang="en-US" dirty="0" err="1"/>
-              <a:t>casadi.callback</a:t>
-            </a:r>
-            <a:r>
-              <a:rPr lang="en-US" dirty="0"/>
-              <a:t>, </a:t>
-            </a:r>
-            <a:r>
-              <a:rPr lang="en-US" dirty="0" err="1"/>
-              <a:t>aesara.op</a:t>
-            </a:r>
-            <a:r>
-              <a:rPr lang="en-US" dirty="0"/>
-              <a:t>) with partial derivative definitions</a:t>
-            </a:r>
-          </a:p>
-        </p:txBody>
-      </p:sp>
-      <p:sp>
-        <p:nvSpPr>
-          <p:cNvPr id="10" name="Rectangle 9">
-            <a:extLst>
-              <a:ext uri="{FF2B5EF4-FFF2-40B4-BE49-F238E27FC236}">
-                <a16:creationId xmlns:a16="http://schemas.microsoft.com/office/drawing/2014/main" id="{794405F6-7914-07ED-FA37-D3680FE1693A}"/>
-              </a:ext>
-            </a:extLst>
-          </p:cNvPr>
-          <p:cNvSpPr/>
-          <p:nvPr/>
-        </p:nvSpPr>
-        <p:spPr>
-          <a:xfrm>
-            <a:off x="7865586" y="5080173"/>
-            <a:ext cx="3177941" cy="668718"/>
-          </a:xfrm>
-          <a:prstGeom prst="rect">
-            <a:avLst/>
-          </a:prstGeom>
-        </p:spPr>
-        <p:style>
-          <a:lnRef idx="2">
-            <a:schemeClr val="accent1">
-              <a:shade val="15000"/>
-            </a:schemeClr>
-          </a:lnRef>
-          <a:fillRef idx="1">
-            <a:schemeClr val="accent1"/>
-          </a:fillRef>
-          <a:effectRef idx="0">
-            <a:schemeClr val="accent1"/>
-          </a:effectRef>
-          <a:fontRef idx="minor">
-            <a:schemeClr val="lt1"/>
-          </a:fontRef>
-        </p:style>
-        <p:txBody>
-          <a:bodyPr rtlCol="0" anchor="ctr"/>
-          <a:lstStyle/>
-          <a:p>
-            <a:pPr algn="ctr"/>
-            <a:r>
-              <a:rPr lang="en-US" dirty="0"/>
-              <a:t>propagate (symbolic) derivatives through expressions</a:t>
-            </a:r>
-          </a:p>
-        </p:txBody>
-      </p:sp>
-      <p:sp>
-        <p:nvSpPr>
-          <p:cNvPr id="11" name="Rectangle 10">
-            <a:extLst>
-              <a:ext uri="{FF2B5EF4-FFF2-40B4-BE49-F238E27FC236}">
-                <a16:creationId xmlns:a16="http://schemas.microsoft.com/office/drawing/2014/main" id="{DEDD4EE2-58B0-4B6E-6C92-7D2FF37688E9}"/>
-              </a:ext>
-            </a:extLst>
-          </p:cNvPr>
-          <p:cNvSpPr/>
-          <p:nvPr/>
-        </p:nvSpPr>
-        <p:spPr>
-          <a:xfrm>
-            <a:off x="7865586" y="5802936"/>
-            <a:ext cx="3177941" cy="558266"/>
-          </a:xfrm>
-          <a:prstGeom prst="rect">
-            <a:avLst/>
-          </a:prstGeom>
-        </p:spPr>
-        <p:style>
-          <a:lnRef idx="2">
-            <a:schemeClr val="accent1">
-              <a:shade val="15000"/>
-            </a:schemeClr>
-          </a:lnRef>
-          <a:fillRef idx="1">
-            <a:schemeClr val="accent1"/>
-          </a:fillRef>
-          <a:effectRef idx="0">
-            <a:schemeClr val="accent1"/>
-          </a:effectRef>
-          <a:fontRef idx="minor">
-            <a:schemeClr val="lt1"/>
-          </a:fontRef>
-        </p:style>
-        <p:txBody>
-          <a:bodyPr rtlCol="0" anchor="ctr"/>
-          <a:lstStyle/>
-          <a:p>
-            <a:pPr algn="ctr"/>
-            <a:r>
-              <a:rPr lang="en-US" dirty="0"/>
-              <a:t>Callable for numerical evaluation </a:t>
-            </a:r>
-          </a:p>
-        </p:txBody>
-      </p:sp>
-      <p:cxnSp>
-        <p:nvCxnSpPr>
-          <p:cNvPr id="12" name="Straight Arrow Connector 11">
-            <a:extLst>
-              <a:ext uri="{FF2B5EF4-FFF2-40B4-BE49-F238E27FC236}">
-                <a16:creationId xmlns:a16="http://schemas.microsoft.com/office/drawing/2014/main" id="{1B20BE4F-FE2B-93B7-B281-45EC514AE0C4}"/>
-              </a:ext>
-            </a:extLst>
-          </p:cNvPr>
-          <p:cNvCxnSpPr>
-            <a:cxnSpLocks/>
-            <a:stCxn id="4" idx="3"/>
-            <a:endCxn id="8" idx="1"/>
-          </p:cNvCxnSpPr>
-          <p:nvPr/>
-        </p:nvCxnSpPr>
-        <p:spPr>
-          <a:xfrm>
-            <a:off x="6096000" y="2141492"/>
-            <a:ext cx="1785629" cy="1177964"/>
-          </a:xfrm>
-          <a:prstGeom prst="straightConnector1">
-            <a:avLst/>
-          </a:prstGeom>
-          <a:ln w="38100">
-            <a:headEnd type="triangle"/>
-            <a:tailEnd type="triangle"/>
-          </a:ln>
-        </p:spPr>
-        <p:style>
-          <a:lnRef idx="1">
-            <a:schemeClr val="accent1"/>
-          </a:lnRef>
-          <a:fillRef idx="0">
-            <a:schemeClr val="accent1"/>
-          </a:fillRef>
-          <a:effectRef idx="0">
-            <a:schemeClr val="accent1"/>
-          </a:effectRef>
-          <a:fontRef idx="minor">
-            <a:schemeClr val="tx1"/>
-          </a:fontRef>
-        </p:style>
-      </p:cxnSp>
-      <p:cxnSp>
-        <p:nvCxnSpPr>
-          <p:cNvPr id="13" name="Straight Arrow Connector 12">
-            <a:extLst>
-              <a:ext uri="{FF2B5EF4-FFF2-40B4-BE49-F238E27FC236}">
-                <a16:creationId xmlns:a16="http://schemas.microsoft.com/office/drawing/2014/main" id="{21E6BA22-9367-5EF9-2824-5DA04E2C89AE}"/>
-              </a:ext>
-            </a:extLst>
-          </p:cNvPr>
-          <p:cNvCxnSpPr>
-            <a:cxnSpLocks/>
-            <a:stCxn id="4" idx="3"/>
-            <a:endCxn id="9" idx="1"/>
-          </p:cNvCxnSpPr>
-          <p:nvPr/>
-        </p:nvCxnSpPr>
-        <p:spPr>
-          <a:xfrm>
-            <a:off x="6096000" y="2141492"/>
-            <a:ext cx="1769586" cy="2284858"/>
-          </a:xfrm>
-          <a:prstGeom prst="straightConnector1">
-            <a:avLst/>
-          </a:prstGeom>
-          <a:ln w="38100">
-            <a:headEnd type="triangle"/>
-            <a:tailEnd type="triangle"/>
-          </a:ln>
-        </p:spPr>
-        <p:style>
-          <a:lnRef idx="1">
-            <a:schemeClr val="accent1"/>
-          </a:lnRef>
-          <a:fillRef idx="0">
-            <a:schemeClr val="accent1"/>
-          </a:fillRef>
-          <a:effectRef idx="0">
-            <a:schemeClr val="accent1"/>
-          </a:effectRef>
-          <a:fontRef idx="minor">
-            <a:schemeClr val="tx1"/>
-          </a:fontRef>
-        </p:style>
-      </p:cxnSp>
-      <p:cxnSp>
-        <p:nvCxnSpPr>
-          <p:cNvPr id="14" name="Straight Arrow Connector 13">
-            <a:extLst>
-              <a:ext uri="{FF2B5EF4-FFF2-40B4-BE49-F238E27FC236}">
-                <a16:creationId xmlns:a16="http://schemas.microsoft.com/office/drawing/2014/main" id="{69FF8452-B56E-517D-50DA-7FF5795676E6}"/>
-              </a:ext>
-            </a:extLst>
-          </p:cNvPr>
-          <p:cNvCxnSpPr>
-            <a:cxnSpLocks/>
-            <a:stCxn id="4" idx="2"/>
-            <a:endCxn id="5" idx="0"/>
-          </p:cNvCxnSpPr>
-          <p:nvPr/>
-        </p:nvCxnSpPr>
-        <p:spPr>
-          <a:xfrm>
-            <a:off x="3810000" y="2420625"/>
-            <a:ext cx="3208" cy="463374"/>
-          </a:xfrm>
-          <a:prstGeom prst="straightConnector1">
-            <a:avLst/>
-          </a:prstGeom>
-          <a:ln>
-            <a:headEnd type="triangle"/>
-            <a:tailEnd type="triangle"/>
-          </a:ln>
-        </p:spPr>
-        <p:style>
-          <a:lnRef idx="1">
-            <a:schemeClr val="accent1"/>
-          </a:lnRef>
-          <a:fillRef idx="0">
-            <a:schemeClr val="accent1"/>
-          </a:fillRef>
-          <a:effectRef idx="0">
-            <a:schemeClr val="accent1"/>
-          </a:effectRef>
-          <a:fontRef idx="minor">
-            <a:schemeClr val="tx1"/>
-          </a:fontRef>
-        </p:style>
-      </p:cxnSp>
-      <p:cxnSp>
-        <p:nvCxnSpPr>
-          <p:cNvPr id="15" name="Straight Arrow Connector 14">
-            <a:extLst>
-              <a:ext uri="{FF2B5EF4-FFF2-40B4-BE49-F238E27FC236}">
-                <a16:creationId xmlns:a16="http://schemas.microsoft.com/office/drawing/2014/main" id="{2F6C259E-0A25-D926-EC92-22F22CFA03D2}"/>
-              </a:ext>
-            </a:extLst>
-          </p:cNvPr>
-          <p:cNvCxnSpPr>
-            <a:cxnSpLocks/>
-            <a:stCxn id="6" idx="0"/>
-            <a:endCxn id="5" idx="2"/>
-          </p:cNvCxnSpPr>
-          <p:nvPr/>
-        </p:nvCxnSpPr>
-        <p:spPr>
-          <a:xfrm flipV="1">
-            <a:off x="3810000" y="4026999"/>
-            <a:ext cx="3208" cy="443966"/>
-          </a:xfrm>
-          <a:prstGeom prst="straightConnector1">
-            <a:avLst/>
-          </a:prstGeom>
-          <a:ln>
-            <a:headEnd type="triangle"/>
-            <a:tailEnd type="triangle"/>
-          </a:ln>
-        </p:spPr>
-        <p:style>
-          <a:lnRef idx="1">
-            <a:schemeClr val="accent1"/>
-          </a:lnRef>
-          <a:fillRef idx="0">
-            <a:schemeClr val="accent1"/>
-          </a:fillRef>
-          <a:effectRef idx="0">
-            <a:schemeClr val="accent1"/>
-          </a:effectRef>
-          <a:fontRef idx="minor">
-            <a:schemeClr val="tx1"/>
-          </a:fontRef>
-        </p:style>
-      </p:cxnSp>
-      <p:cxnSp>
-        <p:nvCxnSpPr>
-          <p:cNvPr id="16" name="Straight Arrow Connector 15">
-            <a:extLst>
-              <a:ext uri="{FF2B5EF4-FFF2-40B4-BE49-F238E27FC236}">
-                <a16:creationId xmlns:a16="http://schemas.microsoft.com/office/drawing/2014/main" id="{4D5644F0-F479-69A6-831B-5A45CD21EBC0}"/>
-              </a:ext>
-            </a:extLst>
-          </p:cNvPr>
-          <p:cNvCxnSpPr>
-            <a:cxnSpLocks/>
-            <a:stCxn id="10" idx="1"/>
-            <a:endCxn id="5" idx="3"/>
-          </p:cNvCxnSpPr>
-          <p:nvPr/>
-        </p:nvCxnSpPr>
-        <p:spPr>
-          <a:xfrm flipH="1" flipV="1">
-            <a:off x="6099208" y="3455499"/>
-            <a:ext cx="1766378" cy="1959033"/>
-          </a:xfrm>
-          <a:prstGeom prst="straightConnector1">
-            <a:avLst/>
-          </a:prstGeom>
-          <a:ln w="38100">
-            <a:headEnd type="triangle"/>
-            <a:tailEnd type="triangle"/>
-          </a:ln>
-        </p:spPr>
-        <p:style>
-          <a:lnRef idx="1">
-            <a:schemeClr val="accent1"/>
-          </a:lnRef>
-          <a:fillRef idx="0">
-            <a:schemeClr val="accent1"/>
-          </a:fillRef>
-          <a:effectRef idx="0">
-            <a:schemeClr val="accent1"/>
-          </a:effectRef>
-          <a:fontRef idx="minor">
-            <a:schemeClr val="tx1"/>
-          </a:fontRef>
-        </p:style>
-      </p:cxnSp>
-      <p:cxnSp>
-        <p:nvCxnSpPr>
-          <p:cNvPr id="17" name="Straight Arrow Connector 16">
-            <a:extLst>
-              <a:ext uri="{FF2B5EF4-FFF2-40B4-BE49-F238E27FC236}">
-                <a16:creationId xmlns:a16="http://schemas.microsoft.com/office/drawing/2014/main" id="{EA36C5F9-CBBC-4310-ED27-AC3773D332BE}"/>
-              </a:ext>
-            </a:extLst>
-          </p:cNvPr>
-          <p:cNvCxnSpPr>
-            <a:cxnSpLocks/>
-            <a:stCxn id="11" idx="1"/>
-            <a:endCxn id="5" idx="3"/>
-          </p:cNvCxnSpPr>
-          <p:nvPr/>
-        </p:nvCxnSpPr>
-        <p:spPr>
-          <a:xfrm flipH="1" flipV="1">
-            <a:off x="6099208" y="3455499"/>
-            <a:ext cx="1766378" cy="2626570"/>
-          </a:xfrm>
-          <a:prstGeom prst="straightConnector1">
-            <a:avLst/>
-          </a:prstGeom>
-          <a:ln w="38100">
-            <a:headEnd type="triangle"/>
-            <a:tailEnd type="triangle"/>
-          </a:ln>
-        </p:spPr>
-        <p:style>
-          <a:lnRef idx="1">
-            <a:schemeClr val="accent1"/>
-          </a:lnRef>
-          <a:fillRef idx="0">
-            <a:schemeClr val="accent1"/>
-          </a:fillRef>
-          <a:effectRef idx="0">
-            <a:schemeClr val="accent1"/>
-          </a:effectRef>
-          <a:fontRef idx="minor">
-            <a:schemeClr val="tx1"/>
-          </a:fontRef>
-        </p:style>
-      </p:cxnSp>
-      <p:cxnSp>
-        <p:nvCxnSpPr>
-          <p:cNvPr id="18" name="Straight Arrow Connector 17">
-            <a:extLst>
-              <a:ext uri="{FF2B5EF4-FFF2-40B4-BE49-F238E27FC236}">
-                <a16:creationId xmlns:a16="http://schemas.microsoft.com/office/drawing/2014/main" id="{31FA07CC-CC39-435E-DCE2-69CA3FF32E9E}"/>
-              </a:ext>
-            </a:extLst>
-          </p:cNvPr>
-          <p:cNvCxnSpPr>
-            <a:cxnSpLocks/>
-            <a:stCxn id="5" idx="3"/>
-            <a:endCxn id="9" idx="1"/>
-          </p:cNvCxnSpPr>
-          <p:nvPr/>
-        </p:nvCxnSpPr>
-        <p:spPr>
-          <a:xfrm>
-            <a:off x="6099208" y="3455499"/>
-            <a:ext cx="1766378" cy="970851"/>
-          </a:xfrm>
-          <a:prstGeom prst="straightConnector1">
-            <a:avLst/>
-          </a:prstGeom>
-          <a:ln w="38100">
-            <a:headEnd type="triangle"/>
-            <a:tailEnd type="triangle"/>
-          </a:ln>
-        </p:spPr>
-        <p:style>
-          <a:lnRef idx="1">
-            <a:schemeClr val="accent1"/>
-          </a:lnRef>
-          <a:fillRef idx="0">
-            <a:schemeClr val="accent1"/>
-          </a:fillRef>
-          <a:effectRef idx="0">
-            <a:schemeClr val="accent1"/>
-          </a:effectRef>
-          <a:fontRef idx="minor">
-            <a:schemeClr val="tx1"/>
-          </a:fontRef>
-        </p:style>
-      </p:cxnSp>
-      <p:cxnSp>
-        <p:nvCxnSpPr>
-          <p:cNvPr id="39" name="Straight Arrow Connector 38">
-            <a:extLst>
-              <a:ext uri="{FF2B5EF4-FFF2-40B4-BE49-F238E27FC236}">
-                <a16:creationId xmlns:a16="http://schemas.microsoft.com/office/drawing/2014/main" id="{62747C9C-4261-4877-4283-B006200025A1}"/>
-              </a:ext>
-            </a:extLst>
-          </p:cNvPr>
-          <p:cNvCxnSpPr>
-            <a:cxnSpLocks/>
-            <a:stCxn id="11" idx="1"/>
-            <a:endCxn id="6" idx="3"/>
-          </p:cNvCxnSpPr>
-          <p:nvPr/>
-        </p:nvCxnSpPr>
-        <p:spPr>
-          <a:xfrm flipH="1" flipV="1">
-            <a:off x="6096000" y="5007580"/>
-            <a:ext cx="1769586" cy="1074489"/>
-          </a:xfrm>
-          <a:prstGeom prst="straightConnector1">
-            <a:avLst/>
-          </a:prstGeom>
-          <a:ln w="38100">
-            <a:headEnd type="triangle"/>
-            <a:tailEnd type="triangle"/>
-          </a:ln>
-        </p:spPr>
-        <p:style>
-          <a:lnRef idx="1">
-            <a:schemeClr val="accent1"/>
-          </a:lnRef>
-          <a:fillRef idx="0">
-            <a:schemeClr val="accent1"/>
-          </a:fillRef>
-          <a:effectRef idx="0">
-            <a:schemeClr val="accent1"/>
-          </a:effectRef>
-          <a:fontRef idx="minor">
-            <a:schemeClr val="tx1"/>
-          </a:fontRef>
-        </p:style>
-      </p:cxnSp>
-    </p:spTree>
-    <p:extLst>
-      <p:ext uri="{BB962C8B-B14F-4D97-AF65-F5344CB8AC3E}">
-        <p14:creationId xmlns:p14="http://schemas.microsoft.com/office/powerpoint/2010/main" val="2149706758"/>
-      </p:ext>
-    </p:extLst>
-  </p:cSld>
-  <p:clrMapOvr>
-    <a:masterClrMapping/>
-  </p:clrMapOvr>
-</p:sld>
-</file>
-
-<file path=ppt/slides/slide9.xml><?xml version="1.0" encoding="utf-8"?>
-<p:sld xmlns:a="http://schemas.openxmlformats.org/drawingml/2006/main" xmlns:r="http://schemas.openxmlformats.org/officeDocument/2006/relationships" xmlns:p="http://schemas.openxmlformats.org/presentationml/2006/main">
-  <p:cSld>
-    <p:spTree>
-      <p:nvGrpSpPr>
-        <p:cNvPr id="1" name=""/>
-        <p:cNvGrpSpPr/>
-        <p:nvPr/>
-      </p:nvGrpSpPr>
-      <p:grpSpPr>
-        <a:xfrm>
-          <a:off x="0" y="0"/>
-          <a:ext cx="0" cy="0"/>
-          <a:chOff x="0" y="0"/>
-          <a:chExt cx="0" cy="0"/>
-        </a:xfrm>
-      </p:grpSpPr>
-      <p:sp>
-        <p:nvSpPr>
-          <p:cNvPr id="2" name="Title 1">
-            <a:extLst>
-              <a:ext uri="{FF2B5EF4-FFF2-40B4-BE49-F238E27FC236}">
-                <a16:creationId xmlns:a16="http://schemas.microsoft.com/office/drawing/2014/main" id="{FE6D9A2D-06E5-48F6-1577-770301591992}"/>
-              </a:ext>
-            </a:extLst>
-          </p:cNvPr>
-          <p:cNvSpPr>
-            <a:spLocks noGrp="1"/>
-          </p:cNvSpPr>
-          <p:nvPr>
-            <p:ph type="title"/>
-          </p:nvPr>
-        </p:nvSpPr>
-        <p:spPr/>
-        <p:txBody>
-          <a:bodyPr/>
-          <a:lstStyle/>
-          <a:p>
-            <a:r>
-              <a:rPr lang="en-US" dirty="0"/>
-              <a:t>The Model layer</a:t>
-            </a:r>
-          </a:p>
-        </p:txBody>
-      </p:sp>
-      <p:sp>
-        <p:nvSpPr>
-          <p:cNvPr id="5" name="Text Placeholder 4">
-            <a:extLst>
-              <a:ext uri="{FF2B5EF4-FFF2-40B4-BE49-F238E27FC236}">
-                <a16:creationId xmlns:a16="http://schemas.microsoft.com/office/drawing/2014/main" id="{6EB103A5-F7DD-6D05-B116-1400B827FD7C}"/>
-              </a:ext>
-            </a:extLst>
-          </p:cNvPr>
-          <p:cNvSpPr>
-            <a:spLocks noGrp="1"/>
-          </p:cNvSpPr>
-          <p:nvPr>
-            <p:ph type="body" sz="half" idx="2"/>
-          </p:nvPr>
-        </p:nvSpPr>
-        <p:spPr/>
-        <p:txBody>
-          <a:bodyPr>
-            <a:normAutofit lnSpcReduction="10000"/>
-          </a:bodyPr>
-          <a:lstStyle/>
+              <a:t>Model templates define the fields from which symbolic elements are drawn</a:t>
+            </a:r>
+          </a:p>
           <a:p>
             <a:pPr marL="0" indent="0">
               <a:buNone/>
             </a:pPr>
             <a:r>
               <a:rPr lang="en-US" dirty="0"/>
-              <a:t>User Model classes inherit from a Model template</a:t>
+              <a:t>Disciplined system encapsulation: build up more complex models by using sub-models, but only interact through input and output fields </a:t>
             </a:r>
           </a:p>
           <a:p>
@@ -7512,7 +3803,23 @@
             </a:pPr>
             <a:r>
               <a:rPr lang="en-US" dirty="0"/>
-              <a:t>Model templates define the fields from which symbolic elements are drawn from</a:t>
+              <a:t>Model class and </a:t>
+            </a:r>
+            <a:r>
+              <a:rPr lang="en-US" dirty="0" err="1"/>
+              <a:t>ModelType</a:t>
+            </a:r>
+            <a:r>
+              <a:rPr lang="en-US" dirty="0"/>
+              <a:t> </a:t>
+            </a:r>
+            <a:r>
+              <a:rPr lang="en-US" dirty="0" err="1"/>
+              <a:t>metaclass</a:t>
+            </a:r>
+            <a:r>
+              <a:rPr lang="en-US" dirty="0"/>
+              <a:t> implement “metaprogramming” (dynamic class generation) that enable the desired API</a:t>
             </a:r>
           </a:p>
           <a:p>
@@ -7521,41 +3828,7 @@
             </a:pPr>
             <a:r>
               <a:rPr lang="en-US" dirty="0"/>
-              <a:t>Disciplined system encapsulation: build-up more complex models by using sub-models, but only interact through input and output fields </a:t>
-            </a:r>
-          </a:p>
-          <a:p>
-            <a:pPr marL="0" indent="0">
-              <a:buNone/>
-            </a:pPr>
-            <a:r>
-              <a:rPr lang="en-US" dirty="0"/>
-              <a:t>Model class and </a:t>
-            </a:r>
-            <a:r>
-              <a:rPr lang="en-US" dirty="0" err="1"/>
-              <a:t>ModelType</a:t>
-            </a:r>
-            <a:r>
-              <a:rPr lang="en-US" dirty="0"/>
-              <a:t> </a:t>
-            </a:r>
-            <a:r>
-              <a:rPr lang="en-US" dirty="0" err="1"/>
-              <a:t>metaclass</a:t>
-            </a:r>
-            <a:r>
-              <a:rPr lang="en-US" dirty="0"/>
-              <a:t> implement “metaprogramming” (dynamic class generation) that enable the desired API</a:t>
-            </a:r>
-          </a:p>
-          <a:p>
-            <a:pPr marL="0" indent="0">
-              <a:buNone/>
-            </a:pPr>
-            <a:r>
-              <a:rPr lang="en-US" dirty="0"/>
-              <a:t>Solver options can be set using as Model inner-class namespace (or in separate code, executed before model calls) to provide clear separation between model and implementation</a:t>
+              <a:t>Solver options can be set using as Model inner-class namespace (or in separate code, executed before model calls) to provide clear separation between mathematical model and numerical details</a:t>
             </a:r>
           </a:p>
         </p:txBody>
@@ -7576,14 +3849,14 @@
             <p:ph idx="1"/>
             <p:extLst>
               <p:ext uri="{D42A27DB-BD31-4B8C-83A1-F6EECF244321}">
-                <p14:modId xmlns:p14="http://schemas.microsoft.com/office/powerpoint/2010/main" val="3359665704"/>
+                <p14:modId xmlns:p14="http://schemas.microsoft.com/office/powerpoint/2010/main" val="2319791558"/>
               </p:ext>
             </p:extLst>
           </p:nvPr>
         </p:nvGraphicFramePr>
         <p:xfrm>
           <a:off x="4772024" y="1297458"/>
-          <a:ext cx="7275814" cy="4911109"/>
+          <a:ext cx="7275814" cy="4636789"/>
         </p:xfrm>
         <a:graphic>
           <a:graphicData uri="http://schemas.openxmlformats.org/drawingml/2006/table">
@@ -7599,14 +3872,14 @@
                     </a:ext>
                   </a:extLst>
                 </a:gridCol>
-                <a:gridCol w="1688755">
+                <a:gridCol w="1168921">
                   <a:extLst>
                     <a:ext uri="{9D8B030D-6E8A-4147-A177-3AD203B41FA5}">
                       <a16:colId xmlns:a16="http://schemas.microsoft.com/office/drawing/2014/main" val="831498153"/>
                     </a:ext>
                   </a:extLst>
                 </a:gridCol>
-                <a:gridCol w="1404422">
+                <a:gridCol w="1924256">
                   <a:extLst>
                     <a:ext uri="{9D8B030D-6E8A-4147-A177-3AD203B41FA5}">
                       <a16:colId xmlns:a16="http://schemas.microsoft.com/office/drawing/2014/main" val="1483990506"/>
@@ -7984,16 +4257,15 @@
                     <a:lstStyle/>
                     <a:p>
                       <a:r>
-                        <a:rPr lang="en-US"/>
+                        <a:rPr lang="en-US" dirty="0"/>
                         <a:t>objective</a:t>
                       </a:r>
                     </a:p>
                     <a:p>
                       <a:r>
-                        <a:rPr lang="en-US"/>
+                        <a:rPr lang="en-US" dirty="0"/>
                         <a:t>constraint</a:t>
                       </a:r>
-                      <a:endParaRPr lang="en-US" dirty="0"/>
                     </a:p>
                   </a:txBody>
                   <a:tcPr/>
@@ -8051,18 +4323,26 @@
                     <a:lstStyle/>
                     <a:p>
                       <a:r>
-                        <a:rPr lang="en-US" dirty="0" err="1"/>
-                        <a:t>ODESystem</a:t>
-                      </a:r>
-                      <a:r>
                         <a:rPr lang="en-US" dirty="0"/>
-                        <a:t> (state, dot, initial)</a:t>
+                        <a:t>state</a:t>
                       </a:r>
                     </a:p>
                     <a:p>
                       <a:r>
                         <a:rPr lang="en-US" dirty="0"/>
-                        <a:t>Event (update)</a:t>
+                        <a:t>dot</a:t>
+                      </a:r>
+                    </a:p>
+                    <a:p>
+                      <a:r>
+                        <a:rPr lang="en-US" dirty="0"/>
+                        <a:t>initial</a:t>
+                      </a:r>
+                    </a:p>
+                    <a:p>
+                      <a:r>
+                        <a:rPr lang="en-US" dirty="0"/>
+                        <a:t>event update</a:t>
                       </a:r>
                     </a:p>
                     <a:p>
@@ -8099,6 +4379,4012 @@
     <p:extLst>
       <p:ext uri="{BB962C8B-B14F-4D97-AF65-F5344CB8AC3E}">
         <p14:creationId xmlns:p14="http://schemas.microsoft.com/office/powerpoint/2010/main" val="642209958"/>
+      </p:ext>
+    </p:extLst>
+  </p:cSld>
+  <p:clrMapOvr>
+    <a:masterClrMapping/>
+  </p:clrMapOvr>
+</p:sld>
+</file>
+
+<file path=ppt/slides/slide13.xml><?xml version="1.0" encoding="utf-8"?>
+<p:sld xmlns:a="http://schemas.openxmlformats.org/drawingml/2006/main" xmlns:r="http://schemas.openxmlformats.org/officeDocument/2006/relationships" xmlns:p="http://schemas.openxmlformats.org/presentationml/2006/main">
+  <p:cSld>
+    <p:spTree>
+      <p:nvGrpSpPr>
+        <p:cNvPr id="1" name=""/>
+        <p:cNvGrpSpPr/>
+        <p:nvPr/>
+      </p:nvGrpSpPr>
+      <p:grpSpPr>
+        <a:xfrm>
+          <a:off x="0" y="0"/>
+          <a:ext cx="0" cy="0"/>
+          <a:chOff x="0" y="0"/>
+          <a:chExt cx="0" cy="0"/>
+        </a:xfrm>
+      </p:grpSpPr>
+      <p:sp>
+        <p:nvSpPr>
+          <p:cNvPr id="5" name="Title 4">
+            <a:extLst>
+              <a:ext uri="{FF2B5EF4-FFF2-40B4-BE49-F238E27FC236}">
+                <a16:creationId xmlns:a16="http://schemas.microsoft.com/office/drawing/2014/main" id="{C087BC3B-13B3-5540-8EA1-F3BF9E46EFB6}"/>
+              </a:ext>
+            </a:extLst>
+          </p:cNvPr>
+          <p:cNvSpPr>
+            <a:spLocks noGrp="1"/>
+          </p:cNvSpPr>
+          <p:nvPr>
+            <p:ph type="title"/>
+          </p:nvPr>
+        </p:nvSpPr>
+        <p:spPr/>
+        <p:txBody>
+          <a:bodyPr/>
+          <a:lstStyle/>
+          <a:p>
+            <a:r>
+              <a:rPr lang="en-US" dirty="0"/>
+              <a:t>Model definitions are symbolic</a:t>
+            </a:r>
+          </a:p>
+        </p:txBody>
+      </p:sp>
+      <p:sp>
+        <p:nvSpPr>
+          <p:cNvPr id="6" name="Content Placeholder 5">
+            <a:extLst>
+              <a:ext uri="{FF2B5EF4-FFF2-40B4-BE49-F238E27FC236}">
+                <a16:creationId xmlns:a16="http://schemas.microsoft.com/office/drawing/2014/main" id="{EB83C715-B66A-1BB6-5439-D15566309ECD}"/>
+              </a:ext>
+            </a:extLst>
+          </p:cNvPr>
+          <p:cNvSpPr>
+            <a:spLocks noGrp="1"/>
+          </p:cNvSpPr>
+          <p:nvPr>
+            <p:ph idx="1"/>
+          </p:nvPr>
+        </p:nvSpPr>
+        <p:spPr/>
+        <p:txBody>
+          <a:bodyPr/>
+          <a:lstStyle/>
+          <a:p>
+            <a:r>
+              <a:rPr lang="en-US" dirty="0"/>
+              <a:t>For most mathematical models, this is what you want</a:t>
+            </a:r>
+          </a:p>
+          <a:p>
+            <a:r>
+              <a:rPr lang="en-US" dirty="0"/>
+              <a:t>Conditionals: Use float-casting of </a:t>
+            </a:r>
+            <a:r>
+              <a:rPr lang="en-US" dirty="0" err="1"/>
+              <a:t>boolean</a:t>
+            </a:r>
+            <a:r>
+              <a:rPr lang="en-US" dirty="0"/>
+              <a:t> expressions to construct piecewise models instead of if-else flow control</a:t>
+            </a:r>
+          </a:p>
+          <a:p>
+            <a:r>
+              <a:rPr lang="en-US" dirty="0"/>
+              <a:t>higher-level interfaces: settings module</a:t>
+            </a:r>
+          </a:p>
+          <a:p>
+            <a:r>
+              <a:rPr lang="en-US" dirty="0"/>
+              <a:t>If you need a lot of conditionals, loops, and interface logic maybe you need a new template, implementation, and/or solver</a:t>
+            </a:r>
+          </a:p>
+          <a:p>
+            <a:endParaRPr lang="en-US" dirty="0"/>
+          </a:p>
+          <a:p>
+            <a:endParaRPr lang="en-US" dirty="0"/>
+          </a:p>
+        </p:txBody>
+      </p:sp>
+    </p:spTree>
+    <p:extLst>
+      <p:ext uri="{BB962C8B-B14F-4D97-AF65-F5344CB8AC3E}">
+        <p14:creationId xmlns:p14="http://schemas.microsoft.com/office/powerpoint/2010/main" val="661565378"/>
+      </p:ext>
+    </p:extLst>
+  </p:cSld>
+  <p:clrMapOvr>
+    <a:masterClrMapping/>
+  </p:clrMapOvr>
+</p:sld>
+</file>
+
+<file path=ppt/slides/slide14.xml><?xml version="1.0" encoding="utf-8"?>
+<p:sld xmlns:a="http://schemas.openxmlformats.org/drawingml/2006/main" xmlns:r="http://schemas.openxmlformats.org/officeDocument/2006/relationships" xmlns:p="http://schemas.openxmlformats.org/presentationml/2006/main">
+  <p:cSld>
+    <p:spTree>
+      <p:nvGrpSpPr>
+        <p:cNvPr id="1" name=""/>
+        <p:cNvGrpSpPr/>
+        <p:nvPr/>
+      </p:nvGrpSpPr>
+      <p:grpSpPr>
+        <a:xfrm>
+          <a:off x="0" y="0"/>
+          <a:ext cx="0" cy="0"/>
+          <a:chOff x="0" y="0"/>
+          <a:chExt cx="0" cy="0"/>
+        </a:xfrm>
+      </p:grpSpPr>
+      <p:sp>
+        <p:nvSpPr>
+          <p:cNvPr id="2" name="Title 1">
+            <a:extLst>
+              <a:ext uri="{FF2B5EF4-FFF2-40B4-BE49-F238E27FC236}">
+                <a16:creationId xmlns:a16="http://schemas.microsoft.com/office/drawing/2014/main" id="{D33284C7-B24E-2E94-2496-441AFD4BF094}"/>
+              </a:ext>
+            </a:extLst>
+          </p:cNvPr>
+          <p:cNvSpPr>
+            <a:spLocks noGrp="1"/>
+          </p:cNvSpPr>
+          <p:nvPr>
+            <p:ph type="title"/>
+          </p:nvPr>
+        </p:nvSpPr>
+        <p:spPr/>
+        <p:txBody>
+          <a:bodyPr/>
+          <a:lstStyle/>
+          <a:p>
+            <a:r>
+              <a:rPr lang="en-US" dirty="0"/>
+              <a:t>Gascon</a:t>
+            </a:r>
+          </a:p>
+        </p:txBody>
+      </p:sp>
+      <p:sp>
+        <p:nvSpPr>
+          <p:cNvPr id="3" name="Content Placeholder 2">
+            <a:extLst>
+              <a:ext uri="{FF2B5EF4-FFF2-40B4-BE49-F238E27FC236}">
+                <a16:creationId xmlns:a16="http://schemas.microsoft.com/office/drawing/2014/main" id="{1838E21D-C0DA-E154-7DA5-3EDF78A495AD}"/>
+              </a:ext>
+            </a:extLst>
+          </p:cNvPr>
+          <p:cNvSpPr>
+            <a:spLocks noGrp="1"/>
+          </p:cNvSpPr>
+          <p:nvPr>
+            <p:ph idx="1"/>
+          </p:nvPr>
+        </p:nvSpPr>
+        <p:spPr/>
+        <p:txBody>
+          <a:bodyPr/>
+          <a:lstStyle/>
+          <a:p>
+            <a:r>
+              <a:rPr lang="en-US" dirty="0"/>
+              <a:t>GASP Advancement using Symbolics in </a:t>
+            </a:r>
+            <a:r>
+              <a:rPr lang="en-US" dirty="0" err="1"/>
+              <a:t>CONdor</a:t>
+            </a:r>
+            <a:endParaRPr lang="en-US" dirty="0"/>
+          </a:p>
+          <a:p>
+            <a:pPr marL="0" indent="0">
+              <a:buNone/>
+            </a:pPr>
+            <a:r>
+              <a:rPr lang="en-US" dirty="0"/>
+              <a:t>	  …Analysis and Supplemental modeling…</a:t>
+            </a:r>
+          </a:p>
+          <a:p>
+            <a:pPr marL="0" indent="0">
+              <a:buNone/>
+            </a:pPr>
+            <a:r>
+              <a:rPr lang="en-US" dirty="0"/>
+              <a:t>			  … Substitutable models? Solutions? Etc.</a:t>
+            </a:r>
+          </a:p>
+          <a:p>
+            <a:r>
+              <a:rPr lang="en-US" dirty="0"/>
+              <a:t>Demonstrate achievement of condor goals by giving two under-graduate summer interns 10 weeks to re-implement </a:t>
+            </a:r>
+            <a:r>
+              <a:rPr lang="en-US" dirty="0" err="1"/>
+              <a:t>GASPy</a:t>
+            </a:r>
+            <a:r>
+              <a:rPr lang="en-US" dirty="0"/>
+              <a:t>, which took a team of experienced engineers 2+ years to implement</a:t>
+            </a:r>
+          </a:p>
+          <a:p>
+            <a:r>
+              <a:rPr lang="en-US" dirty="0"/>
+              <a:t>Fastest path to solve EPFD’s coupled optimization problem</a:t>
+            </a:r>
+          </a:p>
+        </p:txBody>
+      </p:sp>
+    </p:spTree>
+    <p:extLst>
+      <p:ext uri="{BB962C8B-B14F-4D97-AF65-F5344CB8AC3E}">
+        <p14:creationId xmlns:p14="http://schemas.microsoft.com/office/powerpoint/2010/main" val="611900226"/>
+      </p:ext>
+    </p:extLst>
+  </p:cSld>
+  <p:clrMapOvr>
+    <a:masterClrMapping/>
+  </p:clrMapOvr>
+</p:sld>
+</file>
+
+<file path=ppt/slides/slide2.xml><?xml version="1.0" encoding="utf-8"?>
+<p:sld xmlns:a="http://schemas.openxmlformats.org/drawingml/2006/main" xmlns:r="http://schemas.openxmlformats.org/officeDocument/2006/relationships" xmlns:p="http://schemas.openxmlformats.org/presentationml/2006/main">
+  <p:cSld>
+    <p:spTree>
+      <p:nvGrpSpPr>
+        <p:cNvPr id="1" name=""/>
+        <p:cNvGrpSpPr/>
+        <p:nvPr/>
+      </p:nvGrpSpPr>
+      <p:grpSpPr>
+        <a:xfrm>
+          <a:off x="0" y="0"/>
+          <a:ext cx="0" cy="0"/>
+          <a:chOff x="0" y="0"/>
+          <a:chExt cx="0" cy="0"/>
+        </a:xfrm>
+      </p:grpSpPr>
+      <p:sp>
+        <p:nvSpPr>
+          <p:cNvPr id="2" name="Title 1">
+            <a:extLst>
+              <a:ext uri="{FF2B5EF4-FFF2-40B4-BE49-F238E27FC236}">
+                <a16:creationId xmlns:a16="http://schemas.microsoft.com/office/drawing/2014/main" id="{D6634B2A-B7C3-DBA9-41F4-C6FAEB76B5C4}"/>
+              </a:ext>
+            </a:extLst>
+          </p:cNvPr>
+          <p:cNvSpPr>
+            <a:spLocks noGrp="1"/>
+          </p:cNvSpPr>
+          <p:nvPr>
+            <p:ph type="title"/>
+          </p:nvPr>
+        </p:nvSpPr>
+        <p:spPr/>
+        <p:txBody>
+          <a:bodyPr/>
+          <a:lstStyle/>
+          <a:p>
+            <a:r>
+              <a:rPr lang="en-US" dirty="0"/>
+              <a:t>Motivation</a:t>
+            </a:r>
+          </a:p>
+        </p:txBody>
+      </p:sp>
+      <p:sp>
+        <p:nvSpPr>
+          <p:cNvPr id="3" name="Content Placeholder 2">
+            <a:extLst>
+              <a:ext uri="{FF2B5EF4-FFF2-40B4-BE49-F238E27FC236}">
+                <a16:creationId xmlns:a16="http://schemas.microsoft.com/office/drawing/2014/main" id="{C66EE1AC-09BB-6F2B-8C86-FEE00A71D57A}"/>
+              </a:ext>
+            </a:extLst>
+          </p:cNvPr>
+          <p:cNvSpPr>
+            <a:spLocks noGrp="1"/>
+          </p:cNvSpPr>
+          <p:nvPr>
+            <p:ph idx="1"/>
+          </p:nvPr>
+        </p:nvSpPr>
+        <p:spPr/>
+        <p:txBody>
+          <a:bodyPr/>
+          <a:lstStyle/>
+          <a:p>
+            <a:r>
+              <a:rPr lang="en-US" dirty="0">
+                <a:cs typeface="Calibri"/>
+              </a:rPr>
+              <a:t>There are multiple programs/projects within the Agency that are interested in MDAO and 6DOF vehicle simulations.</a:t>
+            </a:r>
+          </a:p>
+          <a:p>
+            <a:pPr lvl="1"/>
+            <a:r>
+              <a:rPr lang="en-US" dirty="0">
+                <a:cs typeface="Calibri"/>
+              </a:rPr>
+              <a:t>ARMD: 1) EPFD, 2) AATT, 3) IASP, 4) SFD</a:t>
+            </a:r>
+          </a:p>
+          <a:p>
+            <a:pPr lvl="1"/>
+            <a:r>
+              <a:rPr lang="en-US" dirty="0">
+                <a:cs typeface="Calibri"/>
+              </a:rPr>
+              <a:t>HEOMD/NESC: Orion, HLS, </a:t>
+            </a:r>
+            <a:r>
+              <a:rPr lang="en-US" dirty="0" err="1">
+                <a:cs typeface="Calibri"/>
+              </a:rPr>
+              <a:t>etc</a:t>
+            </a:r>
+            <a:endParaRPr lang="en-US" dirty="0">
+              <a:cs typeface="Calibri"/>
+            </a:endParaRPr>
+          </a:p>
+          <a:p>
+            <a:r>
+              <a:rPr lang="en-US" dirty="0"/>
+              <a:t>EPFD in particular has 3+ years of investment in a SOTA optimization framework without achieving the performance, robustness, or even flexibility of heritage tools; no delivery of promised solution to coupled optimization problem</a:t>
+            </a:r>
+          </a:p>
+        </p:txBody>
+      </p:sp>
+    </p:spTree>
+    <p:extLst>
+      <p:ext uri="{BB962C8B-B14F-4D97-AF65-F5344CB8AC3E}">
+        <p14:creationId xmlns:p14="http://schemas.microsoft.com/office/powerpoint/2010/main" val="1045520080"/>
+      </p:ext>
+    </p:extLst>
+  </p:cSld>
+  <p:clrMapOvr>
+    <a:masterClrMapping/>
+  </p:clrMapOvr>
+</p:sld>
+</file>
+
+<file path=ppt/slides/slide3.xml><?xml version="1.0" encoding="utf-8"?>
+<p:sld xmlns:a="http://schemas.openxmlformats.org/drawingml/2006/main" xmlns:r="http://schemas.openxmlformats.org/officeDocument/2006/relationships" xmlns:p="http://schemas.openxmlformats.org/presentationml/2006/main">
+  <p:cSld>
+    <p:spTree>
+      <p:nvGrpSpPr>
+        <p:cNvPr id="1" name=""/>
+        <p:cNvGrpSpPr/>
+        <p:nvPr/>
+      </p:nvGrpSpPr>
+      <p:grpSpPr>
+        <a:xfrm>
+          <a:off x="0" y="0"/>
+          <a:ext cx="0" cy="0"/>
+          <a:chOff x="0" y="0"/>
+          <a:chExt cx="0" cy="0"/>
+        </a:xfrm>
+      </p:grpSpPr>
+      <p:sp>
+        <p:nvSpPr>
+          <p:cNvPr id="2" name="Title 1">
+            <a:extLst>
+              <a:ext uri="{FF2B5EF4-FFF2-40B4-BE49-F238E27FC236}">
+                <a16:creationId xmlns:a16="http://schemas.microsoft.com/office/drawing/2014/main" id="{8AAFB3F0-A980-0038-CEEC-4DEEFD69CE8B}"/>
+              </a:ext>
+            </a:extLst>
+          </p:cNvPr>
+          <p:cNvSpPr>
+            <a:spLocks noGrp="1"/>
+          </p:cNvSpPr>
+          <p:nvPr>
+            <p:ph type="title"/>
+          </p:nvPr>
+        </p:nvSpPr>
+        <p:spPr/>
+        <p:txBody>
+          <a:bodyPr/>
+          <a:lstStyle/>
+          <a:p>
+            <a:r>
+              <a:rPr lang="en-US" dirty="0"/>
+              <a:t>If you could start from “scratch,” what would you do?</a:t>
+            </a:r>
+          </a:p>
+        </p:txBody>
+      </p:sp>
+      <p:sp>
+        <p:nvSpPr>
+          <p:cNvPr id="3" name="Content Placeholder 2">
+            <a:extLst>
+              <a:ext uri="{FF2B5EF4-FFF2-40B4-BE49-F238E27FC236}">
+                <a16:creationId xmlns:a16="http://schemas.microsoft.com/office/drawing/2014/main" id="{582A253E-71E2-C582-DBCA-DE660EF5A588}"/>
+              </a:ext>
+            </a:extLst>
+          </p:cNvPr>
+          <p:cNvSpPr>
+            <a:spLocks noGrp="1"/>
+          </p:cNvSpPr>
+          <p:nvPr>
+            <p:ph idx="1"/>
+          </p:nvPr>
+        </p:nvSpPr>
+        <p:spPr/>
+        <p:txBody>
+          <a:bodyPr>
+            <a:normAutofit fontScale="92500" lnSpcReduction="20000"/>
+          </a:bodyPr>
+          <a:lstStyle/>
+          <a:p>
+            <a:r>
+              <a:rPr lang="en-US" dirty="0">
+                <a:cs typeface="Calibri"/>
+              </a:rPr>
+              <a:t>Leverage existing computational technology from the Machine Learning (ML) and Artificial Intelligent (AI) community</a:t>
+            </a:r>
+          </a:p>
+          <a:p>
+            <a:pPr lvl="1"/>
+            <a:r>
+              <a:rPr lang="en-US" dirty="0">
+                <a:cs typeface="Calibri"/>
+              </a:rPr>
+              <a:t>Automatic Differentiation (AD)</a:t>
+            </a:r>
+          </a:p>
+          <a:p>
+            <a:pPr lvl="1"/>
+            <a:r>
+              <a:rPr lang="en-US" dirty="0">
+                <a:cs typeface="Calibri"/>
+              </a:rPr>
+              <a:t>Code generation/Computational acceleration</a:t>
+            </a:r>
+          </a:p>
+          <a:p>
+            <a:r>
+              <a:rPr lang="en-US" dirty="0">
+                <a:cs typeface="Calibri"/>
+              </a:rPr>
+              <a:t>Leveraging existing best practices for library design: Application development code should be ….</a:t>
+            </a:r>
+          </a:p>
+          <a:p>
+            <a:pPr lvl="2"/>
+            <a:r>
+              <a:rPr lang="en-US" dirty="0">
+                <a:cs typeface="Calibri"/>
+              </a:rPr>
+              <a:t>Concise</a:t>
+            </a:r>
+          </a:p>
+          <a:p>
+            <a:pPr lvl="3"/>
+            <a:r>
+              <a:rPr lang="en-US" dirty="0">
+                <a:cs typeface="Calibri"/>
+              </a:rPr>
+              <a:t>“Expressive” coding means less typing for the developer, focus is on actual modeling</a:t>
+            </a:r>
+          </a:p>
+          <a:p>
+            <a:pPr lvl="3"/>
+            <a:r>
+              <a:rPr lang="en-US" dirty="0">
+                <a:cs typeface="Calibri"/>
+              </a:rPr>
+              <a:t>Let the computer handle the repetitive part of writing code leading to less opportunity for human error</a:t>
+            </a:r>
+          </a:p>
+          <a:p>
+            <a:pPr lvl="2"/>
+            <a:r>
+              <a:rPr lang="en-US" dirty="0">
+                <a:cs typeface="Calibri"/>
+              </a:rPr>
+              <a:t>Well organized </a:t>
+            </a:r>
+          </a:p>
+          <a:p>
+            <a:pPr lvl="3"/>
+            <a:r>
+              <a:rPr lang="en-US" dirty="0">
+                <a:cs typeface="Calibri"/>
+              </a:rPr>
+              <a:t>Separation of distinct code by purpose (e.g. a model vs. numerical algorithm/tuning)</a:t>
+            </a:r>
+          </a:p>
+          <a:p>
+            <a:pPr lvl="3"/>
+            <a:r>
+              <a:rPr lang="en-US" dirty="0">
+                <a:cs typeface="Calibri"/>
+              </a:rPr>
+              <a:t>Easier to read, write, and debug code</a:t>
+            </a:r>
+          </a:p>
+          <a:p>
+            <a:pPr lvl="3"/>
+            <a:r>
+              <a:rPr lang="en-US" dirty="0">
+                <a:cs typeface="Calibri"/>
+              </a:rPr>
+              <a:t>Easier maintenance, only change code in a single location = DRY (don’t repeat yourself) code</a:t>
+            </a:r>
+          </a:p>
+          <a:p>
+            <a:r>
+              <a:rPr lang="en-US" dirty="0">
+                <a:cs typeface="Calibri"/>
+              </a:rPr>
+              <a:t>Key: don’t start from scratch! </a:t>
+            </a:r>
+          </a:p>
+          <a:p>
+            <a:pPr lvl="3"/>
+            <a:endParaRPr lang="en-US" dirty="0"/>
+          </a:p>
+        </p:txBody>
+      </p:sp>
+    </p:spTree>
+    <p:extLst>
+      <p:ext uri="{BB962C8B-B14F-4D97-AF65-F5344CB8AC3E}">
+        <p14:creationId xmlns:p14="http://schemas.microsoft.com/office/powerpoint/2010/main" val="1552816342"/>
+      </p:ext>
+    </p:extLst>
+  </p:cSld>
+  <p:clrMapOvr>
+    <a:masterClrMapping/>
+  </p:clrMapOvr>
+</p:sld>
+</file>
+
+<file path=ppt/slides/slide4.xml><?xml version="1.0" encoding="utf-8"?>
+<p:sld xmlns:a="http://schemas.openxmlformats.org/drawingml/2006/main" xmlns:r="http://schemas.openxmlformats.org/officeDocument/2006/relationships" xmlns:p="http://schemas.openxmlformats.org/presentationml/2006/main">
+  <p:cSld>
+    <p:spTree>
+      <p:nvGrpSpPr>
+        <p:cNvPr id="1" name=""/>
+        <p:cNvGrpSpPr/>
+        <p:nvPr/>
+      </p:nvGrpSpPr>
+      <p:grpSpPr>
+        <a:xfrm>
+          <a:off x="0" y="0"/>
+          <a:ext cx="0" cy="0"/>
+          <a:chOff x="0" y="0"/>
+          <a:chExt cx="0" cy="0"/>
+        </a:xfrm>
+      </p:grpSpPr>
+      <p:sp>
+        <p:nvSpPr>
+          <p:cNvPr id="2" name="Title 1">
+            <a:extLst>
+              <a:ext uri="{FF2B5EF4-FFF2-40B4-BE49-F238E27FC236}">
+                <a16:creationId xmlns:a16="http://schemas.microsoft.com/office/drawing/2014/main" id="{DAD2BB2B-0BC4-CA34-9227-19D20E9C4078}"/>
+              </a:ext>
+            </a:extLst>
+          </p:cNvPr>
+          <p:cNvSpPr>
+            <a:spLocks noGrp="1"/>
+          </p:cNvSpPr>
+          <p:nvPr>
+            <p:ph type="title"/>
+          </p:nvPr>
+        </p:nvSpPr>
+        <p:spPr/>
+        <p:txBody>
+          <a:bodyPr/>
+          <a:lstStyle/>
+          <a:p>
+            <a:r>
+              <a:rPr lang="en-US" dirty="0"/>
+              <a:t>Documentation-driven design</a:t>
+            </a:r>
+          </a:p>
+        </p:txBody>
+      </p:sp>
+      <p:sp>
+        <p:nvSpPr>
+          <p:cNvPr id="3" name="Content Placeholder 2">
+            <a:extLst>
+              <a:ext uri="{FF2B5EF4-FFF2-40B4-BE49-F238E27FC236}">
+                <a16:creationId xmlns:a16="http://schemas.microsoft.com/office/drawing/2014/main" id="{532F9831-961E-1CC2-A117-9702DB1CF047}"/>
+              </a:ext>
+            </a:extLst>
+          </p:cNvPr>
+          <p:cNvSpPr>
+            <a:spLocks noGrp="1"/>
+          </p:cNvSpPr>
+          <p:nvPr>
+            <p:ph idx="1"/>
+          </p:nvPr>
+        </p:nvSpPr>
+        <p:spPr/>
+        <p:txBody>
+          <a:bodyPr/>
+          <a:lstStyle/>
+          <a:p>
+            <a:endParaRPr lang="en-US" dirty="0"/>
+          </a:p>
+        </p:txBody>
+      </p:sp>
+      <p:sp>
+        <p:nvSpPr>
+          <p:cNvPr id="4" name="Rectangle 3">
+            <a:extLst>
+              <a:ext uri="{FF2B5EF4-FFF2-40B4-BE49-F238E27FC236}">
+                <a16:creationId xmlns:a16="http://schemas.microsoft.com/office/drawing/2014/main" id="{2FF6D1F6-26EE-C56D-A2BF-B96DE24BAAD5}"/>
+              </a:ext>
+            </a:extLst>
+          </p:cNvPr>
+          <p:cNvSpPr/>
+          <p:nvPr/>
+        </p:nvSpPr>
+        <p:spPr>
+          <a:xfrm>
+            <a:off x="6084561" y="4144577"/>
+            <a:ext cx="242374" cy="369332"/>
+          </a:xfrm>
+          <a:prstGeom prst="rect">
+            <a:avLst/>
+          </a:prstGeom>
+        </p:spPr>
+        <p:txBody>
+          <a:bodyPr wrap="none">
+            <a:spAutoFit/>
+          </a:bodyPr>
+          <a:lstStyle/>
+          <a:p>
+            <a:r>
+              <a:rPr lang="en-US">
+                <a:solidFill>
+                  <a:srgbClr val="000000"/>
+                </a:solidFill>
+                <a:latin typeface="Times New Roman" panose="02020603050405020304" pitchFamily="18" charset="0"/>
+              </a:rPr>
+              <a:t> </a:t>
+            </a:r>
+            <a:endParaRPr lang="en-US"/>
+          </a:p>
+        </p:txBody>
+      </p:sp>
+      <p:sp>
+        <p:nvSpPr>
+          <p:cNvPr id="5" name="Rectangle 4">
+            <a:extLst>
+              <a:ext uri="{FF2B5EF4-FFF2-40B4-BE49-F238E27FC236}">
+                <a16:creationId xmlns:a16="http://schemas.microsoft.com/office/drawing/2014/main" id="{74C4B6AB-7D38-FA92-81FA-4A816ADC793F}"/>
+              </a:ext>
+            </a:extLst>
+          </p:cNvPr>
+          <p:cNvSpPr/>
+          <p:nvPr/>
+        </p:nvSpPr>
+        <p:spPr>
+          <a:xfrm>
+            <a:off x="609600" y="1722437"/>
+            <a:ext cx="6934200" cy="4830761"/>
+          </a:xfrm>
+          <a:prstGeom prst="rect">
+            <a:avLst/>
+          </a:prstGeom>
+          <a:solidFill>
+            <a:schemeClr val="tx1">
+              <a:lumMod val="75000"/>
+            </a:schemeClr>
+          </a:solidFill>
+          <a:ln>
+            <a:solidFill>
+              <a:schemeClr val="tx1"/>
+            </a:solidFill>
+          </a:ln>
+        </p:spPr>
+        <p:style>
+          <a:lnRef idx="2">
+            <a:schemeClr val="accent1">
+              <a:shade val="50000"/>
+            </a:schemeClr>
+          </a:lnRef>
+          <a:fillRef idx="1">
+            <a:schemeClr val="accent1"/>
+          </a:fillRef>
+          <a:effectRef idx="0">
+            <a:schemeClr val="accent1"/>
+          </a:effectRef>
+          <a:fontRef idx="minor">
+            <a:schemeClr val="lt1"/>
+          </a:fontRef>
+        </p:style>
+        <p:txBody>
+          <a:bodyPr rtlCol="0" anchor="ctr"/>
+          <a:lstStyle/>
+          <a:p>
+            <a:pPr algn="ctr"/>
+            <a:endParaRPr lang="en-US" dirty="0"/>
+          </a:p>
+        </p:txBody>
+      </p:sp>
+      <p:sp>
+        <p:nvSpPr>
+          <p:cNvPr id="6" name="TextBox 5">
+            <a:extLst>
+              <a:ext uri="{FF2B5EF4-FFF2-40B4-BE49-F238E27FC236}">
+                <a16:creationId xmlns:a16="http://schemas.microsoft.com/office/drawing/2014/main" id="{9AA36D89-6A96-8DD0-ADD7-88981BC62F9B}"/>
+              </a:ext>
+            </a:extLst>
+          </p:cNvPr>
+          <p:cNvSpPr txBox="1"/>
+          <p:nvPr/>
+        </p:nvSpPr>
+        <p:spPr>
+          <a:xfrm>
+            <a:off x="3430044" y="1307926"/>
+            <a:ext cx="1827756" cy="461665"/>
+          </a:xfrm>
+          <a:prstGeom prst="rect">
+            <a:avLst/>
+          </a:prstGeom>
+          <a:noFill/>
+        </p:spPr>
+        <p:txBody>
+          <a:bodyPr wrap="square" rtlCol="0">
+            <a:spAutoFit/>
+          </a:bodyPr>
+          <a:lstStyle/>
+          <a:p>
+            <a:r>
+              <a:rPr lang="en-US" sz="2400" err="1"/>
+              <a:t>OpenMDAO</a:t>
+            </a:r>
+            <a:r>
+              <a:rPr lang="en-US"/>
+              <a:t> </a:t>
+            </a:r>
+          </a:p>
+        </p:txBody>
+      </p:sp>
+      <p:sp>
+        <p:nvSpPr>
+          <p:cNvPr id="7" name="Rectangle 6">
+            <a:extLst>
+              <a:ext uri="{FF2B5EF4-FFF2-40B4-BE49-F238E27FC236}">
+                <a16:creationId xmlns:a16="http://schemas.microsoft.com/office/drawing/2014/main" id="{9A51D719-90E6-70C5-7C99-68C80DB35C6A}"/>
+              </a:ext>
+            </a:extLst>
+          </p:cNvPr>
+          <p:cNvSpPr/>
+          <p:nvPr/>
+        </p:nvSpPr>
+        <p:spPr>
+          <a:xfrm>
+            <a:off x="7848600" y="1722438"/>
+            <a:ext cx="4038600" cy="4830761"/>
+          </a:xfrm>
+          <a:prstGeom prst="rect">
+            <a:avLst/>
+          </a:prstGeom>
+          <a:solidFill>
+            <a:srgbClr val="FFC000"/>
+          </a:solidFill>
+          <a:ln>
+            <a:solidFill>
+              <a:schemeClr val="tx1"/>
+            </a:solidFill>
+          </a:ln>
+        </p:spPr>
+        <p:style>
+          <a:lnRef idx="2">
+            <a:schemeClr val="accent1">
+              <a:shade val="50000"/>
+            </a:schemeClr>
+          </a:lnRef>
+          <a:fillRef idx="1">
+            <a:schemeClr val="accent1"/>
+          </a:fillRef>
+          <a:effectRef idx="0">
+            <a:schemeClr val="accent1"/>
+          </a:effectRef>
+          <a:fontRef idx="minor">
+            <a:schemeClr val="lt1"/>
+          </a:fontRef>
+        </p:style>
+        <p:txBody>
+          <a:bodyPr rtlCol="0" anchor="ctr"/>
+          <a:lstStyle/>
+          <a:p>
+            <a:pPr algn="ctr"/>
+            <a:endParaRPr lang="en-US"/>
+          </a:p>
+        </p:txBody>
+      </p:sp>
+      <p:sp>
+        <p:nvSpPr>
+          <p:cNvPr id="8" name="TextBox 7">
+            <a:extLst>
+              <a:ext uri="{FF2B5EF4-FFF2-40B4-BE49-F238E27FC236}">
+                <a16:creationId xmlns:a16="http://schemas.microsoft.com/office/drawing/2014/main" id="{3119663B-BF32-D0FC-9804-72BF2A05F44F}"/>
+              </a:ext>
+            </a:extLst>
+          </p:cNvPr>
+          <p:cNvSpPr txBox="1"/>
+          <p:nvPr/>
+        </p:nvSpPr>
+        <p:spPr>
+          <a:xfrm>
+            <a:off x="9449844" y="1307926"/>
+            <a:ext cx="1827756" cy="461665"/>
+          </a:xfrm>
+          <a:prstGeom prst="rect">
+            <a:avLst/>
+          </a:prstGeom>
+          <a:noFill/>
+        </p:spPr>
+        <p:txBody>
+          <a:bodyPr wrap="square" rtlCol="0">
+            <a:spAutoFit/>
+          </a:bodyPr>
+          <a:lstStyle/>
+          <a:p>
+            <a:r>
+              <a:rPr lang="en-US" sz="2400">
+                <a:solidFill>
+                  <a:srgbClr val="FF8E07"/>
+                </a:solidFill>
+              </a:rPr>
+              <a:t>Condor</a:t>
+            </a:r>
+            <a:r>
+              <a:rPr lang="en-US" sz="2400">
+                <a:solidFill>
+                  <a:srgbClr val="FF8E07"/>
+                </a:solidFill>
+                <a:effectLst>
+                  <a:outerShdw blurRad="38100" dist="38100" dir="2700000" algn="tl">
+                    <a:srgbClr val="000000">
+                      <a:alpha val="43137"/>
+                    </a:srgbClr>
+                  </a:outerShdw>
+                </a:effectLst>
+              </a:rPr>
+              <a:t> </a:t>
+            </a:r>
+          </a:p>
+        </p:txBody>
+      </p:sp>
+      <p:sp>
+        <p:nvSpPr>
+          <p:cNvPr id="9" name="TextBox 8">
+            <a:extLst>
+              <a:ext uri="{FF2B5EF4-FFF2-40B4-BE49-F238E27FC236}">
+                <a16:creationId xmlns:a16="http://schemas.microsoft.com/office/drawing/2014/main" id="{72F3D59B-2CDB-2605-44BB-7672F9BBDFF5}"/>
+              </a:ext>
+            </a:extLst>
+          </p:cNvPr>
+          <p:cNvSpPr txBox="1"/>
+          <p:nvPr/>
+        </p:nvSpPr>
+        <p:spPr>
+          <a:xfrm>
+            <a:off x="5827636" y="1769591"/>
+            <a:ext cx="1681422" cy="553998"/>
+          </a:xfrm>
+          <a:prstGeom prst="rect">
+            <a:avLst/>
+          </a:prstGeom>
+          <a:solidFill>
+            <a:schemeClr val="bg2"/>
+          </a:solidFill>
+        </p:spPr>
+        <p:txBody>
+          <a:bodyPr wrap="none" lIns="45720" tIns="0" rIns="45720" bIns="0" rtlCol="0">
+            <a:spAutoFit/>
+          </a:bodyPr>
+          <a:lstStyle/>
+          <a:p>
+            <a:pPr algn="r"/>
+            <a:r>
+              <a:rPr lang="en-US" b="1" dirty="0">
+                <a:solidFill>
+                  <a:srgbClr val="FFFF00"/>
+                </a:solidFill>
+              </a:rPr>
+              <a:t>99 Lines</a:t>
+            </a:r>
+          </a:p>
+          <a:p>
+            <a:pPr algn="r"/>
+            <a:r>
+              <a:rPr lang="en-US" b="1" dirty="0">
+                <a:solidFill>
+                  <a:srgbClr val="FFFF00"/>
+                </a:solidFill>
+              </a:rPr>
+              <a:t>2,188 Characters</a:t>
+            </a:r>
+          </a:p>
+        </p:txBody>
+      </p:sp>
+      <p:sp>
+        <p:nvSpPr>
+          <p:cNvPr id="10" name="TextBox 9">
+            <a:extLst>
+              <a:ext uri="{FF2B5EF4-FFF2-40B4-BE49-F238E27FC236}">
+                <a16:creationId xmlns:a16="http://schemas.microsoft.com/office/drawing/2014/main" id="{4F6CE453-9872-1AEF-ED5D-4C057B1F910D}"/>
+              </a:ext>
+            </a:extLst>
+          </p:cNvPr>
+          <p:cNvSpPr txBox="1"/>
+          <p:nvPr/>
+        </p:nvSpPr>
+        <p:spPr>
+          <a:xfrm>
+            <a:off x="10307586" y="1769591"/>
+            <a:ext cx="1505092" cy="553998"/>
+          </a:xfrm>
+          <a:prstGeom prst="rect">
+            <a:avLst/>
+          </a:prstGeom>
+          <a:solidFill>
+            <a:schemeClr val="bg2"/>
+          </a:solidFill>
+        </p:spPr>
+        <p:txBody>
+          <a:bodyPr wrap="none" lIns="45720" tIns="0" rIns="45720" bIns="0" rtlCol="0">
+            <a:spAutoFit/>
+          </a:bodyPr>
+          <a:lstStyle/>
+          <a:p>
+            <a:pPr algn="r"/>
+            <a:r>
+              <a:rPr lang="en-US" b="1" dirty="0">
+                <a:solidFill>
+                  <a:srgbClr val="FFFF00"/>
+                </a:solidFill>
+              </a:rPr>
+              <a:t>39 Lines</a:t>
+            </a:r>
+          </a:p>
+          <a:p>
+            <a:pPr algn="r"/>
+            <a:r>
+              <a:rPr lang="en-US" b="1" dirty="0">
+                <a:solidFill>
+                  <a:srgbClr val="FFFF00"/>
+                </a:solidFill>
+              </a:rPr>
+              <a:t>612 Characters</a:t>
+            </a:r>
+          </a:p>
+        </p:txBody>
+      </p:sp>
+      <p:pic>
+        <p:nvPicPr>
+          <p:cNvPr id="11" name="Picture 10" descr="Text&#10;&#10;Description automatically generated">
+            <a:extLst>
+              <a:ext uri="{FF2B5EF4-FFF2-40B4-BE49-F238E27FC236}">
+                <a16:creationId xmlns:a16="http://schemas.microsoft.com/office/drawing/2014/main" id="{FCC1EDA9-E8EC-0DF4-5B05-1C0AF94E2BDC}"/>
+              </a:ext>
+            </a:extLst>
+          </p:cNvPr>
+          <p:cNvPicPr>
+            <a:picLocks noChangeAspect="1"/>
+          </p:cNvPicPr>
+          <p:nvPr/>
+        </p:nvPicPr>
+        <p:blipFill rotWithShape="1">
+          <a:blip r:embed="rId2">
+            <a:extLst>
+              <a:ext uri="{28A0092B-C50C-407E-A947-70E740481C1C}">
+                <a14:useLocalDpi xmlns:a14="http://schemas.microsoft.com/office/drawing/2010/main" val="0"/>
+              </a:ext>
+            </a:extLst>
+          </a:blip>
+          <a:srcRect r="15461"/>
+          <a:stretch/>
+        </p:blipFill>
+        <p:spPr>
+          <a:xfrm>
+            <a:off x="860493" y="1835895"/>
+            <a:ext cx="3483429" cy="2051685"/>
+          </a:xfrm>
+          <a:prstGeom prst="rect">
+            <a:avLst/>
+          </a:prstGeom>
+          <a:ln w="28575">
+            <a:solidFill>
+              <a:schemeClr val="tx1"/>
+            </a:solidFill>
+          </a:ln>
+        </p:spPr>
+      </p:pic>
+      <p:pic>
+        <p:nvPicPr>
+          <p:cNvPr id="12" name="Picture 11" descr="Text&#10;&#10;Description automatically generated">
+            <a:extLst>
+              <a:ext uri="{FF2B5EF4-FFF2-40B4-BE49-F238E27FC236}">
+                <a16:creationId xmlns:a16="http://schemas.microsoft.com/office/drawing/2014/main" id="{AFE182B8-7D9F-AD5F-793C-DD1B822EE170}"/>
+              </a:ext>
+            </a:extLst>
+          </p:cNvPr>
+          <p:cNvPicPr>
+            <a:picLocks noChangeAspect="1"/>
+          </p:cNvPicPr>
+          <p:nvPr/>
+        </p:nvPicPr>
+        <p:blipFill rotWithShape="1">
+          <a:blip r:embed="rId3">
+            <a:extLst>
+              <a:ext uri="{28A0092B-C50C-407E-A947-70E740481C1C}">
+                <a14:useLocalDpi xmlns:a14="http://schemas.microsoft.com/office/drawing/2010/main" val="0"/>
+              </a:ext>
+            </a:extLst>
+          </a:blip>
+          <a:srcRect l="-277" t="-327" r="22885" b="327"/>
+          <a:stretch/>
+        </p:blipFill>
+        <p:spPr>
+          <a:xfrm>
+            <a:off x="1093499" y="2577627"/>
+            <a:ext cx="3189009" cy="1943100"/>
+          </a:xfrm>
+          <a:prstGeom prst="rect">
+            <a:avLst/>
+          </a:prstGeom>
+          <a:ln w="28575">
+            <a:solidFill>
+              <a:schemeClr val="tx1"/>
+            </a:solidFill>
+          </a:ln>
+        </p:spPr>
+      </p:pic>
+      <p:pic>
+        <p:nvPicPr>
+          <p:cNvPr id="13" name="Picture 12" descr="Text&#10;&#10;Description automatically generated">
+            <a:extLst>
+              <a:ext uri="{FF2B5EF4-FFF2-40B4-BE49-F238E27FC236}">
+                <a16:creationId xmlns:a16="http://schemas.microsoft.com/office/drawing/2014/main" id="{C25A5B58-E84E-E164-5F95-AF169E5A0673}"/>
+              </a:ext>
+            </a:extLst>
+          </p:cNvPr>
+          <p:cNvPicPr>
+            <a:picLocks noChangeAspect="1"/>
+          </p:cNvPicPr>
+          <p:nvPr/>
+        </p:nvPicPr>
+        <p:blipFill rotWithShape="1">
+          <a:blip r:embed="rId4">
+            <a:extLst>
+              <a:ext uri="{28A0092B-C50C-407E-A947-70E740481C1C}">
+                <a14:useLocalDpi xmlns:a14="http://schemas.microsoft.com/office/drawing/2010/main" val="0"/>
+              </a:ext>
+            </a:extLst>
+          </a:blip>
+          <a:srcRect r="9506"/>
+          <a:stretch/>
+        </p:blipFill>
+        <p:spPr>
+          <a:xfrm>
+            <a:off x="1697527" y="2939368"/>
+            <a:ext cx="3728820" cy="3354705"/>
+          </a:xfrm>
+          <a:prstGeom prst="rect">
+            <a:avLst/>
+          </a:prstGeom>
+          <a:ln w="28575">
+            <a:solidFill>
+              <a:schemeClr val="tx1"/>
+            </a:solidFill>
+          </a:ln>
+        </p:spPr>
+      </p:pic>
+      <p:pic>
+        <p:nvPicPr>
+          <p:cNvPr id="14" name="Picture 13" descr="Text&#10;&#10;Description automatically generated">
+            <a:extLst>
+              <a:ext uri="{FF2B5EF4-FFF2-40B4-BE49-F238E27FC236}">
+                <a16:creationId xmlns:a16="http://schemas.microsoft.com/office/drawing/2014/main" id="{68D30490-6C40-36C5-71CD-0DD5D77412A0}"/>
+              </a:ext>
+            </a:extLst>
+          </p:cNvPr>
+          <p:cNvPicPr>
+            <a:picLocks noChangeAspect="1"/>
+          </p:cNvPicPr>
+          <p:nvPr/>
+        </p:nvPicPr>
+        <p:blipFill rotWithShape="1">
+          <a:blip r:embed="rId5">
+            <a:extLst>
+              <a:ext uri="{28A0092B-C50C-407E-A947-70E740481C1C}">
+                <a14:useLocalDpi xmlns:a14="http://schemas.microsoft.com/office/drawing/2010/main" val="0"/>
+              </a:ext>
+            </a:extLst>
+          </a:blip>
+          <a:srcRect r="18094"/>
+          <a:stretch/>
+        </p:blipFill>
+        <p:spPr>
+          <a:xfrm>
+            <a:off x="3592172" y="3520284"/>
+            <a:ext cx="3374944" cy="1291590"/>
+          </a:xfrm>
+          <a:prstGeom prst="rect">
+            <a:avLst/>
+          </a:prstGeom>
+          <a:ln w="28575">
+            <a:solidFill>
+              <a:schemeClr val="tx1"/>
+            </a:solidFill>
+          </a:ln>
+        </p:spPr>
+      </p:pic>
+      <p:pic>
+        <p:nvPicPr>
+          <p:cNvPr id="15" name="Picture 14" descr="Text&#10;&#10;Description automatically generated">
+            <a:extLst>
+              <a:ext uri="{FF2B5EF4-FFF2-40B4-BE49-F238E27FC236}">
+                <a16:creationId xmlns:a16="http://schemas.microsoft.com/office/drawing/2014/main" id="{D6BAEB03-5332-5E97-434D-FE405197269A}"/>
+              </a:ext>
+            </a:extLst>
+          </p:cNvPr>
+          <p:cNvPicPr>
+            <a:picLocks noChangeAspect="1"/>
+          </p:cNvPicPr>
+          <p:nvPr/>
+        </p:nvPicPr>
+        <p:blipFill rotWithShape="1">
+          <a:blip r:embed="rId6">
+            <a:extLst>
+              <a:ext uri="{28A0092B-C50C-407E-A947-70E740481C1C}">
+                <a14:useLocalDpi xmlns:a14="http://schemas.microsoft.com/office/drawing/2010/main" val="0"/>
+              </a:ext>
+            </a:extLst>
+          </a:blip>
+          <a:srcRect l="-1" t="3963" r="38687" b="2684"/>
+          <a:stretch/>
+        </p:blipFill>
+        <p:spPr>
+          <a:xfrm>
+            <a:off x="4928749" y="4357391"/>
+            <a:ext cx="2526407" cy="2118049"/>
+          </a:xfrm>
+          <a:prstGeom prst="rect">
+            <a:avLst/>
+          </a:prstGeom>
+          <a:ln w="28575">
+            <a:solidFill>
+              <a:schemeClr val="tx1"/>
+            </a:solidFill>
+          </a:ln>
+        </p:spPr>
+      </p:pic>
+      <p:pic>
+        <p:nvPicPr>
+          <p:cNvPr id="16" name="Picture 15" descr="Text&#10;&#10;Description automatically generated">
+            <a:extLst>
+              <a:ext uri="{FF2B5EF4-FFF2-40B4-BE49-F238E27FC236}">
+                <a16:creationId xmlns:a16="http://schemas.microsoft.com/office/drawing/2014/main" id="{0114ACE6-ED4B-89D9-8036-24E337F10215}"/>
+              </a:ext>
+            </a:extLst>
+          </p:cNvPr>
+          <p:cNvPicPr>
+            <a:picLocks noChangeAspect="1"/>
+          </p:cNvPicPr>
+          <p:nvPr/>
+        </p:nvPicPr>
+        <p:blipFill rotWithShape="1">
+          <a:blip r:embed="rId7">
+            <a:extLst>
+              <a:ext uri="{28A0092B-C50C-407E-A947-70E740481C1C}">
+                <a14:useLocalDpi xmlns:a14="http://schemas.microsoft.com/office/drawing/2010/main" val="0"/>
+              </a:ext>
+            </a:extLst>
+          </a:blip>
+          <a:srcRect t="1872" r="28527" b="1662"/>
+          <a:stretch/>
+        </p:blipFill>
+        <p:spPr>
+          <a:xfrm>
+            <a:off x="8002085" y="2376141"/>
+            <a:ext cx="2841626" cy="4133202"/>
+          </a:xfrm>
+          <a:prstGeom prst="rect">
+            <a:avLst/>
+          </a:prstGeom>
+          <a:ln w="28575">
+            <a:solidFill>
+              <a:srgbClr val="FF0000"/>
+            </a:solidFill>
+          </a:ln>
+        </p:spPr>
+      </p:pic>
+    </p:spTree>
+    <p:extLst>
+      <p:ext uri="{BB962C8B-B14F-4D97-AF65-F5344CB8AC3E}">
+        <p14:creationId xmlns:p14="http://schemas.microsoft.com/office/powerpoint/2010/main" val="2986308953"/>
+      </p:ext>
+    </p:extLst>
+  </p:cSld>
+  <p:clrMapOvr>
+    <a:masterClrMapping/>
+  </p:clrMapOvr>
+</p:sld>
+</file>
+
+<file path=ppt/slides/slide5.xml><?xml version="1.0" encoding="utf-8"?>
+<p:sld xmlns:a="http://schemas.openxmlformats.org/drawingml/2006/main" xmlns:r="http://schemas.openxmlformats.org/officeDocument/2006/relationships" xmlns:p="http://schemas.openxmlformats.org/presentationml/2006/main">
+  <p:cSld>
+    <p:spTree>
+      <p:nvGrpSpPr>
+        <p:cNvPr id="1" name=""/>
+        <p:cNvGrpSpPr/>
+        <p:nvPr/>
+      </p:nvGrpSpPr>
+      <p:grpSpPr>
+        <a:xfrm>
+          <a:off x="0" y="0"/>
+          <a:ext cx="0" cy="0"/>
+          <a:chOff x="0" y="0"/>
+          <a:chExt cx="0" cy="0"/>
+        </a:xfrm>
+      </p:grpSpPr>
+      <p:sp>
+        <p:nvSpPr>
+          <p:cNvPr id="2" name="Title 1">
+            <a:extLst>
+              <a:ext uri="{FF2B5EF4-FFF2-40B4-BE49-F238E27FC236}">
+                <a16:creationId xmlns:a16="http://schemas.microsoft.com/office/drawing/2014/main" id="{6AD7870A-2041-908E-CC38-8DD9F0843FDD}"/>
+              </a:ext>
+            </a:extLst>
+          </p:cNvPr>
+          <p:cNvSpPr>
+            <a:spLocks noGrp="1"/>
+          </p:cNvSpPr>
+          <p:nvPr>
+            <p:ph type="title"/>
+          </p:nvPr>
+        </p:nvSpPr>
+        <p:spPr/>
+        <p:txBody>
+          <a:bodyPr/>
+          <a:lstStyle/>
+          <a:p>
+            <a:r>
+              <a:rPr lang="en-US" dirty="0"/>
+              <a:t>Decide how user code should look then make it possible</a:t>
+            </a:r>
+          </a:p>
+        </p:txBody>
+      </p:sp>
+      <p:sp>
+        <p:nvSpPr>
+          <p:cNvPr id="3" name="Content Placeholder 2">
+            <a:extLst>
+              <a:ext uri="{FF2B5EF4-FFF2-40B4-BE49-F238E27FC236}">
+                <a16:creationId xmlns:a16="http://schemas.microsoft.com/office/drawing/2014/main" id="{0BEDBA44-8A09-E6F6-34C1-F6B9AD6CB8DE}"/>
+              </a:ext>
+            </a:extLst>
+          </p:cNvPr>
+          <p:cNvSpPr>
+            <a:spLocks noGrp="1"/>
+          </p:cNvSpPr>
+          <p:nvPr>
+            <p:ph idx="1"/>
+          </p:nvPr>
+        </p:nvSpPr>
+        <p:spPr/>
+        <p:txBody>
+          <a:bodyPr/>
+          <a:lstStyle/>
+          <a:p>
+            <a:endParaRPr lang="en-US"/>
+          </a:p>
+        </p:txBody>
+      </p:sp>
+      <p:sp>
+        <p:nvSpPr>
+          <p:cNvPr id="4" name="Slide Number Placeholder 3">
+            <a:extLst>
+              <a:ext uri="{FF2B5EF4-FFF2-40B4-BE49-F238E27FC236}">
+                <a16:creationId xmlns:a16="http://schemas.microsoft.com/office/drawing/2014/main" id="{409A554E-34C1-357F-9D10-5937F0D315F8}"/>
+              </a:ext>
+            </a:extLst>
+          </p:cNvPr>
+          <p:cNvSpPr>
+            <a:spLocks noGrp="1"/>
+          </p:cNvSpPr>
+          <p:nvPr>
+            <p:ph type="sldNum" sz="quarter" idx="12"/>
+          </p:nvPr>
+        </p:nvSpPr>
+        <p:spPr>
+          <a:xfrm>
+            <a:off x="9347200" y="6689728"/>
+            <a:ext cx="2844800" cy="168275"/>
+          </a:xfrm>
+        </p:spPr>
+        <p:txBody>
+          <a:bodyPr/>
+          <a:lstStyle/>
+          <a:p>
+            <a:fld id="{0422AE60-2A93-495E-B3FF-8895B4A7E71D}" type="slidenum">
+              <a:rPr lang="en-US" smtClean="0"/>
+              <a:pPr/>
+              <a:t>5</a:t>
+            </a:fld>
+            <a:endParaRPr lang="en-US"/>
+          </a:p>
+        </p:txBody>
+      </p:sp>
+      <p:sp>
+        <p:nvSpPr>
+          <p:cNvPr id="5" name="Rectangle 4">
+            <a:extLst>
+              <a:ext uri="{FF2B5EF4-FFF2-40B4-BE49-F238E27FC236}">
+                <a16:creationId xmlns:a16="http://schemas.microsoft.com/office/drawing/2014/main" id="{EB9DA0EB-80DB-D08E-4515-FFDC9C73E7E3}"/>
+              </a:ext>
+            </a:extLst>
+          </p:cNvPr>
+          <p:cNvSpPr/>
+          <p:nvPr/>
+        </p:nvSpPr>
+        <p:spPr>
+          <a:xfrm>
+            <a:off x="6084561" y="4144578"/>
+            <a:ext cx="520606" cy="124821"/>
+          </a:xfrm>
+          <a:prstGeom prst="rect">
+            <a:avLst/>
+          </a:prstGeom>
+        </p:spPr>
+        <p:txBody>
+          <a:bodyPr wrap="none">
+            <a:spAutoFit/>
+          </a:bodyPr>
+          <a:lstStyle/>
+          <a:p>
+            <a:r>
+              <a:rPr lang="en-US">
+                <a:solidFill>
+                  <a:srgbClr val="000000"/>
+                </a:solidFill>
+                <a:latin typeface="Times New Roman" panose="02020603050405020304" pitchFamily="18" charset="0"/>
+              </a:rPr>
+              <a:t> </a:t>
+            </a:r>
+            <a:endParaRPr lang="en-US"/>
+          </a:p>
+        </p:txBody>
+      </p:sp>
+      <p:sp>
+        <p:nvSpPr>
+          <p:cNvPr id="7" name="Rectangle 6">
+            <a:extLst>
+              <a:ext uri="{FF2B5EF4-FFF2-40B4-BE49-F238E27FC236}">
+                <a16:creationId xmlns:a16="http://schemas.microsoft.com/office/drawing/2014/main" id="{7565EFEE-D65C-05D9-AB94-400242D8DD61}"/>
+              </a:ext>
+            </a:extLst>
+          </p:cNvPr>
+          <p:cNvSpPr/>
+          <p:nvPr/>
+        </p:nvSpPr>
+        <p:spPr>
+          <a:xfrm>
+            <a:off x="170513" y="1722437"/>
+            <a:ext cx="8969328" cy="4892967"/>
+          </a:xfrm>
+          <a:prstGeom prst="rect">
+            <a:avLst/>
+          </a:prstGeom>
+          <a:solidFill>
+            <a:schemeClr val="tx1">
+              <a:lumMod val="75000"/>
+            </a:schemeClr>
+          </a:solidFill>
+          <a:ln>
+            <a:solidFill>
+              <a:schemeClr val="tx1"/>
+            </a:solidFill>
+          </a:ln>
+        </p:spPr>
+        <p:style>
+          <a:lnRef idx="2">
+            <a:schemeClr val="accent1">
+              <a:shade val="50000"/>
+            </a:schemeClr>
+          </a:lnRef>
+          <a:fillRef idx="1">
+            <a:schemeClr val="accent1"/>
+          </a:fillRef>
+          <a:effectRef idx="0">
+            <a:schemeClr val="accent1"/>
+          </a:effectRef>
+          <a:fontRef idx="minor">
+            <a:schemeClr val="lt1"/>
+          </a:fontRef>
+        </p:style>
+        <p:txBody>
+          <a:bodyPr rtlCol="0" anchor="ctr"/>
+          <a:lstStyle/>
+          <a:p>
+            <a:pPr algn="ctr"/>
+            <a:endParaRPr lang="en-US" dirty="0"/>
+          </a:p>
+        </p:txBody>
+      </p:sp>
+      <p:sp>
+        <p:nvSpPr>
+          <p:cNvPr id="8" name="TextBox 7">
+            <a:extLst>
+              <a:ext uri="{FF2B5EF4-FFF2-40B4-BE49-F238E27FC236}">
+                <a16:creationId xmlns:a16="http://schemas.microsoft.com/office/drawing/2014/main" id="{8374D8C1-A564-9106-4E98-DDB59E26DDDE}"/>
+              </a:ext>
+            </a:extLst>
+          </p:cNvPr>
+          <p:cNvSpPr txBox="1"/>
+          <p:nvPr/>
+        </p:nvSpPr>
+        <p:spPr>
+          <a:xfrm>
+            <a:off x="5267645" y="1309036"/>
+            <a:ext cx="1827756" cy="461665"/>
+          </a:xfrm>
+          <a:prstGeom prst="rect">
+            <a:avLst/>
+          </a:prstGeom>
+          <a:noFill/>
+        </p:spPr>
+        <p:txBody>
+          <a:bodyPr wrap="square" rtlCol="0">
+            <a:spAutoFit/>
+          </a:bodyPr>
+          <a:lstStyle/>
+          <a:p>
+            <a:r>
+              <a:rPr lang="en-US" sz="2400" dirty="0" err="1"/>
+              <a:t>OpenMDAO</a:t>
+            </a:r>
+            <a:r>
+              <a:rPr lang="en-US" dirty="0"/>
+              <a:t> </a:t>
+            </a:r>
+          </a:p>
+        </p:txBody>
+      </p:sp>
+      <p:sp>
+        <p:nvSpPr>
+          <p:cNvPr id="9" name="Rectangle 8">
+            <a:extLst>
+              <a:ext uri="{FF2B5EF4-FFF2-40B4-BE49-F238E27FC236}">
+                <a16:creationId xmlns:a16="http://schemas.microsoft.com/office/drawing/2014/main" id="{B7005FC1-1925-C553-9B27-FA407E378304}"/>
+              </a:ext>
+            </a:extLst>
+          </p:cNvPr>
+          <p:cNvSpPr/>
+          <p:nvPr/>
+        </p:nvSpPr>
+        <p:spPr>
+          <a:xfrm>
+            <a:off x="9269963" y="1677430"/>
+            <a:ext cx="2806436" cy="4937974"/>
+          </a:xfrm>
+          <a:prstGeom prst="rect">
+            <a:avLst/>
+          </a:prstGeom>
+          <a:solidFill>
+            <a:srgbClr val="FFC000"/>
+          </a:solidFill>
+          <a:ln>
+            <a:solidFill>
+              <a:schemeClr val="tx1"/>
+            </a:solidFill>
+          </a:ln>
+        </p:spPr>
+        <p:style>
+          <a:lnRef idx="2">
+            <a:schemeClr val="accent1">
+              <a:shade val="50000"/>
+            </a:schemeClr>
+          </a:lnRef>
+          <a:fillRef idx="1">
+            <a:schemeClr val="accent1"/>
+          </a:fillRef>
+          <a:effectRef idx="0">
+            <a:schemeClr val="accent1"/>
+          </a:effectRef>
+          <a:fontRef idx="minor">
+            <a:schemeClr val="lt1"/>
+          </a:fontRef>
+        </p:style>
+        <p:txBody>
+          <a:bodyPr rtlCol="0" anchor="ctr"/>
+          <a:lstStyle/>
+          <a:p>
+            <a:pPr algn="ctr"/>
+            <a:endParaRPr lang="en-US"/>
+          </a:p>
+        </p:txBody>
+      </p:sp>
+      <p:sp>
+        <p:nvSpPr>
+          <p:cNvPr id="10" name="TextBox 9">
+            <a:extLst>
+              <a:ext uri="{FF2B5EF4-FFF2-40B4-BE49-F238E27FC236}">
+                <a16:creationId xmlns:a16="http://schemas.microsoft.com/office/drawing/2014/main" id="{721B8453-859A-61CE-19CF-98284C8A98DD}"/>
+              </a:ext>
+            </a:extLst>
+          </p:cNvPr>
+          <p:cNvSpPr txBox="1"/>
+          <p:nvPr/>
+        </p:nvSpPr>
+        <p:spPr>
+          <a:xfrm>
+            <a:off x="8881188" y="1273285"/>
+            <a:ext cx="1827756" cy="507832"/>
+          </a:xfrm>
+          <a:prstGeom prst="rect">
+            <a:avLst/>
+          </a:prstGeom>
+          <a:noFill/>
+        </p:spPr>
+        <p:txBody>
+          <a:bodyPr wrap="square" rtlCol="0">
+            <a:spAutoFit/>
+          </a:bodyPr>
+          <a:lstStyle/>
+          <a:p>
+            <a:pPr algn="ctr"/>
+            <a:r>
+              <a:rPr lang="en-US" sz="2400" dirty="0">
+                <a:solidFill>
+                  <a:srgbClr val="FF8E07"/>
+                </a:solidFill>
+              </a:rPr>
+              <a:t>Condor</a:t>
+            </a:r>
+            <a:r>
+              <a:rPr lang="en-US" sz="2400" dirty="0">
+                <a:solidFill>
+                  <a:srgbClr val="FF8E07"/>
+                </a:solidFill>
+                <a:effectLst>
+                  <a:outerShdw blurRad="38100" dist="38100" dir="2700000" algn="tl">
+                    <a:srgbClr val="000000">
+                      <a:alpha val="43137"/>
+                    </a:srgbClr>
+                  </a:outerShdw>
+                </a:effectLst>
+              </a:rPr>
+              <a:t> </a:t>
+            </a:r>
+          </a:p>
+        </p:txBody>
+      </p:sp>
+      <p:sp>
+        <p:nvSpPr>
+          <p:cNvPr id="11" name="TextBox 10">
+            <a:extLst>
+              <a:ext uri="{FF2B5EF4-FFF2-40B4-BE49-F238E27FC236}">
+                <a16:creationId xmlns:a16="http://schemas.microsoft.com/office/drawing/2014/main" id="{24E24914-DD86-C151-78CD-2F24D9F6145A}"/>
+              </a:ext>
+            </a:extLst>
+          </p:cNvPr>
+          <p:cNvSpPr txBox="1"/>
+          <p:nvPr/>
+        </p:nvSpPr>
+        <p:spPr>
+          <a:xfrm>
+            <a:off x="5639550" y="3004458"/>
+            <a:ext cx="1964079" cy="309033"/>
+          </a:xfrm>
+          <a:prstGeom prst="rect">
+            <a:avLst/>
+          </a:prstGeom>
+          <a:noFill/>
+        </p:spPr>
+        <p:txBody>
+          <a:bodyPr wrap="square" rtlCol="0">
+            <a:spAutoFit/>
+          </a:bodyPr>
+          <a:lstStyle/>
+          <a:p>
+            <a:endParaRPr lang="en-US"/>
+          </a:p>
+        </p:txBody>
+      </p:sp>
+      <p:pic>
+        <p:nvPicPr>
+          <p:cNvPr id="12" name="Picture 11" descr="Text&#10;&#10;Description automatically generated">
+            <a:extLst>
+              <a:ext uri="{FF2B5EF4-FFF2-40B4-BE49-F238E27FC236}">
+                <a16:creationId xmlns:a16="http://schemas.microsoft.com/office/drawing/2014/main" id="{C163E35A-C662-CF44-A80F-36B700C73799}"/>
+              </a:ext>
+            </a:extLst>
+          </p:cNvPr>
+          <p:cNvPicPr>
+            <a:picLocks noChangeAspect="1"/>
+          </p:cNvPicPr>
+          <p:nvPr/>
+        </p:nvPicPr>
+        <p:blipFill rotWithShape="1">
+          <a:blip r:embed="rId2">
+            <a:extLst>
+              <a:ext uri="{28A0092B-C50C-407E-A947-70E740481C1C}">
+                <a14:useLocalDpi xmlns:a14="http://schemas.microsoft.com/office/drawing/2010/main" val="0"/>
+              </a:ext>
+            </a:extLst>
+          </a:blip>
+          <a:srcRect r="28527"/>
+          <a:stretch/>
+        </p:blipFill>
+        <p:spPr>
+          <a:xfrm>
+            <a:off x="9359396" y="2304203"/>
+            <a:ext cx="2622403" cy="3954071"/>
+          </a:xfrm>
+          <a:prstGeom prst="rect">
+            <a:avLst/>
+          </a:prstGeom>
+          <a:ln w="28575">
+            <a:solidFill>
+              <a:srgbClr val="FF0000"/>
+            </a:solidFill>
+          </a:ln>
+        </p:spPr>
+      </p:pic>
+      <p:pic>
+        <p:nvPicPr>
+          <p:cNvPr id="13" name="Picture 12" descr="Text&#10;&#10;Description automatically generated">
+            <a:extLst>
+              <a:ext uri="{FF2B5EF4-FFF2-40B4-BE49-F238E27FC236}">
+                <a16:creationId xmlns:a16="http://schemas.microsoft.com/office/drawing/2014/main" id="{655A7394-2B5B-73F7-249C-915DAF6B40C1}"/>
+              </a:ext>
+            </a:extLst>
+          </p:cNvPr>
+          <p:cNvPicPr>
+            <a:picLocks noChangeAspect="1"/>
+          </p:cNvPicPr>
+          <p:nvPr/>
+        </p:nvPicPr>
+        <p:blipFill rotWithShape="1">
+          <a:blip r:embed="rId3">
+            <a:extLst>
+              <a:ext uri="{28A0092B-C50C-407E-A947-70E740481C1C}">
+                <a14:useLocalDpi xmlns:a14="http://schemas.microsoft.com/office/drawing/2010/main" val="0"/>
+              </a:ext>
+            </a:extLst>
+          </a:blip>
+          <a:srcRect l="1699" r="15460"/>
+          <a:stretch/>
+        </p:blipFill>
+        <p:spPr>
+          <a:xfrm>
+            <a:off x="258150" y="1807131"/>
+            <a:ext cx="3413454" cy="2051685"/>
+          </a:xfrm>
+          <a:prstGeom prst="rect">
+            <a:avLst/>
+          </a:prstGeom>
+          <a:ln w="28575">
+            <a:solidFill>
+              <a:schemeClr val="tx1"/>
+            </a:solidFill>
+          </a:ln>
+        </p:spPr>
+      </p:pic>
+      <p:pic>
+        <p:nvPicPr>
+          <p:cNvPr id="14" name="Picture 13" descr="Text&#10;&#10;Description automatically generated">
+            <a:extLst>
+              <a:ext uri="{FF2B5EF4-FFF2-40B4-BE49-F238E27FC236}">
+                <a16:creationId xmlns:a16="http://schemas.microsoft.com/office/drawing/2014/main" id="{D82E1852-9697-ABC4-665B-272E7B572877}"/>
+              </a:ext>
+            </a:extLst>
+          </p:cNvPr>
+          <p:cNvPicPr>
+            <a:picLocks noChangeAspect="1"/>
+          </p:cNvPicPr>
+          <p:nvPr/>
+        </p:nvPicPr>
+        <p:blipFill rotWithShape="1">
+          <a:blip r:embed="rId4">
+            <a:extLst>
+              <a:ext uri="{28A0092B-C50C-407E-A947-70E740481C1C}">
+                <a14:useLocalDpi xmlns:a14="http://schemas.microsoft.com/office/drawing/2010/main" val="0"/>
+              </a:ext>
+            </a:extLst>
+          </a:blip>
+          <a:srcRect l="1421" t="-327" r="22885" b="327"/>
+          <a:stretch/>
+        </p:blipFill>
+        <p:spPr>
+          <a:xfrm>
+            <a:off x="286401" y="3944297"/>
+            <a:ext cx="3119034" cy="1943100"/>
+          </a:xfrm>
+          <a:prstGeom prst="rect">
+            <a:avLst/>
+          </a:prstGeom>
+          <a:ln w="28575">
+            <a:solidFill>
+              <a:schemeClr val="tx1"/>
+            </a:solidFill>
+          </a:ln>
+        </p:spPr>
+      </p:pic>
+      <p:pic>
+        <p:nvPicPr>
+          <p:cNvPr id="15" name="Picture 14" descr="Text&#10;&#10;Description automatically generated">
+            <a:extLst>
+              <a:ext uri="{FF2B5EF4-FFF2-40B4-BE49-F238E27FC236}">
+                <a16:creationId xmlns:a16="http://schemas.microsoft.com/office/drawing/2014/main" id="{E97F74C8-51B8-ED53-AF3C-DF0398921E92}"/>
+              </a:ext>
+            </a:extLst>
+          </p:cNvPr>
+          <p:cNvPicPr>
+            <a:picLocks noChangeAspect="1"/>
+          </p:cNvPicPr>
+          <p:nvPr/>
+        </p:nvPicPr>
+        <p:blipFill rotWithShape="1">
+          <a:blip r:embed="rId5">
+            <a:extLst>
+              <a:ext uri="{28A0092B-C50C-407E-A947-70E740481C1C}">
+                <a14:useLocalDpi xmlns:a14="http://schemas.microsoft.com/office/drawing/2010/main" val="0"/>
+              </a:ext>
+            </a:extLst>
+          </a:blip>
+          <a:srcRect l="1377" r="9506"/>
+          <a:stretch/>
+        </p:blipFill>
+        <p:spPr>
+          <a:xfrm>
+            <a:off x="3803784" y="1807131"/>
+            <a:ext cx="3672078" cy="3354705"/>
+          </a:xfrm>
+          <a:prstGeom prst="rect">
+            <a:avLst/>
+          </a:prstGeom>
+          <a:ln w="28575">
+            <a:solidFill>
+              <a:schemeClr val="tx1"/>
+            </a:solidFill>
+          </a:ln>
+        </p:spPr>
+      </p:pic>
+      <p:pic>
+        <p:nvPicPr>
+          <p:cNvPr id="16" name="Picture 15" descr="Text&#10;&#10;Description automatically generated">
+            <a:extLst>
+              <a:ext uri="{FF2B5EF4-FFF2-40B4-BE49-F238E27FC236}">
+                <a16:creationId xmlns:a16="http://schemas.microsoft.com/office/drawing/2014/main" id="{AD734129-E83A-E10E-5CDC-DC7AAB128425}"/>
+              </a:ext>
+            </a:extLst>
+          </p:cNvPr>
+          <p:cNvPicPr>
+            <a:picLocks noChangeAspect="1"/>
+          </p:cNvPicPr>
+          <p:nvPr/>
+        </p:nvPicPr>
+        <p:blipFill rotWithShape="1">
+          <a:blip r:embed="rId6">
+            <a:extLst>
+              <a:ext uri="{28A0092B-C50C-407E-A947-70E740481C1C}">
+                <a14:useLocalDpi xmlns:a14="http://schemas.microsoft.com/office/drawing/2010/main" val="0"/>
+              </a:ext>
+            </a:extLst>
+          </a:blip>
+          <a:srcRect r="18094" b="4334"/>
+          <a:stretch/>
+        </p:blipFill>
+        <p:spPr>
+          <a:xfrm>
+            <a:off x="2832055" y="5303260"/>
+            <a:ext cx="3374944" cy="1235610"/>
+          </a:xfrm>
+          <a:prstGeom prst="rect">
+            <a:avLst/>
+          </a:prstGeom>
+          <a:ln w="28575">
+            <a:solidFill>
+              <a:schemeClr val="tx1"/>
+            </a:solidFill>
+          </a:ln>
+        </p:spPr>
+      </p:pic>
+      <p:pic>
+        <p:nvPicPr>
+          <p:cNvPr id="17" name="Picture 16" descr="Text&#10;&#10;Description automatically generated">
+            <a:extLst>
+              <a:ext uri="{FF2B5EF4-FFF2-40B4-BE49-F238E27FC236}">
+                <a16:creationId xmlns:a16="http://schemas.microsoft.com/office/drawing/2014/main" id="{D0B6D1AE-34BA-485B-4A09-1D84921FC601}"/>
+              </a:ext>
+            </a:extLst>
+          </p:cNvPr>
+          <p:cNvPicPr>
+            <a:picLocks noChangeAspect="1"/>
+          </p:cNvPicPr>
+          <p:nvPr/>
+        </p:nvPicPr>
+        <p:blipFill rotWithShape="1">
+          <a:blip r:embed="rId7">
+            <a:extLst>
+              <a:ext uri="{28A0092B-C50C-407E-A947-70E740481C1C}">
+                <a14:useLocalDpi xmlns:a14="http://schemas.microsoft.com/office/drawing/2010/main" val="0"/>
+              </a:ext>
+            </a:extLst>
+          </a:blip>
+          <a:srcRect r="33153"/>
+          <a:stretch/>
+        </p:blipFill>
+        <p:spPr>
+          <a:xfrm>
+            <a:off x="6329436" y="4242025"/>
+            <a:ext cx="2754416" cy="2268855"/>
+          </a:xfrm>
+          <a:prstGeom prst="rect">
+            <a:avLst/>
+          </a:prstGeom>
+          <a:ln w="28575">
+            <a:solidFill>
+              <a:schemeClr val="tx1"/>
+            </a:solidFill>
+          </a:ln>
+        </p:spPr>
+      </p:pic>
+      <p:sp>
+        <p:nvSpPr>
+          <p:cNvPr id="18" name="TextBox 17">
+            <a:extLst>
+              <a:ext uri="{FF2B5EF4-FFF2-40B4-BE49-F238E27FC236}">
+                <a16:creationId xmlns:a16="http://schemas.microsoft.com/office/drawing/2014/main" id="{60E9C8C8-5200-5A2A-51C2-95C701C90882}"/>
+              </a:ext>
+            </a:extLst>
+          </p:cNvPr>
+          <p:cNvSpPr txBox="1"/>
+          <p:nvPr/>
+        </p:nvSpPr>
+        <p:spPr>
+          <a:xfrm>
+            <a:off x="7587031" y="1783806"/>
+            <a:ext cx="1509516" cy="492443"/>
+          </a:xfrm>
+          <a:prstGeom prst="rect">
+            <a:avLst/>
+          </a:prstGeom>
+          <a:solidFill>
+            <a:schemeClr val="bg2"/>
+          </a:solidFill>
+        </p:spPr>
+        <p:txBody>
+          <a:bodyPr wrap="none" lIns="45720" tIns="0" rIns="45720" bIns="0" rtlCol="0">
+            <a:spAutoFit/>
+          </a:bodyPr>
+          <a:lstStyle/>
+          <a:p>
+            <a:pPr algn="r"/>
+            <a:r>
+              <a:rPr lang="en-US" sz="1600" b="1" dirty="0">
+                <a:solidFill>
+                  <a:srgbClr val="FFFF00"/>
+                </a:solidFill>
+              </a:rPr>
+              <a:t>99 Lines</a:t>
+            </a:r>
+          </a:p>
+          <a:p>
+            <a:pPr algn="r"/>
+            <a:r>
+              <a:rPr lang="en-US" sz="1600" b="1" dirty="0">
+                <a:solidFill>
+                  <a:srgbClr val="FFFF00"/>
+                </a:solidFill>
+              </a:rPr>
+              <a:t>2,188 Characters</a:t>
+            </a:r>
+          </a:p>
+        </p:txBody>
+      </p:sp>
+      <p:sp>
+        <p:nvSpPr>
+          <p:cNvPr id="19" name="TextBox 18">
+            <a:extLst>
+              <a:ext uri="{FF2B5EF4-FFF2-40B4-BE49-F238E27FC236}">
+                <a16:creationId xmlns:a16="http://schemas.microsoft.com/office/drawing/2014/main" id="{055F7372-B136-445C-1AE5-2EEA988BCDD9}"/>
+              </a:ext>
+            </a:extLst>
+          </p:cNvPr>
+          <p:cNvSpPr txBox="1"/>
+          <p:nvPr/>
+        </p:nvSpPr>
+        <p:spPr>
+          <a:xfrm>
+            <a:off x="10664900" y="1755242"/>
+            <a:ext cx="1352422" cy="492443"/>
+          </a:xfrm>
+          <a:prstGeom prst="rect">
+            <a:avLst/>
+          </a:prstGeom>
+          <a:solidFill>
+            <a:schemeClr val="bg2"/>
+          </a:solidFill>
+        </p:spPr>
+        <p:txBody>
+          <a:bodyPr wrap="none" lIns="45720" tIns="0" rIns="45720" bIns="0" rtlCol="0">
+            <a:spAutoFit/>
+          </a:bodyPr>
+          <a:lstStyle/>
+          <a:p>
+            <a:pPr algn="r"/>
+            <a:r>
+              <a:rPr lang="en-US" sz="1600" b="1" dirty="0">
+                <a:solidFill>
+                  <a:srgbClr val="FFFF00"/>
+                </a:solidFill>
+              </a:rPr>
+              <a:t>39 Lines</a:t>
+            </a:r>
+          </a:p>
+          <a:p>
+            <a:pPr algn="r"/>
+            <a:r>
+              <a:rPr lang="en-US" sz="1600" b="1" dirty="0">
+                <a:solidFill>
+                  <a:srgbClr val="FFFF00"/>
+                </a:solidFill>
+              </a:rPr>
+              <a:t>612 Characters</a:t>
+            </a:r>
+          </a:p>
+        </p:txBody>
+      </p:sp>
+    </p:spTree>
+    <p:extLst>
+      <p:ext uri="{BB962C8B-B14F-4D97-AF65-F5344CB8AC3E}">
+        <p14:creationId xmlns:p14="http://schemas.microsoft.com/office/powerpoint/2010/main" val="3768155072"/>
+      </p:ext>
+    </p:extLst>
+  </p:cSld>
+  <p:clrMapOvr>
+    <a:masterClrMapping/>
+  </p:clrMapOvr>
+</p:sld>
+</file>
+
+<file path=ppt/slides/slide6.xml><?xml version="1.0" encoding="utf-8"?>
+<p:sld xmlns:a="http://schemas.openxmlformats.org/drawingml/2006/main" xmlns:r="http://schemas.openxmlformats.org/officeDocument/2006/relationships" xmlns:p="http://schemas.openxmlformats.org/presentationml/2006/main">
+  <p:cSld>
+    <p:spTree>
+      <p:nvGrpSpPr>
+        <p:cNvPr id="1" name=""/>
+        <p:cNvGrpSpPr/>
+        <p:nvPr/>
+      </p:nvGrpSpPr>
+      <p:grpSpPr>
+        <a:xfrm>
+          <a:off x="0" y="0"/>
+          <a:ext cx="0" cy="0"/>
+          <a:chOff x="0" y="0"/>
+          <a:chExt cx="0" cy="0"/>
+        </a:xfrm>
+      </p:grpSpPr>
+      <p:sp>
+        <p:nvSpPr>
+          <p:cNvPr id="2" name="Title 1">
+            <a:extLst>
+              <a:ext uri="{FF2B5EF4-FFF2-40B4-BE49-F238E27FC236}">
+                <a16:creationId xmlns:a16="http://schemas.microsoft.com/office/drawing/2014/main" id="{5C9F59D0-33F3-CA82-290D-83585308DE0D}"/>
+              </a:ext>
+            </a:extLst>
+          </p:cNvPr>
+          <p:cNvSpPr>
+            <a:spLocks noGrp="1"/>
+          </p:cNvSpPr>
+          <p:nvPr>
+            <p:ph type="title"/>
+          </p:nvPr>
+        </p:nvSpPr>
+        <p:spPr/>
+        <p:txBody>
+          <a:bodyPr/>
+          <a:lstStyle/>
+          <a:p>
+            <a:r>
+              <a:rPr lang="en-US" dirty="0"/>
+              <a:t>First draft</a:t>
+            </a:r>
+          </a:p>
+        </p:txBody>
+      </p:sp>
+      <p:sp>
+        <p:nvSpPr>
+          <p:cNvPr id="3" name="Content Placeholder 2">
+            <a:extLst>
+              <a:ext uri="{FF2B5EF4-FFF2-40B4-BE49-F238E27FC236}">
+                <a16:creationId xmlns:a16="http://schemas.microsoft.com/office/drawing/2014/main" id="{4E1E9633-2823-8ECF-63C3-4DCF7FB3DF6A}"/>
+              </a:ext>
+            </a:extLst>
+          </p:cNvPr>
+          <p:cNvSpPr>
+            <a:spLocks noGrp="1"/>
+          </p:cNvSpPr>
+          <p:nvPr>
+            <p:ph idx="1"/>
+          </p:nvPr>
+        </p:nvSpPr>
+        <p:spPr/>
+        <p:txBody>
+          <a:bodyPr/>
+          <a:lstStyle/>
+          <a:p>
+            <a:r>
+              <a:rPr lang="en-US" dirty="0">
+                <a:cs typeface="Calibri"/>
+              </a:rPr>
+              <a:t>Leverage existing technology: </a:t>
+            </a:r>
+            <a:r>
+              <a:rPr lang="en-US" sz="2800" dirty="0">
+                <a:cs typeface="Calibri"/>
+              </a:rPr>
+              <a:t>AI/ML communities know how to efficiently solve models for gradient-based optimization.</a:t>
+            </a:r>
+          </a:p>
+        </p:txBody>
+      </p:sp>
+      <p:sp>
+        <p:nvSpPr>
+          <p:cNvPr id="4" name="Rectangle 3">
+            <a:extLst>
+              <a:ext uri="{FF2B5EF4-FFF2-40B4-BE49-F238E27FC236}">
+                <a16:creationId xmlns:a16="http://schemas.microsoft.com/office/drawing/2014/main" id="{0FED833F-1FFC-B810-EFFD-6FE9FEA6F3BA}"/>
+              </a:ext>
+            </a:extLst>
+          </p:cNvPr>
+          <p:cNvSpPr/>
+          <p:nvPr/>
+        </p:nvSpPr>
+        <p:spPr>
+          <a:xfrm>
+            <a:off x="2562290" y="2778316"/>
+            <a:ext cx="2095276" cy="1196488"/>
+          </a:xfrm>
+          <a:prstGeom prst="rect">
+            <a:avLst/>
+          </a:prstGeom>
+        </p:spPr>
+        <p:style>
+          <a:lnRef idx="2">
+            <a:schemeClr val="accent1">
+              <a:shade val="50000"/>
+            </a:schemeClr>
+          </a:lnRef>
+          <a:fillRef idx="1">
+            <a:schemeClr val="accent1"/>
+          </a:fillRef>
+          <a:effectRef idx="0">
+            <a:schemeClr val="accent1"/>
+          </a:effectRef>
+          <a:fontRef idx="minor">
+            <a:schemeClr val="lt1"/>
+          </a:fontRef>
+        </p:style>
+        <p:txBody>
+          <a:bodyPr rtlCol="0" anchor="ctr"/>
+          <a:lstStyle/>
+          <a:p>
+            <a:pPr algn="ctr"/>
+            <a:r>
+              <a:rPr lang="en-US" sz="2000"/>
+              <a:t>Rapid model development in Python</a:t>
+            </a:r>
+          </a:p>
+        </p:txBody>
+      </p:sp>
+      <p:sp>
+        <p:nvSpPr>
+          <p:cNvPr id="5" name="Rectangle 4">
+            <a:extLst>
+              <a:ext uri="{FF2B5EF4-FFF2-40B4-BE49-F238E27FC236}">
+                <a16:creationId xmlns:a16="http://schemas.microsoft.com/office/drawing/2014/main" id="{03E587E1-301B-BB05-7666-1BDE541B39BC}"/>
+              </a:ext>
+            </a:extLst>
+          </p:cNvPr>
+          <p:cNvSpPr/>
+          <p:nvPr/>
+        </p:nvSpPr>
+        <p:spPr>
+          <a:xfrm>
+            <a:off x="4459009" y="4233999"/>
+            <a:ext cx="1753423" cy="1196488"/>
+          </a:xfrm>
+          <a:prstGeom prst="rect">
+            <a:avLst/>
+          </a:prstGeom>
+        </p:spPr>
+        <p:style>
+          <a:lnRef idx="2">
+            <a:schemeClr val="accent1">
+              <a:shade val="50000"/>
+            </a:schemeClr>
+          </a:lnRef>
+          <a:fillRef idx="1">
+            <a:schemeClr val="accent1"/>
+          </a:fillRef>
+          <a:effectRef idx="0">
+            <a:schemeClr val="accent1"/>
+          </a:effectRef>
+          <a:fontRef idx="minor">
+            <a:schemeClr val="lt1"/>
+          </a:fontRef>
+        </p:style>
+        <p:txBody>
+          <a:bodyPr rtlCol="0" anchor="ctr"/>
+          <a:lstStyle/>
+          <a:p>
+            <a:pPr algn="ctr"/>
+            <a:r>
+              <a:rPr lang="en-US" sz="2000"/>
+              <a:t>Symbolic and Automatic Differentiation</a:t>
+            </a:r>
+          </a:p>
+        </p:txBody>
+      </p:sp>
+      <p:sp>
+        <p:nvSpPr>
+          <p:cNvPr id="6" name="Rectangle 5">
+            <a:extLst>
+              <a:ext uri="{FF2B5EF4-FFF2-40B4-BE49-F238E27FC236}">
+                <a16:creationId xmlns:a16="http://schemas.microsoft.com/office/drawing/2014/main" id="{E198C556-3CB0-6F51-A11B-E40C5DF5050B}"/>
+              </a:ext>
+            </a:extLst>
+          </p:cNvPr>
+          <p:cNvSpPr/>
+          <p:nvPr/>
+        </p:nvSpPr>
+        <p:spPr>
+          <a:xfrm>
+            <a:off x="7735330" y="2734962"/>
+            <a:ext cx="3229093" cy="1754848"/>
+          </a:xfrm>
+          <a:prstGeom prst="rect">
+            <a:avLst/>
+          </a:prstGeom>
+        </p:spPr>
+        <p:style>
+          <a:lnRef idx="2">
+            <a:schemeClr val="accent1">
+              <a:shade val="50000"/>
+            </a:schemeClr>
+          </a:lnRef>
+          <a:fillRef idx="1">
+            <a:schemeClr val="accent1"/>
+          </a:fillRef>
+          <a:effectRef idx="0">
+            <a:schemeClr val="accent1"/>
+          </a:effectRef>
+          <a:fontRef idx="minor">
+            <a:schemeClr val="lt1"/>
+          </a:fontRef>
+        </p:style>
+        <p:txBody>
+          <a:bodyPr rtlCol="0" anchor="ctr"/>
+          <a:lstStyle/>
+          <a:p>
+            <a:pPr algn="ctr"/>
+            <a:r>
+              <a:rPr lang="en-US" sz="2000"/>
+              <a:t>Computation acceleration:</a:t>
+            </a:r>
+          </a:p>
+          <a:p>
+            <a:pPr marL="285750" indent="-285750">
+              <a:buFont typeface="Arial" panose="020B0604020202020204" pitchFamily="34" charset="0"/>
+              <a:buChar char="•"/>
+            </a:pPr>
+            <a:r>
+              <a:rPr lang="en-US" sz="2000"/>
+              <a:t>Compiled C/Fortran</a:t>
+            </a:r>
+          </a:p>
+          <a:p>
+            <a:pPr marL="285750" indent="-285750">
+              <a:buFont typeface="Arial" panose="020B0604020202020204" pitchFamily="34" charset="0"/>
+              <a:buChar char="•"/>
+            </a:pPr>
+            <a:r>
+              <a:rPr lang="en-US" sz="2000"/>
+              <a:t>GPU and distributed HPC</a:t>
+            </a:r>
+          </a:p>
+        </p:txBody>
+      </p:sp>
+      <p:sp>
+        <p:nvSpPr>
+          <p:cNvPr id="7" name="Rectangle 6">
+            <a:extLst>
+              <a:ext uri="{FF2B5EF4-FFF2-40B4-BE49-F238E27FC236}">
+                <a16:creationId xmlns:a16="http://schemas.microsoft.com/office/drawing/2014/main" id="{265858CD-044A-70F2-9C38-78A91D8F1B32}"/>
+              </a:ext>
+            </a:extLst>
+          </p:cNvPr>
+          <p:cNvSpPr/>
+          <p:nvPr/>
+        </p:nvSpPr>
+        <p:spPr>
+          <a:xfrm>
+            <a:off x="8148272" y="4741671"/>
+            <a:ext cx="2563904" cy="1196488"/>
+          </a:xfrm>
+          <a:prstGeom prst="rect">
+            <a:avLst/>
+          </a:prstGeom>
+        </p:spPr>
+        <p:style>
+          <a:lnRef idx="2">
+            <a:schemeClr val="accent1">
+              <a:shade val="50000"/>
+            </a:schemeClr>
+          </a:lnRef>
+          <a:fillRef idx="1">
+            <a:schemeClr val="accent1"/>
+          </a:fillRef>
+          <a:effectRef idx="0">
+            <a:schemeClr val="accent1"/>
+          </a:effectRef>
+          <a:fontRef idx="minor">
+            <a:schemeClr val="lt1"/>
+          </a:fontRef>
+        </p:style>
+        <p:txBody>
+          <a:bodyPr rtlCol="0" anchor="ctr"/>
+          <a:lstStyle/>
+          <a:p>
+            <a:pPr algn="ctr"/>
+            <a:r>
+              <a:rPr lang="en-US" sz="2000"/>
+              <a:t>Automatic interfacing to well-known </a:t>
+            </a:r>
+            <a:r>
+              <a:rPr lang="en-US" sz="2000" i="1"/>
+              <a:t>solvers</a:t>
+            </a:r>
+          </a:p>
+        </p:txBody>
+      </p:sp>
+      <p:cxnSp>
+        <p:nvCxnSpPr>
+          <p:cNvPr id="8" name="Straight Arrow Connector 7">
+            <a:extLst>
+              <a:ext uri="{FF2B5EF4-FFF2-40B4-BE49-F238E27FC236}">
+                <a16:creationId xmlns:a16="http://schemas.microsoft.com/office/drawing/2014/main" id="{D33CE526-A882-E937-BCC7-3C0DDA39F070}"/>
+              </a:ext>
+            </a:extLst>
+          </p:cNvPr>
+          <p:cNvCxnSpPr>
+            <a:cxnSpLocks/>
+            <a:stCxn id="4" idx="3"/>
+            <a:endCxn id="5" idx="0"/>
+          </p:cNvCxnSpPr>
+          <p:nvPr/>
+        </p:nvCxnSpPr>
+        <p:spPr>
+          <a:xfrm>
+            <a:off x="4657566" y="3376560"/>
+            <a:ext cx="678155" cy="857439"/>
+          </a:xfrm>
+          <a:prstGeom prst="straightConnector1">
+            <a:avLst/>
+          </a:prstGeom>
+          <a:ln>
+            <a:tailEnd type="triangle"/>
+          </a:ln>
+        </p:spPr>
+        <p:style>
+          <a:lnRef idx="1">
+            <a:schemeClr val="accent1"/>
+          </a:lnRef>
+          <a:fillRef idx="0">
+            <a:schemeClr val="accent1"/>
+          </a:fillRef>
+          <a:effectRef idx="0">
+            <a:schemeClr val="accent1"/>
+          </a:effectRef>
+          <a:fontRef idx="minor">
+            <a:schemeClr val="tx1"/>
+          </a:fontRef>
+        </p:style>
+      </p:cxnSp>
+      <p:cxnSp>
+        <p:nvCxnSpPr>
+          <p:cNvPr id="9" name="Straight Arrow Connector 8">
+            <a:extLst>
+              <a:ext uri="{FF2B5EF4-FFF2-40B4-BE49-F238E27FC236}">
+                <a16:creationId xmlns:a16="http://schemas.microsoft.com/office/drawing/2014/main" id="{5B158186-2D45-05BB-FB12-C6A12036B54C}"/>
+              </a:ext>
+            </a:extLst>
+          </p:cNvPr>
+          <p:cNvCxnSpPr>
+            <a:cxnSpLocks/>
+            <a:stCxn id="4" idx="3"/>
+            <a:endCxn id="7" idx="1"/>
+          </p:cNvCxnSpPr>
+          <p:nvPr/>
+        </p:nvCxnSpPr>
+        <p:spPr>
+          <a:xfrm>
+            <a:off x="4657566" y="3376560"/>
+            <a:ext cx="3490706" cy="1963355"/>
+          </a:xfrm>
+          <a:prstGeom prst="straightConnector1">
+            <a:avLst/>
+          </a:prstGeom>
+          <a:ln>
+            <a:tailEnd type="triangle"/>
+          </a:ln>
+        </p:spPr>
+        <p:style>
+          <a:lnRef idx="1">
+            <a:schemeClr val="accent1"/>
+          </a:lnRef>
+          <a:fillRef idx="0">
+            <a:schemeClr val="accent1"/>
+          </a:fillRef>
+          <a:effectRef idx="0">
+            <a:schemeClr val="accent1"/>
+          </a:effectRef>
+          <a:fontRef idx="minor">
+            <a:schemeClr val="tx1"/>
+          </a:fontRef>
+        </p:style>
+      </p:cxnSp>
+      <p:cxnSp>
+        <p:nvCxnSpPr>
+          <p:cNvPr id="10" name="Straight Arrow Connector 9">
+            <a:extLst>
+              <a:ext uri="{FF2B5EF4-FFF2-40B4-BE49-F238E27FC236}">
+                <a16:creationId xmlns:a16="http://schemas.microsoft.com/office/drawing/2014/main" id="{F8CD3DE3-F75F-413D-39C6-4635C4F0392F}"/>
+              </a:ext>
+            </a:extLst>
+          </p:cNvPr>
+          <p:cNvCxnSpPr>
+            <a:cxnSpLocks/>
+            <a:stCxn id="4" idx="3"/>
+            <a:endCxn id="6" idx="1"/>
+          </p:cNvCxnSpPr>
+          <p:nvPr/>
+        </p:nvCxnSpPr>
+        <p:spPr>
+          <a:xfrm>
+            <a:off x="4657566" y="3376560"/>
+            <a:ext cx="3077764" cy="235826"/>
+          </a:xfrm>
+          <a:prstGeom prst="straightConnector1">
+            <a:avLst/>
+          </a:prstGeom>
+          <a:ln>
+            <a:tailEnd type="triangle"/>
+          </a:ln>
+        </p:spPr>
+        <p:style>
+          <a:lnRef idx="1">
+            <a:schemeClr val="accent1"/>
+          </a:lnRef>
+          <a:fillRef idx="0">
+            <a:schemeClr val="accent1"/>
+          </a:fillRef>
+          <a:effectRef idx="0">
+            <a:schemeClr val="accent1"/>
+          </a:effectRef>
+          <a:fontRef idx="minor">
+            <a:schemeClr val="tx1"/>
+          </a:fontRef>
+        </p:style>
+      </p:cxnSp>
+      <p:cxnSp>
+        <p:nvCxnSpPr>
+          <p:cNvPr id="11" name="Straight Arrow Connector 10">
+            <a:extLst>
+              <a:ext uri="{FF2B5EF4-FFF2-40B4-BE49-F238E27FC236}">
+                <a16:creationId xmlns:a16="http://schemas.microsoft.com/office/drawing/2014/main" id="{EF5C91D9-FEAB-C007-9CA5-4E3FEEE544B9}"/>
+              </a:ext>
+            </a:extLst>
+          </p:cNvPr>
+          <p:cNvCxnSpPr>
+            <a:cxnSpLocks/>
+            <a:stCxn id="5" idx="3"/>
+            <a:endCxn id="6" idx="1"/>
+          </p:cNvCxnSpPr>
+          <p:nvPr/>
+        </p:nvCxnSpPr>
+        <p:spPr>
+          <a:xfrm flipV="1">
+            <a:off x="6212432" y="3612386"/>
+            <a:ext cx="1522898" cy="1219857"/>
+          </a:xfrm>
+          <a:prstGeom prst="straightConnector1">
+            <a:avLst/>
+          </a:prstGeom>
+          <a:ln>
+            <a:tailEnd type="triangle"/>
+          </a:ln>
+        </p:spPr>
+        <p:style>
+          <a:lnRef idx="1">
+            <a:schemeClr val="accent1"/>
+          </a:lnRef>
+          <a:fillRef idx="0">
+            <a:schemeClr val="accent1"/>
+          </a:fillRef>
+          <a:effectRef idx="0">
+            <a:schemeClr val="accent1"/>
+          </a:effectRef>
+          <a:fontRef idx="minor">
+            <a:schemeClr val="tx1"/>
+          </a:fontRef>
+        </p:style>
+      </p:cxnSp>
+      <p:cxnSp>
+        <p:nvCxnSpPr>
+          <p:cNvPr id="12" name="Straight Arrow Connector 11">
+            <a:extLst>
+              <a:ext uri="{FF2B5EF4-FFF2-40B4-BE49-F238E27FC236}">
+                <a16:creationId xmlns:a16="http://schemas.microsoft.com/office/drawing/2014/main" id="{21D4D919-FEE7-5CB3-D5E5-D2B5D510D7EE}"/>
+              </a:ext>
+            </a:extLst>
+          </p:cNvPr>
+          <p:cNvCxnSpPr>
+            <a:cxnSpLocks/>
+            <a:stCxn id="5" idx="3"/>
+            <a:endCxn id="7" idx="1"/>
+          </p:cNvCxnSpPr>
+          <p:nvPr/>
+        </p:nvCxnSpPr>
+        <p:spPr>
+          <a:xfrm>
+            <a:off x="6212432" y="4832243"/>
+            <a:ext cx="1935840" cy="507672"/>
+          </a:xfrm>
+          <a:prstGeom prst="straightConnector1">
+            <a:avLst/>
+          </a:prstGeom>
+          <a:ln>
+            <a:tailEnd type="triangle"/>
+          </a:ln>
+        </p:spPr>
+        <p:style>
+          <a:lnRef idx="1">
+            <a:schemeClr val="accent1"/>
+          </a:lnRef>
+          <a:fillRef idx="0">
+            <a:schemeClr val="accent1"/>
+          </a:fillRef>
+          <a:effectRef idx="0">
+            <a:schemeClr val="accent1"/>
+          </a:effectRef>
+          <a:fontRef idx="minor">
+            <a:schemeClr val="tx1"/>
+          </a:fontRef>
+        </p:style>
+      </p:cxnSp>
+      <p:sp>
+        <p:nvSpPr>
+          <p:cNvPr id="13" name="Rectangle 12">
+            <a:extLst>
+              <a:ext uri="{FF2B5EF4-FFF2-40B4-BE49-F238E27FC236}">
+                <a16:creationId xmlns:a16="http://schemas.microsoft.com/office/drawing/2014/main" id="{5A835386-E84A-F672-3605-A104A3432185}"/>
+              </a:ext>
+            </a:extLst>
+          </p:cNvPr>
+          <p:cNvSpPr/>
+          <p:nvPr/>
+        </p:nvSpPr>
+        <p:spPr>
+          <a:xfrm>
+            <a:off x="2467476" y="5194991"/>
+            <a:ext cx="1458576" cy="1196488"/>
+          </a:xfrm>
+          <a:prstGeom prst="rect">
+            <a:avLst/>
+          </a:prstGeom>
+        </p:spPr>
+        <p:style>
+          <a:lnRef idx="2">
+            <a:schemeClr val="accent1">
+              <a:shade val="50000"/>
+            </a:schemeClr>
+          </a:lnRef>
+          <a:fillRef idx="1">
+            <a:schemeClr val="accent1"/>
+          </a:fillRef>
+          <a:effectRef idx="0">
+            <a:schemeClr val="accent1"/>
+          </a:effectRef>
+          <a:fontRef idx="minor">
+            <a:schemeClr val="lt1"/>
+          </a:fontRef>
+        </p:style>
+        <p:txBody>
+          <a:bodyPr rtlCol="0" anchor="ctr"/>
+          <a:lstStyle/>
+          <a:p>
+            <a:pPr algn="ctr"/>
+            <a:r>
+              <a:rPr lang="en-US" sz="2000" dirty="0"/>
+              <a:t>Facilitate interface to existing codes</a:t>
+            </a:r>
+          </a:p>
+        </p:txBody>
+      </p:sp>
+      <p:cxnSp>
+        <p:nvCxnSpPr>
+          <p:cNvPr id="14" name="Straight Arrow Connector 13">
+            <a:extLst>
+              <a:ext uri="{FF2B5EF4-FFF2-40B4-BE49-F238E27FC236}">
+                <a16:creationId xmlns:a16="http://schemas.microsoft.com/office/drawing/2014/main" id="{26767167-53DC-5172-FE16-63739E934C05}"/>
+              </a:ext>
+            </a:extLst>
+          </p:cNvPr>
+          <p:cNvCxnSpPr>
+            <a:stCxn id="6" idx="2"/>
+            <a:endCxn id="7" idx="0"/>
+          </p:cNvCxnSpPr>
+          <p:nvPr/>
+        </p:nvCxnSpPr>
+        <p:spPr>
+          <a:xfrm>
+            <a:off x="9349877" y="4489810"/>
+            <a:ext cx="80347" cy="251861"/>
+          </a:xfrm>
+          <a:prstGeom prst="straightConnector1">
+            <a:avLst/>
+          </a:prstGeom>
+          <a:ln>
+            <a:headEnd type="triangle"/>
+            <a:tailEnd type="triangle"/>
+          </a:ln>
+        </p:spPr>
+        <p:style>
+          <a:lnRef idx="1">
+            <a:schemeClr val="accent1"/>
+          </a:lnRef>
+          <a:fillRef idx="0">
+            <a:schemeClr val="accent1"/>
+          </a:fillRef>
+          <a:effectRef idx="0">
+            <a:schemeClr val="accent1"/>
+          </a:effectRef>
+          <a:fontRef idx="minor">
+            <a:schemeClr val="tx1"/>
+          </a:fontRef>
+        </p:style>
+      </p:cxnSp>
+      <p:cxnSp>
+        <p:nvCxnSpPr>
+          <p:cNvPr id="15" name="Straight Arrow Connector 14">
+            <a:extLst>
+              <a:ext uri="{FF2B5EF4-FFF2-40B4-BE49-F238E27FC236}">
+                <a16:creationId xmlns:a16="http://schemas.microsoft.com/office/drawing/2014/main" id="{294FEB13-68E6-AD56-2FC9-122A53E2FA7A}"/>
+              </a:ext>
+            </a:extLst>
+          </p:cNvPr>
+          <p:cNvCxnSpPr>
+            <a:cxnSpLocks/>
+            <a:stCxn id="13" idx="0"/>
+            <a:endCxn id="4" idx="2"/>
+          </p:cNvCxnSpPr>
+          <p:nvPr/>
+        </p:nvCxnSpPr>
+        <p:spPr>
+          <a:xfrm flipV="1">
+            <a:off x="3196764" y="3974804"/>
+            <a:ext cx="413164" cy="1220187"/>
+          </a:xfrm>
+          <a:prstGeom prst="straightConnector1">
+            <a:avLst/>
+          </a:prstGeom>
+          <a:ln>
+            <a:tailEnd type="triangle"/>
+          </a:ln>
+        </p:spPr>
+        <p:style>
+          <a:lnRef idx="1">
+            <a:schemeClr val="accent1"/>
+          </a:lnRef>
+          <a:fillRef idx="0">
+            <a:schemeClr val="accent1"/>
+          </a:fillRef>
+          <a:effectRef idx="0">
+            <a:schemeClr val="accent1"/>
+          </a:effectRef>
+          <a:fontRef idx="minor">
+            <a:schemeClr val="tx1"/>
+          </a:fontRef>
+        </p:style>
+      </p:cxnSp>
+      <p:cxnSp>
+        <p:nvCxnSpPr>
+          <p:cNvPr id="16" name="Straight Arrow Connector 15">
+            <a:extLst>
+              <a:ext uri="{FF2B5EF4-FFF2-40B4-BE49-F238E27FC236}">
+                <a16:creationId xmlns:a16="http://schemas.microsoft.com/office/drawing/2014/main" id="{8861E211-FC92-968F-4A22-F0FE5F88D475}"/>
+              </a:ext>
+            </a:extLst>
+          </p:cNvPr>
+          <p:cNvCxnSpPr>
+            <a:stCxn id="13" idx="3"/>
+            <a:endCxn id="7" idx="1"/>
+          </p:cNvCxnSpPr>
+          <p:nvPr/>
+        </p:nvCxnSpPr>
+        <p:spPr>
+          <a:xfrm flipV="1">
+            <a:off x="3926052" y="5339915"/>
+            <a:ext cx="4222220" cy="453320"/>
+          </a:xfrm>
+          <a:prstGeom prst="straightConnector1">
+            <a:avLst/>
+          </a:prstGeom>
+          <a:ln>
+            <a:tailEnd type="triangle"/>
+          </a:ln>
+        </p:spPr>
+        <p:style>
+          <a:lnRef idx="1">
+            <a:schemeClr val="accent1"/>
+          </a:lnRef>
+          <a:fillRef idx="0">
+            <a:schemeClr val="accent1"/>
+          </a:fillRef>
+          <a:effectRef idx="0">
+            <a:schemeClr val="accent1"/>
+          </a:effectRef>
+          <a:fontRef idx="minor">
+            <a:schemeClr val="tx1"/>
+          </a:fontRef>
+        </p:style>
+      </p:cxnSp>
+    </p:spTree>
+    <p:extLst>
+      <p:ext uri="{BB962C8B-B14F-4D97-AF65-F5344CB8AC3E}">
+        <p14:creationId xmlns:p14="http://schemas.microsoft.com/office/powerpoint/2010/main" val="2500313533"/>
+      </p:ext>
+    </p:extLst>
+  </p:cSld>
+  <p:clrMapOvr>
+    <a:masterClrMapping/>
+  </p:clrMapOvr>
+</p:sld>
+</file>
+
+<file path=ppt/slides/slide7.xml><?xml version="1.0" encoding="utf-8"?>
+<p:sld xmlns:a="http://schemas.openxmlformats.org/drawingml/2006/main" xmlns:r="http://schemas.openxmlformats.org/officeDocument/2006/relationships" xmlns:p="http://schemas.openxmlformats.org/presentationml/2006/main">
+  <p:cSld>
+    <p:spTree>
+      <p:nvGrpSpPr>
+        <p:cNvPr id="1" name=""/>
+        <p:cNvGrpSpPr/>
+        <p:nvPr/>
+      </p:nvGrpSpPr>
+      <p:grpSpPr>
+        <a:xfrm>
+          <a:off x="0" y="0"/>
+          <a:ext cx="0" cy="0"/>
+          <a:chOff x="0" y="0"/>
+          <a:chExt cx="0" cy="0"/>
+        </a:xfrm>
+      </p:grpSpPr>
+      <p:sp>
+        <p:nvSpPr>
+          <p:cNvPr id="2" name="Title 1">
+            <a:extLst>
+              <a:ext uri="{FF2B5EF4-FFF2-40B4-BE49-F238E27FC236}">
+                <a16:creationId xmlns:a16="http://schemas.microsoft.com/office/drawing/2014/main" id="{D3B14638-4C8A-8373-707F-027CE6DE6DD9}"/>
+              </a:ext>
+            </a:extLst>
+          </p:cNvPr>
+          <p:cNvSpPr>
+            <a:spLocks noGrp="1"/>
+          </p:cNvSpPr>
+          <p:nvPr>
+            <p:ph type="title"/>
+          </p:nvPr>
+        </p:nvSpPr>
+        <p:spPr/>
+        <p:txBody>
+          <a:bodyPr/>
+          <a:lstStyle/>
+          <a:p>
+            <a:r>
+              <a:rPr lang="en-US" dirty="0"/>
+              <a:t>Goals</a:t>
+            </a:r>
+          </a:p>
+        </p:txBody>
+      </p:sp>
+      <p:sp>
+        <p:nvSpPr>
+          <p:cNvPr id="3" name="Content Placeholder 2">
+            <a:extLst>
+              <a:ext uri="{FF2B5EF4-FFF2-40B4-BE49-F238E27FC236}">
+                <a16:creationId xmlns:a16="http://schemas.microsoft.com/office/drawing/2014/main" id="{B36EFDA3-88D0-D511-E3F7-625B340A0AD8}"/>
+              </a:ext>
+            </a:extLst>
+          </p:cNvPr>
+          <p:cNvSpPr>
+            <a:spLocks noGrp="1"/>
+          </p:cNvSpPr>
+          <p:nvPr>
+            <p:ph idx="1"/>
+          </p:nvPr>
+        </p:nvSpPr>
+        <p:spPr/>
+        <p:txBody>
+          <a:bodyPr>
+            <a:normAutofit lnSpcReduction="10000"/>
+          </a:bodyPr>
+          <a:lstStyle/>
+          <a:p>
+            <a:r>
+              <a:rPr lang="en-US" dirty="0">
+                <a:cs typeface="Calibri"/>
+              </a:rPr>
+              <a:t>Use pythonic patterns, built-ins, and existing libraries as much as possible</a:t>
+            </a:r>
+          </a:p>
+          <a:p>
+            <a:r>
+              <a:rPr lang="en-US" dirty="0">
+                <a:cs typeface="Calibri"/>
+              </a:rPr>
+              <a:t>Through Leveraging existing off-the-shelf (AI/ML) technology and best practices for code development</a:t>
+            </a:r>
+          </a:p>
+          <a:p>
+            <a:pPr marL="971550" lvl="1" indent="-514350">
+              <a:buFont typeface="+mj-lt"/>
+              <a:buAutoNum type="arabicPeriod"/>
+            </a:pPr>
+            <a:r>
+              <a:rPr lang="en-US" dirty="0">
+                <a:cs typeface="Calibri"/>
+              </a:rPr>
+              <a:t>Provide well vetted tools that can do Automatic Differentiation (AD)</a:t>
+            </a:r>
+          </a:p>
+          <a:p>
+            <a:pPr marL="971550" lvl="1" indent="-514350">
+              <a:buFont typeface="+mj-lt"/>
+              <a:buAutoNum type="arabicPeriod"/>
+            </a:pPr>
+            <a:r>
+              <a:rPr lang="en-US" dirty="0">
+                <a:cs typeface="Calibri"/>
+              </a:rPr>
+              <a:t>Reduce the time to code development both to upgrade existing code and to modify it to expand it capability</a:t>
+            </a:r>
+          </a:p>
+          <a:p>
+            <a:pPr marL="971550" lvl="1" indent="-514350">
+              <a:buFont typeface="+mj-lt"/>
+              <a:buAutoNum type="arabicPeriod"/>
+            </a:pPr>
+            <a:r>
+              <a:rPr lang="en-US" dirty="0">
+                <a:cs typeface="Calibri"/>
+              </a:rPr>
+              <a:t>Improve robustness of the tool chain due to the above benefits</a:t>
+            </a:r>
+          </a:p>
+          <a:p>
+            <a:pPr marL="971550" lvl="1" indent="-514350">
+              <a:buFont typeface="+mj-lt"/>
+              <a:buAutoNum type="arabicPeriod"/>
+            </a:pPr>
+            <a:r>
+              <a:rPr lang="en-US" dirty="0">
+                <a:cs typeface="Calibri"/>
+              </a:rPr>
+              <a:t>Speed up the CPU time to solutions due to Code generation/ Computational acceleration</a:t>
+            </a:r>
+          </a:p>
+          <a:p>
+            <a:r>
+              <a:rPr lang="en-US" dirty="0"/>
+              <a:t>Delivery of analysis! Not tool development</a:t>
+            </a:r>
+          </a:p>
+        </p:txBody>
+      </p:sp>
+    </p:spTree>
+    <p:extLst>
+      <p:ext uri="{BB962C8B-B14F-4D97-AF65-F5344CB8AC3E}">
+        <p14:creationId xmlns:p14="http://schemas.microsoft.com/office/powerpoint/2010/main" val="3707115595"/>
+      </p:ext>
+    </p:extLst>
+  </p:cSld>
+  <p:clrMapOvr>
+    <a:masterClrMapping/>
+  </p:clrMapOvr>
+</p:sld>
+</file>
+
+<file path=ppt/slides/slide8.xml><?xml version="1.0" encoding="utf-8"?>
+<p:sld xmlns:a="http://schemas.openxmlformats.org/drawingml/2006/main" xmlns:r="http://schemas.openxmlformats.org/officeDocument/2006/relationships" xmlns:p="http://schemas.openxmlformats.org/presentationml/2006/main">
+  <p:cSld>
+    <p:spTree>
+      <p:nvGrpSpPr>
+        <p:cNvPr id="1" name=""/>
+        <p:cNvGrpSpPr/>
+        <p:nvPr/>
+      </p:nvGrpSpPr>
+      <p:grpSpPr>
+        <a:xfrm>
+          <a:off x="0" y="0"/>
+          <a:ext cx="0" cy="0"/>
+          <a:chOff x="0" y="0"/>
+          <a:chExt cx="0" cy="0"/>
+        </a:xfrm>
+      </p:grpSpPr>
+      <p:sp>
+        <p:nvSpPr>
+          <p:cNvPr id="42" name="Freeform 41">
+            <a:extLst>
+              <a:ext uri="{FF2B5EF4-FFF2-40B4-BE49-F238E27FC236}">
+                <a16:creationId xmlns:a16="http://schemas.microsoft.com/office/drawing/2014/main" id="{8A4978F4-A867-51F3-6668-8967EBC39DE2}"/>
+              </a:ext>
+            </a:extLst>
+          </p:cNvPr>
+          <p:cNvSpPr/>
+          <p:nvPr/>
+        </p:nvSpPr>
+        <p:spPr>
+          <a:xfrm>
+            <a:off x="4261099" y="1690688"/>
+            <a:ext cx="7241059" cy="4868562"/>
+          </a:xfrm>
+          <a:custGeom>
+            <a:avLst/>
+            <a:gdLst>
+              <a:gd name="connsiteX0" fmla="*/ 2829697 w 7241059"/>
+              <a:gd name="connsiteY0" fmla="*/ 0 h 4868562"/>
+              <a:gd name="connsiteX1" fmla="*/ 2829697 w 7241059"/>
+              <a:gd name="connsiteY1" fmla="*/ 2619633 h 4868562"/>
+              <a:gd name="connsiteX2" fmla="*/ 0 w 7241059"/>
+              <a:gd name="connsiteY2" fmla="*/ 2619633 h 4868562"/>
+              <a:gd name="connsiteX3" fmla="*/ 0 w 7241059"/>
+              <a:gd name="connsiteY3" fmla="*/ 2434281 h 4868562"/>
+              <a:gd name="connsiteX4" fmla="*/ 0 w 7241059"/>
+              <a:gd name="connsiteY4" fmla="*/ 4868562 h 4868562"/>
+              <a:gd name="connsiteX5" fmla="*/ 123567 w 7241059"/>
+              <a:gd name="connsiteY5" fmla="*/ 4868562 h 4868562"/>
+              <a:gd name="connsiteX6" fmla="*/ 7241059 w 7241059"/>
+              <a:gd name="connsiteY6" fmla="*/ 4868562 h 4868562"/>
+              <a:gd name="connsiteX7" fmla="*/ 7241059 w 7241059"/>
+              <a:gd name="connsiteY7" fmla="*/ 0 h 4868562"/>
+              <a:gd name="connsiteX8" fmla="*/ 7080421 w 7241059"/>
+              <a:gd name="connsiteY8" fmla="*/ 0 h 4868562"/>
+              <a:gd name="connsiteX9" fmla="*/ 2829697 w 7241059"/>
+              <a:gd name="connsiteY9" fmla="*/ 0 h 4868562"/>
+              <a:gd name="connsiteX0" fmla="*/ 2829697 w 7241059"/>
+              <a:gd name="connsiteY0" fmla="*/ 0 h 4868562"/>
+              <a:gd name="connsiteX1" fmla="*/ 2829697 w 7241059"/>
+              <a:gd name="connsiteY1" fmla="*/ 2619633 h 4868562"/>
+              <a:gd name="connsiteX2" fmla="*/ 0 w 7241059"/>
+              <a:gd name="connsiteY2" fmla="*/ 2619633 h 4868562"/>
+              <a:gd name="connsiteX3" fmla="*/ 0 w 7241059"/>
+              <a:gd name="connsiteY3" fmla="*/ 2656702 h 4868562"/>
+              <a:gd name="connsiteX4" fmla="*/ 0 w 7241059"/>
+              <a:gd name="connsiteY4" fmla="*/ 4868562 h 4868562"/>
+              <a:gd name="connsiteX5" fmla="*/ 123567 w 7241059"/>
+              <a:gd name="connsiteY5" fmla="*/ 4868562 h 4868562"/>
+              <a:gd name="connsiteX6" fmla="*/ 7241059 w 7241059"/>
+              <a:gd name="connsiteY6" fmla="*/ 4868562 h 4868562"/>
+              <a:gd name="connsiteX7" fmla="*/ 7241059 w 7241059"/>
+              <a:gd name="connsiteY7" fmla="*/ 0 h 4868562"/>
+              <a:gd name="connsiteX8" fmla="*/ 7080421 w 7241059"/>
+              <a:gd name="connsiteY8" fmla="*/ 0 h 4868562"/>
+              <a:gd name="connsiteX9" fmla="*/ 2829697 w 7241059"/>
+              <a:gd name="connsiteY9" fmla="*/ 0 h 4868562"/>
+            </a:gdLst>
+            <a:ahLst/>
+            <a:cxnLst>
+              <a:cxn ang="0">
+                <a:pos x="connsiteX0" y="connsiteY0"/>
+              </a:cxn>
+              <a:cxn ang="0">
+                <a:pos x="connsiteX1" y="connsiteY1"/>
+              </a:cxn>
+              <a:cxn ang="0">
+                <a:pos x="connsiteX2" y="connsiteY2"/>
+              </a:cxn>
+              <a:cxn ang="0">
+                <a:pos x="connsiteX3" y="connsiteY3"/>
+              </a:cxn>
+              <a:cxn ang="0">
+                <a:pos x="connsiteX4" y="connsiteY4"/>
+              </a:cxn>
+              <a:cxn ang="0">
+                <a:pos x="connsiteX5" y="connsiteY5"/>
+              </a:cxn>
+              <a:cxn ang="0">
+                <a:pos x="connsiteX6" y="connsiteY6"/>
+              </a:cxn>
+              <a:cxn ang="0">
+                <a:pos x="connsiteX7" y="connsiteY7"/>
+              </a:cxn>
+              <a:cxn ang="0">
+                <a:pos x="connsiteX8" y="connsiteY8"/>
+              </a:cxn>
+              <a:cxn ang="0">
+                <a:pos x="connsiteX9" y="connsiteY9"/>
+              </a:cxn>
+            </a:cxnLst>
+            <a:rect l="l" t="t" r="r" b="b"/>
+            <a:pathLst>
+              <a:path w="7241059" h="4868562">
+                <a:moveTo>
+                  <a:pt x="2829697" y="0"/>
+                </a:moveTo>
+                <a:lnTo>
+                  <a:pt x="2829697" y="2619633"/>
+                </a:lnTo>
+                <a:lnTo>
+                  <a:pt x="0" y="2619633"/>
+                </a:lnTo>
+                <a:lnTo>
+                  <a:pt x="0" y="2656702"/>
+                </a:lnTo>
+                <a:lnTo>
+                  <a:pt x="0" y="4868562"/>
+                </a:lnTo>
+                <a:lnTo>
+                  <a:pt x="123567" y="4868562"/>
+                </a:lnTo>
+                <a:lnTo>
+                  <a:pt x="7241059" y="4868562"/>
+                </a:lnTo>
+                <a:lnTo>
+                  <a:pt x="7241059" y="0"/>
+                </a:lnTo>
+                <a:lnTo>
+                  <a:pt x="7080421" y="0"/>
+                </a:lnTo>
+                <a:lnTo>
+                  <a:pt x="2829697" y="0"/>
+                </a:lnTo>
+                <a:close/>
+              </a:path>
+            </a:pathLst>
+          </a:custGeom>
+          <a:noFill/>
+          <a:ln w="57150">
+            <a:solidFill>
+              <a:schemeClr val="accent6"/>
+            </a:solidFill>
+            <a:prstDash val="dash"/>
+          </a:ln>
+        </p:spPr>
+        <p:style>
+          <a:lnRef idx="2">
+            <a:schemeClr val="accent1">
+              <a:shade val="15000"/>
+            </a:schemeClr>
+          </a:lnRef>
+          <a:fillRef idx="1">
+            <a:schemeClr val="accent1"/>
+          </a:fillRef>
+          <a:effectRef idx="0">
+            <a:schemeClr val="accent1"/>
+          </a:effectRef>
+          <a:fontRef idx="minor">
+            <a:schemeClr val="lt1"/>
+          </a:fontRef>
+        </p:style>
+        <p:txBody>
+          <a:bodyPr rtlCol="0" anchor="ctr"/>
+          <a:lstStyle/>
+          <a:p>
+            <a:pPr algn="ctr"/>
+            <a:endParaRPr lang="en-US"/>
+          </a:p>
+        </p:txBody>
+      </p:sp>
+      <p:sp>
+        <p:nvSpPr>
+          <p:cNvPr id="2" name="Title 1">
+            <a:extLst>
+              <a:ext uri="{FF2B5EF4-FFF2-40B4-BE49-F238E27FC236}">
+                <a16:creationId xmlns:a16="http://schemas.microsoft.com/office/drawing/2014/main" id="{AE89C3A4-0F1B-40C9-363B-1DAA1C18C033}"/>
+              </a:ext>
+            </a:extLst>
+          </p:cNvPr>
+          <p:cNvSpPr>
+            <a:spLocks noGrp="1"/>
+          </p:cNvSpPr>
+          <p:nvPr>
+            <p:ph type="title"/>
+          </p:nvPr>
+        </p:nvSpPr>
+        <p:spPr/>
+        <p:txBody>
+          <a:bodyPr/>
+          <a:lstStyle/>
+          <a:p>
+            <a:r>
+              <a:rPr lang="en-US" dirty="0"/>
+              <a:t>DRY organization</a:t>
+            </a:r>
+          </a:p>
+        </p:txBody>
+      </p:sp>
+      <p:sp>
+        <p:nvSpPr>
+          <p:cNvPr id="4" name="Rectangle 3">
+            <a:extLst>
+              <a:ext uri="{FF2B5EF4-FFF2-40B4-BE49-F238E27FC236}">
+                <a16:creationId xmlns:a16="http://schemas.microsoft.com/office/drawing/2014/main" id="{486B6600-BFA8-1417-DE3C-C5D0E26597BB}"/>
+              </a:ext>
+            </a:extLst>
+          </p:cNvPr>
+          <p:cNvSpPr/>
+          <p:nvPr/>
+        </p:nvSpPr>
+        <p:spPr>
+          <a:xfrm>
+            <a:off x="1524000" y="1862359"/>
+            <a:ext cx="4572000" cy="558266"/>
+          </a:xfrm>
+          <a:prstGeom prst="rect">
+            <a:avLst/>
+          </a:prstGeom>
+        </p:spPr>
+        <p:style>
+          <a:lnRef idx="2">
+            <a:schemeClr val="accent1">
+              <a:shade val="15000"/>
+            </a:schemeClr>
+          </a:lnRef>
+          <a:fillRef idx="1">
+            <a:schemeClr val="accent1"/>
+          </a:fillRef>
+          <a:effectRef idx="0">
+            <a:schemeClr val="accent1"/>
+          </a:effectRef>
+          <a:fontRef idx="minor">
+            <a:schemeClr val="lt1"/>
+          </a:fontRef>
+        </p:style>
+        <p:txBody>
+          <a:bodyPr rtlCol="0" anchor="ctr"/>
+          <a:lstStyle/>
+          <a:p>
+            <a:pPr algn="ctr"/>
+            <a:r>
+              <a:rPr lang="en-US" dirty="0"/>
+              <a:t>Condor model layer: what users write to describe model</a:t>
+            </a:r>
+          </a:p>
+        </p:txBody>
+      </p:sp>
+      <p:sp>
+        <p:nvSpPr>
+          <p:cNvPr id="5" name="Rectangle 4">
+            <a:extLst>
+              <a:ext uri="{FF2B5EF4-FFF2-40B4-BE49-F238E27FC236}">
+                <a16:creationId xmlns:a16="http://schemas.microsoft.com/office/drawing/2014/main" id="{CAA542F1-FF77-C5A9-9D70-047F16C91770}"/>
+              </a:ext>
+            </a:extLst>
+          </p:cNvPr>
+          <p:cNvSpPr/>
+          <p:nvPr/>
+        </p:nvSpPr>
+        <p:spPr>
+          <a:xfrm>
+            <a:off x="1527208" y="2883999"/>
+            <a:ext cx="4572000" cy="1143000"/>
+          </a:xfrm>
+          <a:prstGeom prst="rect">
+            <a:avLst/>
+          </a:prstGeom>
+        </p:spPr>
+        <p:style>
+          <a:lnRef idx="2">
+            <a:schemeClr val="accent1">
+              <a:shade val="15000"/>
+            </a:schemeClr>
+          </a:lnRef>
+          <a:fillRef idx="1">
+            <a:schemeClr val="accent1"/>
+          </a:fillRef>
+          <a:effectRef idx="0">
+            <a:schemeClr val="accent1"/>
+          </a:effectRef>
+          <a:fontRef idx="minor">
+            <a:schemeClr val="lt1"/>
+          </a:fontRef>
+        </p:style>
+        <p:txBody>
+          <a:bodyPr rtlCol="0" anchor="ctr"/>
+          <a:lstStyle/>
+          <a:p>
+            <a:pPr algn="ctr"/>
+            <a:r>
+              <a:rPr lang="en-US" dirty="0"/>
+              <a:t>Implementation layer: interface between condor model; generates everything needed to call numerical solver/perform numerical evaluation</a:t>
+            </a:r>
+          </a:p>
+        </p:txBody>
+      </p:sp>
+      <p:sp>
+        <p:nvSpPr>
+          <p:cNvPr id="6" name="Rectangle 5">
+            <a:extLst>
+              <a:ext uri="{FF2B5EF4-FFF2-40B4-BE49-F238E27FC236}">
+                <a16:creationId xmlns:a16="http://schemas.microsoft.com/office/drawing/2014/main" id="{7E00F06E-6CF6-7903-DE98-179C4280EE97}"/>
+              </a:ext>
+            </a:extLst>
+          </p:cNvPr>
+          <p:cNvSpPr/>
+          <p:nvPr/>
+        </p:nvSpPr>
+        <p:spPr>
+          <a:xfrm>
+            <a:off x="1524000" y="4470965"/>
+            <a:ext cx="4572000" cy="1073229"/>
+          </a:xfrm>
+          <a:prstGeom prst="rect">
+            <a:avLst/>
+          </a:prstGeom>
+        </p:spPr>
+        <p:style>
+          <a:lnRef idx="2">
+            <a:schemeClr val="accent1">
+              <a:shade val="15000"/>
+            </a:schemeClr>
+          </a:lnRef>
+          <a:fillRef idx="1">
+            <a:schemeClr val="accent1"/>
+          </a:fillRef>
+          <a:effectRef idx="0">
+            <a:schemeClr val="accent1"/>
+          </a:effectRef>
+          <a:fontRef idx="minor">
+            <a:schemeClr val="lt1"/>
+          </a:fontRef>
+        </p:style>
+        <p:txBody>
+          <a:bodyPr rtlCol="0" anchor="ctr"/>
+          <a:lstStyle/>
+          <a:p>
+            <a:pPr algn="ctr"/>
+            <a:r>
+              <a:rPr lang="en-US" dirty="0"/>
+              <a:t>solver layer: (numerical) </a:t>
+            </a:r>
+            <a:r>
+              <a:rPr lang="en-US" dirty="0" err="1"/>
+              <a:t>algorithm+code</a:t>
+            </a:r>
+            <a:r>
+              <a:rPr lang="en-US" dirty="0"/>
+              <a:t> for most models, e.g., Newton’s method, IPOPT, SGM</a:t>
+            </a:r>
+          </a:p>
+        </p:txBody>
+      </p:sp>
+      <p:sp>
+        <p:nvSpPr>
+          <p:cNvPr id="7" name="Rectangle 6">
+            <a:extLst>
+              <a:ext uri="{FF2B5EF4-FFF2-40B4-BE49-F238E27FC236}">
+                <a16:creationId xmlns:a16="http://schemas.microsoft.com/office/drawing/2014/main" id="{90AD407C-9CAF-104E-7F6D-92C86F519501}"/>
+              </a:ext>
+            </a:extLst>
+          </p:cNvPr>
+          <p:cNvSpPr/>
+          <p:nvPr/>
+        </p:nvSpPr>
+        <p:spPr>
+          <a:xfrm>
+            <a:off x="7865586" y="2254075"/>
+            <a:ext cx="3177941" cy="558266"/>
+          </a:xfrm>
+          <a:prstGeom prst="rect">
+            <a:avLst/>
+          </a:prstGeom>
+        </p:spPr>
+        <p:style>
+          <a:lnRef idx="2">
+            <a:schemeClr val="accent1">
+              <a:shade val="15000"/>
+            </a:schemeClr>
+          </a:lnRef>
+          <a:fillRef idx="1">
+            <a:schemeClr val="accent1"/>
+          </a:fillRef>
+          <a:effectRef idx="0">
+            <a:schemeClr val="accent1"/>
+          </a:effectRef>
+          <a:fontRef idx="minor">
+            <a:schemeClr val="lt1"/>
+          </a:fontRef>
+        </p:style>
+        <p:txBody>
+          <a:bodyPr rtlCol="0" anchor="ctr"/>
+          <a:lstStyle/>
+          <a:p>
+            <a:pPr algn="ctr"/>
+            <a:r>
+              <a:rPr lang="en-US" dirty="0"/>
+              <a:t>Backend: </a:t>
+            </a:r>
+            <a:r>
+              <a:rPr lang="en-US" dirty="0" err="1">
+                <a:solidFill>
+                  <a:schemeClr val="accent6"/>
+                </a:solidFill>
+              </a:rPr>
+              <a:t>casadi</a:t>
+            </a:r>
+            <a:endParaRPr lang="en-US" dirty="0">
+              <a:solidFill>
+                <a:schemeClr val="accent6"/>
+              </a:solidFill>
+            </a:endParaRPr>
+          </a:p>
+        </p:txBody>
+      </p:sp>
+      <p:sp>
+        <p:nvSpPr>
+          <p:cNvPr id="8" name="Rectangle 7">
+            <a:extLst>
+              <a:ext uri="{FF2B5EF4-FFF2-40B4-BE49-F238E27FC236}">
+                <a16:creationId xmlns:a16="http://schemas.microsoft.com/office/drawing/2014/main" id="{707FB76C-A80A-7B86-5F60-E1EB67317088}"/>
+              </a:ext>
+            </a:extLst>
+          </p:cNvPr>
+          <p:cNvSpPr/>
+          <p:nvPr/>
+        </p:nvSpPr>
+        <p:spPr>
+          <a:xfrm>
+            <a:off x="7881629" y="2866386"/>
+            <a:ext cx="3177941" cy="906140"/>
+          </a:xfrm>
+          <a:prstGeom prst="rect">
+            <a:avLst/>
+          </a:prstGeom>
+        </p:spPr>
+        <p:style>
+          <a:lnRef idx="2">
+            <a:schemeClr val="accent1">
+              <a:shade val="15000"/>
+            </a:schemeClr>
+          </a:lnRef>
+          <a:fillRef idx="1">
+            <a:schemeClr val="accent1"/>
+          </a:fillRef>
+          <a:effectRef idx="0">
+            <a:schemeClr val="accent1"/>
+          </a:effectRef>
+          <a:fontRef idx="minor">
+            <a:schemeClr val="lt1"/>
+          </a:fontRef>
+        </p:style>
+        <p:txBody>
+          <a:bodyPr rtlCol="0" anchor="ctr"/>
+          <a:lstStyle/>
+          <a:p>
+            <a:pPr algn="ctr"/>
+            <a:r>
+              <a:rPr lang="en-US" dirty="0"/>
+              <a:t>represent elements from fields (i.e., inputs, outputs) and basic expressions (“symbols”)</a:t>
+            </a:r>
+          </a:p>
+        </p:txBody>
+      </p:sp>
+      <p:sp>
+        <p:nvSpPr>
+          <p:cNvPr id="9" name="Rectangle 8">
+            <a:extLst>
+              <a:ext uri="{FF2B5EF4-FFF2-40B4-BE49-F238E27FC236}">
+                <a16:creationId xmlns:a16="http://schemas.microsoft.com/office/drawing/2014/main" id="{5253DFE0-78B3-6F91-A10F-B607F925BE43}"/>
+              </a:ext>
+            </a:extLst>
+          </p:cNvPr>
+          <p:cNvSpPr/>
+          <p:nvPr/>
+        </p:nvSpPr>
+        <p:spPr>
+          <a:xfrm>
+            <a:off x="7865586" y="3826571"/>
+            <a:ext cx="3177941" cy="1199557"/>
+          </a:xfrm>
+          <a:prstGeom prst="rect">
+            <a:avLst/>
+          </a:prstGeom>
+        </p:spPr>
+        <p:style>
+          <a:lnRef idx="2">
+            <a:schemeClr val="accent1">
+              <a:shade val="15000"/>
+            </a:schemeClr>
+          </a:lnRef>
+          <a:fillRef idx="1">
+            <a:schemeClr val="accent1"/>
+          </a:fillRef>
+          <a:effectRef idx="0">
+            <a:schemeClr val="accent1"/>
+          </a:effectRef>
+          <a:fontRef idx="minor">
+            <a:schemeClr val="lt1"/>
+          </a:fontRef>
+        </p:style>
+        <p:txBody>
+          <a:bodyPr rtlCol="0" anchor="ctr"/>
+          <a:lstStyle/>
+          <a:p>
+            <a:pPr algn="ctr"/>
+            <a:r>
+              <a:rPr lang="en-US" dirty="0"/>
+              <a:t>Represent models as “advanced” expressions (e.g., </a:t>
+            </a:r>
+            <a:r>
+              <a:rPr lang="en-US" dirty="0" err="1"/>
+              <a:t>casadi.callback</a:t>
+            </a:r>
+            <a:r>
+              <a:rPr lang="en-US" dirty="0"/>
+              <a:t>, </a:t>
+            </a:r>
+            <a:r>
+              <a:rPr lang="en-US" dirty="0" err="1"/>
+              <a:t>aesara.op</a:t>
+            </a:r>
+            <a:r>
+              <a:rPr lang="en-US" dirty="0"/>
+              <a:t>) with partial derivative definitions</a:t>
+            </a:r>
+          </a:p>
+        </p:txBody>
+      </p:sp>
+      <p:sp>
+        <p:nvSpPr>
+          <p:cNvPr id="10" name="Rectangle 9">
+            <a:extLst>
+              <a:ext uri="{FF2B5EF4-FFF2-40B4-BE49-F238E27FC236}">
+                <a16:creationId xmlns:a16="http://schemas.microsoft.com/office/drawing/2014/main" id="{794405F6-7914-07ED-FA37-D3680FE1693A}"/>
+              </a:ext>
+            </a:extLst>
+          </p:cNvPr>
+          <p:cNvSpPr/>
+          <p:nvPr/>
+        </p:nvSpPr>
+        <p:spPr>
+          <a:xfrm>
+            <a:off x="7865586" y="5080173"/>
+            <a:ext cx="3177941" cy="668718"/>
+          </a:xfrm>
+          <a:prstGeom prst="rect">
+            <a:avLst/>
+          </a:prstGeom>
+        </p:spPr>
+        <p:style>
+          <a:lnRef idx="2">
+            <a:schemeClr val="accent1">
+              <a:shade val="15000"/>
+            </a:schemeClr>
+          </a:lnRef>
+          <a:fillRef idx="1">
+            <a:schemeClr val="accent1"/>
+          </a:fillRef>
+          <a:effectRef idx="0">
+            <a:schemeClr val="accent1"/>
+          </a:effectRef>
+          <a:fontRef idx="minor">
+            <a:schemeClr val="lt1"/>
+          </a:fontRef>
+        </p:style>
+        <p:txBody>
+          <a:bodyPr rtlCol="0" anchor="ctr"/>
+          <a:lstStyle/>
+          <a:p>
+            <a:pPr algn="ctr"/>
+            <a:r>
+              <a:rPr lang="en-US" dirty="0"/>
+              <a:t>propagate (symbolic) derivatives through expressions</a:t>
+            </a:r>
+          </a:p>
+        </p:txBody>
+      </p:sp>
+      <p:sp>
+        <p:nvSpPr>
+          <p:cNvPr id="11" name="Rectangle 10">
+            <a:extLst>
+              <a:ext uri="{FF2B5EF4-FFF2-40B4-BE49-F238E27FC236}">
+                <a16:creationId xmlns:a16="http://schemas.microsoft.com/office/drawing/2014/main" id="{DEDD4EE2-58B0-4B6E-6C92-7D2FF37688E9}"/>
+              </a:ext>
+            </a:extLst>
+          </p:cNvPr>
+          <p:cNvSpPr/>
+          <p:nvPr/>
+        </p:nvSpPr>
+        <p:spPr>
+          <a:xfrm>
+            <a:off x="7865586" y="5802936"/>
+            <a:ext cx="3177941" cy="558266"/>
+          </a:xfrm>
+          <a:prstGeom prst="rect">
+            <a:avLst/>
+          </a:prstGeom>
+        </p:spPr>
+        <p:style>
+          <a:lnRef idx="2">
+            <a:schemeClr val="accent1">
+              <a:shade val="15000"/>
+            </a:schemeClr>
+          </a:lnRef>
+          <a:fillRef idx="1">
+            <a:schemeClr val="accent1"/>
+          </a:fillRef>
+          <a:effectRef idx="0">
+            <a:schemeClr val="accent1"/>
+          </a:effectRef>
+          <a:fontRef idx="minor">
+            <a:schemeClr val="lt1"/>
+          </a:fontRef>
+        </p:style>
+        <p:txBody>
+          <a:bodyPr rtlCol="0" anchor="ctr"/>
+          <a:lstStyle/>
+          <a:p>
+            <a:pPr algn="ctr"/>
+            <a:r>
+              <a:rPr lang="en-US" dirty="0"/>
+              <a:t>Callable for numerical evaluation </a:t>
+            </a:r>
+          </a:p>
+        </p:txBody>
+      </p:sp>
+      <p:cxnSp>
+        <p:nvCxnSpPr>
+          <p:cNvPr id="12" name="Straight Arrow Connector 11">
+            <a:extLst>
+              <a:ext uri="{FF2B5EF4-FFF2-40B4-BE49-F238E27FC236}">
+                <a16:creationId xmlns:a16="http://schemas.microsoft.com/office/drawing/2014/main" id="{1B20BE4F-FE2B-93B7-B281-45EC514AE0C4}"/>
+              </a:ext>
+            </a:extLst>
+          </p:cNvPr>
+          <p:cNvCxnSpPr>
+            <a:cxnSpLocks/>
+            <a:stCxn id="4" idx="3"/>
+            <a:endCxn id="8" idx="1"/>
+          </p:cNvCxnSpPr>
+          <p:nvPr/>
+        </p:nvCxnSpPr>
+        <p:spPr>
+          <a:xfrm>
+            <a:off x="6096000" y="2141492"/>
+            <a:ext cx="1785629" cy="1177964"/>
+          </a:xfrm>
+          <a:prstGeom prst="straightConnector1">
+            <a:avLst/>
+          </a:prstGeom>
+          <a:ln w="38100">
+            <a:headEnd type="triangle"/>
+            <a:tailEnd type="triangle"/>
+          </a:ln>
+        </p:spPr>
+        <p:style>
+          <a:lnRef idx="1">
+            <a:schemeClr val="accent1"/>
+          </a:lnRef>
+          <a:fillRef idx="0">
+            <a:schemeClr val="accent1"/>
+          </a:fillRef>
+          <a:effectRef idx="0">
+            <a:schemeClr val="accent1"/>
+          </a:effectRef>
+          <a:fontRef idx="minor">
+            <a:schemeClr val="tx1"/>
+          </a:fontRef>
+        </p:style>
+      </p:cxnSp>
+      <p:cxnSp>
+        <p:nvCxnSpPr>
+          <p:cNvPr id="13" name="Straight Arrow Connector 12">
+            <a:extLst>
+              <a:ext uri="{FF2B5EF4-FFF2-40B4-BE49-F238E27FC236}">
+                <a16:creationId xmlns:a16="http://schemas.microsoft.com/office/drawing/2014/main" id="{21E6BA22-9367-5EF9-2824-5DA04E2C89AE}"/>
+              </a:ext>
+            </a:extLst>
+          </p:cNvPr>
+          <p:cNvCxnSpPr>
+            <a:cxnSpLocks/>
+            <a:stCxn id="4" idx="3"/>
+            <a:endCxn id="9" idx="1"/>
+          </p:cNvCxnSpPr>
+          <p:nvPr/>
+        </p:nvCxnSpPr>
+        <p:spPr>
+          <a:xfrm>
+            <a:off x="6096000" y="2141492"/>
+            <a:ext cx="1769586" cy="2284858"/>
+          </a:xfrm>
+          <a:prstGeom prst="straightConnector1">
+            <a:avLst/>
+          </a:prstGeom>
+          <a:ln w="38100">
+            <a:headEnd type="triangle"/>
+            <a:tailEnd type="triangle"/>
+          </a:ln>
+        </p:spPr>
+        <p:style>
+          <a:lnRef idx="1">
+            <a:schemeClr val="accent1"/>
+          </a:lnRef>
+          <a:fillRef idx="0">
+            <a:schemeClr val="accent1"/>
+          </a:fillRef>
+          <a:effectRef idx="0">
+            <a:schemeClr val="accent1"/>
+          </a:effectRef>
+          <a:fontRef idx="minor">
+            <a:schemeClr val="tx1"/>
+          </a:fontRef>
+        </p:style>
+      </p:cxnSp>
+      <p:cxnSp>
+        <p:nvCxnSpPr>
+          <p:cNvPr id="14" name="Straight Arrow Connector 13">
+            <a:extLst>
+              <a:ext uri="{FF2B5EF4-FFF2-40B4-BE49-F238E27FC236}">
+                <a16:creationId xmlns:a16="http://schemas.microsoft.com/office/drawing/2014/main" id="{69FF8452-B56E-517D-50DA-7FF5795676E6}"/>
+              </a:ext>
+            </a:extLst>
+          </p:cNvPr>
+          <p:cNvCxnSpPr>
+            <a:cxnSpLocks/>
+            <a:stCxn id="4" idx="2"/>
+            <a:endCxn id="5" idx="0"/>
+          </p:cNvCxnSpPr>
+          <p:nvPr/>
+        </p:nvCxnSpPr>
+        <p:spPr>
+          <a:xfrm>
+            <a:off x="3810000" y="2420625"/>
+            <a:ext cx="3208" cy="463374"/>
+          </a:xfrm>
+          <a:prstGeom prst="straightConnector1">
+            <a:avLst/>
+          </a:prstGeom>
+          <a:ln>
+            <a:headEnd type="triangle"/>
+            <a:tailEnd type="triangle"/>
+          </a:ln>
+        </p:spPr>
+        <p:style>
+          <a:lnRef idx="1">
+            <a:schemeClr val="accent1"/>
+          </a:lnRef>
+          <a:fillRef idx="0">
+            <a:schemeClr val="accent1"/>
+          </a:fillRef>
+          <a:effectRef idx="0">
+            <a:schemeClr val="accent1"/>
+          </a:effectRef>
+          <a:fontRef idx="minor">
+            <a:schemeClr val="tx1"/>
+          </a:fontRef>
+        </p:style>
+      </p:cxnSp>
+      <p:cxnSp>
+        <p:nvCxnSpPr>
+          <p:cNvPr id="15" name="Straight Arrow Connector 14">
+            <a:extLst>
+              <a:ext uri="{FF2B5EF4-FFF2-40B4-BE49-F238E27FC236}">
+                <a16:creationId xmlns:a16="http://schemas.microsoft.com/office/drawing/2014/main" id="{2F6C259E-0A25-D926-EC92-22F22CFA03D2}"/>
+              </a:ext>
+            </a:extLst>
+          </p:cNvPr>
+          <p:cNvCxnSpPr>
+            <a:cxnSpLocks/>
+            <a:stCxn id="6" idx="0"/>
+            <a:endCxn id="5" idx="2"/>
+          </p:cNvCxnSpPr>
+          <p:nvPr/>
+        </p:nvCxnSpPr>
+        <p:spPr>
+          <a:xfrm flipV="1">
+            <a:off x="3810000" y="4026999"/>
+            <a:ext cx="3208" cy="443966"/>
+          </a:xfrm>
+          <a:prstGeom prst="straightConnector1">
+            <a:avLst/>
+          </a:prstGeom>
+          <a:ln>
+            <a:headEnd type="triangle"/>
+            <a:tailEnd type="triangle"/>
+          </a:ln>
+        </p:spPr>
+        <p:style>
+          <a:lnRef idx="1">
+            <a:schemeClr val="accent1"/>
+          </a:lnRef>
+          <a:fillRef idx="0">
+            <a:schemeClr val="accent1"/>
+          </a:fillRef>
+          <a:effectRef idx="0">
+            <a:schemeClr val="accent1"/>
+          </a:effectRef>
+          <a:fontRef idx="minor">
+            <a:schemeClr val="tx1"/>
+          </a:fontRef>
+        </p:style>
+      </p:cxnSp>
+      <p:cxnSp>
+        <p:nvCxnSpPr>
+          <p:cNvPr id="16" name="Straight Arrow Connector 15">
+            <a:extLst>
+              <a:ext uri="{FF2B5EF4-FFF2-40B4-BE49-F238E27FC236}">
+                <a16:creationId xmlns:a16="http://schemas.microsoft.com/office/drawing/2014/main" id="{4D5644F0-F479-69A6-831B-5A45CD21EBC0}"/>
+              </a:ext>
+            </a:extLst>
+          </p:cNvPr>
+          <p:cNvCxnSpPr>
+            <a:cxnSpLocks/>
+            <a:stCxn id="10" idx="1"/>
+            <a:endCxn id="5" idx="3"/>
+          </p:cNvCxnSpPr>
+          <p:nvPr/>
+        </p:nvCxnSpPr>
+        <p:spPr>
+          <a:xfrm flipH="1" flipV="1">
+            <a:off x="6099208" y="3455499"/>
+            <a:ext cx="1766378" cy="1959033"/>
+          </a:xfrm>
+          <a:prstGeom prst="straightConnector1">
+            <a:avLst/>
+          </a:prstGeom>
+          <a:ln w="38100">
+            <a:headEnd type="triangle"/>
+            <a:tailEnd type="triangle"/>
+          </a:ln>
+        </p:spPr>
+        <p:style>
+          <a:lnRef idx="1">
+            <a:schemeClr val="accent1"/>
+          </a:lnRef>
+          <a:fillRef idx="0">
+            <a:schemeClr val="accent1"/>
+          </a:fillRef>
+          <a:effectRef idx="0">
+            <a:schemeClr val="accent1"/>
+          </a:effectRef>
+          <a:fontRef idx="minor">
+            <a:schemeClr val="tx1"/>
+          </a:fontRef>
+        </p:style>
+      </p:cxnSp>
+      <p:cxnSp>
+        <p:nvCxnSpPr>
+          <p:cNvPr id="17" name="Straight Arrow Connector 16">
+            <a:extLst>
+              <a:ext uri="{FF2B5EF4-FFF2-40B4-BE49-F238E27FC236}">
+                <a16:creationId xmlns:a16="http://schemas.microsoft.com/office/drawing/2014/main" id="{EA36C5F9-CBBC-4310-ED27-AC3773D332BE}"/>
+              </a:ext>
+            </a:extLst>
+          </p:cNvPr>
+          <p:cNvCxnSpPr>
+            <a:cxnSpLocks/>
+            <a:stCxn id="11" idx="1"/>
+            <a:endCxn id="5" idx="3"/>
+          </p:cNvCxnSpPr>
+          <p:nvPr/>
+        </p:nvCxnSpPr>
+        <p:spPr>
+          <a:xfrm flipH="1" flipV="1">
+            <a:off x="6099208" y="3455499"/>
+            <a:ext cx="1766378" cy="2626570"/>
+          </a:xfrm>
+          <a:prstGeom prst="straightConnector1">
+            <a:avLst/>
+          </a:prstGeom>
+          <a:ln w="38100">
+            <a:headEnd type="triangle"/>
+            <a:tailEnd type="triangle"/>
+          </a:ln>
+        </p:spPr>
+        <p:style>
+          <a:lnRef idx="1">
+            <a:schemeClr val="accent1"/>
+          </a:lnRef>
+          <a:fillRef idx="0">
+            <a:schemeClr val="accent1"/>
+          </a:fillRef>
+          <a:effectRef idx="0">
+            <a:schemeClr val="accent1"/>
+          </a:effectRef>
+          <a:fontRef idx="minor">
+            <a:schemeClr val="tx1"/>
+          </a:fontRef>
+        </p:style>
+      </p:cxnSp>
+      <p:cxnSp>
+        <p:nvCxnSpPr>
+          <p:cNvPr id="18" name="Straight Arrow Connector 17">
+            <a:extLst>
+              <a:ext uri="{FF2B5EF4-FFF2-40B4-BE49-F238E27FC236}">
+                <a16:creationId xmlns:a16="http://schemas.microsoft.com/office/drawing/2014/main" id="{31FA07CC-CC39-435E-DCE2-69CA3FF32E9E}"/>
+              </a:ext>
+            </a:extLst>
+          </p:cNvPr>
+          <p:cNvCxnSpPr>
+            <a:cxnSpLocks/>
+            <a:stCxn id="5" idx="3"/>
+            <a:endCxn id="9" idx="1"/>
+          </p:cNvCxnSpPr>
+          <p:nvPr/>
+        </p:nvCxnSpPr>
+        <p:spPr>
+          <a:xfrm>
+            <a:off x="6099208" y="3455499"/>
+            <a:ext cx="1766378" cy="970851"/>
+          </a:xfrm>
+          <a:prstGeom prst="straightConnector1">
+            <a:avLst/>
+          </a:prstGeom>
+          <a:ln w="38100">
+            <a:headEnd type="triangle"/>
+            <a:tailEnd type="triangle"/>
+          </a:ln>
+        </p:spPr>
+        <p:style>
+          <a:lnRef idx="1">
+            <a:schemeClr val="accent1"/>
+          </a:lnRef>
+          <a:fillRef idx="0">
+            <a:schemeClr val="accent1"/>
+          </a:fillRef>
+          <a:effectRef idx="0">
+            <a:schemeClr val="accent1"/>
+          </a:effectRef>
+          <a:fontRef idx="minor">
+            <a:schemeClr val="tx1"/>
+          </a:fontRef>
+        </p:style>
+      </p:cxnSp>
+      <p:cxnSp>
+        <p:nvCxnSpPr>
+          <p:cNvPr id="39" name="Straight Arrow Connector 38">
+            <a:extLst>
+              <a:ext uri="{FF2B5EF4-FFF2-40B4-BE49-F238E27FC236}">
+                <a16:creationId xmlns:a16="http://schemas.microsoft.com/office/drawing/2014/main" id="{62747C9C-4261-4877-4283-B006200025A1}"/>
+              </a:ext>
+            </a:extLst>
+          </p:cNvPr>
+          <p:cNvCxnSpPr>
+            <a:cxnSpLocks/>
+            <a:stCxn id="11" idx="1"/>
+            <a:endCxn id="6" idx="3"/>
+          </p:cNvCxnSpPr>
+          <p:nvPr/>
+        </p:nvCxnSpPr>
+        <p:spPr>
+          <a:xfrm flipH="1" flipV="1">
+            <a:off x="6096000" y="5007580"/>
+            <a:ext cx="1769586" cy="1074489"/>
+          </a:xfrm>
+          <a:prstGeom prst="straightConnector1">
+            <a:avLst/>
+          </a:prstGeom>
+          <a:ln w="38100">
+            <a:headEnd type="triangle"/>
+            <a:tailEnd type="triangle"/>
+          </a:ln>
+        </p:spPr>
+        <p:style>
+          <a:lnRef idx="1">
+            <a:schemeClr val="accent1"/>
+          </a:lnRef>
+          <a:fillRef idx="0">
+            <a:schemeClr val="accent1"/>
+          </a:fillRef>
+          <a:effectRef idx="0">
+            <a:schemeClr val="accent1"/>
+          </a:effectRef>
+          <a:fontRef idx="minor">
+            <a:schemeClr val="tx1"/>
+          </a:fontRef>
+        </p:style>
+      </p:cxnSp>
+    </p:spTree>
+    <p:extLst>
+      <p:ext uri="{BB962C8B-B14F-4D97-AF65-F5344CB8AC3E}">
+        <p14:creationId xmlns:p14="http://schemas.microsoft.com/office/powerpoint/2010/main" val="2149706758"/>
+      </p:ext>
+    </p:extLst>
+  </p:cSld>
+  <p:clrMapOvr>
+    <a:masterClrMapping/>
+  </p:clrMapOvr>
+</p:sld>
+</file>
+
+<file path=ppt/slides/slide9.xml><?xml version="1.0" encoding="utf-8"?>
+<p:sld xmlns:a="http://schemas.openxmlformats.org/drawingml/2006/main" xmlns:r="http://schemas.openxmlformats.org/officeDocument/2006/relationships" xmlns:p="http://schemas.openxmlformats.org/presentationml/2006/main">
+  <p:cSld>
+    <p:spTree>
+      <p:nvGrpSpPr>
+        <p:cNvPr id="1" name=""/>
+        <p:cNvGrpSpPr/>
+        <p:nvPr/>
+      </p:nvGrpSpPr>
+      <p:grpSpPr>
+        <a:xfrm>
+          <a:off x="0" y="0"/>
+          <a:ext cx="0" cy="0"/>
+          <a:chOff x="0" y="0"/>
+          <a:chExt cx="0" cy="0"/>
+        </a:xfrm>
+      </p:grpSpPr>
+      <p:sp>
+        <p:nvSpPr>
+          <p:cNvPr id="2" name="Title 1">
+            <a:extLst>
+              <a:ext uri="{FF2B5EF4-FFF2-40B4-BE49-F238E27FC236}">
+                <a16:creationId xmlns:a16="http://schemas.microsoft.com/office/drawing/2014/main" id="{618ED72A-EEC7-6FA7-3162-A2C0786615F0}"/>
+              </a:ext>
+            </a:extLst>
+          </p:cNvPr>
+          <p:cNvSpPr>
+            <a:spLocks noGrp="1"/>
+          </p:cNvSpPr>
+          <p:nvPr>
+            <p:ph type="title"/>
+          </p:nvPr>
+        </p:nvSpPr>
+        <p:spPr/>
+        <p:txBody>
+          <a:bodyPr/>
+          <a:lstStyle/>
+          <a:p>
+            <a:r>
+              <a:rPr lang="en-US" dirty="0"/>
+              <a:t>Backend</a:t>
+            </a:r>
+          </a:p>
+        </p:txBody>
+      </p:sp>
+      <p:sp>
+        <p:nvSpPr>
+          <p:cNvPr id="3" name="Content Placeholder 2">
+            <a:extLst>
+              <a:ext uri="{FF2B5EF4-FFF2-40B4-BE49-F238E27FC236}">
+                <a16:creationId xmlns:a16="http://schemas.microsoft.com/office/drawing/2014/main" id="{27582A0D-875E-1205-4384-5ADCE0637C82}"/>
+              </a:ext>
+            </a:extLst>
+          </p:cNvPr>
+          <p:cNvSpPr>
+            <a:spLocks noGrp="1"/>
+          </p:cNvSpPr>
+          <p:nvPr>
+            <p:ph idx="1"/>
+          </p:nvPr>
+        </p:nvSpPr>
+        <p:spPr/>
+        <p:txBody>
+          <a:bodyPr>
+            <a:normAutofit/>
+          </a:bodyPr>
+          <a:lstStyle/>
+          <a:p>
+            <a:r>
+              <a:rPr lang="en-US" dirty="0"/>
+              <a:t>Currently using </a:t>
+            </a:r>
+            <a:r>
+              <a:rPr lang="en-US" dirty="0" err="1"/>
+              <a:t>casadi</a:t>
+            </a:r>
+            <a:r>
+              <a:rPr lang="en-US" dirty="0"/>
+              <a:t> because it ships with all required functionality:</a:t>
+            </a:r>
+          </a:p>
+          <a:p>
+            <a:pPr lvl="1"/>
+            <a:r>
+              <a:rPr lang="en-US" dirty="0"/>
+              <a:t>Easily represent symbolic elements, condor Models, and expressions</a:t>
+            </a:r>
+          </a:p>
+          <a:p>
+            <a:pPr lvl="1"/>
+            <a:r>
+              <a:rPr lang="en-US" dirty="0"/>
+              <a:t>Propagate derivatives through symbolic expression tree</a:t>
+            </a:r>
+          </a:p>
+          <a:p>
+            <a:pPr lvl="1"/>
+            <a:r>
+              <a:rPr lang="en-US" dirty="0"/>
+              <a:t>Generate C code for numerical evaluation of expression tree</a:t>
+            </a:r>
+          </a:p>
+          <a:p>
+            <a:pPr lvl="1"/>
+            <a:r>
+              <a:rPr lang="en-US" dirty="0"/>
+              <a:t>Provides interfaces to IPOPT solvers at the C level</a:t>
+            </a:r>
+          </a:p>
+          <a:p>
+            <a:r>
+              <a:rPr lang="en-US" dirty="0"/>
+              <a:t>Other backends (e.g., </a:t>
+            </a:r>
+            <a:r>
+              <a:rPr lang="en-US" dirty="0" err="1"/>
+              <a:t>SymPy</a:t>
+            </a:r>
+            <a:r>
+              <a:rPr lang="en-US" dirty="0"/>
+              <a:t>, </a:t>
+            </a:r>
+            <a:r>
+              <a:rPr lang="en-US" dirty="0" err="1"/>
+              <a:t>Aesara</a:t>
+            </a:r>
+            <a:r>
+              <a:rPr lang="en-US" dirty="0"/>
+              <a:t>, </a:t>
+            </a:r>
+            <a:r>
+              <a:rPr lang="en-US" dirty="0" err="1"/>
+              <a:t>etc</a:t>
+            </a:r>
+            <a:r>
+              <a:rPr lang="en-US" dirty="0"/>
+              <a:t>) could be used, but some of the required functionality may need to be developed</a:t>
+            </a:r>
+          </a:p>
+          <a:p>
+            <a:r>
+              <a:rPr lang="en-US" dirty="0"/>
+              <a:t>To use a new backend, new implementation layer will be required to generate </a:t>
+            </a:r>
+            <a:r>
+              <a:rPr lang="en-US" dirty="0" err="1"/>
+              <a:t>callables</a:t>
+            </a:r>
+            <a:r>
+              <a:rPr lang="en-US" dirty="0"/>
+              <a:t> for model (and derivatives) to pass to solvers</a:t>
+            </a:r>
+          </a:p>
+          <a:p>
+            <a:endParaRPr lang="en-US" dirty="0"/>
+          </a:p>
+          <a:p>
+            <a:endParaRPr lang="en-US" dirty="0"/>
+          </a:p>
+        </p:txBody>
+      </p:sp>
+    </p:spTree>
+    <p:extLst>
+      <p:ext uri="{BB962C8B-B14F-4D97-AF65-F5344CB8AC3E}">
+        <p14:creationId xmlns:p14="http://schemas.microsoft.com/office/powerpoint/2010/main" val="3462162729"/>
       </p:ext>
     </p:extLst>
   </p:cSld>

--- a/design/condor.pptx
+++ b/design/condor.pptx
@@ -3849,14 +3849,14 @@
             <p:ph idx="1"/>
             <p:extLst>
               <p:ext uri="{D42A27DB-BD31-4B8C-83A1-F6EECF244321}">
-                <p14:modId xmlns:p14="http://schemas.microsoft.com/office/powerpoint/2010/main" val="2319791558"/>
+                <p14:modId xmlns:p14="http://schemas.microsoft.com/office/powerpoint/2010/main" val="1974391809"/>
               </p:ext>
             </p:extLst>
           </p:nvPr>
         </p:nvGraphicFramePr>
         <p:xfrm>
           <a:off x="4772024" y="1297458"/>
-          <a:ext cx="7275814" cy="4636789"/>
+          <a:ext cx="7275814" cy="4976480"/>
         </p:xfrm>
         <a:graphic>
           <a:graphicData uri="http://schemas.openxmlformats.org/drawingml/2006/table">
@@ -4201,18 +4201,38 @@
                     <a:lstStyle/>
                     <a:p>
                       <a:r>
-                        <a:rPr lang="en-US" dirty="0" err="1"/>
+                        <a:rPr lang="en-US" strike="sngStrike" dirty="0" err="1"/>
                         <a:t>implicit_output</a:t>
                       </a:r>
                       <a:r>
-                        <a:rPr lang="en-US" dirty="0"/>
+                        <a:rPr lang="en-US" strike="sngStrike" dirty="0"/>
                         <a:t> </a:t>
                       </a:r>
                       <a:r>
-                        <a:rPr lang="en-US" dirty="0" err="1"/>
+                        <a:rPr lang="en-US" strike="sngStrike" dirty="0" err="1"/>
                         <a:t>explicit_output</a:t>
                       </a:r>
-                      <a:endParaRPr lang="en-US" dirty="0"/>
+                      <a:endParaRPr lang="en-US" strike="sngStrike" dirty="0"/>
+                    </a:p>
+                    <a:p>
+                      <a:r>
+                        <a:rPr lang="en-US" dirty="0">
+                          <a:solidFill>
+                            <a:srgbClr val="FF0000"/>
+                          </a:solidFill>
+                        </a:rPr>
+                        <a:t>variable</a:t>
+                      </a:r>
+                    </a:p>
+                    <a:p>
+                      <a:r>
+                        <a:rPr lang="en-US" dirty="0">
+                          <a:solidFill>
+                            <a:srgbClr val="FF0000"/>
+                          </a:solidFill>
+                        </a:rPr>
+                        <a:t>output</a:t>
+                      </a:r>
                     </a:p>
                   </a:txBody>
                   <a:tcPr/>
@@ -4278,6 +4298,16 @@
                       <a:r>
                         <a:rPr lang="en-US" dirty="0"/>
                         <a:t>variable</a:t>
+                      </a:r>
+                    </a:p>
+                    <a:p>
+                      <a:r>
+                        <a:rPr lang="en-US" dirty="0">
+                          <a:solidFill>
+                            <a:srgbClr val="FF0000"/>
+                          </a:solidFill>
+                        </a:rPr>
+                        <a:t>output</a:t>
                       </a:r>
                     </a:p>
                   </a:txBody>
@@ -4357,8 +4387,12 @@
                     <a:lstStyle/>
                     <a:p>
                       <a:r>
+                        <a:rPr lang="en-US" strike="sngStrike" dirty="0" err="1"/>
+                        <a:t>trajectory_</a:t>
+                      </a:r>
+                      <a:r>
                         <a:rPr lang="en-US" dirty="0" err="1"/>
-                        <a:t>trajectory_output</a:t>
+                        <a:t>output</a:t>
                       </a:r>
                       <a:endParaRPr lang="en-US" dirty="0"/>
                     </a:p>

--- a/design/condor.pptx
+++ b/design/condor.pptx
@@ -15,8 +15,8 @@
     <p:sldId id="263" r:id="rId9"/>
     <p:sldId id="267" r:id="rId10"/>
     <p:sldId id="268" r:id="rId11"/>
-    <p:sldId id="269" r:id="rId12"/>
-    <p:sldId id="264" r:id="rId13"/>
+    <p:sldId id="264" r:id="rId12"/>
+    <p:sldId id="270" r:id="rId13"/>
     <p:sldId id="265" r:id="rId14"/>
     <p:sldId id="266" r:id="rId15"/>
   </p:sldIdLst>
@@ -117,6 +117,11 @@
       </a:defRPr>
     </a:lvl9pPr>
   </p:defaultTextStyle>
+  <p:extLst>
+    <p:ext uri="{EFAFB233-063F-42B5-8137-9DF3F51BA10A}">
+      <p15:sldGuideLst xmlns:p15="http://schemas.microsoft.com/office/powerpoint/2012/main"/>
+    </p:ext>
+  </p:extLst>
 </p:presentation>
 </file>
 
@@ -267,7 +272,7 @@
           <a:p>
             <a:fld id="{82C24D50-B70E-6E43-A434-A378B909BA98}" type="datetimeFigureOut">
               <a:rPr lang="en-US" smtClean="0"/>
-              <a:t>7/9/23</a:t>
+              <a:t>7/21/23</a:t>
             </a:fld>
             <a:endParaRPr lang="en-US"/>
           </a:p>
@@ -465,7 +470,7 @@
           <a:p>
             <a:fld id="{82C24D50-B70E-6E43-A434-A378B909BA98}" type="datetimeFigureOut">
               <a:rPr lang="en-US" smtClean="0"/>
-              <a:t>7/9/23</a:t>
+              <a:t>7/21/23</a:t>
             </a:fld>
             <a:endParaRPr lang="en-US"/>
           </a:p>
@@ -673,7 +678,7 @@
           <a:p>
             <a:fld id="{82C24D50-B70E-6E43-A434-A378B909BA98}" type="datetimeFigureOut">
               <a:rPr lang="en-US" smtClean="0"/>
-              <a:t>7/9/23</a:t>
+              <a:t>7/21/23</a:t>
             </a:fld>
             <a:endParaRPr lang="en-US"/>
           </a:p>
@@ -871,7 +876,7 @@
           <a:p>
             <a:fld id="{82C24D50-B70E-6E43-A434-A378B909BA98}" type="datetimeFigureOut">
               <a:rPr lang="en-US" smtClean="0"/>
-              <a:t>7/9/23</a:t>
+              <a:t>7/21/23</a:t>
             </a:fld>
             <a:endParaRPr lang="en-US"/>
           </a:p>
@@ -1146,7 +1151,7 @@
           <a:p>
             <a:fld id="{82C24D50-B70E-6E43-A434-A378B909BA98}" type="datetimeFigureOut">
               <a:rPr lang="en-US" smtClean="0"/>
-              <a:t>7/9/23</a:t>
+              <a:t>7/21/23</a:t>
             </a:fld>
             <a:endParaRPr lang="en-US"/>
           </a:p>
@@ -1411,7 +1416,7 @@
           <a:p>
             <a:fld id="{82C24D50-B70E-6E43-A434-A378B909BA98}" type="datetimeFigureOut">
               <a:rPr lang="en-US" smtClean="0"/>
-              <a:t>7/9/23</a:t>
+              <a:t>7/21/23</a:t>
             </a:fld>
             <a:endParaRPr lang="en-US"/>
           </a:p>
@@ -1823,7 +1828,7 @@
           <a:p>
             <a:fld id="{82C24D50-B70E-6E43-A434-A378B909BA98}" type="datetimeFigureOut">
               <a:rPr lang="en-US" smtClean="0"/>
-              <a:t>7/9/23</a:t>
+              <a:t>7/21/23</a:t>
             </a:fld>
             <a:endParaRPr lang="en-US"/>
           </a:p>
@@ -1964,7 +1969,7 @@
           <a:p>
             <a:fld id="{82C24D50-B70E-6E43-A434-A378B909BA98}" type="datetimeFigureOut">
               <a:rPr lang="en-US" smtClean="0"/>
-              <a:t>7/9/23</a:t>
+              <a:t>7/21/23</a:t>
             </a:fld>
             <a:endParaRPr lang="en-US"/>
           </a:p>
@@ -2077,7 +2082,7 @@
           <a:p>
             <a:fld id="{82C24D50-B70E-6E43-A434-A378B909BA98}" type="datetimeFigureOut">
               <a:rPr lang="en-US" smtClean="0"/>
-              <a:t>7/9/23</a:t>
+              <a:t>7/21/23</a:t>
             </a:fld>
             <a:endParaRPr lang="en-US"/>
           </a:p>
@@ -2388,7 +2393,7 @@
           <a:p>
             <a:fld id="{82C24D50-B70E-6E43-A434-A378B909BA98}" type="datetimeFigureOut">
               <a:rPr lang="en-US" smtClean="0"/>
-              <a:t>7/9/23</a:t>
+              <a:t>7/21/23</a:t>
             </a:fld>
             <a:endParaRPr lang="en-US"/>
           </a:p>
@@ -2676,7 +2681,7 @@
           <a:p>
             <a:fld id="{82C24D50-B70E-6E43-A434-A378B909BA98}" type="datetimeFigureOut">
               <a:rPr lang="en-US" smtClean="0"/>
-              <a:t>7/9/23</a:t>
+              <a:t>7/21/23</a:t>
             </a:fld>
             <a:endParaRPr lang="en-US"/>
           </a:p>
@@ -2917,7 +2922,7 @@
           <a:p>
             <a:fld id="{82C24D50-B70E-6E43-A434-A378B909BA98}" type="datetimeFigureOut">
               <a:rPr lang="en-US" smtClean="0"/>
-              <a:t>7/9/23</a:t>
+              <a:t>7/21/23</a:t>
             </a:fld>
             <a:endParaRPr lang="en-US"/>
           </a:p>
@@ -3642,89 +3647,6 @@
           <p:cNvPr id="2" name="Title 1">
             <a:extLst>
               <a:ext uri="{FF2B5EF4-FFF2-40B4-BE49-F238E27FC236}">
-                <a16:creationId xmlns:a16="http://schemas.microsoft.com/office/drawing/2014/main" id="{0F994556-3671-80AE-F917-ECDD9B0763AA}"/>
-              </a:ext>
-            </a:extLst>
-          </p:cNvPr>
-          <p:cNvSpPr>
-            <a:spLocks noGrp="1"/>
-          </p:cNvSpPr>
-          <p:nvPr>
-            <p:ph type="title"/>
-          </p:nvPr>
-        </p:nvSpPr>
-        <p:spPr/>
-        <p:txBody>
-          <a:bodyPr/>
-          <a:lstStyle/>
-          <a:p>
-            <a:endParaRPr lang="en-US"/>
-          </a:p>
-        </p:txBody>
-      </p:sp>
-      <p:sp>
-        <p:nvSpPr>
-          <p:cNvPr id="3" name="Content Placeholder 2">
-            <a:extLst>
-              <a:ext uri="{FF2B5EF4-FFF2-40B4-BE49-F238E27FC236}">
-                <a16:creationId xmlns:a16="http://schemas.microsoft.com/office/drawing/2014/main" id="{F132F232-6851-386C-298F-F3F85B184588}"/>
-              </a:ext>
-            </a:extLst>
-          </p:cNvPr>
-          <p:cNvSpPr>
-            <a:spLocks noGrp="1"/>
-          </p:cNvSpPr>
-          <p:nvPr>
-            <p:ph idx="1"/>
-          </p:nvPr>
-        </p:nvSpPr>
-        <p:spPr/>
-        <p:txBody>
-          <a:bodyPr/>
-          <a:lstStyle/>
-          <a:p>
-            <a:r>
-              <a:rPr lang="en-US" dirty="0"/>
-              <a:t>Implementations</a:t>
-            </a:r>
-          </a:p>
-        </p:txBody>
-      </p:sp>
-    </p:spTree>
-    <p:extLst>
-      <p:ext uri="{BB962C8B-B14F-4D97-AF65-F5344CB8AC3E}">
-        <p14:creationId xmlns:p14="http://schemas.microsoft.com/office/powerpoint/2010/main" val="711145115"/>
-      </p:ext>
-    </p:extLst>
-  </p:cSld>
-  <p:clrMapOvr>
-    <a:masterClrMapping/>
-  </p:clrMapOvr>
-</p:sld>
-</file>
-
-<file path=ppt/slides/slide12.xml><?xml version="1.0" encoding="utf-8"?>
-<p:sld xmlns:a="http://schemas.openxmlformats.org/drawingml/2006/main" xmlns:r="http://schemas.openxmlformats.org/officeDocument/2006/relationships" xmlns:p="http://schemas.openxmlformats.org/presentationml/2006/main">
-  <p:cSld>
-    <p:spTree>
-      <p:nvGrpSpPr>
-        <p:cNvPr id="1" name=""/>
-        <p:cNvGrpSpPr/>
-        <p:nvPr/>
-      </p:nvGrpSpPr>
-      <p:grpSpPr>
-        <a:xfrm>
-          <a:off x="0" y="0"/>
-          <a:ext cx="0" cy="0"/>
-          <a:chOff x="0" y="0"/>
-          <a:chExt cx="0" cy="0"/>
-        </a:xfrm>
-      </p:grpSpPr>
-      <p:sp>
-        <p:nvSpPr>
-          <p:cNvPr id="2" name="Title 1">
-            <a:extLst>
-              <a:ext uri="{FF2B5EF4-FFF2-40B4-BE49-F238E27FC236}">
                 <a16:creationId xmlns:a16="http://schemas.microsoft.com/office/drawing/2014/main" id="{FE6D9A2D-06E5-48F6-1577-770301591992}"/>
               </a:ext>
             </a:extLst>
@@ -3849,14 +3771,14 @@
             <p:ph idx="1"/>
             <p:extLst>
               <p:ext uri="{D42A27DB-BD31-4B8C-83A1-F6EECF244321}">
-                <p14:modId xmlns:p14="http://schemas.microsoft.com/office/powerpoint/2010/main" val="1974391809"/>
+                <p14:modId xmlns:p14="http://schemas.microsoft.com/office/powerpoint/2010/main" val="2227009790"/>
               </p:ext>
             </p:extLst>
           </p:nvPr>
         </p:nvGraphicFramePr>
         <p:xfrm>
           <a:off x="4772024" y="1297458"/>
-          <a:ext cx="7275814" cy="4976480"/>
+          <a:ext cx="7275814" cy="5124663"/>
         </p:xfrm>
         <a:graphic>
           <a:graphicData uri="http://schemas.openxmlformats.org/drawingml/2006/table">
@@ -3865,21 +3787,21 @@
                 <a:tableStyleId>{5C22544A-7EE6-4342-B048-85BDC9FD1C3A}</a:tableStyleId>
               </a:tblPr>
               <a:tblGrid>
-                <a:gridCol w="2239228">
+                <a:gridCol w="2298732">
                   <a:extLst>
                     <a:ext uri="{9D8B030D-6E8A-4147-A177-3AD203B41FA5}">
                       <a16:colId xmlns:a16="http://schemas.microsoft.com/office/drawing/2014/main" val="3785575868"/>
                     </a:ext>
                   </a:extLst>
                 </a:gridCol>
-                <a:gridCol w="1168921">
+                <a:gridCol w="1358020">
                   <a:extLst>
                     <a:ext uri="{9D8B030D-6E8A-4147-A177-3AD203B41FA5}">
                       <a16:colId xmlns:a16="http://schemas.microsoft.com/office/drawing/2014/main" val="831498153"/>
                     </a:ext>
                   </a:extLst>
                 </a:gridCol>
-                <a:gridCol w="1924256">
+                <a:gridCol w="1675653">
                   <a:extLst>
                     <a:ext uri="{9D8B030D-6E8A-4147-A177-3AD203B41FA5}">
                       <a16:colId xmlns:a16="http://schemas.microsoft.com/office/drawing/2014/main" val="1483990506"/>
@@ -4118,8 +4040,18 @@
                     <a:lstStyle/>
                     <a:p>
                       <a:r>
-                        <a:rPr lang="en-US" dirty="0"/>
+                        <a:rPr lang="en-US" strike="sngStrike" dirty="0"/>
                         <a:t>input</a:t>
+                      </a:r>
+                    </a:p>
+                    <a:p>
+                      <a:r>
+                        <a:rPr lang="en-US" dirty="0">
+                          <a:solidFill>
+                            <a:srgbClr val="FF0000"/>
+                          </a:solidFill>
+                        </a:rPr>
+                        <a:t>parameter</a:t>
                       </a:r>
                     </a:p>
                   </a:txBody>
@@ -4344,6 +4276,16 @@
                         <a:t>parameter</a:t>
                       </a:r>
                     </a:p>
+                    <a:p>
+                      <a:r>
+                        <a:rPr lang="en-US" dirty="0">
+                          <a:solidFill>
+                            <a:srgbClr val="FF0000"/>
+                          </a:solidFill>
+                        </a:rPr>
+                        <a:t>constants?</a:t>
+                      </a:r>
+                    </a:p>
                   </a:txBody>
                   <a:tcPr/>
                 </a:tc>
@@ -4371,9 +4313,10 @@
                     </a:p>
                     <a:p>
                       <a:r>
-                        <a:rPr lang="en-US" dirty="0"/>
-                        <a:t>event update</a:t>
+                        <a:rPr lang="en-US" dirty="0" err="1"/>
+                        <a:t>event.update</a:t>
                       </a:r>
+                      <a:endParaRPr lang="en-US" dirty="0"/>
                     </a:p>
                     <a:p>
                       <a:endParaRPr lang="en-US" dirty="0"/>
@@ -4388,13 +4331,36 @@
                     <a:p>
                       <a:r>
                         <a:rPr lang="en-US" strike="sngStrike" dirty="0" err="1"/>
-                        <a:t>trajectory_</a:t>
+                        <a:t>trajectory_output</a:t>
                       </a:r>
+                      <a:endParaRPr lang="en-US" strike="sngStrike" dirty="0"/>
+                    </a:p>
+                    <a:p>
+                      <a:pPr marL="0" marR="0" lvl="0" indent="0" algn="l" defTabSz="914400" rtl="0" eaLnBrk="1" fontAlgn="auto" latinLnBrk="0" hangingPunct="1">
+                        <a:lnSpc>
+                          <a:spcPct val="100000"/>
+                        </a:lnSpc>
+                        <a:spcBef>
+                          <a:spcPts val="0"/>
+                        </a:spcBef>
+                        <a:spcAft>
+                          <a:spcPts val="0"/>
+                        </a:spcAft>
+                        <a:buClrTx/>
+                        <a:buSzTx/>
+                        <a:buFontTx/>
+                        <a:buNone/>
+                        <a:tabLst/>
+                        <a:defRPr/>
+                      </a:pPr>
                       <a:r>
-                        <a:rPr lang="en-US" dirty="0" err="1"/>
+                        <a:rPr lang="en-US" dirty="0">
+                          <a:solidFill>
+                            <a:srgbClr val="FF0000"/>
+                          </a:solidFill>
+                        </a:rPr>
                         <a:t>output</a:t>
                       </a:r>
-                      <a:endParaRPr lang="en-US" dirty="0"/>
                     </a:p>
                   </a:txBody>
                   <a:tcPr/>
@@ -4413,6 +4379,236 @@
     <p:extLst>
       <p:ext uri="{BB962C8B-B14F-4D97-AF65-F5344CB8AC3E}">
         <p14:creationId xmlns:p14="http://schemas.microsoft.com/office/powerpoint/2010/main" val="642209958"/>
+      </p:ext>
+    </p:extLst>
+  </p:cSld>
+  <p:clrMapOvr>
+    <a:masterClrMapping/>
+  </p:clrMapOvr>
+</p:sld>
+</file>
+
+<file path=ppt/slides/slide12.xml><?xml version="1.0" encoding="utf-8"?>
+<p:sld xmlns:a="http://schemas.openxmlformats.org/drawingml/2006/main" xmlns:r="http://schemas.openxmlformats.org/officeDocument/2006/relationships" xmlns:p="http://schemas.openxmlformats.org/presentationml/2006/main">
+  <p:cSld>
+    <p:spTree>
+      <p:nvGrpSpPr>
+        <p:cNvPr id="1" name=""/>
+        <p:cNvGrpSpPr/>
+        <p:nvPr/>
+      </p:nvGrpSpPr>
+      <p:grpSpPr>
+        <a:xfrm>
+          <a:off x="0" y="0"/>
+          <a:ext cx="0" cy="0"/>
+          <a:chOff x="0" y="0"/>
+          <a:chExt cx="0" cy="0"/>
+        </a:xfrm>
+      </p:grpSpPr>
+      <p:sp>
+        <p:nvSpPr>
+          <p:cNvPr id="5" name="Title 4">
+            <a:extLst>
+              <a:ext uri="{FF2B5EF4-FFF2-40B4-BE49-F238E27FC236}">
+                <a16:creationId xmlns:a16="http://schemas.microsoft.com/office/drawing/2014/main" id="{213020FC-B719-5416-C20F-A4695FA1B3D8}"/>
+              </a:ext>
+            </a:extLst>
+          </p:cNvPr>
+          <p:cNvSpPr>
+            <a:spLocks noGrp="1"/>
+          </p:cNvSpPr>
+          <p:nvPr>
+            <p:ph type="title"/>
+          </p:nvPr>
+        </p:nvSpPr>
+        <p:spPr/>
+        <p:txBody>
+          <a:bodyPr/>
+          <a:lstStyle/>
+          <a:p>
+            <a:r>
+              <a:rPr lang="en-US" dirty="0"/>
+              <a:t>Performance Considerations for Trajectory</a:t>
+            </a:r>
+          </a:p>
+        </p:txBody>
+      </p:sp>
+      <p:sp>
+        <p:nvSpPr>
+          <p:cNvPr id="6" name="Content Placeholder 5">
+            <a:extLst>
+              <a:ext uri="{FF2B5EF4-FFF2-40B4-BE49-F238E27FC236}">
+                <a16:creationId xmlns:a16="http://schemas.microsoft.com/office/drawing/2014/main" id="{F7AE7EE5-6AD7-75ED-D683-8B5C46276C4B}"/>
+              </a:ext>
+            </a:extLst>
+          </p:cNvPr>
+          <p:cNvSpPr>
+            <a:spLocks noGrp="1"/>
+          </p:cNvSpPr>
+          <p:nvPr>
+            <p:ph idx="1"/>
+          </p:nvPr>
+        </p:nvSpPr>
+        <p:spPr>
+          <a:xfrm>
+            <a:off x="838200" y="1834678"/>
+            <a:ext cx="10515600" cy="4351338"/>
+          </a:xfrm>
+        </p:spPr>
+        <p:txBody>
+          <a:bodyPr>
+            <a:normAutofit fontScale="62500" lnSpcReduction="20000"/>
+          </a:bodyPr>
+          <a:lstStyle/>
+          <a:p>
+            <a:r>
+              <a:rPr lang="en-US" dirty="0"/>
+              <a:t>Moved to </a:t>
+            </a:r>
+            <a:r>
+              <a:rPr lang="en-US" dirty="0" err="1"/>
+              <a:t>scikits.odes</a:t>
+            </a:r>
+            <a:r>
+              <a:rPr lang="en-US" dirty="0"/>
+              <a:t> CVODE, an implicit solver; implicit may generally be slower but more accurate than explicit? but faster per accuracy? see discussion</a:t>
+            </a:r>
+            <a:r>
+              <a:rPr lang="en-US" baseline="-25000" dirty="0">
+                <a:hlinkClick r:id="rId2"/>
+              </a:rPr>
+              <a:t>://github.com/bmcage/odes/issues/127#issuecomment-923782240</a:t>
+            </a:r>
+            <a:r>
+              <a:rPr lang="en-US" dirty="0"/>
+              <a:t>. </a:t>
+            </a:r>
+          </a:p>
+          <a:p>
+            <a:r>
+              <a:rPr lang="en-US" dirty="0"/>
+              <a:t>May be able to use state ordering so banded </a:t>
+            </a:r>
+            <a:r>
+              <a:rPr lang="en-US" dirty="0" err="1"/>
+              <a:t>jacobian</a:t>
+            </a:r>
+            <a:r>
+              <a:rPr lang="en-US" dirty="0"/>
+              <a:t> can be used. Other solver configuration options may improve performance as well.</a:t>
+            </a:r>
+          </a:p>
+          <a:p>
+            <a:r>
+              <a:rPr lang="en-US" dirty="0"/>
+              <a:t>Implicit means iterative solution at every time step </a:t>
+            </a:r>
+            <a:r>
+              <a:rPr lang="en-US" dirty="0">
+                <a:sym typeface="Wingdings" pitchFamily="2" charset="2"/>
+              </a:rPr>
+              <a:t> solvers (</a:t>
+            </a:r>
+            <a:r>
+              <a:rPr lang="en-US" dirty="0" err="1">
+                <a:sym typeface="Wingdings" pitchFamily="2" charset="2"/>
+              </a:rPr>
+              <a:t>AlgebraicSystem</a:t>
+            </a:r>
+            <a:r>
+              <a:rPr lang="en-US" dirty="0">
+                <a:sym typeface="Wingdings" pitchFamily="2" charset="2"/>
+              </a:rPr>
+              <a:t> or </a:t>
+            </a:r>
+            <a:r>
+              <a:rPr lang="en-US" dirty="0" err="1">
+                <a:sym typeface="Wingdings" pitchFamily="2" charset="2"/>
+              </a:rPr>
+              <a:t>OptimizationProblem</a:t>
+            </a:r>
+            <a:r>
+              <a:rPr lang="en-US" dirty="0">
+                <a:sym typeface="Wingdings" pitchFamily="2" charset="2"/>
+              </a:rPr>
+              <a:t>) for control will likely be worse! They probably need solution conditions lifted to DAE residual. </a:t>
+            </a:r>
+          </a:p>
+          <a:p>
+            <a:r>
+              <a:rPr lang="en-US" dirty="0"/>
+              <a:t>Maybe add explicit solver wrapper following new API. New API is well-organized &amp; can likely wrap </a:t>
+            </a:r>
+            <a:r>
+              <a:rPr lang="en-US" dirty="0" err="1"/>
+              <a:t>explicit+events</a:t>
+            </a:r>
+            <a:r>
+              <a:rPr lang="en-US" dirty="0"/>
+              <a:t> and sundials CVODES/IDA relatively easily. </a:t>
+            </a:r>
+            <a:r>
+              <a:rPr lang="en-US" dirty="0" err="1"/>
+              <a:t>SimuPy</a:t>
+            </a:r>
+            <a:r>
+              <a:rPr lang="en-US" dirty="0"/>
+              <a:t> (explicit solver) version had problems for later orbital problems even though first orbital problem ~twice as fast (consistent with </a:t>
+            </a:r>
+            <a:r>
+              <a:rPr lang="en-US" dirty="0" err="1"/>
+              <a:t>bmcage’s</a:t>
+            </a:r>
+            <a:r>
+              <a:rPr lang="en-US" dirty="0"/>
+              <a:t> optimized example in discussion). Not sure if explicit issues </a:t>
+            </a:r>
+            <a:r>
+              <a:rPr lang="en-US"/>
+              <a:t>for later orbital </a:t>
+            </a:r>
+            <a:r>
+              <a:rPr lang="en-US" dirty="0"/>
+              <a:t>resolved by time-yielding</a:t>
+            </a:r>
+          </a:p>
+          <a:p>
+            <a:r>
+              <a:rPr lang="en-US" dirty="0">
+                <a:sym typeface="Wingdings" pitchFamily="2" charset="2"/>
+              </a:rPr>
+              <a:t>Modes definitely need </a:t>
+            </a:r>
+            <a:r>
+              <a:rPr lang="en-US" dirty="0" err="1">
+                <a:sym typeface="Wingdings" pitchFamily="2" charset="2"/>
+              </a:rPr>
+              <a:t>if_else</a:t>
+            </a:r>
+            <a:r>
+              <a:rPr lang="en-US" dirty="0">
+                <a:sym typeface="Wingdings" pitchFamily="2" charset="2"/>
+              </a:rPr>
+              <a:t> control branch instead of *float(bool) for explicit solver. Lifted DAE approach may be less important (although number of residuals may change…)</a:t>
+            </a:r>
+          </a:p>
+          <a:p>
+            <a:r>
+              <a:rPr lang="en-US" dirty="0">
+                <a:sym typeface="Wingdings" pitchFamily="2" charset="2"/>
+              </a:rPr>
+              <a:t>Use the built-in sensitivity method of IDAS/CVODES for the continuous portions, then SGM equations for discontinuities. May be able to minimize storage requirements/accuracy</a:t>
+            </a:r>
+          </a:p>
+          <a:p>
+            <a:endParaRPr lang="en-US" dirty="0"/>
+          </a:p>
+        </p:txBody>
+      </p:sp>
+    </p:spTree>
+    <p:extLst>
+      <p:ext uri="{BB962C8B-B14F-4D97-AF65-F5344CB8AC3E}">
+        <p14:creationId xmlns:p14="http://schemas.microsoft.com/office/powerpoint/2010/main" val="3278655454"/>
       </p:ext>
     </p:extLst>
   </p:cSld>

--- a/design/condor.pptx
+++ b/design/condor.pptx
@@ -4561,15 +4561,7 @@
             </a:r>
             <a:r>
               <a:rPr lang="en-US" dirty="0"/>
-              <a:t> optimized example in discussion). Not sure if explicit issues </a:t>
-            </a:r>
-            <a:r>
-              <a:rPr lang="en-US"/>
-              <a:t>for later orbital </a:t>
-            </a:r>
-            <a:r>
-              <a:rPr lang="en-US" dirty="0"/>
-              <a:t>resolved by time-yielding</a:t>
+              <a:t> optimized example in discussion). Not sure if explicit issues for later orbital resolved by time-yielding</a:t>
             </a:r>
           </a:p>
           <a:p>
@@ -4681,7 +4673,9 @@
         </p:nvSpPr>
         <p:spPr/>
         <p:txBody>
-          <a:bodyPr/>
+          <a:bodyPr>
+            <a:normAutofit fontScale="77500" lnSpcReduction="20000"/>
+          </a:bodyPr>
           <a:lstStyle/>
           <a:p>
             <a:r>
@@ -4708,6 +4702,165 @@
               <a:rPr lang="en-US" dirty="0"/>
               <a:t>higher-level interfaces: settings module</a:t>
             </a:r>
+          </a:p>
+          <a:p>
+            <a:pPr lvl="1"/>
+            <a:r>
+              <a:rPr lang="en-US" dirty="0"/>
+              <a:t>a module can define settings that change the model definition</a:t>
+            </a:r>
+          </a:p>
+          <a:p>
+            <a:pPr lvl="1"/>
+            <a:r>
+              <a:rPr lang="en-US" dirty="0"/>
+              <a:t>Variables that user can set must be defined in a </a:t>
+            </a:r>
+            <a:r>
+              <a:rPr lang="en-US" dirty="0" err="1"/>
+              <a:t>dict</a:t>
+            </a:r>
+            <a:r>
+              <a:rPr lang="en-US" dirty="0"/>
+              <a:t> [</a:t>
+            </a:r>
+            <a:r>
+              <a:rPr lang="en-US" dirty="0" err="1">
+                <a:solidFill>
+                  <a:srgbClr val="FF0000"/>
+                </a:solidFill>
+              </a:rPr>
+              <a:t>SimpleNamespace</a:t>
+            </a:r>
+            <a:r>
+              <a:rPr lang="en-US" dirty="0">
+                <a:solidFill>
+                  <a:srgbClr val="FF0000"/>
+                </a:solidFill>
+              </a:rPr>
+              <a:t>?</a:t>
+            </a:r>
+            <a:r>
+              <a:rPr lang="en-US" dirty="0"/>
+              <a:t>] and passed to </a:t>
+            </a:r>
+            <a:r>
+              <a:rPr lang="en-US" dirty="0" err="1">
+                <a:latin typeface="Andale Mono" panose="020B0509000000000004" pitchFamily="49" charset="0"/>
+              </a:rPr>
+              <a:t>condor.settings.get_settings</a:t>
+            </a:r>
+            <a:r>
+              <a:rPr lang="en-US" dirty="0"/>
+              <a:t>.</a:t>
+            </a:r>
+          </a:p>
+          <a:p>
+            <a:pPr lvl="1"/>
+            <a:r>
+              <a:rPr lang="en-US" dirty="0"/>
+              <a:t>To access the dynamically defined model, use </a:t>
+            </a:r>
+          </a:p>
+          <a:p>
+            <a:pPr marL="457200" lvl="1" indent="0">
+              <a:buNone/>
+            </a:pPr>
+            <a:endParaRPr lang="en-US" dirty="0">
+              <a:latin typeface="Andale Mono" panose="020B0509000000000004" pitchFamily="49" charset="0"/>
+            </a:endParaRPr>
+          </a:p>
+          <a:p>
+            <a:pPr marL="457200" lvl="1" indent="0">
+              <a:buNone/>
+            </a:pPr>
+            <a:r>
+              <a:rPr lang="en-US" dirty="0" err="1">
+                <a:latin typeface="Andale Mono" panose="020B0509000000000004" pitchFamily="49" charset="0"/>
+              </a:rPr>
+              <a:t>module_ref</a:t>
+            </a:r>
+            <a:r>
+              <a:rPr lang="en-US" dirty="0">
+                <a:latin typeface="Andale Mono" panose="020B0509000000000004" pitchFamily="49" charset="0"/>
+              </a:rPr>
+              <a:t> = </a:t>
+            </a:r>
+            <a:r>
+              <a:rPr lang="en-US" dirty="0" err="1">
+                <a:latin typeface="Andale Mono" panose="020B0509000000000004" pitchFamily="49" charset="0"/>
+              </a:rPr>
+              <a:t>condor.settings.get_module</a:t>
+            </a:r>
+            <a:r>
+              <a:rPr lang="en-US" dirty="0">
+                <a:latin typeface="Andale Mono" panose="020B0509000000000004" pitchFamily="49" charset="0"/>
+              </a:rPr>
+              <a:t>(&lt;</a:t>
+            </a:r>
+            <a:r>
+              <a:rPr lang="en-US" dirty="0" err="1">
+                <a:latin typeface="Andale Mono" panose="020B0509000000000004" pitchFamily="49" charset="0"/>
+              </a:rPr>
+              <a:t>path.to.module</a:t>
+            </a:r>
+            <a:r>
+              <a:rPr lang="en-US" dirty="0">
+                <a:latin typeface="Andale Mono" panose="020B0509000000000004" pitchFamily="49" charset="0"/>
+              </a:rPr>
+              <a:t>&gt;, **</a:t>
+            </a:r>
+            <a:r>
+              <a:rPr lang="en-US" dirty="0" err="1">
+                <a:latin typeface="Andale Mono" panose="020B0509000000000004" pitchFamily="49" charset="0"/>
+              </a:rPr>
+              <a:t>user_settings</a:t>
+            </a:r>
+            <a:r>
+              <a:rPr lang="en-US" dirty="0">
+                <a:latin typeface="Andale Mono" panose="020B0509000000000004" pitchFamily="49" charset="0"/>
+              </a:rPr>
+              <a:t>)</a:t>
+            </a:r>
+            <a:r>
+              <a:rPr lang="en-US" baseline="-25000" dirty="0">
+                <a:latin typeface="Andale Mono" panose="020B0509000000000004" pitchFamily="49" charset="0"/>
+              </a:rPr>
+              <a:t> </a:t>
+            </a:r>
+          </a:p>
+          <a:p>
+            <a:pPr marL="457200" lvl="1" indent="0">
+              <a:buNone/>
+            </a:pPr>
+            <a:r>
+              <a:rPr lang="en-US" dirty="0"/>
+              <a:t>instead of </a:t>
+            </a:r>
+          </a:p>
+          <a:p>
+            <a:pPr marL="457200" lvl="1" indent="0">
+              <a:buNone/>
+            </a:pPr>
+            <a:r>
+              <a:rPr lang="en-US" dirty="0">
+                <a:latin typeface="Andale Mono" panose="020B0509000000000004" pitchFamily="49" charset="0"/>
+              </a:rPr>
+              <a:t>import &lt;</a:t>
+            </a:r>
+            <a:r>
+              <a:rPr lang="en-US" dirty="0" err="1">
+                <a:latin typeface="Andale Mono" panose="020B0509000000000004" pitchFamily="49" charset="0"/>
+              </a:rPr>
+              <a:t>path.to.module</a:t>
+            </a:r>
+            <a:r>
+              <a:rPr lang="en-US" dirty="0">
+                <a:latin typeface="Andale Mono" panose="020B0509000000000004" pitchFamily="49" charset="0"/>
+              </a:rPr>
+              <a:t>&gt;</a:t>
+            </a:r>
+            <a:endParaRPr lang="en-US" dirty="0"/>
           </a:p>
           <a:p>
             <a:r>

--- a/design/condor.pptx
+++ b/design/condor.pptx
@@ -272,7 +272,7 @@
           <a:p>
             <a:fld id="{82C24D50-B70E-6E43-A434-A378B909BA98}" type="datetimeFigureOut">
               <a:rPr lang="en-US" smtClean="0"/>
-              <a:t>7/21/23</a:t>
+              <a:t>8/4/23</a:t>
             </a:fld>
             <a:endParaRPr lang="en-US"/>
           </a:p>
@@ -470,7 +470,7 @@
           <a:p>
             <a:fld id="{82C24D50-B70E-6E43-A434-A378B909BA98}" type="datetimeFigureOut">
               <a:rPr lang="en-US" smtClean="0"/>
-              <a:t>7/21/23</a:t>
+              <a:t>8/4/23</a:t>
             </a:fld>
             <a:endParaRPr lang="en-US"/>
           </a:p>
@@ -678,7 +678,7 @@
           <a:p>
             <a:fld id="{82C24D50-B70E-6E43-A434-A378B909BA98}" type="datetimeFigureOut">
               <a:rPr lang="en-US" smtClean="0"/>
-              <a:t>7/21/23</a:t>
+              <a:t>8/4/23</a:t>
             </a:fld>
             <a:endParaRPr lang="en-US"/>
           </a:p>
@@ -876,7 +876,7 @@
           <a:p>
             <a:fld id="{82C24D50-B70E-6E43-A434-A378B909BA98}" type="datetimeFigureOut">
               <a:rPr lang="en-US" smtClean="0"/>
-              <a:t>7/21/23</a:t>
+              <a:t>8/4/23</a:t>
             </a:fld>
             <a:endParaRPr lang="en-US"/>
           </a:p>
@@ -1151,7 +1151,7 @@
           <a:p>
             <a:fld id="{82C24D50-B70E-6E43-A434-A378B909BA98}" type="datetimeFigureOut">
               <a:rPr lang="en-US" smtClean="0"/>
-              <a:t>7/21/23</a:t>
+              <a:t>8/4/23</a:t>
             </a:fld>
             <a:endParaRPr lang="en-US"/>
           </a:p>
@@ -1416,7 +1416,7 @@
           <a:p>
             <a:fld id="{82C24D50-B70E-6E43-A434-A378B909BA98}" type="datetimeFigureOut">
               <a:rPr lang="en-US" smtClean="0"/>
-              <a:t>7/21/23</a:t>
+              <a:t>8/4/23</a:t>
             </a:fld>
             <a:endParaRPr lang="en-US"/>
           </a:p>
@@ -1828,7 +1828,7 @@
           <a:p>
             <a:fld id="{82C24D50-B70E-6E43-A434-A378B909BA98}" type="datetimeFigureOut">
               <a:rPr lang="en-US" smtClean="0"/>
-              <a:t>7/21/23</a:t>
+              <a:t>8/4/23</a:t>
             </a:fld>
             <a:endParaRPr lang="en-US"/>
           </a:p>
@@ -1969,7 +1969,7 @@
           <a:p>
             <a:fld id="{82C24D50-B70E-6E43-A434-A378B909BA98}" type="datetimeFigureOut">
               <a:rPr lang="en-US" smtClean="0"/>
-              <a:t>7/21/23</a:t>
+              <a:t>8/4/23</a:t>
             </a:fld>
             <a:endParaRPr lang="en-US"/>
           </a:p>
@@ -2082,7 +2082,7 @@
           <a:p>
             <a:fld id="{82C24D50-B70E-6E43-A434-A378B909BA98}" type="datetimeFigureOut">
               <a:rPr lang="en-US" smtClean="0"/>
-              <a:t>7/21/23</a:t>
+              <a:t>8/4/23</a:t>
             </a:fld>
             <a:endParaRPr lang="en-US"/>
           </a:p>
@@ -2393,7 +2393,7 @@
           <a:p>
             <a:fld id="{82C24D50-B70E-6E43-A434-A378B909BA98}" type="datetimeFigureOut">
               <a:rPr lang="en-US" smtClean="0"/>
-              <a:t>7/21/23</a:t>
+              <a:t>8/4/23</a:t>
             </a:fld>
             <a:endParaRPr lang="en-US"/>
           </a:p>
@@ -2681,7 +2681,7 @@
           <a:p>
             <a:fld id="{82C24D50-B70E-6E43-A434-A378B909BA98}" type="datetimeFigureOut">
               <a:rPr lang="en-US" smtClean="0"/>
-              <a:t>7/21/23</a:t>
+              <a:t>8/4/23</a:t>
             </a:fld>
             <a:endParaRPr lang="en-US"/>
           </a:p>
@@ -2922,7 +2922,7 @@
           <a:p>
             <a:fld id="{82C24D50-B70E-6E43-A434-A378B909BA98}" type="datetimeFigureOut">
               <a:rPr lang="en-US" smtClean="0"/>
-              <a:t>7/21/23</a:t>
+              <a:t>8/4/23</a:t>
             </a:fld>
             <a:endParaRPr lang="en-US"/>
           </a:p>
@@ -4674,7 +4674,7 @@
         <p:spPr/>
         <p:txBody>
           <a:bodyPr>
-            <a:normAutofit fontScale="77500" lnSpcReduction="20000"/>
+            <a:normAutofit fontScale="70000" lnSpcReduction="20000"/>
           </a:bodyPr>
           <a:lstStyle/>
           <a:p>
@@ -4869,7 +4869,14 @@
             </a:r>
           </a:p>
           <a:p>
-            <a:endParaRPr lang="en-US" dirty="0"/>
+            <a:r>
+              <a:rPr lang="en-US" dirty="0">
+                <a:solidFill>
+                  <a:srgbClr val="FF0000"/>
+                </a:solidFill>
+              </a:rPr>
+              <a:t>RENAME: Grammar should be “configure model”</a:t>
+            </a:r>
           </a:p>
           <a:p>
             <a:endParaRPr lang="en-US" dirty="0"/>

--- a/design/condor.pptx
+++ b/design/condor.pptx
@@ -16,9 +16,12 @@
     <p:sldId id="267" r:id="rId10"/>
     <p:sldId id="268" r:id="rId11"/>
     <p:sldId id="264" r:id="rId12"/>
-    <p:sldId id="270" r:id="rId13"/>
+    <p:sldId id="273" r:id="rId13"/>
     <p:sldId id="265" r:id="rId14"/>
-    <p:sldId id="266" r:id="rId15"/>
+    <p:sldId id="271" r:id="rId15"/>
+    <p:sldId id="272" r:id="rId16"/>
+    <p:sldId id="270" r:id="rId17"/>
+    <p:sldId id="266" r:id="rId18"/>
   </p:sldIdLst>
   <p:sldSz cx="12192000" cy="6858000"/>
   <p:notesSz cx="6858000" cy="9144000"/>
@@ -272,7 +275,7 @@
           <a:p>
             <a:fld id="{82C24D50-B70E-6E43-A434-A378B909BA98}" type="datetimeFigureOut">
               <a:rPr lang="en-US" smtClean="0"/>
-              <a:t>8/4/23</a:t>
+              <a:t>9/14/23</a:t>
             </a:fld>
             <a:endParaRPr lang="en-US"/>
           </a:p>
@@ -470,7 +473,7 @@
           <a:p>
             <a:fld id="{82C24D50-B70E-6E43-A434-A378B909BA98}" type="datetimeFigureOut">
               <a:rPr lang="en-US" smtClean="0"/>
-              <a:t>8/4/23</a:t>
+              <a:t>9/14/23</a:t>
             </a:fld>
             <a:endParaRPr lang="en-US"/>
           </a:p>
@@ -678,7 +681,7 @@
           <a:p>
             <a:fld id="{82C24D50-B70E-6E43-A434-A378B909BA98}" type="datetimeFigureOut">
               <a:rPr lang="en-US" smtClean="0"/>
-              <a:t>8/4/23</a:t>
+              <a:t>9/14/23</a:t>
             </a:fld>
             <a:endParaRPr lang="en-US"/>
           </a:p>
@@ -876,7 +879,7 @@
           <a:p>
             <a:fld id="{82C24D50-B70E-6E43-A434-A378B909BA98}" type="datetimeFigureOut">
               <a:rPr lang="en-US" smtClean="0"/>
-              <a:t>8/4/23</a:t>
+              <a:t>9/14/23</a:t>
             </a:fld>
             <a:endParaRPr lang="en-US"/>
           </a:p>
@@ -1151,7 +1154,7 @@
           <a:p>
             <a:fld id="{82C24D50-B70E-6E43-A434-A378B909BA98}" type="datetimeFigureOut">
               <a:rPr lang="en-US" smtClean="0"/>
-              <a:t>8/4/23</a:t>
+              <a:t>9/14/23</a:t>
             </a:fld>
             <a:endParaRPr lang="en-US"/>
           </a:p>
@@ -1416,7 +1419,7 @@
           <a:p>
             <a:fld id="{82C24D50-B70E-6E43-A434-A378B909BA98}" type="datetimeFigureOut">
               <a:rPr lang="en-US" smtClean="0"/>
-              <a:t>8/4/23</a:t>
+              <a:t>9/14/23</a:t>
             </a:fld>
             <a:endParaRPr lang="en-US"/>
           </a:p>
@@ -1828,7 +1831,7 @@
           <a:p>
             <a:fld id="{82C24D50-B70E-6E43-A434-A378B909BA98}" type="datetimeFigureOut">
               <a:rPr lang="en-US" smtClean="0"/>
-              <a:t>8/4/23</a:t>
+              <a:t>9/14/23</a:t>
             </a:fld>
             <a:endParaRPr lang="en-US"/>
           </a:p>
@@ -1969,7 +1972,7 @@
           <a:p>
             <a:fld id="{82C24D50-B70E-6E43-A434-A378B909BA98}" type="datetimeFigureOut">
               <a:rPr lang="en-US" smtClean="0"/>
-              <a:t>8/4/23</a:t>
+              <a:t>9/14/23</a:t>
             </a:fld>
             <a:endParaRPr lang="en-US"/>
           </a:p>
@@ -2082,7 +2085,7 @@
           <a:p>
             <a:fld id="{82C24D50-B70E-6E43-A434-A378B909BA98}" type="datetimeFigureOut">
               <a:rPr lang="en-US" smtClean="0"/>
-              <a:t>8/4/23</a:t>
+              <a:t>9/14/23</a:t>
             </a:fld>
             <a:endParaRPr lang="en-US"/>
           </a:p>
@@ -2393,7 +2396,7 @@
           <a:p>
             <a:fld id="{82C24D50-B70E-6E43-A434-A378B909BA98}" type="datetimeFigureOut">
               <a:rPr lang="en-US" smtClean="0"/>
-              <a:t>8/4/23</a:t>
+              <a:t>9/14/23</a:t>
             </a:fld>
             <a:endParaRPr lang="en-US"/>
           </a:p>
@@ -2681,7 +2684,7 @@
           <a:p>
             <a:fld id="{82C24D50-B70E-6E43-A434-A378B909BA98}" type="datetimeFigureOut">
               <a:rPr lang="en-US" smtClean="0"/>
-              <a:t>8/4/23</a:t>
+              <a:t>9/14/23</a:t>
             </a:fld>
             <a:endParaRPr lang="en-US"/>
           </a:p>
@@ -2922,7 +2925,7 @@
           <a:p>
             <a:fld id="{82C24D50-B70E-6E43-A434-A378B909BA98}" type="datetimeFigureOut">
               <a:rPr lang="en-US" smtClean="0"/>
-              <a:t>8/4/23</a:t>
+              <a:t>9/14/23</a:t>
             </a:fld>
             <a:endParaRPr lang="en-US"/>
           </a:p>
@@ -3771,14 +3774,14 @@
             <p:ph idx="1"/>
             <p:extLst>
               <p:ext uri="{D42A27DB-BD31-4B8C-83A1-F6EECF244321}">
-                <p14:modId xmlns:p14="http://schemas.microsoft.com/office/powerpoint/2010/main" val="2227009790"/>
+                <p14:modId xmlns:p14="http://schemas.microsoft.com/office/powerpoint/2010/main" val="644684823"/>
               </p:ext>
             </p:extLst>
           </p:nvPr>
         </p:nvGraphicFramePr>
         <p:xfrm>
-          <a:off x="4772024" y="1297458"/>
-          <a:ext cx="7275814" cy="5124663"/>
+          <a:off x="4772025" y="292523"/>
+          <a:ext cx="7275814" cy="6039063"/>
         </p:xfrm>
         <a:graphic>
           <a:graphicData uri="http://schemas.openxmlformats.org/drawingml/2006/table">
@@ -4051,7 +4054,7 @@
                             <a:srgbClr val="FF0000"/>
                           </a:solidFill>
                         </a:rPr>
-                        <a:t>parameter</a:t>
+                        <a:t>parameter?</a:t>
                       </a:r>
                     </a:p>
                   </a:txBody>
@@ -4083,6 +4086,105 @@
                 <a:extLst>
                   <a:ext uri="{0D108BD9-81ED-4DB2-BD59-A6C34878D82A}">
                     <a16:rowId xmlns:a16="http://schemas.microsoft.com/office/drawing/2014/main" val="4058256477"/>
+                  </a:ext>
+                </a:extLst>
+              </a:tr>
+              <a:tr h="491897">
+                <a:tc>
+                  <a:txBody>
+                    <a:bodyPr/>
+                    <a:lstStyle/>
+                    <a:p>
+                      <a:r>
+                        <a:rPr lang="en-US" dirty="0" err="1"/>
+                        <a:t>TableLookup</a:t>
+                      </a:r>
+                      <a:endParaRPr lang="en-US" dirty="0"/>
+                    </a:p>
+                  </a:txBody>
+                  <a:tcPr/>
+                </a:tc>
+                <a:tc>
+                  <a:txBody>
+                    <a:bodyPr/>
+                    <a:lstStyle/>
+                    <a:p>
+                      <a:r>
+                        <a:rPr lang="en-US" dirty="0">
+                          <a:solidFill>
+                            <a:schemeClr val="tx1"/>
+                          </a:solidFill>
+                        </a:rPr>
+                        <a:t>input</a:t>
+                      </a:r>
+                    </a:p>
+                    <a:p>
+                      <a:pPr marL="0" marR="0" lvl="0" indent="0" algn="l" defTabSz="914400" rtl="0" eaLnBrk="1" fontAlgn="auto" latinLnBrk="0" hangingPunct="1">
+                        <a:lnSpc>
+                          <a:spcPct val="100000"/>
+                        </a:lnSpc>
+                        <a:spcBef>
+                          <a:spcPts val="0"/>
+                        </a:spcBef>
+                        <a:spcAft>
+                          <a:spcPts val="0"/>
+                        </a:spcAft>
+                        <a:buClrTx/>
+                        <a:buSzTx/>
+                        <a:buFontTx/>
+                        <a:buNone/>
+                        <a:tabLst/>
+                        <a:defRPr/>
+                      </a:pPr>
+                      <a:r>
+                        <a:rPr lang="en-US" dirty="0">
+                          <a:solidFill>
+                            <a:srgbClr val="FF0000"/>
+                          </a:solidFill>
+                        </a:rPr>
+                        <a:t>parameter?!</a:t>
+                      </a:r>
+                    </a:p>
+                  </a:txBody>
+                  <a:tcPr/>
+                </a:tc>
+                <a:tc>
+                  <a:txBody>
+                    <a:bodyPr/>
+                    <a:lstStyle/>
+                    <a:p>
+                      <a:r>
+                        <a:rPr lang="en-US" dirty="0" err="1"/>
+                        <a:t>input_data</a:t>
+                      </a:r>
+                      <a:endParaRPr lang="en-US" dirty="0"/>
+                    </a:p>
+                    <a:p>
+                      <a:r>
+                        <a:rPr lang="en-US" dirty="0" err="1"/>
+                        <a:t>output_data</a:t>
+                      </a:r>
+                      <a:endParaRPr lang="en-US" dirty="0"/>
+                    </a:p>
+                  </a:txBody>
+                  <a:tcPr/>
+                </a:tc>
+                <a:tc>
+                  <a:txBody>
+                    <a:bodyPr/>
+                    <a:lstStyle/>
+                    <a:p>
+                      <a:r>
+                        <a:rPr lang="en-US" dirty="0"/>
+                        <a:t>output</a:t>
+                      </a:r>
+                    </a:p>
+                  </a:txBody>
+                  <a:tcPr/>
+                </a:tc>
+                <a:extLst>
+                  <a:ext uri="{0D108BD9-81ED-4DB2-BD59-A6C34878D82A}">
+                    <a16:rowId xmlns:a16="http://schemas.microsoft.com/office/drawing/2014/main" val="2580508838"/>
                   </a:ext>
                 </a:extLst>
               </a:tr>
@@ -4276,16 +4378,6 @@
                         <a:t>parameter</a:t>
                       </a:r>
                     </a:p>
-                    <a:p>
-                      <a:r>
-                        <a:rPr lang="en-US" dirty="0">
-                          <a:solidFill>
-                            <a:srgbClr val="FF0000"/>
-                          </a:solidFill>
-                        </a:rPr>
-                        <a:t>constants?</a:t>
-                      </a:r>
-                    </a:p>
                   </a:txBody>
                   <a:tcPr/>
                 </a:tc>
@@ -4317,6 +4409,29 @@
                         <a:t>event.update</a:t>
                       </a:r>
                       <a:endParaRPr lang="en-US" dirty="0"/>
+                    </a:p>
+                    <a:p>
+                      <a:r>
+                        <a:rPr lang="en-US" strike="sngStrike" dirty="0"/>
+                        <a:t>modal</a:t>
+                      </a:r>
+                      <a:r>
+                        <a:rPr lang="en-US" strike="noStrike" dirty="0"/>
+                        <a:t> </a:t>
+                      </a:r>
+                      <a:r>
+                        <a:rPr lang="en-US" strike="noStrike" dirty="0">
+                          <a:solidFill>
+                            <a:srgbClr val="FF0000"/>
+                          </a:solidFill>
+                        </a:rPr>
+                        <a:t>control</a:t>
+                      </a:r>
+                      <a:endParaRPr lang="en-US" strike="sngStrike" dirty="0">
+                        <a:solidFill>
+                          <a:srgbClr val="FF0000"/>
+                        </a:solidFill>
+                      </a:endParaRPr>
                     </a:p>
                     <a:p>
                       <a:endParaRPr lang="en-US" dirty="0"/>
@@ -4407,10 +4522,10 @@
       </p:grpSpPr>
       <p:sp>
         <p:nvSpPr>
-          <p:cNvPr id="5" name="Title 4">
-            <a:extLst>
-              <a:ext uri="{FF2B5EF4-FFF2-40B4-BE49-F238E27FC236}">
-                <a16:creationId xmlns:a16="http://schemas.microsoft.com/office/drawing/2014/main" id="{213020FC-B719-5416-C20F-A4695FA1B3D8}"/>
+          <p:cNvPr id="2" name="Title 1">
+            <a:extLst>
+              <a:ext uri="{FF2B5EF4-FFF2-40B4-BE49-F238E27FC236}">
+                <a16:creationId xmlns:a16="http://schemas.microsoft.com/office/drawing/2014/main" id="{FE6D9A2D-06E5-48F6-1577-770301591992}"/>
               </a:ext>
             </a:extLst>
           </p:cNvPr>
@@ -4428,17 +4543,17 @@
           <a:p>
             <a:r>
               <a:rPr lang="en-US" dirty="0"/>
-              <a:t>Performance Considerations for Trajectory</a:t>
-            </a:r>
-          </a:p>
-        </p:txBody>
-      </p:sp>
-      <p:sp>
-        <p:nvSpPr>
-          <p:cNvPr id="6" name="Content Placeholder 5">
-            <a:extLst>
-              <a:ext uri="{FF2B5EF4-FFF2-40B4-BE49-F238E27FC236}">
-                <a16:creationId xmlns:a16="http://schemas.microsoft.com/office/drawing/2014/main" id="{F7AE7EE5-6AD7-75ED-D683-8B5C46276C4B}"/>
+              <a:t>The Model layer</a:t>
+            </a:r>
+          </a:p>
+        </p:txBody>
+      </p:sp>
+      <p:sp>
+        <p:nvSpPr>
+          <p:cNvPr id="5" name="Text Placeholder 4">
+            <a:extLst>
+              <a:ext uri="{FF2B5EF4-FFF2-40B4-BE49-F238E27FC236}">
+                <a16:creationId xmlns:a16="http://schemas.microsoft.com/office/drawing/2014/main" id="{6EB103A5-F7DD-6D05-B116-1400B827FD7C}"/>
               </a:ext>
             </a:extLst>
           </p:cNvPr>
@@ -4446,161 +4561,751 @@
             <a:spLocks noGrp="1"/>
           </p:cNvSpPr>
           <p:nvPr>
+            <p:ph type="body" sz="half" idx="2"/>
+          </p:nvPr>
+        </p:nvSpPr>
+        <p:spPr/>
+        <p:txBody>
+          <a:bodyPr>
+            <a:normAutofit lnSpcReduction="10000"/>
+          </a:bodyPr>
+          <a:lstStyle/>
+          <a:p>
+            <a:pPr marL="0" indent="0">
+              <a:buNone/>
+            </a:pPr>
+            <a:r>
+              <a:rPr lang="en-US" dirty="0"/>
+              <a:t>User Model classes inherit from a Model template</a:t>
+            </a:r>
+          </a:p>
+          <a:p>
+            <a:pPr marL="0" indent="0">
+              <a:buNone/>
+            </a:pPr>
+            <a:r>
+              <a:rPr lang="en-US" dirty="0"/>
+              <a:t>Model templates define the fields from which symbolic elements are drawn</a:t>
+            </a:r>
+          </a:p>
+          <a:p>
+            <a:pPr marL="0" indent="0">
+              <a:buNone/>
+            </a:pPr>
+            <a:r>
+              <a:rPr lang="en-US" dirty="0"/>
+              <a:t>Disciplined system encapsulation: build up more complex models by using sub-models, but only interact through input and output fields </a:t>
+            </a:r>
+          </a:p>
+          <a:p>
+            <a:pPr marL="0" indent="0">
+              <a:buNone/>
+            </a:pPr>
+            <a:r>
+              <a:rPr lang="en-US" dirty="0"/>
+              <a:t>Model class and </a:t>
+            </a:r>
+            <a:r>
+              <a:rPr lang="en-US" dirty="0" err="1"/>
+              <a:t>ModelType</a:t>
+            </a:r>
+            <a:r>
+              <a:rPr lang="en-US" dirty="0"/>
+              <a:t> </a:t>
+            </a:r>
+            <a:r>
+              <a:rPr lang="en-US" dirty="0" err="1"/>
+              <a:t>metaclass</a:t>
+            </a:r>
+            <a:r>
+              <a:rPr lang="en-US" dirty="0"/>
+              <a:t> implement “metaprogramming” (dynamic class generation) that enable the desired API</a:t>
+            </a:r>
+          </a:p>
+          <a:p>
+            <a:pPr marL="0" indent="0">
+              <a:buNone/>
+            </a:pPr>
+            <a:r>
+              <a:rPr lang="en-US" dirty="0"/>
+              <a:t>Solver options can be set using as Model inner-class namespace (or in separate code, executed before model calls) to provide clear separation between mathematical model and numerical details</a:t>
+            </a:r>
+          </a:p>
+        </p:txBody>
+      </p:sp>
+      <p:graphicFrame>
+        <p:nvGraphicFramePr>
+          <p:cNvPr id="6" name="Table 7">
+            <a:extLst>
+              <a:ext uri="{FF2B5EF4-FFF2-40B4-BE49-F238E27FC236}">
+                <a16:creationId xmlns:a16="http://schemas.microsoft.com/office/drawing/2014/main" id="{9607F549-03CE-C391-E332-087B22A65B8D}"/>
+              </a:ext>
+            </a:extLst>
+          </p:cNvPr>
+          <p:cNvGraphicFramePr>
+            <a:graphicFrameLocks noGrp="1"/>
+          </p:cNvGraphicFramePr>
+          <p:nvPr>
             <p:ph idx="1"/>
+            <p:extLst>
+              <p:ext uri="{D42A27DB-BD31-4B8C-83A1-F6EECF244321}">
+                <p14:modId xmlns:p14="http://schemas.microsoft.com/office/powerpoint/2010/main" val="2826120144"/>
+              </p:ext>
+            </p:extLst>
           </p:nvPr>
-        </p:nvSpPr>
-        <p:spPr>
-          <a:xfrm>
-            <a:off x="838200" y="1834678"/>
-            <a:ext cx="10515600" cy="4351338"/>
-          </a:xfrm>
-        </p:spPr>
-        <p:txBody>
-          <a:bodyPr>
-            <a:normAutofit fontScale="62500" lnSpcReduction="20000"/>
-          </a:bodyPr>
-          <a:lstStyle/>
-          <a:p>
-            <a:r>
-              <a:rPr lang="en-US" dirty="0"/>
-              <a:t>Moved to </a:t>
-            </a:r>
-            <a:r>
-              <a:rPr lang="en-US" dirty="0" err="1"/>
-              <a:t>scikits.odes</a:t>
-            </a:r>
-            <a:r>
-              <a:rPr lang="en-US" dirty="0"/>
-              <a:t> CVODE, an implicit solver; implicit may generally be slower but more accurate than explicit? but faster per accuracy? see discussion</a:t>
-            </a:r>
-            <a:r>
-              <a:rPr lang="en-US" baseline="-25000" dirty="0">
-                <a:hlinkClick r:id="rId2"/>
-              </a:rPr>
-              <a:t>://github.com/bmcage/odes/issues/127#issuecomment-923782240</a:t>
-            </a:r>
-            <a:r>
-              <a:rPr lang="en-US" dirty="0"/>
-              <a:t>. </a:t>
-            </a:r>
-          </a:p>
-          <a:p>
-            <a:r>
-              <a:rPr lang="en-US" dirty="0"/>
-              <a:t>May be able to use state ordering so banded </a:t>
-            </a:r>
-            <a:r>
-              <a:rPr lang="en-US" dirty="0" err="1"/>
-              <a:t>jacobian</a:t>
-            </a:r>
-            <a:r>
-              <a:rPr lang="en-US" dirty="0"/>
-              <a:t> can be used. Other solver configuration options may improve performance as well.</a:t>
-            </a:r>
-          </a:p>
-          <a:p>
-            <a:r>
-              <a:rPr lang="en-US" dirty="0"/>
-              <a:t>Implicit means iterative solution at every time step </a:t>
-            </a:r>
-            <a:r>
-              <a:rPr lang="en-US" dirty="0">
-                <a:sym typeface="Wingdings" pitchFamily="2" charset="2"/>
-              </a:rPr>
-              <a:t> solvers (</a:t>
-            </a:r>
-            <a:r>
-              <a:rPr lang="en-US" dirty="0" err="1">
-                <a:sym typeface="Wingdings" pitchFamily="2" charset="2"/>
-              </a:rPr>
-              <a:t>AlgebraicSystem</a:t>
-            </a:r>
-            <a:r>
-              <a:rPr lang="en-US" dirty="0">
-                <a:sym typeface="Wingdings" pitchFamily="2" charset="2"/>
-              </a:rPr>
-              <a:t> or </a:t>
-            </a:r>
-            <a:r>
-              <a:rPr lang="en-US" dirty="0" err="1">
-                <a:sym typeface="Wingdings" pitchFamily="2" charset="2"/>
-              </a:rPr>
-              <a:t>OptimizationProblem</a:t>
-            </a:r>
-            <a:r>
-              <a:rPr lang="en-US" dirty="0">
-                <a:sym typeface="Wingdings" pitchFamily="2" charset="2"/>
-              </a:rPr>
-              <a:t>) for control will likely be worse! They probably need solution conditions lifted to DAE residual. </a:t>
-            </a:r>
-          </a:p>
-          <a:p>
-            <a:r>
-              <a:rPr lang="en-US" dirty="0"/>
-              <a:t>Maybe add explicit solver wrapper following new API. New API is well-organized &amp; can likely wrap </a:t>
-            </a:r>
-            <a:r>
-              <a:rPr lang="en-US" dirty="0" err="1"/>
-              <a:t>explicit+events</a:t>
-            </a:r>
-            <a:r>
-              <a:rPr lang="en-US" dirty="0"/>
-              <a:t> and sundials CVODES/IDA relatively easily. </a:t>
-            </a:r>
-            <a:r>
-              <a:rPr lang="en-US" dirty="0" err="1"/>
-              <a:t>SimuPy</a:t>
-            </a:r>
-            <a:r>
-              <a:rPr lang="en-US" dirty="0"/>
-              <a:t> (explicit solver) version had problems for later orbital problems even though first orbital problem ~twice as fast (consistent with </a:t>
-            </a:r>
-            <a:r>
-              <a:rPr lang="en-US" dirty="0" err="1"/>
-              <a:t>bmcage’s</a:t>
-            </a:r>
-            <a:r>
-              <a:rPr lang="en-US" dirty="0"/>
-              <a:t> optimized example in discussion). Not sure if explicit issues for later orbital resolved by time-yielding</a:t>
-            </a:r>
-          </a:p>
-          <a:p>
-            <a:r>
-              <a:rPr lang="en-US" dirty="0">
-                <a:sym typeface="Wingdings" pitchFamily="2" charset="2"/>
-              </a:rPr>
-              <a:t>Modes definitely need </a:t>
-            </a:r>
-            <a:r>
-              <a:rPr lang="en-US" dirty="0" err="1">
-                <a:sym typeface="Wingdings" pitchFamily="2" charset="2"/>
-              </a:rPr>
-              <a:t>if_else</a:t>
-            </a:r>
-            <a:r>
-              <a:rPr lang="en-US" dirty="0">
-                <a:sym typeface="Wingdings" pitchFamily="2" charset="2"/>
-              </a:rPr>
-              <a:t> control branch instead of *float(bool) for explicit solver. Lifted DAE approach may be less important (although number of residuals may change…)</a:t>
-            </a:r>
-          </a:p>
-          <a:p>
-            <a:r>
-              <a:rPr lang="en-US" dirty="0">
-                <a:sym typeface="Wingdings" pitchFamily="2" charset="2"/>
-              </a:rPr>
-              <a:t>Use the built-in sensitivity method of IDAS/CVODES for the continuous portions, then SGM equations for discontinuities. May be able to minimize storage requirements/accuracy</a:t>
-            </a:r>
-          </a:p>
-          <a:p>
-            <a:endParaRPr lang="en-US" dirty="0"/>
-          </a:p>
-        </p:txBody>
-      </p:sp>
+        </p:nvGraphicFramePr>
+        <p:xfrm>
+          <a:off x="4772025" y="292523"/>
+          <a:ext cx="7275814" cy="5551189"/>
+        </p:xfrm>
+        <a:graphic>
+          <a:graphicData uri="http://schemas.openxmlformats.org/drawingml/2006/table">
+            <a:tbl>
+              <a:tblPr firstRow="1" bandRow="1">
+                <a:tableStyleId>{5C22544A-7EE6-4342-B048-85BDC9FD1C3A}</a:tableStyleId>
+              </a:tblPr>
+              <a:tblGrid>
+                <a:gridCol w="2298732">
+                  <a:extLst>
+                    <a:ext uri="{9D8B030D-6E8A-4147-A177-3AD203B41FA5}">
+                      <a16:colId xmlns:a16="http://schemas.microsoft.com/office/drawing/2014/main" val="3785575868"/>
+                    </a:ext>
+                  </a:extLst>
+                </a:gridCol>
+                <a:gridCol w="1358020">
+                  <a:extLst>
+                    <a:ext uri="{9D8B030D-6E8A-4147-A177-3AD203B41FA5}">
+                      <a16:colId xmlns:a16="http://schemas.microsoft.com/office/drawing/2014/main" val="831498153"/>
+                    </a:ext>
+                  </a:extLst>
+                </a:gridCol>
+                <a:gridCol w="1675653">
+                  <a:extLst>
+                    <a:ext uri="{9D8B030D-6E8A-4147-A177-3AD203B41FA5}">
+                      <a16:colId xmlns:a16="http://schemas.microsoft.com/office/drawing/2014/main" val="1483990506"/>
+                    </a:ext>
+                  </a:extLst>
+                </a:gridCol>
+                <a:gridCol w="1943409">
+                  <a:extLst>
+                    <a:ext uri="{9D8B030D-6E8A-4147-A177-3AD203B41FA5}">
+                      <a16:colId xmlns:a16="http://schemas.microsoft.com/office/drawing/2014/main" val="2636472036"/>
+                    </a:ext>
+                  </a:extLst>
+                </a:gridCol>
+              </a:tblGrid>
+              <a:tr h="491897">
+                <a:tc>
+                  <a:txBody>
+                    <a:bodyPr/>
+                    <a:lstStyle/>
+                    <a:p>
+                      <a:endParaRPr lang="en-US" dirty="0"/>
+                    </a:p>
+                  </a:txBody>
+                  <a:tcPr>
+                    <a:lnB w="12700" cap="flat" cmpd="sng" algn="ctr">
+                      <a:noFill/>
+                      <a:prstDash val="solid"/>
+                      <a:round/>
+                      <a:headEnd type="none" w="med" len="med"/>
+                      <a:tailEnd type="none" w="med" len="med"/>
+                    </a:lnB>
+                  </a:tcPr>
+                </a:tc>
+                <a:tc gridSpan="3">
+                  <a:txBody>
+                    <a:bodyPr/>
+                    <a:lstStyle/>
+                    <a:p>
+                      <a:pPr algn="ctr"/>
+                      <a:r>
+                        <a:rPr lang="en-US" dirty="0"/>
+                        <a:t>Fields</a:t>
+                      </a:r>
+                    </a:p>
+                  </a:txBody>
+                  <a:tcPr>
+                    <a:lnB w="12700" cap="flat" cmpd="sng" algn="ctr">
+                      <a:noFill/>
+                      <a:prstDash val="solid"/>
+                      <a:round/>
+                      <a:headEnd type="none" w="med" len="med"/>
+                      <a:tailEnd type="none" w="med" len="med"/>
+                    </a:lnB>
+                  </a:tcPr>
+                </a:tc>
+                <a:tc hMerge="1">
+                  <a:txBody>
+                    <a:bodyPr/>
+                    <a:lstStyle/>
+                    <a:p>
+                      <a:endParaRPr lang="en-US"/>
+                    </a:p>
+                  </a:txBody>
+                  <a:tcPr/>
+                </a:tc>
+                <a:tc hMerge="1">
+                  <a:txBody>
+                    <a:bodyPr/>
+                    <a:lstStyle/>
+                    <a:p>
+                      <a:endParaRPr lang="en-US"/>
+                    </a:p>
+                  </a:txBody>
+                  <a:tcPr/>
+                </a:tc>
+                <a:extLst>
+                  <a:ext uri="{0D108BD9-81ED-4DB2-BD59-A6C34878D82A}">
+                    <a16:rowId xmlns:a16="http://schemas.microsoft.com/office/drawing/2014/main" val="3669136116"/>
+                  </a:ext>
+                </a:extLst>
+              </a:tr>
+              <a:tr h="491897">
+                <a:tc>
+                  <a:txBody>
+                    <a:bodyPr/>
+                    <a:lstStyle/>
+                    <a:p>
+                      <a:pPr marL="0" marR="0" lvl="0" indent="0" algn="l" defTabSz="914400" rtl="0" eaLnBrk="1" fontAlgn="auto" latinLnBrk="0" hangingPunct="1">
+                        <a:lnSpc>
+                          <a:spcPct val="100000"/>
+                        </a:lnSpc>
+                        <a:spcBef>
+                          <a:spcPts val="0"/>
+                        </a:spcBef>
+                        <a:spcAft>
+                          <a:spcPts val="0"/>
+                        </a:spcAft>
+                        <a:buClrTx/>
+                        <a:buSzTx/>
+                        <a:buFontTx/>
+                        <a:buNone/>
+                        <a:tabLst/>
+                        <a:defRPr/>
+                      </a:pPr>
+                      <a:r>
+                        <a:rPr lang="en-US" dirty="0">
+                          <a:solidFill>
+                            <a:schemeClr val="bg1"/>
+                          </a:solidFill>
+                        </a:rPr>
+                        <a:t>Built-in template</a:t>
+                      </a:r>
+                    </a:p>
+                  </a:txBody>
+                  <a:tcPr>
+                    <a:lnT w="12700" cap="flat" cmpd="sng" algn="ctr">
+                      <a:noFill/>
+                      <a:prstDash val="solid"/>
+                      <a:round/>
+                      <a:headEnd type="none" w="med" len="med"/>
+                      <a:tailEnd type="none" w="med" len="med"/>
+                    </a:lnT>
+                    <a:solidFill>
+                      <a:schemeClr val="accent1"/>
+                    </a:solidFill>
+                  </a:tcPr>
+                </a:tc>
+                <a:tc>
+                  <a:txBody>
+                    <a:bodyPr/>
+                    <a:lstStyle/>
+                    <a:p>
+                      <a:r>
+                        <a:rPr lang="en-US" dirty="0">
+                          <a:solidFill>
+                            <a:schemeClr val="bg1"/>
+                          </a:solidFill>
+                        </a:rPr>
+                        <a:t>input</a:t>
+                      </a:r>
+                    </a:p>
+                  </a:txBody>
+                  <a:tcPr>
+                    <a:lnT w="12700" cap="flat" cmpd="sng" algn="ctr">
+                      <a:noFill/>
+                      <a:prstDash val="solid"/>
+                      <a:round/>
+                      <a:headEnd type="none" w="med" len="med"/>
+                      <a:tailEnd type="none" w="med" len="med"/>
+                    </a:lnT>
+                    <a:solidFill>
+                      <a:schemeClr val="accent1"/>
+                    </a:solidFill>
+                  </a:tcPr>
+                </a:tc>
+                <a:tc>
+                  <a:txBody>
+                    <a:bodyPr/>
+                    <a:lstStyle/>
+                    <a:p>
+                      <a:r>
+                        <a:rPr lang="en-US" dirty="0">
+                          <a:solidFill>
+                            <a:schemeClr val="bg1"/>
+                          </a:solidFill>
+                        </a:rPr>
+                        <a:t>internal</a:t>
+                      </a:r>
+                    </a:p>
+                  </a:txBody>
+                  <a:tcPr>
+                    <a:lnT w="12700" cap="flat" cmpd="sng" algn="ctr">
+                      <a:noFill/>
+                      <a:prstDash val="solid"/>
+                      <a:round/>
+                      <a:headEnd type="none" w="med" len="med"/>
+                      <a:tailEnd type="none" w="med" len="med"/>
+                    </a:lnT>
+                    <a:solidFill>
+                      <a:schemeClr val="accent1"/>
+                    </a:solidFill>
+                  </a:tcPr>
+                </a:tc>
+                <a:tc>
+                  <a:txBody>
+                    <a:bodyPr/>
+                    <a:lstStyle/>
+                    <a:p>
+                      <a:r>
+                        <a:rPr lang="en-US" dirty="0">
+                          <a:solidFill>
+                            <a:schemeClr val="bg1"/>
+                          </a:solidFill>
+                        </a:rPr>
+                        <a:t>output</a:t>
+                      </a:r>
+                    </a:p>
+                  </a:txBody>
+                  <a:tcPr>
+                    <a:lnT w="12700" cap="flat" cmpd="sng" algn="ctr">
+                      <a:noFill/>
+                      <a:prstDash val="solid"/>
+                      <a:round/>
+                      <a:headEnd type="none" w="med" len="med"/>
+                      <a:tailEnd type="none" w="med" len="med"/>
+                    </a:lnT>
+                    <a:solidFill>
+                      <a:schemeClr val="accent1"/>
+                    </a:solidFill>
+                  </a:tcPr>
+                </a:tc>
+                <a:extLst>
+                  <a:ext uri="{0D108BD9-81ED-4DB2-BD59-A6C34878D82A}">
+                    <a16:rowId xmlns:a16="http://schemas.microsoft.com/office/drawing/2014/main" val="3060920256"/>
+                  </a:ext>
+                </a:extLst>
+              </a:tr>
+              <a:tr h="491897">
+                <a:tc>
+                  <a:txBody>
+                    <a:bodyPr/>
+                    <a:lstStyle/>
+                    <a:p>
+                      <a:r>
+                        <a:rPr lang="en-US" dirty="0" err="1"/>
+                        <a:t>ExplicitSystem</a:t>
+                      </a:r>
+                      <a:endParaRPr lang="en-US" dirty="0"/>
+                    </a:p>
+                  </a:txBody>
+                  <a:tcPr/>
+                </a:tc>
+                <a:tc>
+                  <a:txBody>
+                    <a:bodyPr/>
+                    <a:lstStyle/>
+                    <a:p>
+                      <a:r>
+                        <a:rPr lang="en-US" strike="noStrike" dirty="0"/>
+                        <a:t>input</a:t>
+                      </a:r>
+                    </a:p>
+                  </a:txBody>
+                  <a:tcPr/>
+                </a:tc>
+                <a:tc>
+                  <a:txBody>
+                    <a:bodyPr/>
+                    <a:lstStyle/>
+                    <a:p>
+                      <a:endParaRPr lang="en-US" dirty="0"/>
+                    </a:p>
+                  </a:txBody>
+                  <a:tcPr/>
+                </a:tc>
+                <a:tc>
+                  <a:txBody>
+                    <a:bodyPr/>
+                    <a:lstStyle/>
+                    <a:p>
+                      <a:r>
+                        <a:rPr lang="en-US" dirty="0"/>
+                        <a:t>output</a:t>
+                      </a:r>
+                    </a:p>
+                  </a:txBody>
+                  <a:tcPr/>
+                </a:tc>
+                <a:extLst>
+                  <a:ext uri="{0D108BD9-81ED-4DB2-BD59-A6C34878D82A}">
+                    <a16:rowId xmlns:a16="http://schemas.microsoft.com/office/drawing/2014/main" val="4058256477"/>
+                  </a:ext>
+                </a:extLst>
+              </a:tr>
+              <a:tr h="491897">
+                <a:tc>
+                  <a:txBody>
+                    <a:bodyPr/>
+                    <a:lstStyle/>
+                    <a:p>
+                      <a:r>
+                        <a:rPr lang="en-US" dirty="0" err="1"/>
+                        <a:t>TableLookup</a:t>
+                      </a:r>
+                      <a:endParaRPr lang="en-US" dirty="0"/>
+                    </a:p>
+                  </a:txBody>
+                  <a:tcPr/>
+                </a:tc>
+                <a:tc>
+                  <a:txBody>
+                    <a:bodyPr/>
+                    <a:lstStyle/>
+                    <a:p>
+                      <a:r>
+                        <a:rPr lang="en-US" dirty="0">
+                          <a:solidFill>
+                            <a:schemeClr val="tx1"/>
+                          </a:solidFill>
+                        </a:rPr>
+                        <a:t>input</a:t>
+                      </a:r>
+                    </a:p>
+                  </a:txBody>
+                  <a:tcPr/>
+                </a:tc>
+                <a:tc>
+                  <a:txBody>
+                    <a:bodyPr/>
+                    <a:lstStyle/>
+                    <a:p>
+                      <a:r>
+                        <a:rPr lang="en-US" dirty="0" err="1"/>
+                        <a:t>input_data</a:t>
+                      </a:r>
+                      <a:endParaRPr lang="en-US" dirty="0"/>
+                    </a:p>
+                    <a:p>
+                      <a:r>
+                        <a:rPr lang="en-US" dirty="0" err="1"/>
+                        <a:t>output_data</a:t>
+                      </a:r>
+                      <a:endParaRPr lang="en-US" dirty="0"/>
+                    </a:p>
+                  </a:txBody>
+                  <a:tcPr/>
+                </a:tc>
+                <a:tc>
+                  <a:txBody>
+                    <a:bodyPr/>
+                    <a:lstStyle/>
+                    <a:p>
+                      <a:r>
+                        <a:rPr lang="en-US" dirty="0"/>
+                        <a:t>output – </a:t>
+                      </a:r>
+                      <a:r>
+                        <a:rPr lang="en-US" dirty="0">
+                          <a:solidFill>
+                            <a:srgbClr val="FF0000"/>
+                          </a:solidFill>
+                        </a:rPr>
+                        <a:t>make free</a:t>
+                      </a:r>
+                      <a:endParaRPr lang="en-US" dirty="0"/>
+                    </a:p>
+                  </a:txBody>
+                  <a:tcPr/>
+                </a:tc>
+                <a:extLst>
+                  <a:ext uri="{0D108BD9-81ED-4DB2-BD59-A6C34878D82A}">
+                    <a16:rowId xmlns:a16="http://schemas.microsoft.com/office/drawing/2014/main" val="2580508838"/>
+                  </a:ext>
+                </a:extLst>
+              </a:tr>
+              <a:tr h="849029">
+                <a:tc>
+                  <a:txBody>
+                    <a:bodyPr/>
+                    <a:lstStyle/>
+                    <a:p>
+                      <a:r>
+                        <a:rPr lang="en-US" dirty="0" err="1"/>
+                        <a:t>AlgebraicSystem</a:t>
+                      </a:r>
+                      <a:endParaRPr lang="en-US" dirty="0"/>
+                    </a:p>
+                  </a:txBody>
+                  <a:tcPr/>
+                </a:tc>
+                <a:tc>
+                  <a:txBody>
+                    <a:bodyPr/>
+                    <a:lstStyle/>
+                    <a:p>
+                      <a:r>
+                        <a:rPr lang="en-US" dirty="0"/>
+                        <a:t>parameter</a:t>
+                      </a:r>
+                    </a:p>
+                  </a:txBody>
+                  <a:tcPr/>
+                </a:tc>
+                <a:tc>
+                  <a:txBody>
+                    <a:bodyPr/>
+                    <a:lstStyle/>
+                    <a:p>
+                      <a:r>
+                        <a:rPr lang="en-US" dirty="0"/>
+                        <a:t>residual</a:t>
+                      </a:r>
+                    </a:p>
+                  </a:txBody>
+                  <a:tcPr/>
+                </a:tc>
+                <a:tc>
+                  <a:txBody>
+                    <a:bodyPr/>
+                    <a:lstStyle/>
+                    <a:p>
+                      <a:r>
+                        <a:rPr lang="en-US" dirty="0">
+                          <a:solidFill>
+                            <a:srgbClr val="FF0000"/>
+                          </a:solidFill>
+                        </a:rPr>
+                        <a:t>variable</a:t>
+                      </a:r>
+                    </a:p>
+                  </a:txBody>
+                  <a:tcPr/>
+                </a:tc>
+                <a:extLst>
+                  <a:ext uri="{0D108BD9-81ED-4DB2-BD59-A6C34878D82A}">
+                    <a16:rowId xmlns:a16="http://schemas.microsoft.com/office/drawing/2014/main" val="1448271966"/>
+                  </a:ext>
+                </a:extLst>
+              </a:tr>
+              <a:tr h="849029">
+                <a:tc>
+                  <a:txBody>
+                    <a:bodyPr/>
+                    <a:lstStyle/>
+                    <a:p>
+                      <a:r>
+                        <a:rPr lang="en-US" dirty="0" err="1"/>
+                        <a:t>OptimizationProblem</a:t>
+                      </a:r>
+                      <a:endParaRPr lang="en-US" dirty="0"/>
+                    </a:p>
+                  </a:txBody>
+                  <a:tcPr/>
+                </a:tc>
+                <a:tc>
+                  <a:txBody>
+                    <a:bodyPr/>
+                    <a:lstStyle/>
+                    <a:p>
+                      <a:r>
+                        <a:rPr lang="en-US" dirty="0"/>
+                        <a:t>parameter</a:t>
+                      </a:r>
+                    </a:p>
+                  </a:txBody>
+                  <a:tcPr/>
+                </a:tc>
+                <a:tc>
+                  <a:txBody>
+                    <a:bodyPr/>
+                    <a:lstStyle/>
+                    <a:p>
+                      <a:r>
+                        <a:rPr lang="en-US" dirty="0"/>
+                        <a:t>objective</a:t>
+                      </a:r>
+                    </a:p>
+                    <a:p>
+                      <a:r>
+                        <a:rPr lang="en-US" dirty="0"/>
+                        <a:t>constraint</a:t>
+                      </a:r>
+                    </a:p>
+                  </a:txBody>
+                  <a:tcPr/>
+                </a:tc>
+                <a:tc>
+                  <a:txBody>
+                    <a:bodyPr/>
+                    <a:lstStyle/>
+                    <a:p>
+                      <a:r>
+                        <a:rPr lang="en-US" dirty="0"/>
+                        <a:t>variable</a:t>
+                      </a:r>
+                    </a:p>
+                  </a:txBody>
+                  <a:tcPr/>
+                </a:tc>
+                <a:extLst>
+                  <a:ext uri="{0D108BD9-81ED-4DB2-BD59-A6C34878D82A}">
+                    <a16:rowId xmlns:a16="http://schemas.microsoft.com/office/drawing/2014/main" val="3988867081"/>
+                  </a:ext>
+                </a:extLst>
+              </a:tr>
+              <a:tr h="1212899">
+                <a:tc>
+                  <a:txBody>
+                    <a:bodyPr/>
+                    <a:lstStyle/>
+                    <a:p>
+                      <a:r>
+                        <a:rPr lang="en-US" dirty="0" err="1"/>
+                        <a:t>TrajectoryAnalysis</a:t>
+                      </a:r>
+                      <a:endParaRPr lang="en-US" dirty="0"/>
+                    </a:p>
+                  </a:txBody>
+                  <a:tcPr/>
+                </a:tc>
+                <a:tc>
+                  <a:txBody>
+                    <a:bodyPr/>
+                    <a:lstStyle/>
+                    <a:p>
+                      <a:r>
+                        <a:rPr lang="en-US" dirty="0"/>
+                        <a:t>parameter</a:t>
+                      </a:r>
+                    </a:p>
+                  </a:txBody>
+                  <a:tcPr/>
+                </a:tc>
+                <a:tc>
+                  <a:txBody>
+                    <a:bodyPr/>
+                    <a:lstStyle/>
+                    <a:p>
+                      <a:r>
+                        <a:rPr lang="en-US" dirty="0"/>
+                        <a:t>state</a:t>
+                      </a:r>
+                    </a:p>
+                    <a:p>
+                      <a:r>
+                        <a:rPr lang="en-US" dirty="0"/>
+                        <a:t>dot</a:t>
+                      </a:r>
+                    </a:p>
+                    <a:p>
+                      <a:r>
+                        <a:rPr lang="en-US" dirty="0"/>
+                        <a:t>initial</a:t>
+                      </a:r>
+                    </a:p>
+                    <a:p>
+                      <a:r>
+                        <a:rPr lang="en-US" dirty="0" err="1"/>
+                        <a:t>event.update</a:t>
+                      </a:r>
+                      <a:endParaRPr lang="en-US" dirty="0"/>
+                    </a:p>
+                    <a:p>
+                      <a:r>
+                        <a:rPr lang="en-US" strike="sngStrike" dirty="0"/>
+                        <a:t>modal</a:t>
+                      </a:r>
+                      <a:r>
+                        <a:rPr lang="en-US" strike="noStrike" dirty="0"/>
+                        <a:t> </a:t>
+                      </a:r>
+                      <a:r>
+                        <a:rPr lang="en-US" strike="noStrike" dirty="0">
+                          <a:solidFill>
+                            <a:srgbClr val="FF0000"/>
+                          </a:solidFill>
+                        </a:rPr>
+                        <a:t>control</a:t>
+                      </a:r>
+                      <a:endParaRPr lang="en-US" strike="sngStrike" dirty="0">
+                        <a:solidFill>
+                          <a:srgbClr val="FF0000"/>
+                        </a:solidFill>
+                      </a:endParaRPr>
+                    </a:p>
+                    <a:p>
+                      <a:endParaRPr lang="en-US" dirty="0"/>
+                    </a:p>
+                  </a:txBody>
+                  <a:tcPr/>
+                </a:tc>
+                <a:tc>
+                  <a:txBody>
+                    <a:bodyPr/>
+                    <a:lstStyle/>
+                    <a:p>
+                      <a:r>
+                        <a:rPr lang="en-US" strike="sngStrike" dirty="0" err="1"/>
+                        <a:t>trajectory_output</a:t>
+                      </a:r>
+                      <a:endParaRPr lang="en-US" strike="sngStrike" dirty="0"/>
+                    </a:p>
+                    <a:p>
+                      <a:pPr marL="0" marR="0" lvl="0" indent="0" algn="l" defTabSz="914400" rtl="0" eaLnBrk="1" fontAlgn="auto" latinLnBrk="0" hangingPunct="1">
+                        <a:lnSpc>
+                          <a:spcPct val="100000"/>
+                        </a:lnSpc>
+                        <a:spcBef>
+                          <a:spcPts val="0"/>
+                        </a:spcBef>
+                        <a:spcAft>
+                          <a:spcPts val="0"/>
+                        </a:spcAft>
+                        <a:buClrTx/>
+                        <a:buSzTx/>
+                        <a:buFontTx/>
+                        <a:buNone/>
+                        <a:tabLst/>
+                        <a:defRPr/>
+                      </a:pPr>
+                      <a:r>
+                        <a:rPr lang="en-US" dirty="0">
+                          <a:solidFill>
+                            <a:srgbClr val="FF0000"/>
+                          </a:solidFill>
+                        </a:rPr>
+                        <a:t>output</a:t>
+                      </a:r>
+                    </a:p>
+                  </a:txBody>
+                  <a:tcPr/>
+                </a:tc>
+                <a:extLst>
+                  <a:ext uri="{0D108BD9-81ED-4DB2-BD59-A6C34878D82A}">
+                    <a16:rowId xmlns:a16="http://schemas.microsoft.com/office/drawing/2014/main" val="4220355711"/>
+                  </a:ext>
+                </a:extLst>
+              </a:tr>
+            </a:tbl>
+          </a:graphicData>
+        </a:graphic>
+      </p:graphicFrame>
     </p:spTree>
     <p:extLst>
       <p:ext uri="{BB962C8B-B14F-4D97-AF65-F5344CB8AC3E}">
-        <p14:creationId xmlns:p14="http://schemas.microsoft.com/office/powerpoint/2010/main" val="3278655454"/>
+        <p14:creationId xmlns:p14="http://schemas.microsoft.com/office/powerpoint/2010/main" val="1907278867"/>
       </p:ext>
     </p:extLst>
   </p:cSld>
@@ -4897,6 +5602,511 @@
 </file>
 
 <file path=ppt/slides/slide14.xml><?xml version="1.0" encoding="utf-8"?>
+<p:sld xmlns:a="http://schemas.openxmlformats.org/drawingml/2006/main" xmlns:r="http://schemas.openxmlformats.org/officeDocument/2006/relationships" xmlns:p="http://schemas.openxmlformats.org/presentationml/2006/main">
+  <p:cSld>
+    <p:spTree>
+      <p:nvGrpSpPr>
+        <p:cNvPr id="1" name=""/>
+        <p:cNvGrpSpPr/>
+        <p:nvPr/>
+      </p:nvGrpSpPr>
+      <p:grpSpPr>
+        <a:xfrm>
+          <a:off x="0" y="0"/>
+          <a:ext cx="0" cy="0"/>
+          <a:chOff x="0" y="0"/>
+          <a:chExt cx="0" cy="0"/>
+        </a:xfrm>
+      </p:grpSpPr>
+      <p:sp>
+        <p:nvSpPr>
+          <p:cNvPr id="2" name="Title 1">
+            <a:extLst>
+              <a:ext uri="{FF2B5EF4-FFF2-40B4-BE49-F238E27FC236}">
+                <a16:creationId xmlns:a16="http://schemas.microsoft.com/office/drawing/2014/main" id="{4CE5830F-81CC-497F-CEBB-B2A5A0400775}"/>
+              </a:ext>
+            </a:extLst>
+          </p:cNvPr>
+          <p:cNvSpPr>
+            <a:spLocks noGrp="1"/>
+          </p:cNvSpPr>
+          <p:nvPr>
+            <p:ph type="title"/>
+          </p:nvPr>
+        </p:nvSpPr>
+        <p:spPr/>
+        <p:txBody>
+          <a:bodyPr/>
+          <a:lstStyle/>
+          <a:p>
+            <a:r>
+              <a:rPr lang="en-US" dirty="0">
+                <a:solidFill>
+                  <a:srgbClr val="FF0000"/>
+                </a:solidFill>
+              </a:rPr>
+              <a:t>Open questions/tasks</a:t>
+            </a:r>
+          </a:p>
+        </p:txBody>
+      </p:sp>
+      <p:sp>
+        <p:nvSpPr>
+          <p:cNvPr id="3" name="Content Placeholder 2">
+            <a:extLst>
+              <a:ext uri="{FF2B5EF4-FFF2-40B4-BE49-F238E27FC236}">
+                <a16:creationId xmlns:a16="http://schemas.microsoft.com/office/drawing/2014/main" id="{1B1EF2D3-3953-AA45-1722-270D2005A8E3}"/>
+              </a:ext>
+            </a:extLst>
+          </p:cNvPr>
+          <p:cNvSpPr>
+            <a:spLocks noGrp="1"/>
+          </p:cNvSpPr>
+          <p:nvPr>
+            <p:ph idx="1"/>
+          </p:nvPr>
+        </p:nvSpPr>
+        <p:spPr/>
+        <p:txBody>
+          <a:bodyPr/>
+          <a:lstStyle/>
+          <a:p>
+            <a:r>
+              <a:rPr lang="en-US" dirty="0"/>
+              <a:t>Rename “symbols” to “elements” where appropriate? </a:t>
+            </a:r>
+          </a:p>
+          <a:p>
+            <a:r>
+              <a:rPr lang="en-US" dirty="0"/>
+              <a:t>Change output from assigned field to free field </a:t>
+            </a:r>
+          </a:p>
+          <a:p>
+            <a:r>
+              <a:rPr lang="en-US" dirty="0"/>
+              <a:t>How to bind programmatic sub-models? Name for model instances!</a:t>
+            </a:r>
+          </a:p>
+          <a:p>
+            <a:r>
+              <a:rPr lang="en-US" dirty="0"/>
+              <a:t>Refine patterns for programmatic connections – defining sources from </a:t>
+            </a:r>
+            <a:r>
+              <a:rPr lang="en-US"/>
+              <a:t>existing models </a:t>
+            </a:r>
+            <a:r>
+              <a:rPr lang="en-US" dirty="0"/>
+              <a:t>(use dot access naming with actual object reference or with strings), grouping IO with easy looping, etc. </a:t>
+            </a:r>
+          </a:p>
+          <a:p>
+            <a:r>
+              <a:rPr lang="en-US" dirty="0"/>
+              <a:t>Helper to wrap algebraic/optimization in explicit</a:t>
+            </a:r>
+          </a:p>
+          <a:p>
+            <a:endParaRPr lang="en-US" dirty="0"/>
+          </a:p>
+        </p:txBody>
+      </p:sp>
+    </p:spTree>
+    <p:extLst>
+      <p:ext uri="{BB962C8B-B14F-4D97-AF65-F5344CB8AC3E}">
+        <p14:creationId xmlns:p14="http://schemas.microsoft.com/office/powerpoint/2010/main" val="2401800815"/>
+      </p:ext>
+    </p:extLst>
+  </p:cSld>
+  <p:clrMapOvr>
+    <a:masterClrMapping/>
+  </p:clrMapOvr>
+</p:sld>
+</file>
+
+<file path=ppt/slides/slide15.xml><?xml version="1.0" encoding="utf-8"?>
+<p:sld xmlns:a="http://schemas.openxmlformats.org/drawingml/2006/main" xmlns:r="http://schemas.openxmlformats.org/officeDocument/2006/relationships" xmlns:p="http://schemas.openxmlformats.org/presentationml/2006/main">
+  <p:cSld>
+    <p:spTree>
+      <p:nvGrpSpPr>
+        <p:cNvPr id="1" name=""/>
+        <p:cNvGrpSpPr/>
+        <p:nvPr/>
+      </p:nvGrpSpPr>
+      <p:grpSpPr>
+        <a:xfrm>
+          <a:off x="0" y="0"/>
+          <a:ext cx="0" cy="0"/>
+          <a:chOff x="0" y="0"/>
+          <a:chExt cx="0" cy="0"/>
+        </a:xfrm>
+      </p:grpSpPr>
+      <p:sp>
+        <p:nvSpPr>
+          <p:cNvPr id="2" name="Title 1">
+            <a:extLst>
+              <a:ext uri="{FF2B5EF4-FFF2-40B4-BE49-F238E27FC236}">
+                <a16:creationId xmlns:a16="http://schemas.microsoft.com/office/drawing/2014/main" id="{75556EA5-F8E5-AB0D-7F52-9D76799C27C6}"/>
+              </a:ext>
+            </a:extLst>
+          </p:cNvPr>
+          <p:cNvSpPr>
+            <a:spLocks noGrp="1"/>
+          </p:cNvSpPr>
+          <p:nvPr>
+            <p:ph type="title"/>
+          </p:nvPr>
+        </p:nvSpPr>
+        <p:spPr/>
+        <p:txBody>
+          <a:bodyPr/>
+          <a:lstStyle/>
+          <a:p>
+            <a:r>
+              <a:rPr lang="en-US" dirty="0"/>
+              <a:t>Future work with more developers</a:t>
+            </a:r>
+          </a:p>
+        </p:txBody>
+      </p:sp>
+      <p:sp>
+        <p:nvSpPr>
+          <p:cNvPr id="3" name="Content Placeholder 2">
+            <a:extLst>
+              <a:ext uri="{FF2B5EF4-FFF2-40B4-BE49-F238E27FC236}">
+                <a16:creationId xmlns:a16="http://schemas.microsoft.com/office/drawing/2014/main" id="{79419A5C-05C7-DC11-8DA0-AA5322EB62F5}"/>
+              </a:ext>
+            </a:extLst>
+          </p:cNvPr>
+          <p:cNvSpPr>
+            <a:spLocks noGrp="1"/>
+          </p:cNvSpPr>
+          <p:nvPr>
+            <p:ph idx="1"/>
+          </p:nvPr>
+        </p:nvSpPr>
+        <p:spPr/>
+        <p:txBody>
+          <a:bodyPr>
+            <a:normAutofit lnSpcReduction="10000"/>
+          </a:bodyPr>
+          <a:lstStyle/>
+          <a:p>
+            <a:r>
+              <a:rPr lang="en-US" dirty="0"/>
+              <a:t>MPI-compiled backend/solver</a:t>
+            </a:r>
+          </a:p>
+          <a:p>
+            <a:r>
+              <a:rPr lang="en-US" dirty="0"/>
+              <a:t>Template for prototyping high performance CFD – like </a:t>
+            </a:r>
+            <a:r>
+              <a:rPr lang="en-US" dirty="0" err="1"/>
+              <a:t>pymbolics</a:t>
+            </a:r>
+            <a:r>
+              <a:rPr lang="en-US" dirty="0"/>
+              <a:t> guy</a:t>
+            </a:r>
+          </a:p>
+          <a:p>
+            <a:r>
+              <a:rPr lang="en-US" dirty="0"/>
+              <a:t>Graphical/web front end</a:t>
+            </a:r>
+          </a:p>
+          <a:p>
+            <a:r>
+              <a:rPr lang="en-US" dirty="0"/>
+              <a:t>Alternate backends (e.g., </a:t>
+            </a:r>
+            <a:r>
+              <a:rPr lang="en-US" dirty="0" err="1"/>
+              <a:t>aesara</a:t>
+            </a:r>
+            <a:r>
+              <a:rPr lang="en-US" dirty="0"/>
+              <a:t>)</a:t>
+            </a:r>
+          </a:p>
+          <a:p>
+            <a:r>
+              <a:rPr lang="en-US" dirty="0"/>
+              <a:t>Compilation/performance optimization</a:t>
+            </a:r>
+          </a:p>
+          <a:p>
+            <a:r>
+              <a:rPr lang="en-US" dirty="0"/>
+              <a:t>TOOL WRAPPERS (with AD)</a:t>
+            </a:r>
+          </a:p>
+          <a:p>
+            <a:pPr lvl="1"/>
+            <a:r>
+              <a:rPr lang="en-US" dirty="0"/>
+              <a:t>SOCP interface</a:t>
+            </a:r>
+          </a:p>
+          <a:p>
+            <a:r>
+              <a:rPr lang="en-US" dirty="0"/>
+              <a:t>Make sure default is parallelizable for e.g., monte </a:t>
+            </a:r>
+            <a:r>
+              <a:rPr lang="en-US" dirty="0" err="1"/>
+              <a:t>carlo</a:t>
+            </a:r>
+            <a:endParaRPr lang="en-US" dirty="0"/>
+          </a:p>
+          <a:p>
+            <a:r>
+              <a:rPr lang="en-US" dirty="0"/>
+              <a:t>Linter configuration to make condor code pass :)</a:t>
+            </a:r>
+          </a:p>
+        </p:txBody>
+      </p:sp>
+    </p:spTree>
+    <p:extLst>
+      <p:ext uri="{BB962C8B-B14F-4D97-AF65-F5344CB8AC3E}">
+        <p14:creationId xmlns:p14="http://schemas.microsoft.com/office/powerpoint/2010/main" val="250215061"/>
+      </p:ext>
+    </p:extLst>
+  </p:cSld>
+  <p:clrMapOvr>
+    <a:masterClrMapping/>
+  </p:clrMapOvr>
+</p:sld>
+</file>
+
+<file path=ppt/slides/slide16.xml><?xml version="1.0" encoding="utf-8"?>
+<p:sld xmlns:a="http://schemas.openxmlformats.org/drawingml/2006/main" xmlns:r="http://schemas.openxmlformats.org/officeDocument/2006/relationships" xmlns:p="http://schemas.openxmlformats.org/presentationml/2006/main">
+  <p:cSld>
+    <p:spTree>
+      <p:nvGrpSpPr>
+        <p:cNvPr id="1" name=""/>
+        <p:cNvGrpSpPr/>
+        <p:nvPr/>
+      </p:nvGrpSpPr>
+      <p:grpSpPr>
+        <a:xfrm>
+          <a:off x="0" y="0"/>
+          <a:ext cx="0" cy="0"/>
+          <a:chOff x="0" y="0"/>
+          <a:chExt cx="0" cy="0"/>
+        </a:xfrm>
+      </p:grpSpPr>
+      <p:sp>
+        <p:nvSpPr>
+          <p:cNvPr id="5" name="Title 4">
+            <a:extLst>
+              <a:ext uri="{FF2B5EF4-FFF2-40B4-BE49-F238E27FC236}">
+                <a16:creationId xmlns:a16="http://schemas.microsoft.com/office/drawing/2014/main" id="{213020FC-B719-5416-C20F-A4695FA1B3D8}"/>
+              </a:ext>
+            </a:extLst>
+          </p:cNvPr>
+          <p:cNvSpPr>
+            <a:spLocks noGrp="1"/>
+          </p:cNvSpPr>
+          <p:nvPr>
+            <p:ph type="title"/>
+          </p:nvPr>
+        </p:nvSpPr>
+        <p:spPr/>
+        <p:txBody>
+          <a:bodyPr/>
+          <a:lstStyle/>
+          <a:p>
+            <a:r>
+              <a:rPr lang="en-US" dirty="0"/>
+              <a:t>Performance Considerations for Trajectory</a:t>
+            </a:r>
+          </a:p>
+        </p:txBody>
+      </p:sp>
+      <p:sp>
+        <p:nvSpPr>
+          <p:cNvPr id="6" name="Content Placeholder 5">
+            <a:extLst>
+              <a:ext uri="{FF2B5EF4-FFF2-40B4-BE49-F238E27FC236}">
+                <a16:creationId xmlns:a16="http://schemas.microsoft.com/office/drawing/2014/main" id="{F7AE7EE5-6AD7-75ED-D683-8B5C46276C4B}"/>
+              </a:ext>
+            </a:extLst>
+          </p:cNvPr>
+          <p:cNvSpPr>
+            <a:spLocks noGrp="1"/>
+          </p:cNvSpPr>
+          <p:nvPr>
+            <p:ph idx="1"/>
+          </p:nvPr>
+        </p:nvSpPr>
+        <p:spPr>
+          <a:xfrm>
+            <a:off x="838200" y="1834678"/>
+            <a:ext cx="10515600" cy="4351338"/>
+          </a:xfrm>
+        </p:spPr>
+        <p:txBody>
+          <a:bodyPr>
+            <a:normAutofit fontScale="62500" lnSpcReduction="20000"/>
+          </a:bodyPr>
+          <a:lstStyle/>
+          <a:p>
+            <a:r>
+              <a:rPr lang="en-US" dirty="0"/>
+              <a:t>Moved to </a:t>
+            </a:r>
+            <a:r>
+              <a:rPr lang="en-US" dirty="0" err="1"/>
+              <a:t>scikits.odes</a:t>
+            </a:r>
+            <a:r>
+              <a:rPr lang="en-US" dirty="0"/>
+              <a:t> CVODE, an implicit solver; implicit may generally be slower but more accurate than explicit? but faster per accuracy? see discussion</a:t>
+            </a:r>
+            <a:r>
+              <a:rPr lang="en-US" baseline="-25000" dirty="0">
+                <a:hlinkClick r:id="rId2"/>
+              </a:rPr>
+              <a:t>://github.com/bmcage/odes/issues/127#issuecomment-923782240</a:t>
+            </a:r>
+            <a:r>
+              <a:rPr lang="en-US" dirty="0"/>
+              <a:t>. </a:t>
+            </a:r>
+          </a:p>
+          <a:p>
+            <a:r>
+              <a:rPr lang="en-US" dirty="0"/>
+              <a:t>May be able to use state ordering so banded </a:t>
+            </a:r>
+            <a:r>
+              <a:rPr lang="en-US" dirty="0" err="1"/>
+              <a:t>jacobian</a:t>
+            </a:r>
+            <a:r>
+              <a:rPr lang="en-US" dirty="0"/>
+              <a:t> can be used. Other solver configuration options may improve performance as well.</a:t>
+            </a:r>
+          </a:p>
+          <a:p>
+            <a:r>
+              <a:rPr lang="en-US" dirty="0"/>
+              <a:t>Implicit means iterative solution at every time step </a:t>
+            </a:r>
+            <a:r>
+              <a:rPr lang="en-US" dirty="0">
+                <a:sym typeface="Wingdings" pitchFamily="2" charset="2"/>
+              </a:rPr>
+              <a:t> solvers (</a:t>
+            </a:r>
+            <a:r>
+              <a:rPr lang="en-US" dirty="0" err="1">
+                <a:sym typeface="Wingdings" pitchFamily="2" charset="2"/>
+              </a:rPr>
+              <a:t>AlgebraicSystem</a:t>
+            </a:r>
+            <a:r>
+              <a:rPr lang="en-US" dirty="0">
+                <a:sym typeface="Wingdings" pitchFamily="2" charset="2"/>
+              </a:rPr>
+              <a:t> or </a:t>
+            </a:r>
+            <a:r>
+              <a:rPr lang="en-US" dirty="0" err="1">
+                <a:sym typeface="Wingdings" pitchFamily="2" charset="2"/>
+              </a:rPr>
+              <a:t>OptimizationProblem</a:t>
+            </a:r>
+            <a:r>
+              <a:rPr lang="en-US" dirty="0">
+                <a:sym typeface="Wingdings" pitchFamily="2" charset="2"/>
+              </a:rPr>
+              <a:t>) for control will likely be worse! They probably need solution conditions lifted to DAE residual. </a:t>
+            </a:r>
+          </a:p>
+          <a:p>
+            <a:r>
+              <a:rPr lang="en-US" dirty="0"/>
+              <a:t>Maybe add explicit solver wrapper following new API. New API is well-organized &amp; can likely wrap </a:t>
+            </a:r>
+            <a:r>
+              <a:rPr lang="en-US" dirty="0" err="1"/>
+              <a:t>explicit+events</a:t>
+            </a:r>
+            <a:r>
+              <a:rPr lang="en-US" dirty="0"/>
+              <a:t> and sundials CVODES/IDA relatively easily. </a:t>
+            </a:r>
+            <a:r>
+              <a:rPr lang="en-US" dirty="0" err="1"/>
+              <a:t>SimuPy</a:t>
+            </a:r>
+            <a:r>
+              <a:rPr lang="en-US" dirty="0"/>
+              <a:t> (explicit solver) version had problems for later orbital problems even though first orbital problem ~twice as fast (consistent with </a:t>
+            </a:r>
+            <a:r>
+              <a:rPr lang="en-US" dirty="0" err="1"/>
+              <a:t>bmcage’s</a:t>
+            </a:r>
+            <a:r>
+              <a:rPr lang="en-US" dirty="0"/>
+              <a:t> optimized example in discussion). Not sure if explicit issues for later orbital resolved by time-yielding</a:t>
+            </a:r>
+          </a:p>
+          <a:p>
+            <a:r>
+              <a:rPr lang="en-US" dirty="0">
+                <a:sym typeface="Wingdings" pitchFamily="2" charset="2"/>
+              </a:rPr>
+              <a:t>Modes definitely need </a:t>
+            </a:r>
+            <a:r>
+              <a:rPr lang="en-US" dirty="0" err="1">
+                <a:sym typeface="Wingdings" pitchFamily="2" charset="2"/>
+              </a:rPr>
+              <a:t>if_else</a:t>
+            </a:r>
+            <a:r>
+              <a:rPr lang="en-US" dirty="0">
+                <a:sym typeface="Wingdings" pitchFamily="2" charset="2"/>
+              </a:rPr>
+              <a:t> control branch instead of *float(bool) for explicit solver. Lifted DAE approach may be less important (although number of residuals may change…)</a:t>
+            </a:r>
+          </a:p>
+          <a:p>
+            <a:r>
+              <a:rPr lang="en-US" dirty="0">
+                <a:sym typeface="Wingdings" pitchFamily="2" charset="2"/>
+              </a:rPr>
+              <a:t>Use the built-in sensitivity method of IDAS/CVODES for the continuous portions, then SGM equations for discontinuities. May be able to minimize storage requirements/accuracy</a:t>
+            </a:r>
+          </a:p>
+          <a:p>
+            <a:endParaRPr lang="en-US" dirty="0"/>
+          </a:p>
+        </p:txBody>
+      </p:sp>
+    </p:spTree>
+    <p:extLst>
+      <p:ext uri="{BB962C8B-B14F-4D97-AF65-F5344CB8AC3E}">
+        <p14:creationId xmlns:p14="http://schemas.microsoft.com/office/powerpoint/2010/main" val="3278655454"/>
+      </p:ext>
+    </p:extLst>
+  </p:cSld>
+  <p:clrMapOvr>
+    <a:masterClrMapping/>
+  </p:clrMapOvr>
+</p:sld>
+</file>
+
+<file path=ppt/slides/slide17.xml><?xml version="1.0" encoding="utf-8"?>
 <p:sld xmlns:a="http://schemas.openxmlformats.org/drawingml/2006/main" xmlns:r="http://schemas.openxmlformats.org/officeDocument/2006/relationships" xmlns:p="http://schemas.openxmlformats.org/presentationml/2006/main">
   <p:cSld>
     <p:spTree>
@@ -7547,7 +8757,7 @@
               <a:rPr lang="en-US" dirty="0">
                 <a:cs typeface="Calibri"/>
               </a:rPr>
-              <a:t>Provide well vetted tools that can do Automatic Differentiation (AD)</a:t>
+              <a:t>Use well vetted tools that can do Automatic Differentiation (AD)</a:t>
             </a:r>
           </a:p>
           <a:p>

--- a/design/condor.pptx
+++ b/design/condor.pptx
@@ -275,7 +275,7 @@
           <a:p>
             <a:fld id="{82C24D50-B70E-6E43-A434-A378B909BA98}" type="datetimeFigureOut">
               <a:rPr lang="en-US" smtClean="0"/>
-              <a:t>9/14/23</a:t>
+              <a:t>9/23/23</a:t>
             </a:fld>
             <a:endParaRPr lang="en-US"/>
           </a:p>
@@ -473,7 +473,7 @@
           <a:p>
             <a:fld id="{82C24D50-B70E-6E43-A434-A378B909BA98}" type="datetimeFigureOut">
               <a:rPr lang="en-US" smtClean="0"/>
-              <a:t>9/14/23</a:t>
+              <a:t>9/23/23</a:t>
             </a:fld>
             <a:endParaRPr lang="en-US"/>
           </a:p>
@@ -681,7 +681,7 @@
           <a:p>
             <a:fld id="{82C24D50-B70E-6E43-A434-A378B909BA98}" type="datetimeFigureOut">
               <a:rPr lang="en-US" smtClean="0"/>
-              <a:t>9/14/23</a:t>
+              <a:t>9/23/23</a:t>
             </a:fld>
             <a:endParaRPr lang="en-US"/>
           </a:p>
@@ -879,7 +879,7 @@
           <a:p>
             <a:fld id="{82C24D50-B70E-6E43-A434-A378B909BA98}" type="datetimeFigureOut">
               <a:rPr lang="en-US" smtClean="0"/>
-              <a:t>9/14/23</a:t>
+              <a:t>9/23/23</a:t>
             </a:fld>
             <a:endParaRPr lang="en-US"/>
           </a:p>
@@ -1154,7 +1154,7 @@
           <a:p>
             <a:fld id="{82C24D50-B70E-6E43-A434-A378B909BA98}" type="datetimeFigureOut">
               <a:rPr lang="en-US" smtClean="0"/>
-              <a:t>9/14/23</a:t>
+              <a:t>9/23/23</a:t>
             </a:fld>
             <a:endParaRPr lang="en-US"/>
           </a:p>
@@ -1419,7 +1419,7 @@
           <a:p>
             <a:fld id="{82C24D50-B70E-6E43-A434-A378B909BA98}" type="datetimeFigureOut">
               <a:rPr lang="en-US" smtClean="0"/>
-              <a:t>9/14/23</a:t>
+              <a:t>9/23/23</a:t>
             </a:fld>
             <a:endParaRPr lang="en-US"/>
           </a:p>
@@ -1831,7 +1831,7 @@
           <a:p>
             <a:fld id="{82C24D50-B70E-6E43-A434-A378B909BA98}" type="datetimeFigureOut">
               <a:rPr lang="en-US" smtClean="0"/>
-              <a:t>9/14/23</a:t>
+              <a:t>9/23/23</a:t>
             </a:fld>
             <a:endParaRPr lang="en-US"/>
           </a:p>
@@ -1972,7 +1972,7 @@
           <a:p>
             <a:fld id="{82C24D50-B70E-6E43-A434-A378B909BA98}" type="datetimeFigureOut">
               <a:rPr lang="en-US" smtClean="0"/>
-              <a:t>9/14/23</a:t>
+              <a:t>9/23/23</a:t>
             </a:fld>
             <a:endParaRPr lang="en-US"/>
           </a:p>
@@ -2085,7 +2085,7 @@
           <a:p>
             <a:fld id="{82C24D50-B70E-6E43-A434-A378B909BA98}" type="datetimeFigureOut">
               <a:rPr lang="en-US" smtClean="0"/>
-              <a:t>9/14/23</a:t>
+              <a:t>9/23/23</a:t>
             </a:fld>
             <a:endParaRPr lang="en-US"/>
           </a:p>
@@ -2396,7 +2396,7 @@
           <a:p>
             <a:fld id="{82C24D50-B70E-6E43-A434-A378B909BA98}" type="datetimeFigureOut">
               <a:rPr lang="en-US" smtClean="0"/>
-              <a:t>9/14/23</a:t>
+              <a:t>9/23/23</a:t>
             </a:fld>
             <a:endParaRPr lang="en-US"/>
           </a:p>
@@ -2684,7 +2684,7 @@
           <a:p>
             <a:fld id="{82C24D50-B70E-6E43-A434-A378B909BA98}" type="datetimeFigureOut">
               <a:rPr lang="en-US" smtClean="0"/>
-              <a:t>9/14/23</a:t>
+              <a:t>9/23/23</a:t>
             </a:fld>
             <a:endParaRPr lang="en-US"/>
           </a:p>
@@ -2925,7 +2925,7 @@
           <a:p>
             <a:fld id="{82C24D50-B70E-6E43-A434-A378B909BA98}" type="datetimeFigureOut">
               <a:rPr lang="en-US" smtClean="0"/>
-              <a:t>9/14/23</a:t>
+              <a:t>9/23/23</a:t>
             </a:fld>
             <a:endParaRPr lang="en-US"/>
           </a:p>
@@ -5691,22 +5691,25 @@
           <a:p>
             <a:r>
               <a:rPr lang="en-US" dirty="0"/>
-              <a:t>Refine patterns for programmatic connections – defining sources from </a:t>
+              <a:t>Refine patterns for programmatic connections – defining sources from existing models (use dot access naming with actual object reference or with strings), grouping IO with easy looping, etc. </a:t>
+            </a:r>
+          </a:p>
+          <a:p>
+            <a:r>
+              <a:rPr lang="en-US" dirty="0"/>
+              <a:t>Helper to wrap algebraic/optimization in explicit</a:t>
+            </a:r>
+          </a:p>
+          <a:p>
+            <a:r>
+              <a:rPr lang="en-US" dirty="0"/>
+              <a:t>Leverage bound sub-models to serialize? Can just save all attributes that are bound and/or initialize </a:t>
             </a:r>
             <a:r>
               <a:rPr lang="en-US"/>
-              <a:t>existing models </a:t>
-            </a:r>
-            <a:r>
-              <a:rPr lang="en-US" dirty="0"/>
-              <a:t>(use dot access naming with actual object reference or with strings), grouping IO with easy looping, etc. </a:t>
-            </a:r>
-          </a:p>
-          <a:p>
-            <a:r>
-              <a:rPr lang="en-US" dirty="0"/>
-              <a:t>Helper to wrap algebraic/optimization in explicit</a:t>
-            </a:r>
+              <a:t>solver state</a:t>
+            </a:r>
+            <a:endParaRPr lang="en-US" dirty="0"/>
           </a:p>
           <a:p>
             <a:endParaRPr lang="en-US" dirty="0"/>

--- a/design/condor.pptx
+++ b/design/condor.pptx
@@ -22,6 +22,7 @@
     <p:sldId id="272" r:id="rId16"/>
     <p:sldId id="270" r:id="rId17"/>
     <p:sldId id="266" r:id="rId18"/>
+    <p:sldId id="274" r:id="rId19"/>
   </p:sldIdLst>
   <p:sldSz cx="12192000" cy="6858000"/>
   <p:notesSz cx="6858000" cy="9144000"/>
@@ -275,7 +276,7 @@
           <a:p>
             <a:fld id="{82C24D50-B70E-6E43-A434-A378B909BA98}" type="datetimeFigureOut">
               <a:rPr lang="en-US" smtClean="0"/>
-              <a:t>9/23/23</a:t>
+              <a:t>9/28/23</a:t>
             </a:fld>
             <a:endParaRPr lang="en-US"/>
           </a:p>
@@ -473,7 +474,7 @@
           <a:p>
             <a:fld id="{82C24D50-B70E-6E43-A434-A378B909BA98}" type="datetimeFigureOut">
               <a:rPr lang="en-US" smtClean="0"/>
-              <a:t>9/23/23</a:t>
+              <a:t>9/28/23</a:t>
             </a:fld>
             <a:endParaRPr lang="en-US"/>
           </a:p>
@@ -681,7 +682,7 @@
           <a:p>
             <a:fld id="{82C24D50-B70E-6E43-A434-A378B909BA98}" type="datetimeFigureOut">
               <a:rPr lang="en-US" smtClean="0"/>
-              <a:t>9/23/23</a:t>
+              <a:t>9/28/23</a:t>
             </a:fld>
             <a:endParaRPr lang="en-US"/>
           </a:p>
@@ -879,7 +880,7 @@
           <a:p>
             <a:fld id="{82C24D50-B70E-6E43-A434-A378B909BA98}" type="datetimeFigureOut">
               <a:rPr lang="en-US" smtClean="0"/>
-              <a:t>9/23/23</a:t>
+              <a:t>9/28/23</a:t>
             </a:fld>
             <a:endParaRPr lang="en-US"/>
           </a:p>
@@ -1154,7 +1155,7 @@
           <a:p>
             <a:fld id="{82C24D50-B70E-6E43-A434-A378B909BA98}" type="datetimeFigureOut">
               <a:rPr lang="en-US" smtClean="0"/>
-              <a:t>9/23/23</a:t>
+              <a:t>9/28/23</a:t>
             </a:fld>
             <a:endParaRPr lang="en-US"/>
           </a:p>
@@ -1419,7 +1420,7 @@
           <a:p>
             <a:fld id="{82C24D50-B70E-6E43-A434-A378B909BA98}" type="datetimeFigureOut">
               <a:rPr lang="en-US" smtClean="0"/>
-              <a:t>9/23/23</a:t>
+              <a:t>9/28/23</a:t>
             </a:fld>
             <a:endParaRPr lang="en-US"/>
           </a:p>
@@ -1831,7 +1832,7 @@
           <a:p>
             <a:fld id="{82C24D50-B70E-6E43-A434-A378B909BA98}" type="datetimeFigureOut">
               <a:rPr lang="en-US" smtClean="0"/>
-              <a:t>9/23/23</a:t>
+              <a:t>9/28/23</a:t>
             </a:fld>
             <a:endParaRPr lang="en-US"/>
           </a:p>
@@ -1972,7 +1973,7 @@
           <a:p>
             <a:fld id="{82C24D50-B70E-6E43-A434-A378B909BA98}" type="datetimeFigureOut">
               <a:rPr lang="en-US" smtClean="0"/>
-              <a:t>9/23/23</a:t>
+              <a:t>9/28/23</a:t>
             </a:fld>
             <a:endParaRPr lang="en-US"/>
           </a:p>
@@ -2085,7 +2086,7 @@
           <a:p>
             <a:fld id="{82C24D50-B70E-6E43-A434-A378B909BA98}" type="datetimeFigureOut">
               <a:rPr lang="en-US" smtClean="0"/>
-              <a:t>9/23/23</a:t>
+              <a:t>9/28/23</a:t>
             </a:fld>
             <a:endParaRPr lang="en-US"/>
           </a:p>
@@ -2396,7 +2397,7 @@
           <a:p>
             <a:fld id="{82C24D50-B70E-6E43-A434-A378B909BA98}" type="datetimeFigureOut">
               <a:rPr lang="en-US" smtClean="0"/>
-              <a:t>9/23/23</a:t>
+              <a:t>9/28/23</a:t>
             </a:fld>
             <a:endParaRPr lang="en-US"/>
           </a:p>
@@ -2684,7 +2685,7 @@
           <a:p>
             <a:fld id="{82C24D50-B70E-6E43-A434-A378B909BA98}" type="datetimeFigureOut">
               <a:rPr lang="en-US" smtClean="0"/>
-              <a:t>9/23/23</a:t>
+              <a:t>9/28/23</a:t>
             </a:fld>
             <a:endParaRPr lang="en-US"/>
           </a:p>
@@ -2925,7 +2926,7 @@
           <a:p>
             <a:fld id="{82C24D50-B70E-6E43-A434-A378B909BA98}" type="datetimeFigureOut">
               <a:rPr lang="en-US" smtClean="0"/>
-              <a:t>9/23/23</a:t>
+              <a:t>9/28/23</a:t>
             </a:fld>
             <a:endParaRPr lang="en-US"/>
           </a:p>
@@ -5668,7 +5669,9 @@
         </p:nvSpPr>
         <p:spPr/>
         <p:txBody>
-          <a:bodyPr/>
+          <a:bodyPr>
+            <a:normAutofit fontScale="70000" lnSpcReduction="20000"/>
+          </a:bodyPr>
           <a:lstStyle/>
           <a:p>
             <a:r>
@@ -5684,7 +5687,7 @@
           </a:p>
           <a:p>
             <a:r>
-              <a:rPr lang="en-US" dirty="0"/>
+              <a:rPr lang="en-US" strike="sngStrike" dirty="0"/>
               <a:t>How to bind programmatic sub-models? Name for model instances!</a:t>
             </a:r>
           </a:p>
@@ -5703,13 +5706,40 @@
           <a:p>
             <a:r>
               <a:rPr lang="en-US" dirty="0"/>
-              <a:t>Leverage bound sub-models to serialize? Can just save all attributes that are bound and/or initialize </a:t>
-            </a:r>
-            <a:r>
-              <a:rPr lang="en-US"/>
-              <a:t>solver state</a:t>
-            </a:r>
-            <a:endParaRPr lang="en-US" dirty="0"/>
+              <a:t>Leverage bound sub-models to serialize? Can just save all attributes that are bound and/or initialize solver state</a:t>
+            </a:r>
+          </a:p>
+          <a:p>
+            <a:r>
+              <a:rPr lang="en-US" dirty="0"/>
+              <a:t>Make implementation layer backend agnostic by forcing compile evaluator (callback/op), </a:t>
+            </a:r>
+          </a:p>
+          <a:p>
+            <a:r>
+              <a:rPr lang="en-US" dirty="0"/>
+              <a:t>Symbolic layer between model and backend for backend-agnostic symbolic manipulations?</a:t>
+            </a:r>
+          </a:p>
+          <a:p>
+            <a:r>
+              <a:rPr lang="en-US" dirty="0"/>
+              <a:t>Serialization? Easy save program state.</a:t>
+            </a:r>
+          </a:p>
+          <a:p>
+            <a:r>
+              <a:rPr lang="en-US" dirty="0"/>
+              <a:t>Add </a:t>
+            </a:r>
+            <a:r>
+              <a:rPr lang="en-US" dirty="0" err="1"/>
+              <a:t>bind_sub_model</a:t>
+            </a:r>
+            <a:r>
+              <a:rPr lang="en-US" dirty="0"/>
+              <a:t> flag (back) to model meta?</a:t>
+            </a:r>
           </a:p>
           <a:p>
             <a:endParaRPr lang="en-US" dirty="0"/>
@@ -6229,6 +6259,194 @@
     <p:extLst>
       <p:ext uri="{BB962C8B-B14F-4D97-AF65-F5344CB8AC3E}">
         <p14:creationId xmlns:p14="http://schemas.microsoft.com/office/powerpoint/2010/main" val="611900226"/>
+      </p:ext>
+    </p:extLst>
+  </p:cSld>
+  <p:clrMapOvr>
+    <a:masterClrMapping/>
+  </p:clrMapOvr>
+</p:sld>
+</file>
+
+<file path=ppt/slides/slide18.xml><?xml version="1.0" encoding="utf-8"?>
+<p:sld xmlns:a="http://schemas.openxmlformats.org/drawingml/2006/main" xmlns:r="http://schemas.openxmlformats.org/officeDocument/2006/relationships" xmlns:p="http://schemas.openxmlformats.org/presentationml/2006/main">
+  <p:cSld>
+    <p:spTree>
+      <p:nvGrpSpPr>
+        <p:cNvPr id="1" name=""/>
+        <p:cNvGrpSpPr/>
+        <p:nvPr/>
+      </p:nvGrpSpPr>
+      <p:grpSpPr>
+        <a:xfrm>
+          <a:off x="0" y="0"/>
+          <a:ext cx="0" cy="0"/>
+          <a:chOff x="0" y="0"/>
+          <a:chExt cx="0" cy="0"/>
+        </a:xfrm>
+      </p:grpSpPr>
+      <p:sp>
+        <p:nvSpPr>
+          <p:cNvPr id="2" name="Title 1">
+            <a:extLst>
+              <a:ext uri="{FF2B5EF4-FFF2-40B4-BE49-F238E27FC236}">
+                <a16:creationId xmlns:a16="http://schemas.microsoft.com/office/drawing/2014/main" id="{5367946B-062B-E299-C3A1-0A958ACDF820}"/>
+              </a:ext>
+            </a:extLst>
+          </p:cNvPr>
+          <p:cNvSpPr>
+            <a:spLocks noGrp="1"/>
+          </p:cNvSpPr>
+          <p:nvPr>
+            <p:ph type="title"/>
+          </p:nvPr>
+        </p:nvSpPr>
+        <p:spPr/>
+        <p:txBody>
+          <a:bodyPr/>
+          <a:lstStyle/>
+          <a:p>
+            <a:endParaRPr lang="en-US"/>
+          </a:p>
+        </p:txBody>
+      </p:sp>
+      <p:sp>
+        <p:nvSpPr>
+          <p:cNvPr id="3" name="Content Placeholder 2">
+            <a:extLst>
+              <a:ext uri="{FF2B5EF4-FFF2-40B4-BE49-F238E27FC236}">
+                <a16:creationId xmlns:a16="http://schemas.microsoft.com/office/drawing/2014/main" id="{D0DDA58B-BBF6-FD38-63C8-9CF6F88A2D02}"/>
+              </a:ext>
+            </a:extLst>
+          </p:cNvPr>
+          <p:cNvSpPr>
+            <a:spLocks noGrp="1"/>
+          </p:cNvSpPr>
+          <p:nvPr>
+            <p:ph idx="1"/>
+          </p:nvPr>
+        </p:nvSpPr>
+        <p:spPr/>
+        <p:txBody>
+          <a:bodyPr>
+            <a:normAutofit fontScale="70000" lnSpcReduction="20000"/>
+          </a:bodyPr>
+          <a:lstStyle/>
+          <a:p>
+            <a:r>
+              <a:rPr lang="en-US" dirty="0"/>
+              <a:t>Try removing clipping and using </a:t>
+            </a:r>
+            <a:r>
+              <a:rPr lang="en-US" dirty="0" err="1"/>
+              <a:t>implicit_output's</a:t>
+            </a:r>
+            <a:r>
+              <a:rPr lang="en-US" dirty="0"/>
+              <a:t> </a:t>
+            </a:r>
+            <a:r>
+              <a:rPr lang="en-US" dirty="0" err="1"/>
+              <a:t>lower_bound</a:t>
+            </a:r>
+            <a:r>
+              <a:rPr lang="en-US" dirty="0"/>
+              <a:t> to enforce positive solution</a:t>
+            </a:r>
+          </a:p>
+          <a:p>
+            <a:r>
+              <a:rPr lang="en-US" dirty="0"/>
+              <a:t>and/or as an optimization problem</a:t>
+            </a:r>
+          </a:p>
+          <a:p>
+            <a:r>
+              <a:rPr lang="en-US" dirty="0"/>
+              <a:t>ascent controller as optimization problem</a:t>
+            </a:r>
+          </a:p>
+          <a:p>
+            <a:r>
+              <a:rPr lang="en-US" dirty="0"/>
+              <a:t>Clean up trajectory? lol</a:t>
+            </a:r>
+          </a:p>
+          <a:p>
+            <a:r>
+              <a:rPr lang="en-US" dirty="0"/>
+              <a:t>Add CL alpha calculation (See Dahlia/Carl chat)</a:t>
+            </a:r>
+          </a:p>
+          <a:p>
+            <a:r>
+              <a:rPr lang="en-US" strike="sngStrike" dirty="0"/>
+              <a:t>Add VROT calculation to statics</a:t>
+            </a:r>
+          </a:p>
+          <a:p>
+            <a:r>
+              <a:rPr lang="en-US" dirty="0"/>
+              <a:t>condor import settings for </a:t>
+            </a:r>
+            <a:r>
+              <a:rPr lang="en-US" dirty="0" err="1"/>
+              <a:t>GasconAnalysis</a:t>
+            </a:r>
+            <a:r>
+              <a:rPr lang="en-US" dirty="0"/>
+              <a:t> to make sure it is using the correct engine deck</a:t>
+            </a:r>
+          </a:p>
+          <a:p>
+            <a:r>
+              <a:rPr lang="en-US" dirty="0"/>
+              <a:t>refactor to use for-loop promotion pattern, make variable names more consistent</a:t>
+            </a:r>
+          </a:p>
+          <a:p>
+            <a:r>
+              <a:rPr lang="en-US" dirty="0"/>
+              <a:t>Aero form factors computation</a:t>
+            </a:r>
+          </a:p>
+          <a:p>
+            <a:r>
+              <a:rPr lang="en-US" dirty="0"/>
+              <a:t>Other GITHUB </a:t>
+            </a:r>
+            <a:r>
+              <a:rPr lang="en-US" dirty="0" err="1"/>
+              <a:t>Gaspy</a:t>
+            </a:r>
+            <a:r>
+              <a:rPr lang="en-US" dirty="0"/>
+              <a:t> </a:t>
+            </a:r>
+            <a:r>
+              <a:rPr lang="en-US" dirty="0" err="1"/>
+              <a:t>todo</a:t>
+            </a:r>
+            <a:endParaRPr lang="en-US" dirty="0"/>
+          </a:p>
+          <a:p>
+            <a:r>
+              <a:rPr lang="en-US" dirty="0"/>
+              <a:t>Propeller idle</a:t>
+            </a:r>
+          </a:p>
+          <a:p>
+            <a:endParaRPr lang="en-US" dirty="0"/>
+          </a:p>
+          <a:p>
+            <a:endParaRPr lang="en-US" dirty="0"/>
+          </a:p>
+        </p:txBody>
+      </p:sp>
+    </p:spTree>
+    <p:extLst>
+      <p:ext uri="{BB962C8B-B14F-4D97-AF65-F5344CB8AC3E}">
+        <p14:creationId xmlns:p14="http://schemas.microsoft.com/office/powerpoint/2010/main" val="3784256872"/>
       </p:ext>
     </p:extLst>
   </p:cSld>

--- a/design/condor.pptx
+++ b/design/condor.pptx
@@ -276,7 +276,7 @@
           <a:p>
             <a:fld id="{82C24D50-B70E-6E43-A434-A378B909BA98}" type="datetimeFigureOut">
               <a:rPr lang="en-US" smtClean="0"/>
-              <a:t>9/28/23</a:t>
+              <a:t>11/6/23</a:t>
             </a:fld>
             <a:endParaRPr lang="en-US"/>
           </a:p>
@@ -474,7 +474,7 @@
           <a:p>
             <a:fld id="{82C24D50-B70E-6E43-A434-A378B909BA98}" type="datetimeFigureOut">
               <a:rPr lang="en-US" smtClean="0"/>
-              <a:t>9/28/23</a:t>
+              <a:t>11/6/23</a:t>
             </a:fld>
             <a:endParaRPr lang="en-US"/>
           </a:p>
@@ -682,7 +682,7 @@
           <a:p>
             <a:fld id="{82C24D50-B70E-6E43-A434-A378B909BA98}" type="datetimeFigureOut">
               <a:rPr lang="en-US" smtClean="0"/>
-              <a:t>9/28/23</a:t>
+              <a:t>11/6/23</a:t>
             </a:fld>
             <a:endParaRPr lang="en-US"/>
           </a:p>
@@ -880,7 +880,7 @@
           <a:p>
             <a:fld id="{82C24D50-B70E-6E43-A434-A378B909BA98}" type="datetimeFigureOut">
               <a:rPr lang="en-US" smtClean="0"/>
-              <a:t>9/28/23</a:t>
+              <a:t>11/6/23</a:t>
             </a:fld>
             <a:endParaRPr lang="en-US"/>
           </a:p>
@@ -1155,7 +1155,7 @@
           <a:p>
             <a:fld id="{82C24D50-B70E-6E43-A434-A378B909BA98}" type="datetimeFigureOut">
               <a:rPr lang="en-US" smtClean="0"/>
-              <a:t>9/28/23</a:t>
+              <a:t>11/6/23</a:t>
             </a:fld>
             <a:endParaRPr lang="en-US"/>
           </a:p>
@@ -1420,7 +1420,7 @@
           <a:p>
             <a:fld id="{82C24D50-B70E-6E43-A434-A378B909BA98}" type="datetimeFigureOut">
               <a:rPr lang="en-US" smtClean="0"/>
-              <a:t>9/28/23</a:t>
+              <a:t>11/6/23</a:t>
             </a:fld>
             <a:endParaRPr lang="en-US"/>
           </a:p>
@@ -1832,7 +1832,7 @@
           <a:p>
             <a:fld id="{82C24D50-B70E-6E43-A434-A378B909BA98}" type="datetimeFigureOut">
               <a:rPr lang="en-US" smtClean="0"/>
-              <a:t>9/28/23</a:t>
+              <a:t>11/6/23</a:t>
             </a:fld>
             <a:endParaRPr lang="en-US"/>
           </a:p>
@@ -1973,7 +1973,7 @@
           <a:p>
             <a:fld id="{82C24D50-B70E-6E43-A434-A378B909BA98}" type="datetimeFigureOut">
               <a:rPr lang="en-US" smtClean="0"/>
-              <a:t>9/28/23</a:t>
+              <a:t>11/6/23</a:t>
             </a:fld>
             <a:endParaRPr lang="en-US"/>
           </a:p>
@@ -2086,7 +2086,7 @@
           <a:p>
             <a:fld id="{82C24D50-B70E-6E43-A434-A378B909BA98}" type="datetimeFigureOut">
               <a:rPr lang="en-US" smtClean="0"/>
-              <a:t>9/28/23</a:t>
+              <a:t>11/6/23</a:t>
             </a:fld>
             <a:endParaRPr lang="en-US"/>
           </a:p>
@@ -2397,7 +2397,7 @@
           <a:p>
             <a:fld id="{82C24D50-B70E-6E43-A434-A378B909BA98}" type="datetimeFigureOut">
               <a:rPr lang="en-US" smtClean="0"/>
-              <a:t>9/28/23</a:t>
+              <a:t>11/6/23</a:t>
             </a:fld>
             <a:endParaRPr lang="en-US"/>
           </a:p>
@@ -2685,7 +2685,7 @@
           <a:p>
             <a:fld id="{82C24D50-B70E-6E43-A434-A378B909BA98}" type="datetimeFigureOut">
               <a:rPr lang="en-US" smtClean="0"/>
-              <a:t>9/28/23</a:t>
+              <a:t>11/6/23</a:t>
             </a:fld>
             <a:endParaRPr lang="en-US"/>
           </a:p>
@@ -2926,7 +2926,7 @@
           <a:p>
             <a:fld id="{82C24D50-B70E-6E43-A434-A378B909BA98}" type="datetimeFigureOut">
               <a:rPr lang="en-US" smtClean="0"/>
-              <a:t>9/28/23</a:t>
+              <a:t>11/6/23</a:t>
             </a:fld>
             <a:endParaRPr lang="en-US"/>
           </a:p>
@@ -5670,7 +5670,7 @@
         <p:spPr/>
         <p:txBody>
           <a:bodyPr>
-            <a:normAutofit fontScale="70000" lnSpcReduction="20000"/>
+            <a:normAutofit fontScale="62500" lnSpcReduction="20000"/>
           </a:bodyPr>
           <a:lstStyle/>
           <a:p>
@@ -5724,8 +5724,37 @@
           <a:p>
             <a:r>
               <a:rPr lang="en-US" dirty="0"/>
-              <a:t>Serialization? Easy save program state.</a:t>
-            </a:r>
+              <a:t>Serialization? Easy save program state. </a:t>
+            </a:r>
+            <a:r>
+              <a:rPr lang="en-US" i="1" dirty="0"/>
+              <a:t>It </a:t>
+            </a:r>
+            <a:r>
+              <a:rPr lang="en-US" i="1" dirty="0" err="1"/>
+              <a:t>kinda</a:t>
+            </a:r>
+            <a:r>
+              <a:rPr lang="en-US" i="1" dirty="0"/>
+              <a:t> just works to use </a:t>
+            </a:r>
+            <a:r>
+              <a:rPr lang="en-US" i="1" dirty="0" err="1"/>
+              <a:t>numpy</a:t>
+            </a:r>
+            <a:r>
+              <a:rPr lang="en-US" i="1" dirty="0"/>
+              <a:t> </a:t>
+            </a:r>
+            <a:r>
+              <a:rPr lang="en-US" i="1" dirty="0" err="1"/>
+              <a:t>savez</a:t>
+            </a:r>
+            <a:r>
+              <a:rPr lang="en-US" i="1" dirty="0"/>
+              <a:t> with the IO fields</a:t>
+            </a:r>
+            <a:endParaRPr lang="en-US" dirty="0"/>
           </a:p>
           <a:p>
             <a:r>
@@ -5742,7 +5771,10 @@
             </a:r>
           </a:p>
           <a:p>
-            <a:endParaRPr lang="en-US" dirty="0"/>
+            <a:r>
+              <a:rPr lang="en-US" dirty="0"/>
+              <a:t>Make more magic/automatic conversion between base symbols and the backend symbol class? Maybe just need to add __op__ methods for base symbol</a:t>
+            </a:r>
           </a:p>
         </p:txBody>
       </p:sp>

--- a/design/condor.pptx
+++ b/design/condor.pptx
@@ -5718,8 +5718,13 @@
           <a:p>
             <a:r>
               <a:rPr lang="en-US" dirty="0"/>
-              <a:t>Symbolic layer between model and backend for backend-agnostic symbolic manipulations?</a:t>
-            </a:r>
+              <a:t>Symbolic layer between model and backend for backend-agnostic symbolic manipulations? </a:t>
+            </a:r>
+            <a:r>
+              <a:rPr lang="en-US"/>
+              <a:t>Maybe just need to add __op__ methods for base symbol. </a:t>
+            </a:r>
+            <a:endParaRPr lang="en-US" dirty="0"/>
           </a:p>
           <a:p>
             <a:r>
@@ -5773,7 +5778,7 @@
           <a:p>
             <a:r>
               <a:rPr lang="en-US" dirty="0"/>
-              <a:t>Make more magic/automatic conversion between base symbols and the backend symbol class? Maybe just need to add __op__ methods for base symbol</a:t>
+              <a:t>Make more magic/automatic conversion between base symbols and the backend symbol class? </a:t>
             </a:r>
           </a:p>
         </p:txBody>
